--- a/PowerPoint Slides/13 - Subprograms.pptx
+++ b/PowerPoint Slides/13 - Subprograms.pptx
@@ -71,7 +71,7 @@
     <p:sldId id="310" r:id="rId59"/>
   </p:sldIdLst>
   <p:sldSz cx="9144000" cy="6858000" type="screen4x3"/>
-  <p:notesSz cx="7010400" cy="9296400"/>
+  <p:notesSz cx="7315200" cy="9601200"/>
   <p:defaultTextStyle>
     <a:defPPr>
       <a:defRPr lang="en-US"/>
@@ -214,12 +214,12 @@
     </p:ext>
     <p:ext uri="{2D200454-40CA-4A62-9FC3-DE9A4176ACB9}">
       <p15:notesGuideLst xmlns:p15="http://schemas.microsoft.com/office/powerpoint/2012/main">
-        <p15:guide id="1" orient="horz" pos="2928">
+        <p15:guide id="1" orient="horz" pos="3024" userDrawn="1">
           <p15:clr>
             <a:srgbClr val="A4A3A4"/>
           </p15:clr>
         </p15:guide>
-        <p15:guide id="2" pos="2208">
+        <p15:guide id="2" pos="2304" userDrawn="1">
           <p15:clr>
             <a:srgbClr val="A4A3A4"/>
           </p15:clr>
@@ -267,8 +267,8 @@
         </p:nvSpPr>
         <p:spPr bwMode="auto">
           <a:xfrm>
-            <a:off x="3971925" y="0"/>
-            <a:ext cx="3038475" cy="465138"/>
+            <a:off x="4144618" y="0"/>
+            <a:ext cx="3170583" cy="480388"/>
           </a:xfrm>
           <a:prstGeom prst="rect">
             <a:avLst/>
@@ -283,13 +283,13 @@
           <a:effectLst/>
         </p:spPr>
         <p:txBody>
-          <a:bodyPr vert="horz" wrap="square" lIns="93168" tIns="46584" rIns="93168" bIns="46584" numCol="1" anchor="t" anchorCtr="0" compatLnSpc="1">
+          <a:bodyPr vert="horz" wrap="square" lIns="96643" tIns="48322" rIns="96643" bIns="48322" numCol="1" anchor="t" anchorCtr="0" compatLnSpc="1">
             <a:prstTxWarp prst="textNoShape">
               <a:avLst/>
             </a:prstTxWarp>
           </a:bodyPr>
           <a:lstStyle>
-            <a:lvl1pPr algn="r" defTabSz="931670">
+            <a:lvl1pPr algn="r" defTabSz="966421">
               <a:defRPr sz="1200"/>
             </a:lvl1pPr>
           </a:lstStyle>
@@ -318,8 +318,8 @@
         </p:nvSpPr>
         <p:spPr bwMode="auto">
           <a:xfrm>
-            <a:off x="3971925" y="8831263"/>
-            <a:ext cx="3038475" cy="465137"/>
+            <a:off x="4144618" y="9120813"/>
+            <a:ext cx="3170583" cy="480387"/>
           </a:xfrm>
           <a:prstGeom prst="rect">
             <a:avLst/>
@@ -334,13 +334,13 @@
           <a:effectLst/>
         </p:spPr>
         <p:txBody>
-          <a:bodyPr vert="horz" wrap="square" lIns="93168" tIns="46584" rIns="93168" bIns="46584" numCol="1" anchor="b" anchorCtr="0" compatLnSpc="1">
+          <a:bodyPr vert="horz" wrap="square" lIns="96643" tIns="48322" rIns="96643" bIns="48322" numCol="1" anchor="b" anchorCtr="0" compatLnSpc="1">
             <a:prstTxWarp prst="textNoShape">
               <a:avLst/>
             </a:prstTxWarp>
           </a:bodyPr>
           <a:lstStyle>
-            <a:lvl1pPr algn="r" defTabSz="931670">
+            <a:lvl1pPr algn="r" defTabSz="966421">
               <a:defRPr sz="1200"/>
             </a:lvl1pPr>
           </a:lstStyle>
@@ -419,7 +419,7 @@
         <p:spPr bwMode="auto">
           <a:xfrm>
             <a:off x="0" y="0"/>
-            <a:ext cx="3038475" cy="465138"/>
+            <a:ext cx="3170583" cy="480388"/>
           </a:xfrm>
           <a:prstGeom prst="rect">
             <a:avLst/>
@@ -434,13 +434,13 @@
           <a:effectLst/>
         </p:spPr>
         <p:txBody>
-          <a:bodyPr vert="horz" wrap="square" lIns="93168" tIns="46584" rIns="93168" bIns="46584" numCol="1" anchor="t" anchorCtr="0" compatLnSpc="1">
+          <a:bodyPr vert="horz" wrap="square" lIns="96643" tIns="48322" rIns="96643" bIns="48322" numCol="1" anchor="t" anchorCtr="0" compatLnSpc="1">
             <a:prstTxWarp prst="textNoShape">
               <a:avLst/>
             </a:prstTxWarp>
           </a:bodyPr>
           <a:lstStyle>
-            <a:lvl1pPr algn="l" defTabSz="931670">
+            <a:lvl1pPr algn="l" defTabSz="966421">
               <a:defRPr sz="1200"/>
             </a:lvl1pPr>
           </a:lstStyle>
@@ -467,8 +467,8 @@
         </p:nvSpPr>
         <p:spPr bwMode="auto">
           <a:xfrm>
-            <a:off x="3971925" y="0"/>
-            <a:ext cx="3038475" cy="465138"/>
+            <a:off x="4144618" y="0"/>
+            <a:ext cx="3170583" cy="480388"/>
           </a:xfrm>
           <a:prstGeom prst="rect">
             <a:avLst/>
@@ -483,13 +483,13 @@
           <a:effectLst/>
         </p:spPr>
         <p:txBody>
-          <a:bodyPr vert="horz" wrap="square" lIns="93168" tIns="46584" rIns="93168" bIns="46584" numCol="1" anchor="t" anchorCtr="0" compatLnSpc="1">
+          <a:bodyPr vert="horz" wrap="square" lIns="96643" tIns="48322" rIns="96643" bIns="48322" numCol="1" anchor="t" anchorCtr="0" compatLnSpc="1">
             <a:prstTxWarp prst="textNoShape">
               <a:avLst/>
             </a:prstTxWarp>
           </a:bodyPr>
           <a:lstStyle>
-            <a:lvl1pPr algn="r" defTabSz="931670">
+            <a:lvl1pPr algn="r" defTabSz="966421">
               <a:defRPr sz="1200"/>
             </a:lvl1pPr>
           </a:lstStyle>
@@ -513,8 +513,8 @@
         </p:nvSpPr>
         <p:spPr bwMode="auto">
           <a:xfrm>
-            <a:off x="1181100" y="696913"/>
-            <a:ext cx="4648200" cy="3486150"/>
+            <a:off x="1257300" y="719138"/>
+            <a:ext cx="4800600" cy="3600450"/>
           </a:xfrm>
           <a:prstGeom prst="rect">
             <a:avLst/>
@@ -542,8 +542,8 @@
         </p:nvSpPr>
         <p:spPr bwMode="auto">
           <a:xfrm>
-            <a:off x="935038" y="4416425"/>
-            <a:ext cx="5140325" cy="4183063"/>
+            <a:off x="975693" y="4561226"/>
+            <a:ext cx="5363817" cy="4320213"/>
           </a:xfrm>
           <a:prstGeom prst="rect">
             <a:avLst/>
@@ -558,7 +558,7 @@
           <a:effectLst/>
         </p:spPr>
         <p:txBody>
-          <a:bodyPr vert="horz" wrap="square" lIns="93168" tIns="46584" rIns="93168" bIns="46584" numCol="1" anchor="t" anchorCtr="0" compatLnSpc="1">
+          <a:bodyPr vert="horz" wrap="square" lIns="96643" tIns="48322" rIns="96643" bIns="48322" numCol="1" anchor="t" anchorCtr="0" compatLnSpc="1">
             <a:prstTxWarp prst="textNoShape">
               <a:avLst/>
             </a:prstTxWarp>
@@ -613,8 +613,8 @@
         </p:nvSpPr>
         <p:spPr bwMode="auto">
           <a:xfrm>
-            <a:off x="0" y="8831263"/>
-            <a:ext cx="3038475" cy="465137"/>
+            <a:off x="0" y="9120813"/>
+            <a:ext cx="3170583" cy="480387"/>
           </a:xfrm>
           <a:prstGeom prst="rect">
             <a:avLst/>
@@ -629,13 +629,13 @@
           <a:effectLst/>
         </p:spPr>
         <p:txBody>
-          <a:bodyPr vert="horz" wrap="square" lIns="93168" tIns="46584" rIns="93168" bIns="46584" numCol="1" anchor="b" anchorCtr="0" compatLnSpc="1">
+          <a:bodyPr vert="horz" wrap="square" lIns="96643" tIns="48322" rIns="96643" bIns="48322" numCol="1" anchor="b" anchorCtr="0" compatLnSpc="1">
             <a:prstTxWarp prst="textNoShape">
               <a:avLst/>
             </a:prstTxWarp>
           </a:bodyPr>
           <a:lstStyle>
-            <a:lvl1pPr algn="l" defTabSz="931670">
+            <a:lvl1pPr algn="l" defTabSz="966421">
               <a:defRPr sz="1200"/>
             </a:lvl1pPr>
           </a:lstStyle>
@@ -659,8 +659,8 @@
         </p:nvSpPr>
         <p:spPr bwMode="auto">
           <a:xfrm>
-            <a:off x="3971925" y="8831263"/>
-            <a:ext cx="3038475" cy="465137"/>
+            <a:off x="4144618" y="9120813"/>
+            <a:ext cx="3170583" cy="480387"/>
           </a:xfrm>
           <a:prstGeom prst="rect">
             <a:avLst/>
@@ -675,13 +675,13 @@
           <a:effectLst/>
         </p:spPr>
         <p:txBody>
-          <a:bodyPr vert="horz" wrap="square" lIns="93168" tIns="46584" rIns="93168" bIns="46584" numCol="1" anchor="b" anchorCtr="0" compatLnSpc="1">
+          <a:bodyPr vert="horz" wrap="square" lIns="96643" tIns="48322" rIns="96643" bIns="48322" numCol="1" anchor="b" anchorCtr="0" compatLnSpc="1">
             <a:prstTxWarp prst="textNoShape">
               <a:avLst/>
             </a:prstTxWarp>
           </a:bodyPr>
           <a:lstStyle>
-            <a:lvl1pPr algn="r" defTabSz="931670">
+            <a:lvl1pPr algn="r" defTabSz="966421">
               <a:defRPr sz="1200"/>
             </a:lvl1pPr>
           </a:lstStyle>
@@ -868,7 +868,7 @@
           <a:bodyPr/>
           <a:lstStyle/>
           <a:p>
-            <a:pPr defTabSz="930275"/>
+            <a:pPr defTabSz="964974"/>
             <a:r>
               <a:rPr lang="en-US"/>
               <a:t>Subprograms</a:t>
@@ -893,10 +893,10 @@
           <a:bodyPr/>
           <a:lstStyle/>
           <a:p>
-            <a:pPr defTabSz="930275"/>
+            <a:pPr defTabSz="964974"/>
             <a:fld id="{92CAFDEE-A529-4113-A992-ABDE1DFB9186}" type="slidenum">
               <a:rPr lang="en-US" smtClean="0"/>
-              <a:pPr defTabSz="930275"/>
+              <a:pPr defTabSz="964974"/>
               <a:t>1</a:t>
             </a:fld>
             <a:endParaRPr lang="en-US"/>
@@ -1023,7 +1023,7 @@
           <a:bodyPr/>
           <a:lstStyle/>
           <a:p>
-            <a:pPr defTabSz="930275"/>
+            <a:pPr defTabSz="964974"/>
             <a:r>
               <a:rPr lang="en-US"/>
               <a:t>Subprograms</a:t>
@@ -1048,10 +1048,10 @@
           <a:bodyPr/>
           <a:lstStyle/>
           <a:p>
-            <a:pPr defTabSz="930275"/>
+            <a:pPr defTabSz="964974"/>
             <a:fld id="{EB7972A9-078D-4C96-9A05-F5C8A4AEC107}" type="slidenum">
               <a:rPr lang="en-US" smtClean="0"/>
-              <a:pPr defTabSz="930275"/>
+              <a:pPr defTabSz="964974"/>
               <a:t>12</a:t>
             </a:fld>
             <a:endParaRPr lang="en-US"/>
@@ -1375,7 +1375,7 @@
           <a:bodyPr/>
           <a:lstStyle/>
           <a:p>
-            <a:pPr defTabSz="931774"/>
+            <a:pPr defTabSz="966529"/>
             <a:r>
               <a:rPr lang="en-US" dirty="0"/>
               <a:t>Constraint Analysis</a:t>
@@ -1400,10 +1400,10 @@
           <a:bodyPr/>
           <a:lstStyle/>
           <a:p>
-            <a:pPr defTabSz="931774"/>
+            <a:pPr defTabSz="966529"/>
             <a:fld id="{14BBFF45-95E4-44E8-9F2E-8B751949D653}" type="slidenum">
               <a:rPr lang="en-US" smtClean="0"/>
-              <a:pPr defTabSz="931774"/>
+              <a:pPr defTabSz="966529"/>
               <a:t>15</a:t>
             </a:fld>
             <a:endParaRPr lang="en-US" dirty="0"/>
@@ -1610,7 +1610,7 @@
           <a:bodyPr/>
           <a:lstStyle/>
           <a:p>
-            <a:pPr defTabSz="930275"/>
+            <a:pPr defTabSz="964974"/>
             <a:r>
               <a:rPr lang="en-US"/>
               <a:t>Subprograms</a:t>
@@ -1635,10 +1635,10 @@
           <a:bodyPr/>
           <a:lstStyle/>
           <a:p>
-            <a:pPr defTabSz="930275"/>
+            <a:pPr defTabSz="964974"/>
             <a:fld id="{E3C060E8-07A0-4097-86CE-B741702B405C}" type="slidenum">
               <a:rPr lang="en-US" smtClean="0"/>
-              <a:pPr defTabSz="930275"/>
+              <a:pPr defTabSz="964974"/>
               <a:t>17</a:t>
             </a:fld>
             <a:endParaRPr lang="en-US"/>
@@ -1728,7 +1728,7 @@
           <a:bodyPr/>
           <a:lstStyle/>
           <a:p>
-            <a:pPr defTabSz="930275"/>
+            <a:pPr defTabSz="964974"/>
             <a:r>
               <a:rPr lang="en-US"/>
               <a:t>Subprograms</a:t>
@@ -1753,10 +1753,10 @@
           <a:bodyPr/>
           <a:lstStyle/>
           <a:p>
-            <a:pPr defTabSz="930275"/>
+            <a:pPr defTabSz="964974"/>
             <a:fld id="{E3C060E8-07A0-4097-86CE-B741702B405C}" type="slidenum">
               <a:rPr lang="en-US" smtClean="0"/>
-              <a:pPr defTabSz="930275"/>
+              <a:pPr defTabSz="964974"/>
               <a:t>18</a:t>
             </a:fld>
             <a:endParaRPr lang="en-US"/>
@@ -1846,7 +1846,7 @@
           <a:bodyPr/>
           <a:lstStyle/>
           <a:p>
-            <a:pPr defTabSz="930275"/>
+            <a:pPr defTabSz="964974"/>
             <a:r>
               <a:rPr lang="en-US"/>
               <a:t>Subprograms</a:t>
@@ -1871,10 +1871,10 @@
           <a:bodyPr/>
           <a:lstStyle/>
           <a:p>
-            <a:pPr defTabSz="930275"/>
+            <a:pPr defTabSz="964974"/>
             <a:fld id="{CFD82E65-4A99-464B-9822-320074BC2484}" type="slidenum">
               <a:rPr lang="en-US" smtClean="0"/>
-              <a:pPr defTabSz="930275"/>
+              <a:pPr defTabSz="964974"/>
               <a:t>19</a:t>
             </a:fld>
             <a:endParaRPr lang="en-US"/>
@@ -1964,7 +1964,7 @@
           <a:bodyPr/>
           <a:lstStyle/>
           <a:p>
-            <a:pPr defTabSz="930275"/>
+            <a:pPr defTabSz="964974"/>
             <a:r>
               <a:rPr lang="en-US"/>
               <a:t>Subprograms</a:t>
@@ -1989,10 +1989,10 @@
           <a:bodyPr/>
           <a:lstStyle/>
           <a:p>
-            <a:pPr defTabSz="930275"/>
+            <a:pPr defTabSz="964974"/>
             <a:fld id="{275314F5-DC0F-409F-8DD6-E8BBC59DC18E}" type="slidenum">
               <a:rPr lang="en-US" smtClean="0"/>
-              <a:pPr defTabSz="930275"/>
+              <a:pPr defTabSz="964974"/>
               <a:t>20</a:t>
             </a:fld>
             <a:endParaRPr lang="en-US"/>
@@ -2199,7 +2199,7 @@
           <a:bodyPr/>
           <a:lstStyle/>
           <a:p>
-            <a:pPr defTabSz="930275"/>
+            <a:pPr defTabSz="964974"/>
             <a:r>
               <a:rPr lang="en-US"/>
               <a:t>Runtime Organization</a:t>
@@ -2224,10 +2224,10 @@
           <a:bodyPr/>
           <a:lstStyle/>
           <a:p>
-            <a:pPr defTabSz="930275"/>
+            <a:pPr defTabSz="964974"/>
             <a:fld id="{836B8560-6F72-4CD3-9FA8-66EEB1BFE126}" type="slidenum">
               <a:rPr lang="en-US" smtClean="0"/>
-              <a:pPr defTabSz="930275"/>
+              <a:pPr defTabSz="964974"/>
               <a:t>2</a:t>
             </a:fld>
             <a:endParaRPr lang="en-US"/>
@@ -2434,7 +2434,7 @@
           <a:bodyPr/>
           <a:lstStyle/>
           <a:p>
-            <a:pPr defTabSz="930275"/>
+            <a:pPr defTabSz="964974"/>
             <a:r>
               <a:rPr lang="en-US"/>
               <a:t>Subprograms</a:t>
@@ -2459,10 +2459,10 @@
           <a:bodyPr/>
           <a:lstStyle/>
           <a:p>
-            <a:pPr defTabSz="930275"/>
+            <a:pPr defTabSz="964974"/>
             <a:fld id="{075CFEEC-27A7-4324-B2F7-29E65C8E0D3B}" type="slidenum">
               <a:rPr lang="en-US" smtClean="0"/>
-              <a:pPr defTabSz="930275"/>
+              <a:pPr defTabSz="964974"/>
               <a:t>23</a:t>
             </a:fld>
             <a:endParaRPr lang="en-US"/>
@@ -2552,7 +2552,7 @@
           <a:bodyPr/>
           <a:lstStyle/>
           <a:p>
-            <a:pPr defTabSz="930275"/>
+            <a:pPr defTabSz="964974"/>
             <a:r>
               <a:rPr lang="en-US"/>
               <a:t>Subprograms</a:t>
@@ -2577,10 +2577,10 @@
           <a:bodyPr/>
           <a:lstStyle/>
           <a:p>
-            <a:pPr defTabSz="930275"/>
+            <a:pPr defTabSz="964974"/>
             <a:fld id="{075CFEEC-27A7-4324-B2F7-29E65C8E0D3B}" type="slidenum">
               <a:rPr lang="en-US" smtClean="0"/>
-              <a:pPr defTabSz="930275"/>
+              <a:pPr defTabSz="964974"/>
               <a:t>27</a:t>
             </a:fld>
             <a:endParaRPr lang="en-US"/>
@@ -2670,7 +2670,7 @@
           <a:bodyPr/>
           <a:lstStyle/>
           <a:p>
-            <a:pPr defTabSz="930275"/>
+            <a:pPr defTabSz="964974"/>
             <a:r>
               <a:rPr lang="en-US"/>
               <a:t>Subprograms</a:t>
@@ -2695,10 +2695,10 @@
           <a:bodyPr/>
           <a:lstStyle/>
           <a:p>
-            <a:pPr defTabSz="930275"/>
+            <a:pPr defTabSz="964974"/>
             <a:fld id="{6AABD8DE-277E-4E2D-975F-03CE0BD20194}" type="slidenum">
               <a:rPr lang="en-US" smtClean="0"/>
-              <a:pPr defTabSz="930275"/>
+              <a:pPr defTabSz="964974"/>
               <a:t>35</a:t>
             </a:fld>
             <a:endParaRPr lang="en-US"/>
@@ -2788,7 +2788,7 @@
           <a:bodyPr/>
           <a:lstStyle/>
           <a:p>
-            <a:pPr defTabSz="930275"/>
+            <a:pPr defTabSz="964974"/>
             <a:r>
               <a:rPr lang="en-US"/>
               <a:t>Subprograms</a:t>
@@ -2813,10 +2813,10 @@
           <a:bodyPr/>
           <a:lstStyle/>
           <a:p>
-            <a:pPr defTabSz="930275"/>
+            <a:pPr defTabSz="964974"/>
             <a:fld id="{D8DD6345-1170-48A5-985B-EC96D61CA5D8}" type="slidenum">
               <a:rPr lang="en-US" smtClean="0"/>
-              <a:pPr defTabSz="930275"/>
+              <a:pPr defTabSz="964974"/>
               <a:t>36</a:t>
             </a:fld>
             <a:endParaRPr lang="en-US"/>
@@ -2906,7 +2906,7 @@
           <a:bodyPr/>
           <a:lstStyle/>
           <a:p>
-            <a:pPr defTabSz="930275"/>
+            <a:pPr defTabSz="964974"/>
             <a:r>
               <a:rPr lang="en-US"/>
               <a:t>Subprograms</a:t>
@@ -2931,10 +2931,10 @@
           <a:bodyPr/>
           <a:lstStyle/>
           <a:p>
-            <a:pPr defTabSz="930275"/>
+            <a:pPr defTabSz="964974"/>
             <a:fld id="{2FDE86E9-4526-4E85-8D5C-6C553B334C97}" type="slidenum">
               <a:rPr lang="en-US" smtClean="0"/>
-              <a:pPr defTabSz="930275"/>
+              <a:pPr defTabSz="964974"/>
               <a:t>39</a:t>
             </a:fld>
             <a:endParaRPr lang="en-US"/>
@@ -3258,7 +3258,7 @@
           <a:bodyPr/>
           <a:lstStyle/>
           <a:p>
-            <a:pPr defTabSz="930275"/>
+            <a:pPr defTabSz="964974"/>
             <a:r>
               <a:rPr lang="en-US"/>
               <a:t>Subprograms</a:t>
@@ -3283,10 +3283,10 @@
           <a:bodyPr/>
           <a:lstStyle/>
           <a:p>
-            <a:pPr defTabSz="930275"/>
+            <a:pPr defTabSz="964974"/>
             <a:fld id="{662CC49B-6813-45E9-B161-6D1C4C664607}" type="slidenum">
               <a:rPr lang="en-US" smtClean="0"/>
-              <a:pPr defTabSz="930275"/>
+              <a:pPr defTabSz="964974"/>
               <a:t>45</a:t>
             </a:fld>
             <a:endParaRPr lang="en-US"/>
@@ -3376,7 +3376,7 @@
           <a:bodyPr/>
           <a:lstStyle/>
           <a:p>
-            <a:pPr defTabSz="930275"/>
+            <a:pPr defTabSz="964974"/>
             <a:r>
               <a:rPr lang="en-US"/>
               <a:t>Subprograms</a:t>
@@ -3401,10 +3401,10 @@
           <a:bodyPr/>
           <a:lstStyle/>
           <a:p>
-            <a:pPr defTabSz="930275"/>
+            <a:pPr defTabSz="964974"/>
             <a:fld id="{93AFA024-7C4D-4338-9A21-2A5F7BE59F73}" type="slidenum">
               <a:rPr lang="en-US" smtClean="0"/>
-              <a:pPr defTabSz="930275"/>
+              <a:pPr defTabSz="964974"/>
               <a:t>47</a:t>
             </a:fld>
             <a:endParaRPr lang="en-US"/>
@@ -3494,7 +3494,7 @@
           <a:bodyPr/>
           <a:lstStyle/>
           <a:p>
-            <a:pPr defTabSz="930275"/>
+            <a:pPr defTabSz="964974"/>
             <a:r>
               <a:rPr lang="en-US"/>
               <a:t>Runtime Organization</a:t>
@@ -3519,10 +3519,10 @@
           <a:bodyPr/>
           <a:lstStyle/>
           <a:p>
-            <a:pPr defTabSz="930275"/>
+            <a:pPr defTabSz="964974"/>
             <a:fld id="{995EBB9F-4EA1-4F12-B672-467C2DE522FF}" type="slidenum">
               <a:rPr lang="en-US" smtClean="0"/>
-              <a:pPr defTabSz="930275"/>
+              <a:pPr defTabSz="964974"/>
               <a:t>3</a:t>
             </a:fld>
             <a:endParaRPr lang="en-US"/>
@@ -3612,7 +3612,7 @@
           <a:bodyPr/>
           <a:lstStyle/>
           <a:p>
-            <a:pPr defTabSz="930275"/>
+            <a:pPr defTabSz="964974"/>
             <a:r>
               <a:rPr lang="en-US"/>
               <a:t>Subprograms</a:t>
@@ -3637,10 +3637,10 @@
           <a:bodyPr/>
           <a:lstStyle/>
           <a:p>
-            <a:pPr defTabSz="930275"/>
+            <a:pPr defTabSz="964974"/>
             <a:fld id="{93AFA024-7C4D-4338-9A21-2A5F7BE59F73}" type="slidenum">
               <a:rPr lang="en-US" smtClean="0"/>
-              <a:pPr defTabSz="930275"/>
+              <a:pPr defTabSz="964974"/>
               <a:t>48</a:t>
             </a:fld>
             <a:endParaRPr lang="en-US"/>
@@ -3964,7 +3964,7 @@
           <a:bodyPr/>
           <a:lstStyle/>
           <a:p>
-            <a:pPr defTabSz="930275"/>
+            <a:pPr defTabSz="964974"/>
             <a:r>
               <a:rPr lang="en-US"/>
               <a:t>Subprograms</a:t>
@@ -3989,10 +3989,10 @@
           <a:bodyPr/>
           <a:lstStyle/>
           <a:p>
-            <a:pPr defTabSz="930275"/>
+            <a:pPr defTabSz="964974"/>
             <a:fld id="{6AABD8DE-277E-4E2D-975F-03CE0BD20194}" type="slidenum">
               <a:rPr lang="en-US" smtClean="0"/>
-              <a:pPr defTabSz="930275"/>
+              <a:pPr defTabSz="964974"/>
               <a:t>51</a:t>
             </a:fld>
             <a:endParaRPr lang="en-US"/>
@@ -4082,7 +4082,7 @@
           <a:bodyPr/>
           <a:lstStyle/>
           <a:p>
-            <a:pPr defTabSz="930275"/>
+            <a:pPr defTabSz="964974"/>
             <a:r>
               <a:rPr lang="en-US"/>
               <a:t>Subprograms</a:t>
@@ -4107,10 +4107,10 @@
           <a:bodyPr/>
           <a:lstStyle/>
           <a:p>
-            <a:pPr defTabSz="930275"/>
+            <a:pPr defTabSz="964974"/>
             <a:fld id="{D8DD6345-1170-48A5-985B-EC96D61CA5D8}" type="slidenum">
               <a:rPr lang="en-US" smtClean="0"/>
-              <a:pPr defTabSz="930275"/>
+              <a:pPr defTabSz="964974"/>
               <a:t>52</a:t>
             </a:fld>
             <a:endParaRPr lang="en-US"/>
@@ -4434,7 +4434,7 @@
           <a:bodyPr/>
           <a:lstStyle/>
           <a:p>
-            <a:pPr defTabSz="930275"/>
+            <a:pPr defTabSz="964974"/>
             <a:r>
               <a:rPr lang="en-US"/>
               <a:t>Subprograms</a:t>
@@ -4459,10 +4459,10 @@
           <a:bodyPr/>
           <a:lstStyle/>
           <a:p>
-            <a:pPr defTabSz="930275"/>
+            <a:pPr defTabSz="964974"/>
             <a:fld id="{6AABD8DE-277E-4E2D-975F-03CE0BD20194}" type="slidenum">
               <a:rPr lang="en-US" smtClean="0"/>
-              <a:pPr defTabSz="930275"/>
+              <a:pPr defTabSz="964974"/>
               <a:t>55</a:t>
             </a:fld>
             <a:endParaRPr lang="en-US"/>
@@ -4552,7 +4552,7 @@
           <a:bodyPr/>
           <a:lstStyle/>
           <a:p>
-            <a:pPr defTabSz="930275"/>
+            <a:pPr defTabSz="964974"/>
             <a:r>
               <a:rPr lang="en-US"/>
               <a:t>Subprograms</a:t>
@@ -4577,10 +4577,10 @@
           <a:bodyPr/>
           <a:lstStyle/>
           <a:p>
-            <a:pPr defTabSz="930275"/>
+            <a:pPr defTabSz="964974"/>
             <a:fld id="{D8DD6345-1170-48A5-985B-EC96D61CA5D8}" type="slidenum">
               <a:rPr lang="en-US" smtClean="0"/>
-              <a:pPr defTabSz="930275"/>
+              <a:pPr defTabSz="964974"/>
               <a:t>56</a:t>
             </a:fld>
             <a:endParaRPr lang="en-US"/>
@@ -4787,7 +4787,7 @@
           <a:bodyPr/>
           <a:lstStyle/>
           <a:p>
-            <a:pPr defTabSz="930275"/>
+            <a:pPr defTabSz="964974"/>
             <a:r>
               <a:rPr lang="en-US"/>
               <a:t>Runtime Organization</a:t>
@@ -4812,10 +4812,10 @@
           <a:bodyPr/>
           <a:lstStyle/>
           <a:p>
-            <a:pPr defTabSz="930275"/>
+            <a:pPr defTabSz="964974"/>
             <a:fld id="{3798D45F-38A7-4BD4-B7D0-C77FD73CC90D}" type="slidenum">
               <a:rPr lang="en-US" smtClean="0"/>
-              <a:pPr defTabSz="930275"/>
+              <a:pPr defTabSz="964974"/>
               <a:t>4</a:t>
             </a:fld>
             <a:endParaRPr lang="en-US"/>
@@ -5022,7 +5022,7 @@
           <a:bodyPr/>
           <a:lstStyle/>
           <a:p>
-            <a:pPr defTabSz="930275"/>
+            <a:pPr defTabSz="964974"/>
             <a:r>
               <a:rPr lang="en-US"/>
               <a:t>Subprograms</a:t>
@@ -5047,10 +5047,10 @@
           <a:bodyPr/>
           <a:lstStyle/>
           <a:p>
-            <a:pPr defTabSz="930275"/>
+            <a:pPr defTabSz="964974"/>
             <a:fld id="{1C8E9440-1093-468D-9FD6-32FEBA553126}" type="slidenum">
               <a:rPr lang="en-US" smtClean="0"/>
-              <a:pPr defTabSz="930275"/>
+              <a:pPr defTabSz="964974"/>
               <a:t>5</a:t>
             </a:fld>
             <a:endParaRPr lang="en-US"/>
@@ -5257,7 +5257,7 @@
           <a:bodyPr/>
           <a:lstStyle/>
           <a:p>
-            <a:pPr defTabSz="930275"/>
+            <a:pPr defTabSz="964974"/>
             <a:r>
               <a:rPr lang="en-US"/>
               <a:t>Subprograms</a:t>
@@ -5282,10 +5282,10 @@
           <a:bodyPr/>
           <a:lstStyle/>
           <a:p>
-            <a:pPr defTabSz="930275"/>
+            <a:pPr defTabSz="964974"/>
             <a:fld id="{6077FC34-8632-4858-AEC5-C715789CDB12}" type="slidenum">
               <a:rPr lang="en-US" smtClean="0"/>
-              <a:pPr defTabSz="930275"/>
+              <a:pPr defTabSz="964974"/>
               <a:t>7</a:t>
             </a:fld>
             <a:endParaRPr lang="en-US"/>
@@ -5375,7 +5375,7 @@
           <a:bodyPr/>
           <a:lstStyle/>
           <a:p>
-            <a:pPr defTabSz="930275"/>
+            <a:pPr defTabSz="964974"/>
             <a:r>
               <a:rPr lang="en-US"/>
               <a:t>Subprograms</a:t>
@@ -5400,10 +5400,10 @@
           <a:bodyPr/>
           <a:lstStyle/>
           <a:p>
-            <a:pPr defTabSz="930275"/>
+            <a:pPr defTabSz="964974"/>
             <a:fld id="{F2253710-3DDE-4A71-970A-B068258D7CFD}" type="slidenum">
               <a:rPr lang="en-US" smtClean="0"/>
-              <a:pPr defTabSz="930275"/>
+              <a:pPr defTabSz="964974"/>
               <a:t>8</a:t>
             </a:fld>
             <a:endParaRPr lang="en-US"/>
@@ -5493,7 +5493,7 @@
           <a:bodyPr/>
           <a:lstStyle/>
           <a:p>
-            <a:pPr defTabSz="930275"/>
+            <a:pPr defTabSz="964974"/>
             <a:r>
               <a:rPr lang="en-US"/>
               <a:t>Subprograms</a:t>
@@ -5518,10 +5518,10 @@
           <a:bodyPr/>
           <a:lstStyle/>
           <a:p>
-            <a:pPr defTabSz="930275"/>
+            <a:pPr defTabSz="964974"/>
             <a:fld id="{EB7972A9-078D-4C96-9A05-F5C8A4AEC107}" type="slidenum">
               <a:rPr lang="en-US" smtClean="0"/>
-              <a:pPr defTabSz="930275"/>
+              <a:pPr defTabSz="964974"/>
               <a:t>11</a:t>
             </a:fld>
             <a:endParaRPr lang="en-US"/>
@@ -8832,8 +8832,8 @@
         </p:nvSpPr>
         <p:spPr>
           <a:xfrm>
-            <a:off x="2911602" y="4626114"/>
-            <a:ext cx="5117106" cy="707886"/>
+            <a:off x="2819400" y="4626114"/>
+            <a:ext cx="5622052" cy="769441"/>
           </a:xfrm>
           <a:prstGeom prst="rect">
             <a:avLst/>
@@ -8853,54 +8853,54 @@
           <a:p>
             <a:pPr algn="l"/>
             <a:r>
-              <a:rPr lang="en-US" sz="2000" dirty="0"/>
+              <a:rPr lang="en-US" sz="2200" dirty="0"/>
               <a:t>Note:  </a:t>
             </a:r>
             <a:r>
-              <a:rPr lang="en-US" sz="2000" dirty="0" err="1">
+              <a:rPr lang="en-US" sz="2200" dirty="0" err="1">
                 <a:latin typeface="Consolas" panose="020B0609020204030204" pitchFamily="49" charset="0"/>
               </a:rPr>
               <a:t>ScopeLevel</a:t>
             </a:r>
             <a:r>
-              <a:rPr lang="en-US" sz="2000" dirty="0"/>
+              <a:rPr lang="en-US" sz="2200" dirty="0"/>
               <a:t> is an </a:t>
             </a:r>
             <a:r>
-              <a:rPr lang="en-US" sz="2000" dirty="0" err="1">
+              <a:rPr lang="en-US" sz="2200" dirty="0" err="1">
                 <a:latin typeface="Consolas" panose="020B0609020204030204" pitchFamily="49" charset="0"/>
               </a:rPr>
               <a:t>enum</a:t>
             </a:r>
             <a:r>
-              <a:rPr lang="en-US" sz="2000" dirty="0"/>
+              <a:rPr lang="en-US" sz="2200" dirty="0"/>
               <a:t> class with</a:t>
             </a:r>
           </a:p>
           <a:p>
             <a:pPr algn="l"/>
             <a:r>
-              <a:rPr lang="en-US" sz="2000" dirty="0"/>
+              <a:rPr lang="en-US" sz="2200" dirty="0"/>
               <a:t>only two values, </a:t>
             </a:r>
             <a:r>
-              <a:rPr lang="en-US" sz="2000" dirty="0">
+              <a:rPr lang="en-US" sz="2200" dirty="0">
                 <a:latin typeface="Consolas" panose="020B0609020204030204" pitchFamily="49" charset="0"/>
               </a:rPr>
               <a:t>PROGRAM</a:t>
             </a:r>
             <a:r>
-              <a:rPr lang="en-US" sz="2000" dirty="0"/>
+              <a:rPr lang="en-US" sz="2200" dirty="0"/>
               <a:t> and </a:t>
             </a:r>
             <a:r>
-              <a:rPr lang="en-US" sz="2000" dirty="0">
+              <a:rPr lang="en-US" sz="2200" dirty="0">
                 <a:latin typeface="Consolas" panose="020B0609020204030204" pitchFamily="49" charset="0"/>
               </a:rPr>
               <a:t>SUBPROGRAM</a:t>
             </a:r>
             <a:r>
-              <a:rPr lang="en-US" sz="2000" dirty="0"/>
+              <a:rPr lang="en-US" sz="2200" dirty="0"/>
               <a:t>.</a:t>
             </a:r>
           </a:p>
@@ -8979,7 +8979,7 @@
         <p:spPr bwMode="auto">
           <a:xfrm rot="10800000">
             <a:off x="2227750" y="4303385"/>
-            <a:ext cx="683853" cy="676673"/>
+            <a:ext cx="591651" cy="707451"/>
           </a:xfrm>
           <a:prstGeom prst="bentConnector2">
             <a:avLst/>
@@ -9166,8 +9166,8 @@
         </p:nvSpPr>
         <p:spPr bwMode="auto">
           <a:xfrm>
-            <a:off x="2226807" y="5334000"/>
-            <a:ext cx="4690387" cy="400752"/>
+            <a:off x="1219323" y="5318612"/>
+            <a:ext cx="6705362" cy="431529"/>
           </a:xfrm>
           <a:prstGeom prst="rect">
             <a:avLst/>
@@ -9210,7 +9210,7 @@
               <a:tabLst/>
             </a:pPr>
             <a:r>
-              <a:rPr kumimoji="0" lang="en-US" sz="2000" b="0" i="0" u="none" strike="noStrike" cap="none" normalizeH="0" dirty="0">
+              <a:rPr kumimoji="0" lang="en-US" sz="2200" b="0" i="0" u="none" strike="noStrike" cap="none" normalizeH="0" dirty="0">
                 <a:ln>
                   <a:noFill/>
                 </a:ln>
@@ -9223,17 +9223,30 @@
               <a:t>*Handled by the parser </a:t>
             </a:r>
             <a:r>
-              <a:rPr lang="en-US" sz="2000" dirty="0"/>
+              <a:rPr lang="en-US" sz="2200" dirty="0"/>
               <a:t>using </a:t>
             </a:r>
             <a:r>
-              <a:rPr lang="en-US" sz="2000" dirty="0">
+              <a:rPr lang="en-US" sz="2200" dirty="0" err="1">
+                <a:latin typeface="Consolas" pitchFamily="49" charset="0"/>
+              </a:rPr>
+              <a:t>SubprogramC</a:t>
+            </a:r>
+            <a:r>
+              <a:rPr lang="en-US" sz="2200" dirty="0" err="1">
                 <a:latin typeface="Consolas" pitchFamily="49" charset="0"/>
                 <a:cs typeface="Consolas" pitchFamily="49" charset="0"/>
               </a:rPr>
-              <a:t>Context.</a:t>
-            </a:r>
-            <a:endParaRPr kumimoji="0" lang="en-US" sz="2000" b="0" i="0" u="none" strike="noStrike" cap="none" normalizeH="0" baseline="0" dirty="0">
+              <a:t>ontext</a:t>
+            </a:r>
+            <a:r>
+              <a:rPr lang="en-US" sz="2200" dirty="0">
+                <a:latin typeface="Consolas" pitchFamily="49" charset="0"/>
+                <a:cs typeface="Consolas" pitchFamily="49" charset="0"/>
+              </a:rPr>
+              <a:t>.</a:t>
+            </a:r>
+            <a:endParaRPr kumimoji="0" lang="en-US" sz="2200" b="0" i="0" u="none" strike="noStrike" cap="none" normalizeH="0" baseline="0" dirty="0">
               <a:ln>
                 <a:noFill/>
               </a:ln>
@@ -9807,8 +9820,8 @@
         </p:nvSpPr>
         <p:spPr>
           <a:xfrm>
-            <a:off x="1904026" y="4648200"/>
-            <a:ext cx="5101076" cy="738664"/>
+            <a:off x="1896428" y="4495800"/>
+            <a:ext cx="5351145" cy="769441"/>
           </a:xfrm>
           <a:prstGeom prst="rect">
             <a:avLst/>
@@ -9828,14 +9841,14 @@
           <a:p>
             <a:pPr algn="l"/>
             <a:r>
-              <a:rPr lang="en-US" sz="2100" dirty="0"/>
+              <a:rPr lang="en-US" sz="2200" dirty="0"/>
               <a:t>Note that CVM does not have separate</a:t>
             </a:r>
           </a:p>
           <a:p>
             <a:pPr algn="l"/>
             <a:r>
-              <a:rPr lang="en-US" sz="2100" dirty="0"/>
+              <a:rPr lang="en-US" sz="2200" dirty="0"/>
               <a:t>instructions for procedures and functions.</a:t>
             </a:r>
           </a:p>
@@ -9998,8 +10011,8 @@
         </p:nvSpPr>
         <p:spPr>
           <a:xfrm>
-            <a:off x="1133398" y="4953000"/>
-            <a:ext cx="6877204" cy="830997"/>
+            <a:off x="1410718" y="4953000"/>
+            <a:ext cx="6322565" cy="769441"/>
           </a:xfrm>
           <a:prstGeom prst="rect">
             <a:avLst/>
@@ -10019,14 +10032,14 @@
           <a:p>
             <a:pPr algn="l"/>
             <a:r>
-              <a:rPr lang="en-US" dirty="0"/>
+              <a:rPr lang="en-US" sz="2200" dirty="0"/>
               <a:t>An active subprogram is one for which this space</a:t>
             </a:r>
           </a:p>
           <a:p>
             <a:pPr algn="l"/>
             <a:r>
-              <a:rPr lang="en-US" dirty="0"/>
+              <a:rPr lang="en-US" sz="2200" dirty="0"/>
               <a:t> (activation record) is currently on the stack.</a:t>
             </a:r>
           </a:p>
@@ -10888,8 +10901,8 @@
         </p:nvSpPr>
         <p:spPr bwMode="auto">
           <a:xfrm>
-            <a:off x="1256413" y="3505200"/>
-            <a:ext cx="6631174" cy="1569660"/>
+            <a:off x="1523858" y="3505200"/>
+            <a:ext cx="6096284" cy="1446550"/>
           </a:xfrm>
           <a:prstGeom prst="rect">
             <a:avLst/>
@@ -10912,28 +10925,28 @@
           <a:p>
             <a:pPr algn="l"/>
             <a:r>
-              <a:rPr lang="en-US" dirty="0"/>
+              <a:rPr lang="en-US" sz="2200" dirty="0"/>
               <a:t>The values for BP and PC relative to the calling</a:t>
             </a:r>
           </a:p>
           <a:p>
             <a:pPr algn="l"/>
             <a:r>
-              <a:rPr lang="en-US" dirty="0"/>
+              <a:rPr lang="en-US" sz="2200" dirty="0"/>
               <a:t>subprogram are saved (pushed) onto the stack</a:t>
             </a:r>
           </a:p>
           <a:p>
             <a:pPr algn="l"/>
             <a:r>
-              <a:rPr lang="en-US" dirty="0"/>
+              <a:rPr lang="en-US" sz="2200" dirty="0"/>
               <a:t>by the CVM “CALL” instruction, and they</a:t>
             </a:r>
           </a:p>
           <a:p>
             <a:pPr algn="l"/>
             <a:r>
-              <a:rPr lang="en-US" dirty="0"/>
+              <a:rPr lang="en-US" sz="2200" dirty="0"/>
               <a:t>are restored by the CVM “RET” instruction.</a:t>
             </a:r>
           </a:p>
@@ -23731,7 +23744,7 @@
               <a:t> method of class </a:t>
             </a:r>
             <a:r>
-              <a:rPr lang="en-US" dirty="0" err="1">
+              <a:rPr lang="en-US" dirty="0">
                 <a:latin typeface="Consolas" pitchFamily="49" charset="0"/>
                 <a:cs typeface="Consolas" pitchFamily="49" charset="0"/>
               </a:rPr>
@@ -24253,8 +24266,8 @@
         </p:nvSpPr>
         <p:spPr>
           <a:xfrm>
-            <a:off x="1151031" y="4629090"/>
-            <a:ext cx="6841938" cy="400110"/>
+            <a:off x="807989" y="4629090"/>
+            <a:ext cx="7528023" cy="430887"/>
           </a:xfrm>
           <a:prstGeom prst="rect">
             <a:avLst/>
@@ -24273,35 +24286,35 @@
           <a:lstStyle/>
           <a:p>
             <a:r>
-              <a:rPr lang="en-US" sz="2000" dirty="0">
+              <a:rPr lang="en-US" sz="2200" dirty="0">
                 <a:latin typeface="+mn-lt"/>
                 <a:cs typeface="Consolas" pitchFamily="49" charset="0"/>
               </a:rPr>
               <a:t>(in method </a:t>
             </a:r>
             <a:r>
-              <a:rPr lang="en-US" sz="2000" dirty="0">
+              <a:rPr lang="en-US" sz="2200" dirty="0">
                 <a:latin typeface="Consolas" panose="020B0609020204030204" pitchFamily="49" charset="0"/>
                 <a:cs typeface="Consolas" pitchFamily="49" charset="0"/>
               </a:rPr>
               <a:t>checkConstraints()</a:t>
             </a:r>
             <a:r>
-              <a:rPr lang="en-US" sz="2000" dirty="0">
+              <a:rPr lang="en-US" sz="2200" dirty="0">
                 <a:latin typeface="+mn-lt"/>
                 <a:cs typeface="Consolas" pitchFamily="49" charset="0"/>
               </a:rPr>
               <a:t> of </a:t>
             </a:r>
             <a:r>
-              <a:rPr lang="en-US" sz="2000" dirty="0">
+              <a:rPr lang="en-US" sz="2200" dirty="0">
                 <a:latin typeface="Consolas" panose="020B0609020204030204" pitchFamily="49" charset="0"/>
                 <a:cs typeface="Consolas" pitchFamily="49" charset="0"/>
               </a:rPr>
               <a:t>ProcedureCallStmt</a:t>
             </a:r>
             <a:r>
-              <a:rPr lang="en-US" sz="2000" dirty="0">
+              <a:rPr lang="en-US" sz="2200" dirty="0">
                 <a:latin typeface="+mn-lt"/>
                 <a:cs typeface="Consolas" pitchFamily="49" charset="0"/>
               </a:rPr>
@@ -24761,8 +24774,8 @@
         </p:nvSpPr>
         <p:spPr>
           <a:xfrm>
-            <a:off x="1151031" y="5852435"/>
-            <a:ext cx="6841938" cy="400110"/>
+            <a:off x="807989" y="5862595"/>
+            <a:ext cx="7528023" cy="430887"/>
           </a:xfrm>
           <a:prstGeom prst="rect">
             <a:avLst/>
@@ -24781,35 +24794,35 @@
           <a:lstStyle/>
           <a:p>
             <a:r>
-              <a:rPr lang="en-US" sz="2000" dirty="0">
+              <a:rPr lang="en-US" sz="2200" dirty="0">
                 <a:latin typeface="+mn-lt"/>
                 <a:cs typeface="Consolas" pitchFamily="49" charset="0"/>
               </a:rPr>
               <a:t>(in method </a:t>
             </a:r>
             <a:r>
-              <a:rPr lang="en-US" sz="2000" dirty="0">
+              <a:rPr lang="en-US" sz="2200" dirty="0">
                 <a:latin typeface="Consolas" panose="020B0609020204030204" pitchFamily="49" charset="0"/>
                 <a:cs typeface="Consolas" pitchFamily="49" charset="0"/>
               </a:rPr>
               <a:t>checkConstraints()</a:t>
             </a:r>
             <a:r>
-              <a:rPr lang="en-US" sz="2000" dirty="0">
+              <a:rPr lang="en-US" sz="2200" dirty="0">
                 <a:latin typeface="+mn-lt"/>
                 <a:cs typeface="Consolas" pitchFamily="49" charset="0"/>
               </a:rPr>
               <a:t> of </a:t>
             </a:r>
             <a:r>
-              <a:rPr lang="en-US" sz="2000" dirty="0">
+              <a:rPr lang="en-US" sz="2200" dirty="0">
                 <a:latin typeface="Consolas" panose="020B0609020204030204" pitchFamily="49" charset="0"/>
                 <a:cs typeface="Consolas" pitchFamily="49" charset="0"/>
               </a:rPr>
               <a:t>ProcedureCallStmt</a:t>
             </a:r>
             <a:r>
-              <a:rPr lang="en-US" sz="2000" dirty="0">
+              <a:rPr lang="en-US" sz="2200" dirty="0">
                 <a:latin typeface="+mn-lt"/>
                 <a:cs typeface="Consolas" pitchFamily="49" charset="0"/>
               </a:rPr>
@@ -29891,8 +29904,8 @@
         </p:nvSpPr>
         <p:spPr>
           <a:xfrm>
-            <a:off x="1868251" y="5257800"/>
-            <a:ext cx="5407506" cy="400110"/>
+            <a:off x="1598049" y="5257800"/>
+            <a:ext cx="5947911" cy="430887"/>
           </a:xfrm>
           <a:prstGeom prst="rect">
             <a:avLst/>
@@ -29911,17 +29924,17 @@
           <a:lstStyle/>
           <a:p>
             <a:r>
-              <a:rPr lang="en-US" sz="2000" dirty="0"/>
+              <a:rPr lang="en-US" sz="2200" dirty="0"/>
               <a:t>Note that parameter </a:t>
             </a:r>
             <a:r>
-              <a:rPr lang="en-US" sz="2000" dirty="0">
+              <a:rPr lang="en-US" sz="2200" dirty="0">
                 <a:latin typeface="Consolas" panose="020B0609020204030204" pitchFamily="49" charset="0"/>
               </a:rPr>
               <a:t>a</a:t>
             </a:r>
             <a:r>
-              <a:rPr lang="en-US" sz="2000" dirty="0"/>
+              <a:rPr lang="en-US" sz="2200" dirty="0"/>
               <a:t> is a variable parameter.</a:t>
             </a:r>
           </a:p>
@@ -33257,8 +33270,8 @@
         </p:nvSpPr>
         <p:spPr>
           <a:xfrm>
-            <a:off x="2193785" y="5496339"/>
-            <a:ext cx="4756430" cy="707886"/>
+            <a:off x="1960548" y="5534839"/>
+            <a:ext cx="5222905" cy="769441"/>
           </a:xfrm>
           <a:prstGeom prst="rect">
             <a:avLst/>
@@ -33278,14 +33291,14 @@
           <a:p>
             <a:pPr algn="l"/>
             <a:r>
-              <a:rPr lang="en-US" sz="2000" dirty="0"/>
+              <a:rPr lang="en-US" sz="2200" dirty="0"/>
               <a:t>We will extend this method again when</a:t>
             </a:r>
             <a:br>
-              <a:rPr lang="en-US" sz="2000" dirty="0"/>
+              <a:rPr lang="en-US" sz="2200" dirty="0"/>
             </a:br>
             <a:r>
-              <a:rPr lang="en-US" sz="2000" dirty="0"/>
+              <a:rPr lang="en-US" sz="2200" dirty="0"/>
               <a:t>we consider the topic of arrays in CPRL.</a:t>
             </a:r>
           </a:p>
@@ -34862,8 +34875,8 @@
         </p:nvSpPr>
         <p:spPr>
           <a:xfrm>
-            <a:off x="1709678" y="5257800"/>
-            <a:ext cx="5724644" cy="707886"/>
+            <a:off x="1425145" y="5257800"/>
+            <a:ext cx="6293711" cy="769441"/>
           </a:xfrm>
           <a:prstGeom prst="rect">
             <a:avLst/>
@@ -34883,25 +34896,25 @@
           <a:p>
             <a:pPr algn="l"/>
             <a:r>
-              <a:rPr lang="en-US" sz="2000" dirty="0"/>
+              <a:rPr lang="en-US" sz="2200" dirty="0"/>
               <a:t>What value is printed?  If “</a:t>
             </a:r>
             <a:r>
-              <a:rPr lang="en-US" sz="2000" dirty="0">
+              <a:rPr lang="en-US" sz="2200" dirty="0">
                 <a:latin typeface="Consolas" pitchFamily="49" charset="0"/>
                 <a:cs typeface="Consolas" pitchFamily="49" charset="0"/>
               </a:rPr>
               <a:t>var</a:t>
             </a:r>
             <a:r>
-              <a:rPr lang="en-US" sz="2000" dirty="0"/>
+              <a:rPr lang="en-US" sz="2200" dirty="0"/>
               <a:t>” is removed from</a:t>
             </a:r>
           </a:p>
           <a:p>
             <a:pPr algn="l"/>
             <a:r>
-              <a:rPr lang="en-US" sz="2000" dirty="0"/>
+              <a:rPr lang="en-US" sz="2200" dirty="0"/>
               <a:t>the parameter declaration, what value is printed?</a:t>
             </a:r>
           </a:p>

--- a/PowerPoint Slides/13 - Subprograms.pptx
+++ b/PowerPoint Slides/13 - Subprograms.pptx
@@ -267,7 +267,7 @@
         </p:nvSpPr>
         <p:spPr bwMode="auto">
           <a:xfrm>
-            <a:off x="4144618" y="0"/>
+            <a:off x="4144619" y="0"/>
             <a:ext cx="3170583" cy="480388"/>
           </a:xfrm>
           <a:prstGeom prst="rect">
@@ -283,13 +283,13 @@
           <a:effectLst/>
         </p:spPr>
         <p:txBody>
-          <a:bodyPr vert="horz" wrap="square" lIns="96643" tIns="48322" rIns="96643" bIns="48322" numCol="1" anchor="t" anchorCtr="0" compatLnSpc="1">
+          <a:bodyPr vert="horz" wrap="square" lIns="96629" tIns="48315" rIns="96629" bIns="48315" numCol="1" anchor="t" anchorCtr="0" compatLnSpc="1">
             <a:prstTxWarp prst="textNoShape">
               <a:avLst/>
             </a:prstTxWarp>
           </a:bodyPr>
           <a:lstStyle>
-            <a:lvl1pPr algn="r" defTabSz="966421">
+            <a:lvl1pPr algn="r" defTabSz="966279">
               <a:defRPr sz="1200"/>
             </a:lvl1pPr>
           </a:lstStyle>
@@ -318,7 +318,7 @@
         </p:nvSpPr>
         <p:spPr bwMode="auto">
           <a:xfrm>
-            <a:off x="4144618" y="9120813"/>
+            <a:off x="4144619" y="9120814"/>
             <a:ext cx="3170583" cy="480387"/>
           </a:xfrm>
           <a:prstGeom prst="rect">
@@ -334,13 +334,13 @@
           <a:effectLst/>
         </p:spPr>
         <p:txBody>
-          <a:bodyPr vert="horz" wrap="square" lIns="96643" tIns="48322" rIns="96643" bIns="48322" numCol="1" anchor="b" anchorCtr="0" compatLnSpc="1">
+          <a:bodyPr vert="horz" wrap="square" lIns="96629" tIns="48315" rIns="96629" bIns="48315" numCol="1" anchor="b" anchorCtr="0" compatLnSpc="1">
             <a:prstTxWarp prst="textNoShape">
               <a:avLst/>
             </a:prstTxWarp>
           </a:bodyPr>
           <a:lstStyle>
-            <a:lvl1pPr algn="r" defTabSz="966421">
+            <a:lvl1pPr algn="r" defTabSz="966279">
               <a:defRPr sz="1200"/>
             </a:lvl1pPr>
           </a:lstStyle>
@@ -418,7 +418,7 @@
         </p:nvSpPr>
         <p:spPr bwMode="auto">
           <a:xfrm>
-            <a:off x="0" y="0"/>
+            <a:off x="1" y="0"/>
             <a:ext cx="3170583" cy="480388"/>
           </a:xfrm>
           <a:prstGeom prst="rect">
@@ -434,13 +434,13 @@
           <a:effectLst/>
         </p:spPr>
         <p:txBody>
-          <a:bodyPr vert="horz" wrap="square" lIns="96643" tIns="48322" rIns="96643" bIns="48322" numCol="1" anchor="t" anchorCtr="0" compatLnSpc="1">
+          <a:bodyPr vert="horz" wrap="square" lIns="96629" tIns="48315" rIns="96629" bIns="48315" numCol="1" anchor="t" anchorCtr="0" compatLnSpc="1">
             <a:prstTxWarp prst="textNoShape">
               <a:avLst/>
             </a:prstTxWarp>
           </a:bodyPr>
           <a:lstStyle>
-            <a:lvl1pPr algn="l" defTabSz="966421">
+            <a:lvl1pPr algn="l" defTabSz="966279">
               <a:defRPr sz="1200"/>
             </a:lvl1pPr>
           </a:lstStyle>
@@ -467,7 +467,7 @@
         </p:nvSpPr>
         <p:spPr bwMode="auto">
           <a:xfrm>
-            <a:off x="4144618" y="0"/>
+            <a:off x="4144619" y="0"/>
             <a:ext cx="3170583" cy="480388"/>
           </a:xfrm>
           <a:prstGeom prst="rect">
@@ -483,13 +483,13 @@
           <a:effectLst/>
         </p:spPr>
         <p:txBody>
-          <a:bodyPr vert="horz" wrap="square" lIns="96643" tIns="48322" rIns="96643" bIns="48322" numCol="1" anchor="t" anchorCtr="0" compatLnSpc="1">
+          <a:bodyPr vert="horz" wrap="square" lIns="96629" tIns="48315" rIns="96629" bIns="48315" numCol="1" anchor="t" anchorCtr="0" compatLnSpc="1">
             <a:prstTxWarp prst="textNoShape">
               <a:avLst/>
             </a:prstTxWarp>
           </a:bodyPr>
           <a:lstStyle>
-            <a:lvl1pPr algn="r" defTabSz="966421">
+            <a:lvl1pPr algn="r" defTabSz="966279">
               <a:defRPr sz="1200"/>
             </a:lvl1pPr>
           </a:lstStyle>
@@ -542,7 +542,7 @@
         </p:nvSpPr>
         <p:spPr bwMode="auto">
           <a:xfrm>
-            <a:off x="975693" y="4561226"/>
+            <a:off x="975694" y="4561227"/>
             <a:ext cx="5363817" cy="4320213"/>
           </a:xfrm>
           <a:prstGeom prst="rect">
@@ -558,7 +558,7 @@
           <a:effectLst/>
         </p:spPr>
         <p:txBody>
-          <a:bodyPr vert="horz" wrap="square" lIns="96643" tIns="48322" rIns="96643" bIns="48322" numCol="1" anchor="t" anchorCtr="0" compatLnSpc="1">
+          <a:bodyPr vert="horz" wrap="square" lIns="96629" tIns="48315" rIns="96629" bIns="48315" numCol="1" anchor="t" anchorCtr="0" compatLnSpc="1">
             <a:prstTxWarp prst="textNoShape">
               <a:avLst/>
             </a:prstTxWarp>
@@ -613,7 +613,7 @@
         </p:nvSpPr>
         <p:spPr bwMode="auto">
           <a:xfrm>
-            <a:off x="0" y="9120813"/>
+            <a:off x="1" y="9120814"/>
             <a:ext cx="3170583" cy="480387"/>
           </a:xfrm>
           <a:prstGeom prst="rect">
@@ -629,13 +629,13 @@
           <a:effectLst/>
         </p:spPr>
         <p:txBody>
-          <a:bodyPr vert="horz" wrap="square" lIns="96643" tIns="48322" rIns="96643" bIns="48322" numCol="1" anchor="b" anchorCtr="0" compatLnSpc="1">
+          <a:bodyPr vert="horz" wrap="square" lIns="96629" tIns="48315" rIns="96629" bIns="48315" numCol="1" anchor="b" anchorCtr="0" compatLnSpc="1">
             <a:prstTxWarp prst="textNoShape">
               <a:avLst/>
             </a:prstTxWarp>
           </a:bodyPr>
           <a:lstStyle>
-            <a:lvl1pPr algn="l" defTabSz="966421">
+            <a:lvl1pPr algn="l" defTabSz="966279">
               <a:defRPr sz="1200"/>
             </a:lvl1pPr>
           </a:lstStyle>
@@ -659,7 +659,7 @@
         </p:nvSpPr>
         <p:spPr bwMode="auto">
           <a:xfrm>
-            <a:off x="4144618" y="9120813"/>
+            <a:off x="4144619" y="9120814"/>
             <a:ext cx="3170583" cy="480387"/>
           </a:xfrm>
           <a:prstGeom prst="rect">
@@ -675,13 +675,13 @@
           <a:effectLst/>
         </p:spPr>
         <p:txBody>
-          <a:bodyPr vert="horz" wrap="square" lIns="96643" tIns="48322" rIns="96643" bIns="48322" numCol="1" anchor="b" anchorCtr="0" compatLnSpc="1">
+          <a:bodyPr vert="horz" wrap="square" lIns="96629" tIns="48315" rIns="96629" bIns="48315" numCol="1" anchor="b" anchorCtr="0" compatLnSpc="1">
             <a:prstTxWarp prst="textNoShape">
               <a:avLst/>
             </a:prstTxWarp>
           </a:bodyPr>
           <a:lstStyle>
-            <a:lvl1pPr algn="r" defTabSz="966421">
+            <a:lvl1pPr algn="r" defTabSz="966279">
               <a:defRPr sz="1200"/>
             </a:lvl1pPr>
           </a:lstStyle>
@@ -868,7 +868,7 @@
           <a:bodyPr/>
           <a:lstStyle/>
           <a:p>
-            <a:pPr defTabSz="964974"/>
+            <a:pPr defTabSz="964832"/>
             <a:r>
               <a:rPr lang="en-US"/>
               <a:t>Subprograms</a:t>
@@ -893,10 +893,10 @@
           <a:bodyPr/>
           <a:lstStyle/>
           <a:p>
-            <a:pPr defTabSz="964974"/>
+            <a:pPr defTabSz="964832"/>
             <a:fld id="{92CAFDEE-A529-4113-A992-ABDE1DFB9186}" type="slidenum">
               <a:rPr lang="en-US" smtClean="0"/>
-              <a:pPr defTabSz="964974"/>
+              <a:pPr defTabSz="964832"/>
               <a:t>1</a:t>
             </a:fld>
             <a:endParaRPr lang="en-US"/>
@@ -1023,7 +1023,7 @@
           <a:bodyPr/>
           <a:lstStyle/>
           <a:p>
-            <a:pPr defTabSz="964974"/>
+            <a:pPr defTabSz="964832"/>
             <a:r>
               <a:rPr lang="en-US"/>
               <a:t>Subprograms</a:t>
@@ -1048,10 +1048,10 @@
           <a:bodyPr/>
           <a:lstStyle/>
           <a:p>
-            <a:pPr defTabSz="964974"/>
+            <a:pPr defTabSz="964832"/>
             <a:fld id="{EB7972A9-078D-4C96-9A05-F5C8A4AEC107}" type="slidenum">
               <a:rPr lang="en-US" smtClean="0"/>
-              <a:pPr defTabSz="964974"/>
+              <a:pPr defTabSz="964832"/>
               <a:t>12</a:t>
             </a:fld>
             <a:endParaRPr lang="en-US"/>
@@ -1375,7 +1375,7 @@
           <a:bodyPr/>
           <a:lstStyle/>
           <a:p>
-            <a:pPr defTabSz="966529"/>
+            <a:pPr defTabSz="966387"/>
             <a:r>
               <a:rPr lang="en-US" dirty="0"/>
               <a:t>Constraint Analysis</a:t>
@@ -1400,10 +1400,10 @@
           <a:bodyPr/>
           <a:lstStyle/>
           <a:p>
-            <a:pPr defTabSz="966529"/>
+            <a:pPr defTabSz="966387"/>
             <a:fld id="{14BBFF45-95E4-44E8-9F2E-8B751949D653}" type="slidenum">
               <a:rPr lang="en-US" smtClean="0"/>
-              <a:pPr defTabSz="966529"/>
+              <a:pPr defTabSz="966387"/>
               <a:t>15</a:t>
             </a:fld>
             <a:endParaRPr lang="en-US" dirty="0"/>
@@ -1610,7 +1610,7 @@
           <a:bodyPr/>
           <a:lstStyle/>
           <a:p>
-            <a:pPr defTabSz="964974"/>
+            <a:pPr defTabSz="964832"/>
             <a:r>
               <a:rPr lang="en-US"/>
               <a:t>Subprograms</a:t>
@@ -1635,10 +1635,10 @@
           <a:bodyPr/>
           <a:lstStyle/>
           <a:p>
-            <a:pPr defTabSz="964974"/>
+            <a:pPr defTabSz="964832"/>
             <a:fld id="{E3C060E8-07A0-4097-86CE-B741702B405C}" type="slidenum">
               <a:rPr lang="en-US" smtClean="0"/>
-              <a:pPr defTabSz="964974"/>
+              <a:pPr defTabSz="964832"/>
               <a:t>17</a:t>
             </a:fld>
             <a:endParaRPr lang="en-US"/>
@@ -1728,7 +1728,7 @@
           <a:bodyPr/>
           <a:lstStyle/>
           <a:p>
-            <a:pPr defTabSz="964974"/>
+            <a:pPr defTabSz="964832"/>
             <a:r>
               <a:rPr lang="en-US"/>
               <a:t>Subprograms</a:t>
@@ -1753,10 +1753,10 @@
           <a:bodyPr/>
           <a:lstStyle/>
           <a:p>
-            <a:pPr defTabSz="964974"/>
+            <a:pPr defTabSz="964832"/>
             <a:fld id="{E3C060E8-07A0-4097-86CE-B741702B405C}" type="slidenum">
               <a:rPr lang="en-US" smtClean="0"/>
-              <a:pPr defTabSz="964974"/>
+              <a:pPr defTabSz="964832"/>
               <a:t>18</a:t>
             </a:fld>
             <a:endParaRPr lang="en-US"/>
@@ -1846,7 +1846,7 @@
           <a:bodyPr/>
           <a:lstStyle/>
           <a:p>
-            <a:pPr defTabSz="964974"/>
+            <a:pPr defTabSz="964832"/>
             <a:r>
               <a:rPr lang="en-US"/>
               <a:t>Subprograms</a:t>
@@ -1871,10 +1871,10 @@
           <a:bodyPr/>
           <a:lstStyle/>
           <a:p>
-            <a:pPr defTabSz="964974"/>
+            <a:pPr defTabSz="964832"/>
             <a:fld id="{CFD82E65-4A99-464B-9822-320074BC2484}" type="slidenum">
               <a:rPr lang="en-US" smtClean="0"/>
-              <a:pPr defTabSz="964974"/>
+              <a:pPr defTabSz="964832"/>
               <a:t>19</a:t>
             </a:fld>
             <a:endParaRPr lang="en-US"/>
@@ -1964,7 +1964,7 @@
           <a:bodyPr/>
           <a:lstStyle/>
           <a:p>
-            <a:pPr defTabSz="964974"/>
+            <a:pPr defTabSz="964832"/>
             <a:r>
               <a:rPr lang="en-US"/>
               <a:t>Subprograms</a:t>
@@ -1989,10 +1989,10 @@
           <a:bodyPr/>
           <a:lstStyle/>
           <a:p>
-            <a:pPr defTabSz="964974"/>
+            <a:pPr defTabSz="964832"/>
             <a:fld id="{275314F5-DC0F-409F-8DD6-E8BBC59DC18E}" type="slidenum">
               <a:rPr lang="en-US" smtClean="0"/>
-              <a:pPr defTabSz="964974"/>
+              <a:pPr defTabSz="964832"/>
               <a:t>20</a:t>
             </a:fld>
             <a:endParaRPr lang="en-US"/>
@@ -2199,7 +2199,7 @@
           <a:bodyPr/>
           <a:lstStyle/>
           <a:p>
-            <a:pPr defTabSz="964974"/>
+            <a:pPr defTabSz="964832"/>
             <a:r>
               <a:rPr lang="en-US"/>
               <a:t>Runtime Organization</a:t>
@@ -2224,10 +2224,10 @@
           <a:bodyPr/>
           <a:lstStyle/>
           <a:p>
-            <a:pPr defTabSz="964974"/>
+            <a:pPr defTabSz="964832"/>
             <a:fld id="{836B8560-6F72-4CD3-9FA8-66EEB1BFE126}" type="slidenum">
               <a:rPr lang="en-US" smtClean="0"/>
-              <a:pPr defTabSz="964974"/>
+              <a:pPr defTabSz="964832"/>
               <a:t>2</a:t>
             </a:fld>
             <a:endParaRPr lang="en-US"/>
@@ -2434,7 +2434,7 @@
           <a:bodyPr/>
           <a:lstStyle/>
           <a:p>
-            <a:pPr defTabSz="964974"/>
+            <a:pPr defTabSz="964832"/>
             <a:r>
               <a:rPr lang="en-US"/>
               <a:t>Subprograms</a:t>
@@ -2459,10 +2459,10 @@
           <a:bodyPr/>
           <a:lstStyle/>
           <a:p>
-            <a:pPr defTabSz="964974"/>
+            <a:pPr defTabSz="964832"/>
             <a:fld id="{075CFEEC-27A7-4324-B2F7-29E65C8E0D3B}" type="slidenum">
               <a:rPr lang="en-US" smtClean="0"/>
-              <a:pPr defTabSz="964974"/>
+              <a:pPr defTabSz="964832"/>
               <a:t>23</a:t>
             </a:fld>
             <a:endParaRPr lang="en-US"/>
@@ -2552,7 +2552,7 @@
           <a:bodyPr/>
           <a:lstStyle/>
           <a:p>
-            <a:pPr defTabSz="964974"/>
+            <a:pPr defTabSz="964832"/>
             <a:r>
               <a:rPr lang="en-US"/>
               <a:t>Subprograms</a:t>
@@ -2577,10 +2577,10 @@
           <a:bodyPr/>
           <a:lstStyle/>
           <a:p>
-            <a:pPr defTabSz="964974"/>
+            <a:pPr defTabSz="964832"/>
             <a:fld id="{075CFEEC-27A7-4324-B2F7-29E65C8E0D3B}" type="slidenum">
               <a:rPr lang="en-US" smtClean="0"/>
-              <a:pPr defTabSz="964974"/>
+              <a:pPr defTabSz="964832"/>
               <a:t>27</a:t>
             </a:fld>
             <a:endParaRPr lang="en-US"/>
@@ -2670,7 +2670,7 @@
           <a:bodyPr/>
           <a:lstStyle/>
           <a:p>
-            <a:pPr defTabSz="964974"/>
+            <a:pPr defTabSz="964832"/>
             <a:r>
               <a:rPr lang="en-US"/>
               <a:t>Subprograms</a:t>
@@ -2695,10 +2695,10 @@
           <a:bodyPr/>
           <a:lstStyle/>
           <a:p>
-            <a:pPr defTabSz="964974"/>
+            <a:pPr defTabSz="964832"/>
             <a:fld id="{6AABD8DE-277E-4E2D-975F-03CE0BD20194}" type="slidenum">
               <a:rPr lang="en-US" smtClean="0"/>
-              <a:pPr defTabSz="964974"/>
+              <a:pPr defTabSz="964832"/>
               <a:t>35</a:t>
             </a:fld>
             <a:endParaRPr lang="en-US"/>
@@ -2788,7 +2788,7 @@
           <a:bodyPr/>
           <a:lstStyle/>
           <a:p>
-            <a:pPr defTabSz="964974"/>
+            <a:pPr defTabSz="964832"/>
             <a:r>
               <a:rPr lang="en-US"/>
               <a:t>Subprograms</a:t>
@@ -2813,10 +2813,10 @@
           <a:bodyPr/>
           <a:lstStyle/>
           <a:p>
-            <a:pPr defTabSz="964974"/>
+            <a:pPr defTabSz="964832"/>
             <a:fld id="{D8DD6345-1170-48A5-985B-EC96D61CA5D8}" type="slidenum">
               <a:rPr lang="en-US" smtClean="0"/>
-              <a:pPr defTabSz="964974"/>
+              <a:pPr defTabSz="964832"/>
               <a:t>36</a:t>
             </a:fld>
             <a:endParaRPr lang="en-US"/>
@@ -2906,7 +2906,7 @@
           <a:bodyPr/>
           <a:lstStyle/>
           <a:p>
-            <a:pPr defTabSz="964974"/>
+            <a:pPr defTabSz="964832"/>
             <a:r>
               <a:rPr lang="en-US"/>
               <a:t>Subprograms</a:t>
@@ -2931,10 +2931,10 @@
           <a:bodyPr/>
           <a:lstStyle/>
           <a:p>
-            <a:pPr defTabSz="964974"/>
+            <a:pPr defTabSz="964832"/>
             <a:fld id="{2FDE86E9-4526-4E85-8D5C-6C553B334C97}" type="slidenum">
               <a:rPr lang="en-US" smtClean="0"/>
-              <a:pPr defTabSz="964974"/>
+              <a:pPr defTabSz="964832"/>
               <a:t>39</a:t>
             </a:fld>
             <a:endParaRPr lang="en-US"/>
@@ -3258,7 +3258,7 @@
           <a:bodyPr/>
           <a:lstStyle/>
           <a:p>
-            <a:pPr defTabSz="964974"/>
+            <a:pPr defTabSz="964832"/>
             <a:r>
               <a:rPr lang="en-US"/>
               <a:t>Subprograms</a:t>
@@ -3283,10 +3283,10 @@
           <a:bodyPr/>
           <a:lstStyle/>
           <a:p>
-            <a:pPr defTabSz="964974"/>
+            <a:pPr defTabSz="964832"/>
             <a:fld id="{662CC49B-6813-45E9-B161-6D1C4C664607}" type="slidenum">
               <a:rPr lang="en-US" smtClean="0"/>
-              <a:pPr defTabSz="964974"/>
+              <a:pPr defTabSz="964832"/>
               <a:t>45</a:t>
             </a:fld>
             <a:endParaRPr lang="en-US"/>
@@ -3376,7 +3376,7 @@
           <a:bodyPr/>
           <a:lstStyle/>
           <a:p>
-            <a:pPr defTabSz="964974"/>
+            <a:pPr defTabSz="964832"/>
             <a:r>
               <a:rPr lang="en-US"/>
               <a:t>Subprograms</a:t>
@@ -3401,10 +3401,10 @@
           <a:bodyPr/>
           <a:lstStyle/>
           <a:p>
-            <a:pPr defTabSz="964974"/>
+            <a:pPr defTabSz="964832"/>
             <a:fld id="{93AFA024-7C4D-4338-9A21-2A5F7BE59F73}" type="slidenum">
               <a:rPr lang="en-US" smtClean="0"/>
-              <a:pPr defTabSz="964974"/>
+              <a:pPr defTabSz="964832"/>
               <a:t>47</a:t>
             </a:fld>
             <a:endParaRPr lang="en-US"/>
@@ -3494,7 +3494,7 @@
           <a:bodyPr/>
           <a:lstStyle/>
           <a:p>
-            <a:pPr defTabSz="964974"/>
+            <a:pPr defTabSz="964832"/>
             <a:r>
               <a:rPr lang="en-US"/>
               <a:t>Runtime Organization</a:t>
@@ -3519,10 +3519,10 @@
           <a:bodyPr/>
           <a:lstStyle/>
           <a:p>
-            <a:pPr defTabSz="964974"/>
+            <a:pPr defTabSz="964832"/>
             <a:fld id="{995EBB9F-4EA1-4F12-B672-467C2DE522FF}" type="slidenum">
               <a:rPr lang="en-US" smtClean="0"/>
-              <a:pPr defTabSz="964974"/>
+              <a:pPr defTabSz="964832"/>
               <a:t>3</a:t>
             </a:fld>
             <a:endParaRPr lang="en-US"/>
@@ -3612,7 +3612,7 @@
           <a:bodyPr/>
           <a:lstStyle/>
           <a:p>
-            <a:pPr defTabSz="964974"/>
+            <a:pPr defTabSz="964832"/>
             <a:r>
               <a:rPr lang="en-US"/>
               <a:t>Subprograms</a:t>
@@ -3637,10 +3637,10 @@
           <a:bodyPr/>
           <a:lstStyle/>
           <a:p>
-            <a:pPr defTabSz="964974"/>
+            <a:pPr defTabSz="964832"/>
             <a:fld id="{93AFA024-7C4D-4338-9A21-2A5F7BE59F73}" type="slidenum">
               <a:rPr lang="en-US" smtClean="0"/>
-              <a:pPr defTabSz="964974"/>
+              <a:pPr defTabSz="964832"/>
               <a:t>48</a:t>
             </a:fld>
             <a:endParaRPr lang="en-US"/>
@@ -3964,7 +3964,7 @@
           <a:bodyPr/>
           <a:lstStyle/>
           <a:p>
-            <a:pPr defTabSz="964974"/>
+            <a:pPr defTabSz="964832"/>
             <a:r>
               <a:rPr lang="en-US"/>
               <a:t>Subprograms</a:t>
@@ -3989,10 +3989,10 @@
           <a:bodyPr/>
           <a:lstStyle/>
           <a:p>
-            <a:pPr defTabSz="964974"/>
+            <a:pPr defTabSz="964832"/>
             <a:fld id="{6AABD8DE-277E-4E2D-975F-03CE0BD20194}" type="slidenum">
               <a:rPr lang="en-US" smtClean="0"/>
-              <a:pPr defTabSz="964974"/>
+              <a:pPr defTabSz="964832"/>
               <a:t>51</a:t>
             </a:fld>
             <a:endParaRPr lang="en-US"/>
@@ -4082,7 +4082,7 @@
           <a:bodyPr/>
           <a:lstStyle/>
           <a:p>
-            <a:pPr defTabSz="964974"/>
+            <a:pPr defTabSz="964832"/>
             <a:r>
               <a:rPr lang="en-US"/>
               <a:t>Subprograms</a:t>
@@ -4107,10 +4107,10 @@
           <a:bodyPr/>
           <a:lstStyle/>
           <a:p>
-            <a:pPr defTabSz="964974"/>
+            <a:pPr defTabSz="964832"/>
             <a:fld id="{D8DD6345-1170-48A5-985B-EC96D61CA5D8}" type="slidenum">
               <a:rPr lang="en-US" smtClean="0"/>
-              <a:pPr defTabSz="964974"/>
+              <a:pPr defTabSz="964832"/>
               <a:t>52</a:t>
             </a:fld>
             <a:endParaRPr lang="en-US"/>
@@ -4434,7 +4434,7 @@
           <a:bodyPr/>
           <a:lstStyle/>
           <a:p>
-            <a:pPr defTabSz="964974"/>
+            <a:pPr defTabSz="964832"/>
             <a:r>
               <a:rPr lang="en-US"/>
               <a:t>Subprograms</a:t>
@@ -4459,10 +4459,10 @@
           <a:bodyPr/>
           <a:lstStyle/>
           <a:p>
-            <a:pPr defTabSz="964974"/>
+            <a:pPr defTabSz="964832"/>
             <a:fld id="{6AABD8DE-277E-4E2D-975F-03CE0BD20194}" type="slidenum">
               <a:rPr lang="en-US" smtClean="0"/>
-              <a:pPr defTabSz="964974"/>
+              <a:pPr defTabSz="964832"/>
               <a:t>55</a:t>
             </a:fld>
             <a:endParaRPr lang="en-US"/>
@@ -4552,7 +4552,7 @@
           <a:bodyPr/>
           <a:lstStyle/>
           <a:p>
-            <a:pPr defTabSz="964974"/>
+            <a:pPr defTabSz="964832"/>
             <a:r>
               <a:rPr lang="en-US"/>
               <a:t>Subprograms</a:t>
@@ -4577,10 +4577,10 @@
           <a:bodyPr/>
           <a:lstStyle/>
           <a:p>
-            <a:pPr defTabSz="964974"/>
+            <a:pPr defTabSz="964832"/>
             <a:fld id="{D8DD6345-1170-48A5-985B-EC96D61CA5D8}" type="slidenum">
               <a:rPr lang="en-US" smtClean="0"/>
-              <a:pPr defTabSz="964974"/>
+              <a:pPr defTabSz="964832"/>
               <a:t>56</a:t>
             </a:fld>
             <a:endParaRPr lang="en-US"/>
@@ -4787,7 +4787,7 @@
           <a:bodyPr/>
           <a:lstStyle/>
           <a:p>
-            <a:pPr defTabSz="964974"/>
+            <a:pPr defTabSz="964832"/>
             <a:r>
               <a:rPr lang="en-US"/>
               <a:t>Runtime Organization</a:t>
@@ -4812,10 +4812,10 @@
           <a:bodyPr/>
           <a:lstStyle/>
           <a:p>
-            <a:pPr defTabSz="964974"/>
+            <a:pPr defTabSz="964832"/>
             <a:fld id="{3798D45F-38A7-4BD4-B7D0-C77FD73CC90D}" type="slidenum">
               <a:rPr lang="en-US" smtClean="0"/>
-              <a:pPr defTabSz="964974"/>
+              <a:pPr defTabSz="964832"/>
               <a:t>4</a:t>
             </a:fld>
             <a:endParaRPr lang="en-US"/>
@@ -5022,7 +5022,7 @@
           <a:bodyPr/>
           <a:lstStyle/>
           <a:p>
-            <a:pPr defTabSz="964974"/>
+            <a:pPr defTabSz="964832"/>
             <a:r>
               <a:rPr lang="en-US"/>
               <a:t>Subprograms</a:t>
@@ -5047,10 +5047,10 @@
           <a:bodyPr/>
           <a:lstStyle/>
           <a:p>
-            <a:pPr defTabSz="964974"/>
+            <a:pPr defTabSz="964832"/>
             <a:fld id="{1C8E9440-1093-468D-9FD6-32FEBA553126}" type="slidenum">
               <a:rPr lang="en-US" smtClean="0"/>
-              <a:pPr defTabSz="964974"/>
+              <a:pPr defTabSz="964832"/>
               <a:t>5</a:t>
             </a:fld>
             <a:endParaRPr lang="en-US"/>
@@ -5257,7 +5257,7 @@
           <a:bodyPr/>
           <a:lstStyle/>
           <a:p>
-            <a:pPr defTabSz="964974"/>
+            <a:pPr defTabSz="964832"/>
             <a:r>
               <a:rPr lang="en-US"/>
               <a:t>Subprograms</a:t>
@@ -5282,10 +5282,10 @@
           <a:bodyPr/>
           <a:lstStyle/>
           <a:p>
-            <a:pPr defTabSz="964974"/>
+            <a:pPr defTabSz="964832"/>
             <a:fld id="{6077FC34-8632-4858-AEC5-C715789CDB12}" type="slidenum">
               <a:rPr lang="en-US" smtClean="0"/>
-              <a:pPr defTabSz="964974"/>
+              <a:pPr defTabSz="964832"/>
               <a:t>7</a:t>
             </a:fld>
             <a:endParaRPr lang="en-US"/>
@@ -5375,7 +5375,7 @@
           <a:bodyPr/>
           <a:lstStyle/>
           <a:p>
-            <a:pPr defTabSz="964974"/>
+            <a:pPr defTabSz="964832"/>
             <a:r>
               <a:rPr lang="en-US"/>
               <a:t>Subprograms</a:t>
@@ -5400,10 +5400,10 @@
           <a:bodyPr/>
           <a:lstStyle/>
           <a:p>
-            <a:pPr defTabSz="964974"/>
+            <a:pPr defTabSz="964832"/>
             <a:fld id="{F2253710-3DDE-4A71-970A-B068258D7CFD}" type="slidenum">
               <a:rPr lang="en-US" smtClean="0"/>
-              <a:pPr defTabSz="964974"/>
+              <a:pPr defTabSz="964832"/>
               <a:t>8</a:t>
             </a:fld>
             <a:endParaRPr lang="en-US"/>
@@ -5493,7 +5493,7 @@
           <a:bodyPr/>
           <a:lstStyle/>
           <a:p>
-            <a:pPr defTabSz="964974"/>
+            <a:pPr defTabSz="964832"/>
             <a:r>
               <a:rPr lang="en-US"/>
               <a:t>Subprograms</a:t>
@@ -5518,10 +5518,10 @@
           <a:bodyPr/>
           <a:lstStyle/>
           <a:p>
-            <a:pPr defTabSz="964974"/>
+            <a:pPr defTabSz="964832"/>
             <a:fld id="{EB7972A9-078D-4C96-9A05-F5C8A4AEC107}" type="slidenum">
               <a:rPr lang="en-US" smtClean="0"/>
-              <a:pPr defTabSz="964974"/>
+              <a:pPr defTabSz="964832"/>
               <a:t>11</a:t>
             </a:fld>
             <a:endParaRPr lang="en-US"/>
@@ -25141,7 +25141,7 @@
             </a:r>
             <a:r>
               <a:rPr lang="en-US" dirty="0"/>
-              <a:t> to allocate space on the stack;  e.g., for a function return value or a subprogram’s local variable.</a:t>
+              <a:t> to allocate space on the stack; e.g., for a function return value or a subprogram’s local variable.</a:t>
             </a:r>
           </a:p>
           <a:p>
@@ -25674,7 +25674,7 @@
             </a:r>
             <a:r>
               <a:rPr lang="en-US" sz="2300" dirty="0"/>
-              <a:t> for program variables except that the relative address of the first local variable is 8 instead of 0 since there are 8 bytes in activation record.</a:t>
+              <a:t> for program variables except that the relative address of the first local variable is 8 instead of 0 since there are 8 bytes in the context part of the activation record.</a:t>
             </a:r>
           </a:p>
           <a:p>

--- a/PowerPoint Slides/13 - Subprograms.pptx
+++ b/PowerPoint Slides/13 - Subprograms.pptx
@@ -24159,7 +24159,7 @@
                 <a:latin typeface="Consolas" pitchFamily="49" charset="0"/>
                 <a:cs typeface="Consolas" pitchFamily="49" charset="0"/>
               </a:rPr>
-              <a:t>    ...  // check that named values are being passed for</a:t>
+              <a:t>    ...  // check that named values are being passed</a:t>
             </a:r>
           </a:p>
           <a:p>
@@ -24174,21 +24174,7 @@
                 <a:latin typeface="Consolas" pitchFamily="49" charset="0"/>
                 <a:cs typeface="Consolas" pitchFamily="49" charset="0"/>
               </a:rPr>
-              <a:t>         //    </a:t>
-            </a:r>
-            <a:r>
-              <a:rPr lang="en-US" sz="1800" dirty="0" err="1">
-                <a:latin typeface="Consolas" pitchFamily="49" charset="0"/>
-                <a:cs typeface="Consolas" pitchFamily="49" charset="0"/>
-              </a:rPr>
-              <a:t>var</a:t>
-            </a:r>
-            <a:r>
-              <a:rPr lang="en-US" sz="1800" dirty="0">
-                <a:latin typeface="Consolas" pitchFamily="49" charset="0"/>
-                <a:cs typeface="Consolas" pitchFamily="49" charset="0"/>
-              </a:rPr>
-              <a:t> parameters (see next slide)</a:t>
+              <a:t>         // for var parameters (see next slide)</a:t>
             </a:r>
           </a:p>
           <a:p>

--- a/PowerPoint Slides/13 - Subprograms.pptx
+++ b/PowerPoint Slides/13 - Subprograms.pptx
@@ -7358,7 +7358,7 @@
           <a:bodyPr/>
           <a:lstStyle/>
           <a:p>
-            <a:pPr marL="0" indent="0">
+            <a:pPr marL="91440" indent="0">
               <a:spcBef>
                 <a:spcPts val="0"/>
               </a:spcBef>
@@ -7374,7 +7374,7 @@
             </a:r>
           </a:p>
           <a:p>
-            <a:pPr marL="0" indent="0">
+            <a:pPr marL="91440" indent="0">
               <a:spcBef>
                 <a:spcPts val="0"/>
               </a:spcBef>
@@ -7390,7 +7390,7 @@
             </a:r>
           </a:p>
           <a:p>
-            <a:pPr marL="0" indent="0">
+            <a:pPr marL="91440" indent="0">
               <a:spcBef>
                 <a:spcPts val="0"/>
               </a:spcBef>
@@ -7403,7 +7403,7 @@
             </a:endParaRPr>
           </a:p>
           <a:p>
-            <a:pPr marL="0" indent="0">
+            <a:pPr marL="91440" indent="0">
               <a:spcBef>
                 <a:spcPts val="0"/>
               </a:spcBef>
@@ -7419,7 +7419,7 @@
             </a:r>
           </a:p>
           <a:p>
-            <a:pPr marL="0" indent="0">
+            <a:pPr marL="91440" indent="0">
               <a:spcBef>
                 <a:spcPts val="0"/>
               </a:spcBef>
@@ -7435,7 +7435,7 @@
             </a:r>
           </a:p>
           <a:p>
-            <a:pPr marL="0" indent="0">
+            <a:pPr marL="91440" indent="0">
               <a:spcBef>
                 <a:spcPts val="0"/>
               </a:spcBef>
@@ -7451,7 +7451,7 @@
             </a:r>
           </a:p>
           <a:p>
-            <a:pPr marL="0" indent="0">
+            <a:pPr marL="91440" indent="0">
               <a:spcBef>
                 <a:spcPts val="0"/>
               </a:spcBef>
@@ -7467,7 +7467,7 @@
             </a:r>
           </a:p>
           <a:p>
-            <a:pPr marL="0" indent="0">
+            <a:pPr marL="91440" indent="0">
               <a:spcBef>
                 <a:spcPts val="0"/>
               </a:spcBef>
@@ -7483,7 +7483,7 @@
             </a:r>
           </a:p>
           <a:p>
-            <a:pPr marL="0" indent="0">
+            <a:pPr marL="91440" indent="0">
               <a:spcBef>
                 <a:spcPts val="0"/>
               </a:spcBef>
@@ -7499,7 +7499,7 @@
             </a:r>
           </a:p>
           <a:p>
-            <a:pPr marL="0" indent="0">
+            <a:pPr marL="91440" indent="0">
               <a:spcBef>
                 <a:spcPts val="0"/>
               </a:spcBef>
@@ -7515,7 +7515,7 @@
             </a:r>
           </a:p>
           <a:p>
-            <a:pPr marL="0" indent="0">
+            <a:pPr marL="91440" indent="0">
               <a:spcBef>
                 <a:spcPts val="0"/>
               </a:spcBef>
@@ -7531,7 +7531,7 @@
             </a:r>
           </a:p>
           <a:p>
-            <a:pPr marL="0" indent="0">
+            <a:pPr marL="91440" indent="0">
               <a:spcBef>
                 <a:spcPts val="0"/>
               </a:spcBef>
@@ -7544,7 +7544,7 @@
             </a:endParaRPr>
           </a:p>
           <a:p>
-            <a:pPr marL="0" indent="0">
+            <a:pPr marL="91440" indent="0">
               <a:spcBef>
                 <a:spcPts val="0"/>
               </a:spcBef>
@@ -7560,7 +7560,7 @@
             </a:r>
           </a:p>
           <a:p>
-            <a:pPr marL="0" indent="0">
+            <a:pPr marL="91440" indent="0">
               <a:spcBef>
                 <a:spcPts val="0"/>
               </a:spcBef>
@@ -7576,7 +7576,7 @@
             </a:r>
           </a:p>
           <a:p>
-            <a:pPr marL="0" indent="0">
+            <a:pPr marL="91440" indent="0">
               <a:spcBef>
                 <a:spcPts val="0"/>
               </a:spcBef>
@@ -7592,7 +7592,7 @@
             </a:r>
           </a:p>
           <a:p>
-            <a:pPr marL="0" indent="0">
+            <a:pPr marL="91440" indent="0">
               <a:spcBef>
                 <a:spcPts val="0"/>
               </a:spcBef>
@@ -7608,7 +7608,7 @@
             </a:r>
           </a:p>
           <a:p>
-            <a:pPr marL="0" indent="0">
+            <a:pPr marL="91440" indent="0">
               <a:spcBef>
                 <a:spcPts val="0"/>
               </a:spcBef>
@@ -8605,7 +8605,22 @@
                 <a:latin typeface="Consolas" pitchFamily="49" charset="0"/>
                 <a:cs typeface="Consolas" pitchFamily="49" charset="0"/>
               </a:rPr>
-              <a:t> * token.  Searches enclosing scopes if necessary.</a:t>
+              <a:t> * token's text.  Returns null if the identifier is not found.  </a:t>
+            </a:r>
+          </a:p>
+          <a:p>
+            <a:pPr marL="91440" indent="0">
+              <a:spcBef>
+                <a:spcPts val="100"/>
+              </a:spcBef>
+              <a:buNone/>
+            </a:pPr>
+            <a:r>
+              <a:rPr lang="en-US" sz="1800" dirty="0">
+                <a:latin typeface="Consolas" pitchFamily="49" charset="0"/>
+                <a:cs typeface="Consolas" pitchFamily="49" charset="0"/>
+              </a:rPr>
+              <a:t> * Searches enclosing scopes if necessary.</a:t>
             </a:r>
           </a:p>
           <a:p>
@@ -8832,7 +8847,7 @@
         </p:nvSpPr>
         <p:spPr>
           <a:xfrm>
-            <a:off x="2819400" y="4626114"/>
+            <a:off x="2819400" y="4945559"/>
             <a:ext cx="5622052" cy="769441"/>
           </a:xfrm>
           <a:prstGeom prst="rect">
@@ -8914,7 +8929,7 @@
         </p:nvSpPr>
         <p:spPr bwMode="auto">
           <a:xfrm>
-            <a:off x="2151549" y="4150984"/>
+            <a:off x="2151549" y="4470429"/>
             <a:ext cx="152400" cy="152400"/>
           </a:xfrm>
           <a:prstGeom prst="diamond">
@@ -8978,7 +8993,7 @@
         </p:nvCxnSpPr>
         <p:spPr bwMode="auto">
           <a:xfrm rot="10800000">
-            <a:off x="2227750" y="4303385"/>
+            <a:off x="2227750" y="4622830"/>
             <a:ext cx="591651" cy="707451"/>
           </a:xfrm>
           <a:prstGeom prst="bentConnector2">
@@ -11885,7 +11900,7 @@
         </p:nvSpPr>
         <p:spPr>
           <a:xfrm>
-            <a:off x="3494102" y="5007428"/>
+            <a:off x="3494102" y="4986646"/>
             <a:ext cx="3084498" cy="369332"/>
           </a:xfrm>
           <a:prstGeom prst="rect">
@@ -11926,7 +11941,7 @@
         </p:nvSpPr>
         <p:spPr bwMode="auto">
           <a:xfrm>
-            <a:off x="2362200" y="5100654"/>
+            <a:off x="2362200" y="5079872"/>
             <a:ext cx="182880" cy="182880"/>
           </a:xfrm>
           <a:prstGeom prst="diamond">
@@ -11997,7 +12012,7 @@
         </p:nvCxnSpPr>
         <p:spPr bwMode="auto">
           <a:xfrm flipH="1">
-            <a:off x="2545080" y="5192094"/>
+            <a:off x="2545080" y="5171312"/>
             <a:ext cx="949022" cy="0"/>
           </a:xfrm>
           <a:prstGeom prst="straightConnector1">
@@ -24174,7 +24189,21 @@
                 <a:latin typeface="Consolas" pitchFamily="49" charset="0"/>
                 <a:cs typeface="Consolas" pitchFamily="49" charset="0"/>
               </a:rPr>
-              <a:t>         // for var parameters (see next slide)</a:t>
+              <a:t>         // for var parameters (</a:t>
+            </a:r>
+            <a:r>
+              <a:rPr lang="en-US" sz="1800" b="1" dirty="0">
+                <a:latin typeface="Consolas" pitchFamily="49" charset="0"/>
+                <a:cs typeface="Consolas" pitchFamily="49" charset="0"/>
+              </a:rPr>
+              <a:t>see next slide</a:t>
+            </a:r>
+            <a:r>
+              <a:rPr lang="en-US" sz="1800" dirty="0">
+                <a:latin typeface="Consolas" pitchFamily="49" charset="0"/>
+                <a:cs typeface="Consolas" pitchFamily="49" charset="0"/>
+              </a:rPr>
+              <a:t>)</a:t>
             </a:r>
           </a:p>
           <a:p>
@@ -32532,7 +32561,7 @@
         <p:spPr>
           <a:xfrm>
             <a:off x="3046256" y="1381539"/>
-            <a:ext cx="5564344" cy="738664"/>
+            <a:ext cx="4966424" cy="738664"/>
           </a:xfrm>
           <a:prstGeom prst="rect">
             <a:avLst/>
@@ -32548,35 +32577,14 @@
             <a:pPr algn="l"/>
             <a:r>
               <a:rPr lang="en-US" sz="2100" dirty="0"/>
-              <a:t>loads (pushes) the address contained in</a:t>
+              <a:t>loads (pushes) the address of the actual</a:t>
             </a:r>
           </a:p>
           <a:p>
             <a:pPr algn="l"/>
             <a:r>
               <a:rPr lang="en-US" sz="2100" dirty="0"/>
-              <a:t>parameter </a:t>
-            </a:r>
-            <a:r>
-              <a:rPr lang="en-US" sz="2100" dirty="0">
-                <a:latin typeface="Consolas" pitchFamily="49" charset="0"/>
-                <a:cs typeface="Consolas" pitchFamily="49" charset="0"/>
-              </a:rPr>
-              <a:t>a</a:t>
-            </a:r>
-            <a:r>
-              <a:rPr lang="en-US" sz="2100" dirty="0"/>
-              <a:t> (the address of </a:t>
-            </a:r>
-            <a:r>
-              <a:rPr lang="en-US" sz="2100" dirty="0">
-                <a:latin typeface="Consolas" panose="020B0609020204030204" pitchFamily="49" charset="0"/>
-              </a:rPr>
-              <a:t>x</a:t>
-            </a:r>
-            <a:r>
-              <a:rPr lang="en-US" sz="2100" dirty="0"/>
-              <a:t>) onto the stack</a:t>
+              <a:t>parameter x onto the run-time stack</a:t>
             </a:r>
           </a:p>
         </p:txBody>
@@ -32845,7 +32853,7 @@
           <a:bodyPr tIns="91440"/>
           <a:lstStyle/>
           <a:p>
-            <a:pPr marL="182880" indent="0">
+            <a:pPr marL="91440" indent="0">
               <a:spcBef>
                 <a:spcPts val="100"/>
               </a:spcBef>
@@ -32860,7 +32868,7 @@
             </a:r>
           </a:p>
           <a:p>
-            <a:pPr marL="182880" indent="0">
+            <a:pPr marL="91440" indent="0">
               <a:spcBef>
                 <a:spcPts val="100"/>
               </a:spcBef>
@@ -32900,7 +32908,7 @@
             </a:endParaRPr>
           </a:p>
           <a:p>
-            <a:pPr marL="182880" indent="0">
+            <a:pPr marL="91440" indent="0">
               <a:spcBef>
                 <a:spcPts val="100"/>
               </a:spcBef>
@@ -32915,7 +32923,7 @@
             </a:r>
           </a:p>
           <a:p>
-            <a:pPr marL="182880" indent="0">
+            <a:pPr marL="91440" indent="0">
               <a:spcBef>
                 <a:spcPts val="100"/>
               </a:spcBef>
@@ -32969,7 +32977,7 @@
             </a:endParaRPr>
           </a:p>
           <a:p>
-            <a:pPr marL="182880" indent="0">
+            <a:pPr marL="91440" indent="0">
               <a:spcBef>
                 <a:spcPts val="100"/>
               </a:spcBef>
@@ -33026,7 +33034,7 @@
             </a:r>
           </a:p>
           <a:p>
-            <a:pPr marL="182880" indent="0">
+            <a:pPr marL="91440" indent="0">
               <a:spcBef>
                 <a:spcPts val="100"/>
               </a:spcBef>
@@ -33041,7 +33049,7 @@
             </a:r>
           </a:p>
           <a:p>
-            <a:pPr marL="182880" indent="0">
+            <a:pPr marL="91440" indent="0">
               <a:spcBef>
                 <a:spcPts val="100"/>
               </a:spcBef>
@@ -33052,11 +33060,11 @@
                 <a:latin typeface="Consolas" pitchFamily="49" charset="0"/>
                 <a:cs typeface="Consolas" pitchFamily="49" charset="0"/>
               </a:rPr>
-              <a:t>        emit("LDLADDR " + decl.getRelAddr());</a:t>
-            </a:r>
-          </a:p>
-          <a:p>
-            <a:pPr marL="182880" indent="0">
+              <a:t>        // address of actual parameter is value of var parameter</a:t>
+            </a:r>
+          </a:p>
+          <a:p>
+            <a:pPr marL="91440" indent="0">
               <a:spcBef>
                 <a:spcPts val="100"/>
               </a:spcBef>
@@ -33067,11 +33075,11 @@
                 <a:latin typeface="Consolas" pitchFamily="49" charset="0"/>
                 <a:cs typeface="Consolas" pitchFamily="49" charset="0"/>
               </a:rPr>
-              <a:t>        emit("LOADW");</a:t>
-            </a:r>
-          </a:p>
-          <a:p>
-            <a:pPr marL="182880" indent="0">
+              <a:t>        emit("LDLADDR " + decl.getRelAddr());</a:t>
+            </a:r>
+          </a:p>
+          <a:p>
+            <a:pPr marL="91440" indent="0">
               <a:spcBef>
                 <a:spcPts val="100"/>
               </a:spcBef>
@@ -33082,11 +33090,11 @@
                 <a:latin typeface="Consolas" pitchFamily="49" charset="0"/>
                 <a:cs typeface="Consolas" pitchFamily="49" charset="0"/>
               </a:rPr>
-              <a:t>      }</a:t>
-            </a:r>
-          </a:p>
-          <a:p>
-            <a:pPr marL="182880" indent="0">
+              <a:t>        emit("LOADW");</a:t>
+            </a:r>
+          </a:p>
+          <a:p>
+            <a:pPr marL="91440" indent="0">
               <a:spcBef>
                 <a:spcPts val="100"/>
               </a:spcBef>
@@ -33097,11 +33105,11 @@
                 <a:latin typeface="Consolas" pitchFamily="49" charset="0"/>
                 <a:cs typeface="Consolas" pitchFamily="49" charset="0"/>
               </a:rPr>
-              <a:t>    else if (decl.getScopeLevel() == ScopeLevel.PROGRAM)</a:t>
-            </a:r>
-          </a:p>
-          <a:p>
-            <a:pPr marL="182880" indent="0">
+              <a:t>      }</a:t>
+            </a:r>
+          </a:p>
+          <a:p>
+            <a:pPr marL="91440" indent="0">
               <a:spcBef>
                 <a:spcPts val="100"/>
               </a:spcBef>
@@ -33112,25 +33120,11 @@
                 <a:latin typeface="Consolas" pitchFamily="49" charset="0"/>
                 <a:cs typeface="Consolas" pitchFamily="49" charset="0"/>
               </a:rPr>
-              <a:t>        emit("LDGADDR " + </a:t>
-            </a:r>
-            <a:r>
-              <a:rPr lang="en-US" sz="1800" dirty="0" err="1">
-                <a:latin typeface="Consolas" pitchFamily="49" charset="0"/>
-                <a:cs typeface="Consolas" pitchFamily="49" charset="0"/>
-              </a:rPr>
-              <a:t>decl.getRelAddr</a:t>
-            </a:r>
-            <a:r>
-              <a:rPr lang="en-US" sz="1800" dirty="0">
-                <a:latin typeface="Consolas" pitchFamily="49" charset="0"/>
-                <a:cs typeface="Consolas" pitchFamily="49" charset="0"/>
-              </a:rPr>
-              <a:t>());</a:t>
-            </a:r>
-          </a:p>
-          <a:p>
-            <a:pPr marL="182880" indent="0">
+              <a:t>    else if (decl.getScopeLevel() == ScopeLevel.PROGRAM)</a:t>
+            </a:r>
+          </a:p>
+          <a:p>
+            <a:pPr marL="91440" indent="0">
               <a:spcBef>
                 <a:spcPts val="100"/>
               </a:spcBef>
@@ -33141,11 +33135,25 @@
                 <a:latin typeface="Consolas" pitchFamily="49" charset="0"/>
                 <a:cs typeface="Consolas" pitchFamily="49" charset="0"/>
               </a:rPr>
-              <a:t>    else</a:t>
-            </a:r>
-          </a:p>
-          <a:p>
-            <a:pPr marL="182880" indent="0">
+              <a:t>        emit("LDGADDR " + </a:t>
+            </a:r>
+            <a:r>
+              <a:rPr lang="en-US" sz="1800" dirty="0" err="1">
+                <a:latin typeface="Consolas" pitchFamily="49" charset="0"/>
+                <a:cs typeface="Consolas" pitchFamily="49" charset="0"/>
+              </a:rPr>
+              <a:t>decl.getRelAddr</a:t>
+            </a:r>
+            <a:r>
+              <a:rPr lang="en-US" sz="1800" dirty="0">
+                <a:latin typeface="Consolas" pitchFamily="49" charset="0"/>
+                <a:cs typeface="Consolas" pitchFamily="49" charset="0"/>
+              </a:rPr>
+              <a:t>());</a:t>
+            </a:r>
+          </a:p>
+          <a:p>
+            <a:pPr marL="91440" indent="0">
               <a:spcBef>
                 <a:spcPts val="100"/>
               </a:spcBef>
@@ -33156,6 +33164,21 @@
                 <a:latin typeface="Consolas" pitchFamily="49" charset="0"/>
                 <a:cs typeface="Consolas" pitchFamily="49" charset="0"/>
               </a:rPr>
+              <a:t>    else</a:t>
+            </a:r>
+          </a:p>
+          <a:p>
+            <a:pPr marL="91440" indent="0">
+              <a:spcBef>
+                <a:spcPts val="100"/>
+              </a:spcBef>
+              <a:buNone/>
+            </a:pPr>
+            <a:r>
+              <a:rPr lang="en-US" sz="1800" dirty="0">
+                <a:latin typeface="Consolas" pitchFamily="49" charset="0"/>
+                <a:cs typeface="Consolas" pitchFamily="49" charset="0"/>
+              </a:rPr>
               <a:t>        emit("LDLADDR " + </a:t>
             </a:r>
             <a:r>
@@ -33174,7 +33197,7 @@
             </a:r>
           </a:p>
           <a:p>
-            <a:pPr marL="182880" indent="0">
+            <a:pPr marL="91440" indent="0">
               <a:spcBef>
                 <a:spcPts val="100"/>
               </a:spcBef>
@@ -33256,8 +33279,8 @@
         </p:nvSpPr>
         <p:spPr>
           <a:xfrm>
-            <a:off x="1960548" y="5534839"/>
-            <a:ext cx="5222905" cy="769441"/>
+            <a:off x="2193785" y="5591314"/>
+            <a:ext cx="4756430" cy="707886"/>
           </a:xfrm>
           <a:prstGeom prst="rect">
             <a:avLst/>
@@ -33277,14 +33300,14 @@
           <a:p>
             <a:pPr algn="l"/>
             <a:r>
-              <a:rPr lang="en-US" sz="2200" dirty="0"/>
+              <a:rPr lang="en-US" sz="2000" dirty="0"/>
               <a:t>We will extend this method again when</a:t>
             </a:r>
             <a:br>
-              <a:rPr lang="en-US" sz="2200" dirty="0"/>
+              <a:rPr lang="en-US" sz="2000" dirty="0"/>
             </a:br>
             <a:r>
-              <a:rPr lang="en-US" sz="2200" dirty="0"/>
+              <a:rPr lang="en-US" sz="2000" dirty="0"/>
               <a:t>we consider the topic of arrays in CPRL.</a:t>
             </a:r>
           </a:p>

--- a/PowerPoint Slides/13 - Subprograms.pptx
+++ b/PowerPoint Slides/13 - Subprograms.pptx
@@ -8094,6 +8094,106 @@
           <a:p>
             <a:pPr marL="91440" indent="0">
               <a:spcBef>
+                <a:spcPts val="100"/>
+              </a:spcBef>
+              <a:buNone/>
+            </a:pPr>
+            <a:r>
+              <a:rPr lang="en-US" sz="1800" dirty="0">
+                <a:latin typeface="Consolas" pitchFamily="49" charset="0"/>
+                <a:cs typeface="Consolas" pitchFamily="49" charset="0"/>
+              </a:rPr>
+              <a:t>/**</a:t>
+            </a:r>
+          </a:p>
+          <a:p>
+            <a:pPr marL="91440" indent="0">
+              <a:spcBef>
+                <a:spcPts val="100"/>
+              </a:spcBef>
+              <a:buNone/>
+            </a:pPr>
+            <a:r>
+              <a:rPr lang="en-US" sz="1800" dirty="0">
+                <a:latin typeface="Consolas" pitchFamily="49" charset="0"/>
+                <a:cs typeface="Consolas" pitchFamily="49" charset="0"/>
+              </a:rPr>
+              <a:t> * Returns the current scope level.</a:t>
+            </a:r>
+          </a:p>
+          <a:p>
+            <a:pPr marL="91440" indent="0">
+              <a:spcBef>
+                <a:spcPts val="100"/>
+              </a:spcBef>
+              <a:buNone/>
+            </a:pPr>
+            <a:r>
+              <a:rPr lang="en-US" sz="1800" dirty="0">
+                <a:latin typeface="Consolas" pitchFamily="49" charset="0"/>
+                <a:cs typeface="Consolas" pitchFamily="49" charset="0"/>
+              </a:rPr>
+              <a:t> */</a:t>
+            </a:r>
+          </a:p>
+          <a:p>
+            <a:pPr marL="91440" indent="0">
+              <a:spcBef>
+                <a:spcPts val="100"/>
+              </a:spcBef>
+              <a:buNone/>
+            </a:pPr>
+            <a:r>
+              <a:rPr lang="en-US" sz="1800" dirty="0">
+                <a:latin typeface="Consolas" pitchFamily="49" charset="0"/>
+                <a:cs typeface="Consolas" pitchFamily="49" charset="0"/>
+              </a:rPr>
+              <a:t>public </a:t>
+            </a:r>
+            <a:r>
+              <a:rPr lang="en-US" sz="1800" dirty="0" err="1">
+                <a:latin typeface="Consolas" pitchFamily="49" charset="0"/>
+                <a:cs typeface="Consolas" pitchFamily="49" charset="0"/>
+              </a:rPr>
+              <a:t>ScopeLevel</a:t>
+            </a:r>
+            <a:r>
+              <a:rPr lang="en-US" sz="1800" dirty="0">
+                <a:latin typeface="Consolas" pitchFamily="49" charset="0"/>
+                <a:cs typeface="Consolas" pitchFamily="49" charset="0"/>
+              </a:rPr>
+              <a:t> </a:t>
+            </a:r>
+            <a:r>
+              <a:rPr lang="en-US" sz="1800" dirty="0" err="1">
+                <a:latin typeface="Consolas" pitchFamily="49" charset="0"/>
+                <a:cs typeface="Consolas" pitchFamily="49" charset="0"/>
+              </a:rPr>
+              <a:t>getScopeLevel</a:t>
+            </a:r>
+            <a:r>
+              <a:rPr lang="en-US" sz="1800" dirty="0">
+                <a:latin typeface="Consolas" pitchFamily="49" charset="0"/>
+                <a:cs typeface="Consolas" pitchFamily="49" charset="0"/>
+              </a:rPr>
+              <a:t>()</a:t>
+            </a:r>
+          </a:p>
+          <a:p>
+            <a:pPr marL="91440" indent="0">
+              <a:spcBef>
+                <a:spcPts val="100"/>
+              </a:spcBef>
+              <a:buNone/>
+            </a:pPr>
+            <a:endParaRPr lang="en-US" sz="1800" dirty="0">
+              <a:latin typeface="Consolas" pitchFamily="49" charset="0"/>
+              <a:cs typeface="Consolas" pitchFamily="49" charset="0"/>
+            </a:endParaRPr>
+          </a:p>
+          <a:p>
+            <a:pPr marL="91440" indent="0">
+              <a:spcBef>
                 <a:spcPts val="0"/>
               </a:spcBef>
               <a:buNone/>
@@ -8263,150 +8363,6 @@
               <a:cs typeface="Consolas" pitchFamily="49" charset="0"/>
             </a:endParaRPr>
           </a:p>
-          <a:p>
-            <a:pPr marL="91440" indent="0">
-              <a:spcBef>
-                <a:spcPts val="0"/>
-              </a:spcBef>
-              <a:buNone/>
-            </a:pPr>
-            <a:r>
-              <a:rPr lang="en-US" sz="1800" dirty="0">
-                <a:latin typeface="Consolas" pitchFamily="49" charset="0"/>
-                <a:cs typeface="Consolas" pitchFamily="49" charset="0"/>
-              </a:rPr>
-              <a:t>/**</a:t>
-            </a:r>
-          </a:p>
-          <a:p>
-            <a:pPr marL="91440" indent="0">
-              <a:spcBef>
-                <a:spcPts val="0"/>
-              </a:spcBef>
-              <a:buNone/>
-            </a:pPr>
-            <a:r>
-              <a:rPr lang="en-US" sz="1800" dirty="0">
-                <a:latin typeface="Consolas" pitchFamily="49" charset="0"/>
-                <a:cs typeface="Consolas" pitchFamily="49" charset="0"/>
-              </a:rPr>
-              <a:t> * Add a declaration at the current scope level.</a:t>
-            </a:r>
-          </a:p>
-          <a:p>
-            <a:pPr marL="91440" indent="0">
-              <a:spcBef>
-                <a:spcPts val="0"/>
-              </a:spcBef>
-              <a:buNone/>
-            </a:pPr>
-            <a:r>
-              <a:rPr lang="en-US" sz="1800" dirty="0">
-                <a:latin typeface="Consolas" pitchFamily="49" charset="0"/>
-                <a:cs typeface="Consolas" pitchFamily="49" charset="0"/>
-              </a:rPr>
-              <a:t> * @throws </a:t>
-            </a:r>
-            <a:r>
-              <a:rPr lang="en-US" sz="1800" dirty="0" err="1">
-                <a:latin typeface="Consolas" pitchFamily="49" charset="0"/>
-                <a:cs typeface="Consolas" pitchFamily="49" charset="0"/>
-              </a:rPr>
-              <a:t>ParserException</a:t>
-            </a:r>
-            <a:r>
-              <a:rPr lang="en-US" sz="1800" dirty="0">
-                <a:latin typeface="Consolas" pitchFamily="49" charset="0"/>
-                <a:cs typeface="Consolas" pitchFamily="49" charset="0"/>
-              </a:rPr>
-              <a:t> if the identifier token associated</a:t>
-            </a:r>
-          </a:p>
-          <a:p>
-            <a:pPr marL="91440" indent="0">
-              <a:spcBef>
-                <a:spcPts val="0"/>
-              </a:spcBef>
-              <a:buNone/>
-            </a:pPr>
-            <a:r>
-              <a:rPr lang="en-US" sz="1800" dirty="0">
-                <a:latin typeface="Consolas" pitchFamily="49" charset="0"/>
-                <a:cs typeface="Consolas" pitchFamily="49" charset="0"/>
-              </a:rPr>
-              <a:t> *                         with the declaration is already</a:t>
-            </a:r>
-          </a:p>
-          <a:p>
-            <a:pPr marL="91440" indent="0">
-              <a:spcBef>
-                <a:spcPts val="0"/>
-              </a:spcBef>
-              <a:buNone/>
-            </a:pPr>
-            <a:r>
-              <a:rPr lang="en-US" sz="1800" dirty="0">
-                <a:latin typeface="Consolas" pitchFamily="49" charset="0"/>
-                <a:cs typeface="Consolas" pitchFamily="49" charset="0"/>
-              </a:rPr>
-              <a:t> *                         defined in the current scope.</a:t>
-            </a:r>
-          </a:p>
-          <a:p>
-            <a:pPr marL="91440" indent="0">
-              <a:spcBef>
-                <a:spcPts val="0"/>
-              </a:spcBef>
-              <a:buNone/>
-            </a:pPr>
-            <a:r>
-              <a:rPr lang="en-US" sz="1800" dirty="0">
-                <a:latin typeface="Consolas" pitchFamily="49" charset="0"/>
-                <a:cs typeface="Consolas" pitchFamily="49" charset="0"/>
-              </a:rPr>
-              <a:t> */</a:t>
-            </a:r>
-          </a:p>
-          <a:p>
-            <a:pPr marL="91440" indent="0">
-              <a:spcBef>
-                <a:spcPts val="0"/>
-              </a:spcBef>
-              <a:buNone/>
-            </a:pPr>
-            <a:r>
-              <a:rPr lang="en-US" sz="1800" dirty="0">
-                <a:latin typeface="Consolas" pitchFamily="49" charset="0"/>
-                <a:cs typeface="Consolas" pitchFamily="49" charset="0"/>
-              </a:rPr>
-              <a:t>public void add(Declaration </a:t>
-            </a:r>
-            <a:r>
-              <a:rPr lang="en-US" sz="1800" dirty="0" err="1">
-                <a:latin typeface="Consolas" pitchFamily="49" charset="0"/>
-                <a:cs typeface="Consolas" pitchFamily="49" charset="0"/>
-              </a:rPr>
-              <a:t>decl</a:t>
-            </a:r>
-            <a:r>
-              <a:rPr lang="en-US" sz="1800" dirty="0">
-                <a:latin typeface="Consolas" pitchFamily="49" charset="0"/>
-                <a:cs typeface="Consolas" pitchFamily="49" charset="0"/>
-              </a:rPr>
-              <a:t>) throws </a:t>
-            </a:r>
-            <a:r>
-              <a:rPr lang="en-US" sz="1800" dirty="0" err="1">
-                <a:latin typeface="Consolas" pitchFamily="49" charset="0"/>
-                <a:cs typeface="Consolas" pitchFamily="49" charset="0"/>
-              </a:rPr>
-              <a:t>ParserException</a:t>
-            </a:r>
-            <a:endParaRPr lang="en-US" sz="1800" dirty="0">
-              <a:latin typeface="Consolas" pitchFamily="49" charset="0"/>
-              <a:cs typeface="Consolas" pitchFamily="49" charset="0"/>
-            </a:endParaRPr>
-          </a:p>
         </p:txBody>
       </p:sp>
       <p:sp>
@@ -8467,6 +8423,194 @@
           </a:p>
         </p:txBody>
       </p:sp>
+      <p:sp>
+        <p:nvSpPr>
+          <p:cNvPr id="6" name="TextBox 5">
+            <a:extLst>
+              <a:ext uri="{FF2B5EF4-FFF2-40B4-BE49-F238E27FC236}">
+                <a16:creationId xmlns:a16="http://schemas.microsoft.com/office/drawing/2014/main" id="{C65FA996-E692-477E-8CB0-D491030851D6}"/>
+              </a:ext>
+            </a:extLst>
+          </p:cNvPr>
+          <p:cNvSpPr txBox="1"/>
+          <p:nvPr/>
+        </p:nvSpPr>
+        <p:spPr>
+          <a:xfrm>
+            <a:off x="5616843" y="2413337"/>
+            <a:ext cx="3222357" cy="1015663"/>
+          </a:xfrm>
+          <a:prstGeom prst="rect">
+            <a:avLst/>
+          </a:prstGeom>
+          <a:noFill/>
+          <a:ln>
+            <a:solidFill>
+              <a:schemeClr val="tx1"/>
+            </a:solidFill>
+          </a:ln>
+        </p:spPr>
+        <p:txBody>
+          <a:bodyPr wrap="none" rtlCol="0">
+            <a:spAutoFit/>
+          </a:bodyPr>
+          <a:lstStyle/>
+          <a:p>
+            <a:pPr algn="l"/>
+            <a:r>
+              <a:rPr lang="en-US" sz="2000" dirty="0" err="1">
+                <a:latin typeface="Consolas" panose="020B0609020204030204" pitchFamily="49" charset="0"/>
+              </a:rPr>
+              <a:t>ScopeLevel</a:t>
+            </a:r>
+            <a:r>
+              <a:rPr lang="en-US" sz="2000" dirty="0"/>
+              <a:t> is an </a:t>
+            </a:r>
+            <a:r>
+              <a:rPr lang="en-US" sz="2000" dirty="0" err="1">
+                <a:latin typeface="Consolas" panose="020B0609020204030204" pitchFamily="49" charset="0"/>
+              </a:rPr>
+              <a:t>enum</a:t>
+            </a:r>
+            <a:br>
+              <a:rPr lang="en-US" sz="2000" dirty="0">
+                <a:latin typeface="Consolas" panose="020B0609020204030204" pitchFamily="49" charset="0"/>
+              </a:rPr>
+            </a:br>
+            <a:r>
+              <a:rPr lang="en-US" sz="2000" dirty="0"/>
+              <a:t>class with only two values,</a:t>
+            </a:r>
+            <a:br>
+              <a:rPr lang="en-US" sz="2000" dirty="0"/>
+            </a:br>
+            <a:r>
+              <a:rPr lang="en-US" sz="2000" dirty="0">
+                <a:latin typeface="Consolas" panose="020B0609020204030204" pitchFamily="49" charset="0"/>
+              </a:rPr>
+              <a:t>PROGRAM</a:t>
+            </a:r>
+            <a:r>
+              <a:rPr lang="en-US" sz="2000" dirty="0"/>
+              <a:t> and </a:t>
+            </a:r>
+            <a:r>
+              <a:rPr lang="en-US" sz="2000" dirty="0">
+                <a:latin typeface="Consolas" panose="020B0609020204030204" pitchFamily="49" charset="0"/>
+              </a:rPr>
+              <a:t>SUBPROGRAM</a:t>
+            </a:r>
+            <a:r>
+              <a:rPr lang="en-US" sz="2000" dirty="0"/>
+              <a:t>.</a:t>
+            </a:r>
+          </a:p>
+        </p:txBody>
+      </p:sp>
+      <p:sp>
+        <p:nvSpPr>
+          <p:cNvPr id="7" name="Diamond 6">
+            <a:extLst>
+              <a:ext uri="{FF2B5EF4-FFF2-40B4-BE49-F238E27FC236}">
+                <a16:creationId xmlns:a16="http://schemas.microsoft.com/office/drawing/2014/main" id="{54D2FBF8-47E5-42A2-9028-FA3EE27E6DEF}"/>
+              </a:ext>
+            </a:extLst>
+          </p:cNvPr>
+          <p:cNvSpPr/>
+          <p:nvPr/>
+        </p:nvSpPr>
+        <p:spPr bwMode="auto">
+          <a:xfrm>
+            <a:off x="2164773" y="2462645"/>
+            <a:ext cx="152400" cy="152400"/>
+          </a:xfrm>
+          <a:prstGeom prst="diamond">
+            <a:avLst/>
+          </a:prstGeom>
+          <a:noFill/>
+          <a:ln w="9525" cap="flat" cmpd="sng" algn="ctr">
+            <a:noFill/>
+            <a:prstDash val="solid"/>
+            <a:round/>
+            <a:headEnd type="none" w="med" len="med"/>
+            <a:tailEnd type="none" w="med" len="med"/>
+          </a:ln>
+          <a:effectLst/>
+        </p:spPr>
+        <p:txBody>
+          <a:bodyPr vert="horz" wrap="none" lIns="92075" tIns="46038" rIns="92075" bIns="46038" numCol="1" rtlCol="0" anchor="ctr" anchorCtr="0" compatLnSpc="1">
+            <a:prstTxWarp prst="textNoShape">
+              <a:avLst/>
+            </a:prstTxWarp>
+          </a:bodyPr>
+          <a:lstStyle/>
+          <a:p>
+            <a:pPr marL="0" marR="0" indent="0" algn="ctr" defTabSz="914400" rtl="0" eaLnBrk="0" fontAlgn="base" latinLnBrk="0" hangingPunct="0">
+              <a:lnSpc>
+                <a:spcPct val="100000"/>
+              </a:lnSpc>
+              <a:spcBef>
+                <a:spcPct val="0"/>
+              </a:spcBef>
+              <a:spcAft>
+                <a:spcPct val="0"/>
+              </a:spcAft>
+              <a:buClrTx/>
+              <a:buSzTx/>
+              <a:buFontTx/>
+              <a:buNone/>
+              <a:tabLst/>
+            </a:pPr>
+            <a:endParaRPr kumimoji="0" lang="en-US" sz="2400" b="0" i="0" u="none" strike="noStrike" cap="none" normalizeH="0" baseline="0">
+              <a:ln>
+                <a:noFill/>
+              </a:ln>
+              <a:solidFill>
+                <a:schemeClr val="tx1"/>
+              </a:solidFill>
+              <a:effectLst/>
+              <a:latin typeface="Arial" charset="0"/>
+            </a:endParaRPr>
+          </a:p>
+        </p:txBody>
+      </p:sp>
+      <p:cxnSp>
+        <p:nvCxnSpPr>
+          <p:cNvPr id="8" name="Elbow Connector 8">
+            <a:extLst>
+              <a:ext uri="{FF2B5EF4-FFF2-40B4-BE49-F238E27FC236}">
+                <a16:creationId xmlns:a16="http://schemas.microsoft.com/office/drawing/2014/main" id="{62320C38-430B-4FAB-96BF-AFD327EF7DC4}"/>
+              </a:ext>
+            </a:extLst>
+          </p:cNvPr>
+          <p:cNvCxnSpPr>
+            <a:stCxn id="6" idx="1"/>
+            <a:endCxn id="7" idx="2"/>
+          </p:cNvCxnSpPr>
+          <p:nvPr/>
+        </p:nvCxnSpPr>
+        <p:spPr bwMode="auto">
+          <a:xfrm rot="10800000">
+            <a:off x="2240973" y="2615045"/>
+            <a:ext cx="3375870" cy="306124"/>
+          </a:xfrm>
+          <a:prstGeom prst="bentConnector2">
+            <a:avLst/>
+          </a:prstGeom>
+          <a:noFill/>
+          <a:ln w="9525" cap="flat" cmpd="sng" algn="ctr">
+            <a:solidFill>
+              <a:schemeClr val="tx1"/>
+            </a:solidFill>
+            <a:prstDash val="solid"/>
+            <a:round/>
+            <a:headEnd type="none" w="med" len="med"/>
+            <a:tailEnd type="triangle"/>
+          </a:ln>
+          <a:effectLst/>
+        </p:spPr>
+      </p:cxnSp>
     </p:spTree>
     <p:extLst>
       <p:ext uri="{BB962C8B-B14F-4D97-AF65-F5344CB8AC3E}">
@@ -8566,7 +8710,7 @@
           <a:p>
             <a:pPr marL="91440" indent="0">
               <a:spcBef>
-                <a:spcPts val="100"/>
+                <a:spcPts val="0"/>
               </a:spcBef>
               <a:buNone/>
             </a:pPr>
@@ -8581,7 +8725,7 @@
           <a:p>
             <a:pPr marL="91440" indent="0">
               <a:spcBef>
-                <a:spcPts val="100"/>
+                <a:spcPts val="0"/>
               </a:spcBef>
               <a:buNone/>
             </a:pPr>
@@ -8590,13 +8734,13 @@
                 <a:latin typeface="Consolas" pitchFamily="49" charset="0"/>
                 <a:cs typeface="Consolas" pitchFamily="49" charset="0"/>
               </a:rPr>
-              <a:t> * Returns the Declaration associated with the identifier</a:t>
+              <a:t> * Add a declaration at the current scope level.</a:t>
             </a:r>
           </a:p>
           <a:p>
             <a:pPr marL="91440" indent="0">
               <a:spcBef>
-                <a:spcPts val="100"/>
+                <a:spcPts val="0"/>
               </a:spcBef>
               <a:buNone/>
             </a:pPr>
@@ -8605,13 +8749,27 @@
                 <a:latin typeface="Consolas" pitchFamily="49" charset="0"/>
                 <a:cs typeface="Consolas" pitchFamily="49" charset="0"/>
               </a:rPr>
-              <a:t> * token's text.  Returns null if the identifier is not found.  </a:t>
+              <a:t> * @throws </a:t>
+            </a:r>
+            <a:r>
+              <a:rPr lang="en-US" sz="1800" dirty="0" err="1">
+                <a:latin typeface="Consolas" pitchFamily="49" charset="0"/>
+                <a:cs typeface="Consolas" pitchFamily="49" charset="0"/>
+              </a:rPr>
+              <a:t>ParserException</a:t>
+            </a:r>
+            <a:r>
+              <a:rPr lang="en-US" sz="1800" dirty="0">
+                <a:latin typeface="Consolas" pitchFamily="49" charset="0"/>
+                <a:cs typeface="Consolas" pitchFamily="49" charset="0"/>
+              </a:rPr>
+              <a:t> if the identifier token associated</a:t>
             </a:r>
           </a:p>
           <a:p>
             <a:pPr marL="91440" indent="0">
               <a:spcBef>
-                <a:spcPts val="100"/>
+                <a:spcPts val="0"/>
               </a:spcBef>
               <a:buNone/>
             </a:pPr>
@@ -8620,13 +8778,13 @@
                 <a:latin typeface="Consolas" pitchFamily="49" charset="0"/>
                 <a:cs typeface="Consolas" pitchFamily="49" charset="0"/>
               </a:rPr>
-              <a:t> * Searches enclosing scopes if necessary.</a:t>
+              <a:t> *                         with the declaration is already</a:t>
             </a:r>
           </a:p>
           <a:p>
             <a:pPr marL="91440" indent="0">
               <a:spcBef>
-                <a:spcPts val="100"/>
+                <a:spcPts val="0"/>
               </a:spcBef>
               <a:buNone/>
             </a:pPr>
@@ -8635,13 +8793,13 @@
                 <a:latin typeface="Consolas" pitchFamily="49" charset="0"/>
                 <a:cs typeface="Consolas" pitchFamily="49" charset="0"/>
               </a:rPr>
-              <a:t> */</a:t>
+              <a:t> *                         defined in the current scope.</a:t>
             </a:r>
           </a:p>
           <a:p>
             <a:pPr marL="91440" indent="0">
               <a:spcBef>
-                <a:spcPts val="100"/>
+                <a:spcPts val="0"/>
               </a:spcBef>
               <a:buNone/>
             </a:pPr>
@@ -8650,22 +8808,48 @@
                 <a:latin typeface="Consolas" pitchFamily="49" charset="0"/>
                 <a:cs typeface="Consolas" pitchFamily="49" charset="0"/>
               </a:rPr>
-              <a:t>public Declaration get(Token </a:t>
+              <a:t> */</a:t>
+            </a:r>
+          </a:p>
+          <a:p>
+            <a:pPr marL="91440" indent="0">
+              <a:spcBef>
+                <a:spcPts val="0"/>
+              </a:spcBef>
+              <a:buNone/>
+            </a:pPr>
+            <a:r>
+              <a:rPr lang="en-US" sz="1800" dirty="0">
+                <a:latin typeface="Consolas" pitchFamily="49" charset="0"/>
+                <a:cs typeface="Consolas" pitchFamily="49" charset="0"/>
+              </a:rPr>
+              <a:t>public void add(Declaration </a:t>
             </a:r>
             <a:r>
               <a:rPr lang="en-US" sz="1800" dirty="0" err="1">
                 <a:latin typeface="Consolas" pitchFamily="49" charset="0"/>
                 <a:cs typeface="Consolas" pitchFamily="49" charset="0"/>
               </a:rPr>
-              <a:t>idToken</a:t>
+              <a:t>decl</a:t>
             </a:r>
             <a:r>
               <a:rPr lang="en-US" sz="1800" dirty="0">
                 <a:latin typeface="Consolas" pitchFamily="49" charset="0"/>
                 <a:cs typeface="Consolas" pitchFamily="49" charset="0"/>
               </a:rPr>
-              <a:t>)</a:t>
-            </a:r>
+              <a:t>) throws </a:t>
+            </a:r>
+            <a:r>
+              <a:rPr lang="en-US" sz="1800" dirty="0" err="1">
+                <a:latin typeface="Consolas" pitchFamily="49" charset="0"/>
+                <a:cs typeface="Consolas" pitchFamily="49" charset="0"/>
+              </a:rPr>
+              <a:t>ParserException</a:t>
+            </a:r>
+            <a:endParaRPr lang="en-US" sz="1800" dirty="0">
+              <a:latin typeface="Consolas" pitchFamily="49" charset="0"/>
+              <a:cs typeface="Consolas" pitchFamily="49" charset="0"/>
+            </a:endParaRPr>
           </a:p>
           <a:p>
             <a:pPr marL="91440" indent="0">
@@ -8706,7 +8890,7 @@
                 <a:latin typeface="Consolas" pitchFamily="49" charset="0"/>
                 <a:cs typeface="Consolas" pitchFamily="49" charset="0"/>
               </a:rPr>
-              <a:t> * Returns the current scope level.</a:t>
+              <a:t> * Returns the Declaration associated with the identifier</a:t>
             </a:r>
           </a:p>
           <a:p>
@@ -8721,7 +8905,7 @@
                 <a:latin typeface="Consolas" pitchFamily="49" charset="0"/>
                 <a:cs typeface="Consolas" pitchFamily="49" charset="0"/>
               </a:rPr>
-              <a:t> */</a:t>
+              <a:t> * token's text.  Returns null if the identifier is not found.  </a:t>
             </a:r>
           </a:p>
           <a:p>
@@ -8736,35 +8920,51 @@
                 <a:latin typeface="Consolas" pitchFamily="49" charset="0"/>
                 <a:cs typeface="Consolas" pitchFamily="49" charset="0"/>
               </a:rPr>
-              <a:t>public </a:t>
+              <a:t> * Searches enclosing scopes if necessary.</a:t>
+            </a:r>
+          </a:p>
+          <a:p>
+            <a:pPr marL="91440" indent="0">
+              <a:spcBef>
+                <a:spcPts val="100"/>
+              </a:spcBef>
+              <a:buNone/>
+            </a:pPr>
+            <a:r>
+              <a:rPr lang="en-US" sz="1800" dirty="0">
+                <a:latin typeface="Consolas" pitchFamily="49" charset="0"/>
+                <a:cs typeface="Consolas" pitchFamily="49" charset="0"/>
+              </a:rPr>
+              <a:t> */</a:t>
+            </a:r>
+          </a:p>
+          <a:p>
+            <a:pPr marL="91440" indent="0">
+              <a:spcBef>
+                <a:spcPts val="100"/>
+              </a:spcBef>
+              <a:buNone/>
+            </a:pPr>
+            <a:r>
+              <a:rPr lang="en-US" sz="1800" dirty="0">
+                <a:latin typeface="Consolas" pitchFamily="49" charset="0"/>
+                <a:cs typeface="Consolas" pitchFamily="49" charset="0"/>
+              </a:rPr>
+              <a:t>public Declaration get(Token </a:t>
             </a:r>
             <a:r>
               <a:rPr lang="en-US" sz="1800" dirty="0" err="1">
                 <a:latin typeface="Consolas" pitchFamily="49" charset="0"/>
                 <a:cs typeface="Consolas" pitchFamily="49" charset="0"/>
               </a:rPr>
-              <a:t>ScopeLevel</a:t>
+              <a:t>idToken</a:t>
             </a:r>
             <a:r>
               <a:rPr lang="en-US" sz="1800" dirty="0">
                 <a:latin typeface="Consolas" pitchFamily="49" charset="0"/>
                 <a:cs typeface="Consolas" pitchFamily="49" charset="0"/>
               </a:rPr>
-              <a:t> </a:t>
-            </a:r>
-            <a:r>
-              <a:rPr lang="en-US" sz="1800" dirty="0" err="1">
-                <a:latin typeface="Consolas" pitchFamily="49" charset="0"/>
-                <a:cs typeface="Consolas" pitchFamily="49" charset="0"/>
-              </a:rPr>
-              <a:t>getCurrentLevel</a:t>
-            </a:r>
-            <a:r>
-              <a:rPr lang="en-US" sz="1800" dirty="0">
-                <a:latin typeface="Consolas" pitchFamily="49" charset="0"/>
-                <a:cs typeface="Consolas" pitchFamily="49" charset="0"/>
-              </a:rPr>
-              <a:t>()</a:t>
+              <a:t>)</a:t>
             </a:r>
           </a:p>
           <a:p>
@@ -8839,179 +9039,6 @@
           </a:p>
         </p:txBody>
       </p:sp>
-      <p:sp>
-        <p:nvSpPr>
-          <p:cNvPr id="6" name="TextBox 5"/>
-          <p:cNvSpPr txBox="1"/>
-          <p:nvPr/>
-        </p:nvSpPr>
-        <p:spPr>
-          <a:xfrm>
-            <a:off x="2819400" y="4945559"/>
-            <a:ext cx="5622052" cy="769441"/>
-          </a:xfrm>
-          <a:prstGeom prst="rect">
-            <a:avLst/>
-          </a:prstGeom>
-          <a:noFill/>
-          <a:ln>
-            <a:solidFill>
-              <a:schemeClr val="tx1"/>
-            </a:solidFill>
-          </a:ln>
-        </p:spPr>
-        <p:txBody>
-          <a:bodyPr wrap="none" rtlCol="0">
-            <a:spAutoFit/>
-          </a:bodyPr>
-          <a:lstStyle/>
-          <a:p>
-            <a:pPr algn="l"/>
-            <a:r>
-              <a:rPr lang="en-US" sz="2200" dirty="0"/>
-              <a:t>Note:  </a:t>
-            </a:r>
-            <a:r>
-              <a:rPr lang="en-US" sz="2200" dirty="0" err="1">
-                <a:latin typeface="Consolas" panose="020B0609020204030204" pitchFamily="49" charset="0"/>
-              </a:rPr>
-              <a:t>ScopeLevel</a:t>
-            </a:r>
-            <a:r>
-              <a:rPr lang="en-US" sz="2200" dirty="0"/>
-              <a:t> is an </a:t>
-            </a:r>
-            <a:r>
-              <a:rPr lang="en-US" sz="2200" dirty="0" err="1">
-                <a:latin typeface="Consolas" panose="020B0609020204030204" pitchFamily="49" charset="0"/>
-              </a:rPr>
-              <a:t>enum</a:t>
-            </a:r>
-            <a:r>
-              <a:rPr lang="en-US" sz="2200" dirty="0"/>
-              <a:t> class with</a:t>
-            </a:r>
-          </a:p>
-          <a:p>
-            <a:pPr algn="l"/>
-            <a:r>
-              <a:rPr lang="en-US" sz="2200" dirty="0"/>
-              <a:t>only two values, </a:t>
-            </a:r>
-            <a:r>
-              <a:rPr lang="en-US" sz="2200" dirty="0">
-                <a:latin typeface="Consolas" panose="020B0609020204030204" pitchFamily="49" charset="0"/>
-              </a:rPr>
-              <a:t>PROGRAM</a:t>
-            </a:r>
-            <a:r>
-              <a:rPr lang="en-US" sz="2200" dirty="0"/>
-              <a:t> and </a:t>
-            </a:r>
-            <a:r>
-              <a:rPr lang="en-US" sz="2200" dirty="0">
-                <a:latin typeface="Consolas" panose="020B0609020204030204" pitchFamily="49" charset="0"/>
-              </a:rPr>
-              <a:t>SUBPROGRAM</a:t>
-            </a:r>
-            <a:r>
-              <a:rPr lang="en-US" sz="2200" dirty="0"/>
-              <a:t>.</a:t>
-            </a:r>
-          </a:p>
-        </p:txBody>
-      </p:sp>
-      <p:sp>
-        <p:nvSpPr>
-          <p:cNvPr id="7" name="Diamond 6"/>
-          <p:cNvSpPr/>
-          <p:nvPr/>
-        </p:nvSpPr>
-        <p:spPr bwMode="auto">
-          <a:xfrm>
-            <a:off x="2151549" y="4470429"/>
-            <a:ext cx="152400" cy="152400"/>
-          </a:xfrm>
-          <a:prstGeom prst="diamond">
-            <a:avLst/>
-          </a:prstGeom>
-          <a:noFill/>
-          <a:ln w="9525" cap="flat" cmpd="sng" algn="ctr">
-            <a:noFill/>
-            <a:prstDash val="solid"/>
-            <a:round/>
-            <a:headEnd type="none" w="med" len="med"/>
-            <a:tailEnd type="none" w="med" len="med"/>
-          </a:ln>
-          <a:effectLst/>
-        </p:spPr>
-        <p:txBody>
-          <a:bodyPr vert="horz" wrap="none" lIns="92075" tIns="46038" rIns="92075" bIns="46038" numCol="1" rtlCol="0" anchor="ctr" anchorCtr="0" compatLnSpc="1">
-            <a:prstTxWarp prst="textNoShape">
-              <a:avLst/>
-            </a:prstTxWarp>
-          </a:bodyPr>
-          <a:lstStyle/>
-          <a:p>
-            <a:pPr marL="0" marR="0" indent="0" algn="ctr" defTabSz="914400" rtl="0" eaLnBrk="0" fontAlgn="base" latinLnBrk="0" hangingPunct="0">
-              <a:lnSpc>
-                <a:spcPct val="100000"/>
-              </a:lnSpc>
-              <a:spcBef>
-                <a:spcPct val="0"/>
-              </a:spcBef>
-              <a:spcAft>
-                <a:spcPct val="0"/>
-              </a:spcAft>
-              <a:buClrTx/>
-              <a:buSzTx/>
-              <a:buFontTx/>
-              <a:buNone/>
-              <a:tabLst/>
-            </a:pPr>
-            <a:endParaRPr kumimoji="0" lang="en-US" sz="2400" b="0" i="0" u="none" strike="noStrike" cap="none" normalizeH="0" baseline="0">
-              <a:ln>
-                <a:noFill/>
-              </a:ln>
-              <a:solidFill>
-                <a:schemeClr val="tx1"/>
-              </a:solidFill>
-              <a:effectLst/>
-              <a:latin typeface="Arial" charset="0"/>
-            </a:endParaRPr>
-          </a:p>
-        </p:txBody>
-      </p:sp>
-      <p:cxnSp>
-        <p:nvCxnSpPr>
-          <p:cNvPr id="9" name="Elbow Connector 8"/>
-          <p:cNvCxnSpPr>
-            <a:stCxn id="6" idx="1"/>
-            <a:endCxn id="7" idx="2"/>
-          </p:cNvCxnSpPr>
-          <p:nvPr/>
-        </p:nvCxnSpPr>
-        <p:spPr bwMode="auto">
-          <a:xfrm rot="10800000">
-            <a:off x="2227750" y="4622830"/>
-            <a:ext cx="591651" cy="707451"/>
-          </a:xfrm>
-          <a:prstGeom prst="bentConnector2">
-            <a:avLst/>
-          </a:prstGeom>
-          <a:noFill/>
-          <a:ln w="9525" cap="flat" cmpd="sng" algn="ctr">
-            <a:solidFill>
-              <a:schemeClr val="tx1"/>
-            </a:solidFill>
-            <a:prstDash val="solid"/>
-            <a:round/>
-            <a:headEnd type="none" w="med" len="med"/>
-            <a:tailEnd type="triangle"/>
-          </a:ln>
-          <a:effectLst/>
-        </p:spPr>
-      </p:cxnSp>
     </p:spTree>
     <p:extLst>
       <p:ext uri="{BB962C8B-B14F-4D97-AF65-F5344CB8AC3E}">
@@ -35420,7 +35447,7 @@
               <a:rPr lang="en-US" sz="2350" dirty="0" err="1">
                 <a:latin typeface="Consolas" panose="020B0609020204030204" pitchFamily="49" charset="0"/>
               </a:rPr>
-              <a:t>getCurrentLevel</a:t>
+              <a:t>getScopeLevel</a:t>
             </a:r>
             <a:r>
               <a:rPr lang="en-US" sz="2350" dirty="0">
@@ -35471,47 +35498,6 @@
             <a:r>
               <a:rPr lang="en-US" sz="2350" dirty="0"/>
               <a:t>, the declaration is initialized with the current level.</a:t>
-            </a:r>
-          </a:p>
-          <a:p>
-            <a:pPr marL="457200" lvl="1" indent="0">
-              <a:buNone/>
-            </a:pPr>
-            <a:r>
-              <a:rPr lang="en-US" sz="1800" dirty="0" err="1">
-                <a:latin typeface="Consolas" panose="020B0609020204030204" pitchFamily="49" charset="0"/>
-              </a:rPr>
-              <a:t>ScopeLevel</a:t>
-            </a:r>
-            <a:r>
-              <a:rPr lang="en-US" sz="1800" dirty="0">
-                <a:latin typeface="Consolas" panose="020B0609020204030204" pitchFamily="49" charset="0"/>
-              </a:rPr>
-              <a:t> </a:t>
-            </a:r>
-            <a:r>
-              <a:rPr lang="en-US" sz="1800" dirty="0" err="1">
-                <a:latin typeface="Consolas" panose="020B0609020204030204" pitchFamily="49" charset="0"/>
-              </a:rPr>
-              <a:t>scopeLevel</a:t>
-            </a:r>
-            <a:r>
-              <a:rPr lang="en-US" sz="1800" dirty="0">
-                <a:latin typeface="Consolas" panose="020B0609020204030204" pitchFamily="49" charset="0"/>
-              </a:rPr>
-              <a:t> = </a:t>
-            </a:r>
-            <a:r>
-              <a:rPr lang="en-US" sz="1800" dirty="0" err="1">
-                <a:latin typeface="Consolas" panose="020B0609020204030204" pitchFamily="49" charset="0"/>
-              </a:rPr>
-              <a:t>idTable.getCurrentLevel</a:t>
-            </a:r>
-            <a:r>
-              <a:rPr lang="en-US" sz="1800" dirty="0">
-                <a:latin typeface="Consolas" panose="020B0609020204030204" pitchFamily="49" charset="0"/>
-              </a:rPr>
-              <a:t>();</a:t>
             </a:r>
           </a:p>
           <a:p>
@@ -35555,19 +35541,36 @@
               <a:rPr lang="en-US" sz="1800" dirty="0">
                 <a:latin typeface="Consolas" panose="020B0609020204030204" pitchFamily="49" charset="0"/>
               </a:rPr>
-              <a:t>, </a:t>
-            </a:r>
-            <a:r>
-              <a:rPr lang="en-US" sz="1800" dirty="0" err="1">
-                <a:latin typeface="Consolas" panose="020B0609020204030204" pitchFamily="49" charset="0"/>
-              </a:rPr>
-              <a:t>scopeLevel</a:t>
-            </a:r>
-            <a:r>
+              <a:t>,</a:t>
+            </a:r>
+            <a:br>
               <a:rPr lang="en-US" sz="1800" dirty="0">
                 <a:latin typeface="Consolas" panose="020B0609020204030204" pitchFamily="49" charset="0"/>
               </a:rPr>
-              <a:t>);</a:t>
+            </a:br>
+            <a:r>
+              <a:rPr lang="en-US" sz="1800" dirty="0">
+                <a:latin typeface="Consolas" panose="020B0609020204030204" pitchFamily="49" charset="0"/>
+              </a:rPr>
+              <a:t>                      </a:t>
+            </a:r>
+            <a:r>
+              <a:rPr lang="en-US" sz="1800" b="1" dirty="0" err="1">
+                <a:latin typeface="Consolas" panose="020B0609020204030204" pitchFamily="49" charset="0"/>
+              </a:rPr>
+              <a:t>idTable.getScopeLevel</a:t>
+            </a:r>
+            <a:r>
+              <a:rPr lang="en-US" sz="1800" b="1" dirty="0">
+                <a:latin typeface="Consolas" panose="020B0609020204030204" pitchFamily="49" charset="0"/>
+              </a:rPr>
+              <a:t>()</a:t>
+            </a:r>
+            <a:r>
+              <a:rPr lang="en-US" sz="1800" dirty="0">
+                <a:latin typeface="Consolas" panose="020B0609020204030204" pitchFamily="49" charset="0"/>
+              </a:rPr>
+              <a:t>;</a:t>
             </a:r>
           </a:p>
         </p:txBody>

--- a/PowerPoint Slides/13 - Subprograms.pptx
+++ b/PowerPoint Slides/13 - Subprograms.pptx
@@ -39,12 +39,12 @@
     <p:sldId id="344" r:id="rId27"/>
     <p:sldId id="335" r:id="rId28"/>
     <p:sldId id="345" r:id="rId29"/>
-    <p:sldId id="355" r:id="rId30"/>
-    <p:sldId id="356" r:id="rId31"/>
-    <p:sldId id="357" r:id="rId32"/>
-    <p:sldId id="358" r:id="rId33"/>
-    <p:sldId id="359" r:id="rId34"/>
-    <p:sldId id="360" r:id="rId35"/>
+    <p:sldId id="362" r:id="rId30"/>
+    <p:sldId id="363" r:id="rId31"/>
+    <p:sldId id="364" r:id="rId32"/>
+    <p:sldId id="365" r:id="rId33"/>
+    <p:sldId id="366" r:id="rId34"/>
+    <p:sldId id="367" r:id="rId35"/>
     <p:sldId id="266" r:id="rId36"/>
     <p:sldId id="268" r:id="rId37"/>
     <p:sldId id="330" r:id="rId38"/>
@@ -12118,6 +12118,13 @@
               <a:rPr lang="en-US" sz="2600" dirty="0"/>
               <a:t>Example: Temporary Part of an Activation Record</a:t>
             </a:r>
+            <a:br>
+              <a:rPr lang="en-US" sz="2600" dirty="0"/>
+            </a:br>
+            <a:r>
+              <a:rPr lang="en-US" sz="2400" dirty="0"/>
+              <a:t>(continued)</a:t>
+            </a:r>
           </a:p>
         </p:txBody>
       </p:sp>
@@ -12228,10 +12235,10 @@
       </p:sp>
       <p:grpSp>
         <p:nvGrpSpPr>
-          <p:cNvPr id="15" name="Group 14">
+          <p:cNvPr id="3" name="Group 2">
             <a:extLst>
               <a:ext uri="{FF2B5EF4-FFF2-40B4-BE49-F238E27FC236}">
-                <a16:creationId xmlns:a16="http://schemas.microsoft.com/office/drawing/2014/main" id="{3C225380-3E3B-4406-8F9C-7405CB6B74F4}"/>
+                <a16:creationId xmlns:a16="http://schemas.microsoft.com/office/drawing/2014/main" id="{82939E24-5033-4979-BBE1-84706131FB70}"/>
               </a:ext>
             </a:extLst>
           </p:cNvPr>
@@ -12240,10 +12247,10 @@
         </p:nvGrpSpPr>
         <p:grpSpPr>
           <a:xfrm>
-            <a:off x="1428186" y="1981200"/>
-            <a:ext cx="4667814" cy="4090987"/>
-            <a:chOff x="1428186" y="1981200"/>
-            <a:chExt cx="4667814" cy="4090987"/>
+            <a:off x="1676400" y="1981200"/>
+            <a:ext cx="6152252" cy="4090987"/>
+            <a:chOff x="1676400" y="1981200"/>
+            <a:chExt cx="6152252" cy="4090987"/>
           </a:xfrm>
         </p:grpSpPr>
         <p:sp>
@@ -12307,8 +12314,8 @@
           </p:nvSpPr>
           <p:spPr>
             <a:xfrm>
-              <a:off x="1893570" y="3505200"/>
-              <a:ext cx="1261884" cy="923330"/>
+              <a:off x="1893570" y="3484418"/>
+              <a:ext cx="1402948" cy="646331"/>
             </a:xfrm>
             <a:prstGeom prst="rect">
               <a:avLst/>
@@ -12324,14 +12331,7 @@
               <a:pPr algn="l"/>
               <a:r>
                 <a:rPr lang="en-US" sz="1800" dirty="0"/>
-                <a:t>temporary</a:t>
-              </a:r>
-            </a:p>
-            <a:p>
-              <a:pPr algn="l"/>
-              <a:r>
-                <a:rPr lang="en-US" sz="1800" dirty="0"/>
-                <a:t>part grows</a:t>
+                <a:t>stack grows</a:t>
               </a:r>
             </a:p>
             <a:p>
@@ -12357,7 +12357,7 @@
           </p:nvSpPr>
           <p:spPr bwMode="auto">
             <a:xfrm>
-              <a:off x="2433072" y="5889307"/>
+              <a:off x="2503604" y="5889307"/>
               <a:ext cx="182880" cy="182880"/>
             </a:xfrm>
             <a:prstGeom prst="diamond">
@@ -12398,8 +12398,8 @@
           </p:nvCxnSpPr>
           <p:spPr bwMode="auto">
             <a:xfrm>
-              <a:off x="2524512" y="4428530"/>
-              <a:ext cx="0" cy="1460777"/>
+              <a:off x="2595044" y="4130749"/>
+              <a:ext cx="0" cy="1758558"/>
             </a:xfrm>
             <a:prstGeom prst="straightConnector1">
               <a:avLst/>
@@ -12557,7 +12557,7 @@
           </p:nvSpPr>
           <p:spPr>
             <a:xfrm>
-              <a:off x="3604378" y="4583668"/>
+              <a:off x="3604378" y="4495800"/>
               <a:ext cx="1931298" cy="369332"/>
             </a:xfrm>
             <a:prstGeom prst="rect">
@@ -12761,76 +12761,6 @@
             </a:p>
           </p:txBody>
         </p:sp>
-        <p:sp>
-          <p:nvSpPr>
-            <p:cNvPr id="21" name="TextBox 20">
-              <a:extLst>
-                <a:ext uri="{FF2B5EF4-FFF2-40B4-BE49-F238E27FC236}">
-                  <a16:creationId xmlns:a16="http://schemas.microsoft.com/office/drawing/2014/main" id="{AB841B8B-8949-425B-86CF-937F49018DBE}"/>
-                </a:ext>
-              </a:extLst>
-            </p:cNvPr>
-            <p:cNvSpPr txBox="1"/>
-            <p:nvPr/>
-          </p:nvSpPr>
-          <p:spPr>
-            <a:xfrm>
-              <a:off x="1428186" y="1988771"/>
-              <a:ext cx="740657" cy="369332"/>
-            </a:xfrm>
-            <a:prstGeom prst="rect">
-              <a:avLst/>
-            </a:prstGeom>
-            <a:noFill/>
-          </p:spPr>
-          <p:txBody>
-            <a:bodyPr wrap="square" rtlCol="0">
-              <a:spAutoFit/>
-            </a:bodyPr>
-            <a:lstStyle/>
-            <a:p>
-              <a:r>
-                <a:rPr lang="en-US" sz="1800" dirty="0"/>
-                <a:t>BP</a:t>
-              </a:r>
-            </a:p>
-          </p:txBody>
-        </p:sp>
-        <p:sp>
-          <p:nvSpPr>
-            <p:cNvPr id="22" name="TextBox 21">
-              <a:extLst>
-                <a:ext uri="{FF2B5EF4-FFF2-40B4-BE49-F238E27FC236}">
-                  <a16:creationId xmlns:a16="http://schemas.microsoft.com/office/drawing/2014/main" id="{5C971F6B-A50E-44FF-8236-6A6813B34770}"/>
-                </a:ext>
-              </a:extLst>
-            </p:cNvPr>
-            <p:cNvSpPr txBox="1"/>
-            <p:nvPr/>
-          </p:nvSpPr>
-          <p:spPr>
-            <a:xfrm>
-              <a:off x="1428186" y="3092215"/>
-              <a:ext cx="740657" cy="369332"/>
-            </a:xfrm>
-            <a:prstGeom prst="rect">
-              <a:avLst/>
-            </a:prstGeom>
-            <a:noFill/>
-          </p:spPr>
-          <p:txBody>
-            <a:bodyPr wrap="square" rtlCol="0">
-              <a:spAutoFit/>
-            </a:bodyPr>
-            <a:lstStyle/>
-            <a:p>
-              <a:r>
-                <a:rPr lang="en-US" sz="1800" dirty="0"/>
-                <a:t>SP</a:t>
-              </a:r>
-            </a:p>
-          </p:txBody>
-        </p:sp>
         <p:cxnSp>
           <p:nvCxnSpPr>
             <p:cNvPr id="6" name="Straight Arrow Connector 5">
@@ -12842,7 +12772,6 @@
             </p:cNvPr>
             <p:cNvCxnSpPr>
               <a:cxnSpLocks/>
-              <a:stCxn id="21" idx="3"/>
               <a:endCxn id="72" idx="1"/>
             </p:cNvCxnSpPr>
             <p:nvPr/>
@@ -12879,7 +12808,6 @@
             </p:cNvPr>
             <p:cNvCxnSpPr>
               <a:cxnSpLocks/>
-              <a:stCxn id="22" idx="3"/>
               <a:endCxn id="29" idx="1"/>
             </p:cNvCxnSpPr>
             <p:nvPr/>
@@ -12983,6 +12911,162 @@
             </a:p>
           </p:txBody>
         </p:sp>
+        <p:sp>
+          <p:nvSpPr>
+            <p:cNvPr id="26" name="TextBox 25">
+              <a:extLst>
+                <a:ext uri="{FF2B5EF4-FFF2-40B4-BE49-F238E27FC236}">
+                  <a16:creationId xmlns:a16="http://schemas.microsoft.com/office/drawing/2014/main" id="{F358AB6E-F6C9-49D9-AD02-ECF2A52A8565}"/>
+                </a:ext>
+              </a:extLst>
+            </p:cNvPr>
+            <p:cNvSpPr txBox="1"/>
+            <p:nvPr/>
+          </p:nvSpPr>
+          <p:spPr>
+            <a:xfrm>
+              <a:off x="5791200" y="3484418"/>
+              <a:ext cx="1685077" cy="646331"/>
+            </a:xfrm>
+            <a:prstGeom prst="rect">
+              <a:avLst/>
+            </a:prstGeom>
+            <a:noFill/>
+          </p:spPr>
+          <p:txBody>
+            <a:bodyPr wrap="none" rtlCol="0">
+              <a:spAutoFit/>
+            </a:bodyPr>
+            <a:lstStyle/>
+            <a:p>
+              <a:pPr algn="l"/>
+              <a:r>
+                <a:rPr lang="en-US" sz="1800" dirty="0"/>
+                <a:t>temporary part</a:t>
+              </a:r>
+            </a:p>
+            <a:p>
+              <a:pPr algn="l"/>
+              <a:r>
+                <a:rPr lang="en-US" sz="1800" dirty="0"/>
+                <a:t>is empty</a:t>
+              </a:r>
+            </a:p>
+          </p:txBody>
+        </p:sp>
+        <p:sp>
+          <p:nvSpPr>
+            <p:cNvPr id="27" name="TextBox 26">
+              <a:extLst>
+                <a:ext uri="{FF2B5EF4-FFF2-40B4-BE49-F238E27FC236}">
+                  <a16:creationId xmlns:a16="http://schemas.microsoft.com/office/drawing/2014/main" id="{49B62D7D-45DB-43C7-97DE-DCDBD428B9E6}"/>
+                </a:ext>
+              </a:extLst>
+            </p:cNvPr>
+            <p:cNvSpPr txBox="1"/>
+            <p:nvPr/>
+          </p:nvSpPr>
+          <p:spPr>
+            <a:xfrm>
+              <a:off x="1676400" y="1990627"/>
+              <a:ext cx="492443" cy="369332"/>
+            </a:xfrm>
+            <a:prstGeom prst="rect">
+              <a:avLst/>
+            </a:prstGeom>
+            <a:noFill/>
+          </p:spPr>
+          <p:txBody>
+            <a:bodyPr wrap="none" rtlCol="0">
+              <a:spAutoFit/>
+            </a:bodyPr>
+            <a:lstStyle/>
+            <a:p>
+              <a:r>
+                <a:rPr lang="en-US" sz="1800" dirty="0"/>
+                <a:t>BP</a:t>
+              </a:r>
+            </a:p>
+          </p:txBody>
+        </p:sp>
+        <p:sp>
+          <p:nvSpPr>
+            <p:cNvPr id="30" name="TextBox 29">
+              <a:extLst>
+                <a:ext uri="{FF2B5EF4-FFF2-40B4-BE49-F238E27FC236}">
+                  <a16:creationId xmlns:a16="http://schemas.microsoft.com/office/drawing/2014/main" id="{A4A43ED8-6D7A-4996-A6BA-4B942CDF0376}"/>
+                </a:ext>
+              </a:extLst>
+            </p:cNvPr>
+            <p:cNvSpPr txBox="1"/>
+            <p:nvPr/>
+          </p:nvSpPr>
+          <p:spPr>
+            <a:xfrm>
+              <a:off x="1676400" y="3079173"/>
+              <a:ext cx="492443" cy="369332"/>
+            </a:xfrm>
+            <a:prstGeom prst="rect">
+              <a:avLst/>
+            </a:prstGeom>
+            <a:noFill/>
+          </p:spPr>
+          <p:txBody>
+            <a:bodyPr wrap="none" rtlCol="0">
+              <a:spAutoFit/>
+            </a:bodyPr>
+            <a:lstStyle/>
+            <a:p>
+              <a:r>
+                <a:rPr lang="en-US" sz="1800" dirty="0"/>
+                <a:t>SP</a:t>
+              </a:r>
+            </a:p>
+          </p:txBody>
+        </p:sp>
+        <p:sp>
+          <p:nvSpPr>
+            <p:cNvPr id="31" name="TextBox 30">
+              <a:extLst>
+                <a:ext uri="{FF2B5EF4-FFF2-40B4-BE49-F238E27FC236}">
+                  <a16:creationId xmlns:a16="http://schemas.microsoft.com/office/drawing/2014/main" id="{1E8A5055-DCF7-4DB7-9BBE-6C28F80D1CDE}"/>
+                </a:ext>
+              </a:extLst>
+            </p:cNvPr>
+            <p:cNvSpPr txBox="1"/>
+            <p:nvPr/>
+          </p:nvSpPr>
+          <p:spPr>
+            <a:xfrm>
+              <a:off x="6477000" y="2587650"/>
+              <a:ext cx="1351652" cy="646331"/>
+            </a:xfrm>
+            <a:prstGeom prst="rect">
+              <a:avLst/>
+            </a:prstGeom>
+            <a:noFill/>
+          </p:spPr>
+          <p:txBody>
+            <a:bodyPr wrap="none" rtlCol="0">
+              <a:spAutoFit/>
+            </a:bodyPr>
+            <a:lstStyle/>
+            <a:p>
+              <a:pPr algn="l"/>
+              <a:r>
+                <a:rPr lang="en-US" sz="1800" dirty="0"/>
+                <a:t>value of x</a:t>
+              </a:r>
+            </a:p>
+            <a:p>
+              <a:pPr algn="l"/>
+              <a:r>
+                <a:rPr lang="en-US" sz="1800" dirty="0"/>
+                <a:t>is unknown</a:t>
+              </a:r>
+            </a:p>
+          </p:txBody>
+        </p:sp>
       </p:grpSp>
     </p:spTree>
     <p:extLst>
@@ -13167,10 +13251,10 @@
       </p:sp>
       <p:grpSp>
         <p:nvGrpSpPr>
-          <p:cNvPr id="10" name="Group 9">
+          <p:cNvPr id="7" name="Group 6">
             <a:extLst>
               <a:ext uri="{FF2B5EF4-FFF2-40B4-BE49-F238E27FC236}">
-                <a16:creationId xmlns:a16="http://schemas.microsoft.com/office/drawing/2014/main" id="{774AFD50-A66D-4485-860A-B4BCADD2E6B2}"/>
+                <a16:creationId xmlns:a16="http://schemas.microsoft.com/office/drawing/2014/main" id="{5571216A-BE98-42F5-895A-543A6430EEDE}"/>
               </a:ext>
             </a:extLst>
           </p:cNvPr>
@@ -13180,9 +13264,9 @@
         <p:grpSpPr>
           <a:xfrm>
             <a:off x="1676400" y="1981200"/>
-            <a:ext cx="4419600" cy="4023360"/>
+            <a:ext cx="6019800" cy="4023360"/>
             <a:chOff x="1676400" y="1981200"/>
-            <a:chExt cx="4419600" cy="4023360"/>
+            <a:chExt cx="6019800" cy="4023360"/>
           </a:xfrm>
         </p:grpSpPr>
         <p:sp>
@@ -13477,7 +13561,7 @@
           </p:nvSpPr>
           <p:spPr>
             <a:xfrm>
-              <a:off x="5791200" y="2710509"/>
+              <a:off x="5793559" y="2710509"/>
               <a:ext cx="300083" cy="369332"/>
             </a:xfrm>
             <a:prstGeom prst="rect">
@@ -13512,7 +13596,7 @@
           </p:nvSpPr>
           <p:spPr>
             <a:xfrm>
-              <a:off x="5795918" y="3081440"/>
+              <a:off x="5793559" y="3081440"/>
               <a:ext cx="300082" cy="369332"/>
             </a:xfrm>
             <a:prstGeom prst="rect">
@@ -13833,11 +13917,115 @@
             </a:p>
           </p:txBody>
         </p:sp>
+        <p:sp>
+          <p:nvSpPr>
+            <p:cNvPr id="3" name="Right Brace 2">
+              <a:extLst>
+                <a:ext uri="{FF2B5EF4-FFF2-40B4-BE49-F238E27FC236}">
+                  <a16:creationId xmlns:a16="http://schemas.microsoft.com/office/drawing/2014/main" id="{0D557896-0C79-47D5-84D1-D69485B183FF}"/>
+                </a:ext>
+              </a:extLst>
+            </p:cNvPr>
+            <p:cNvSpPr/>
+            <p:nvPr/>
+          </p:nvSpPr>
+          <p:spPr bwMode="auto">
+            <a:xfrm>
+              <a:off x="5867400" y="3472231"/>
+              <a:ext cx="152400" cy="369332"/>
+            </a:xfrm>
+            <a:prstGeom prst="rightBrace">
+              <a:avLst/>
+            </a:prstGeom>
+            <a:noFill/>
+            <a:ln w="9525" cap="flat" cmpd="sng" algn="ctr">
+              <a:solidFill>
+                <a:schemeClr val="tx1"/>
+              </a:solidFill>
+              <a:prstDash val="solid"/>
+              <a:round/>
+              <a:headEnd type="none" w="med" len="med"/>
+              <a:tailEnd type="none" w="med" len="med"/>
+            </a:ln>
+            <a:effectLst/>
+          </p:spPr>
+          <p:txBody>
+            <a:bodyPr vert="horz" wrap="none" lIns="92075" tIns="46038" rIns="92075" bIns="46038" numCol="1" rtlCol="0" anchor="ctr" anchorCtr="0" compatLnSpc="1">
+              <a:prstTxWarp prst="textNoShape">
+                <a:avLst/>
+              </a:prstTxWarp>
+            </a:bodyPr>
+            <a:lstStyle/>
+            <a:p>
+              <a:pPr marL="0" marR="0" indent="0" algn="ctr" defTabSz="914400" rtl="0" eaLnBrk="0" fontAlgn="base" latinLnBrk="0" hangingPunct="0">
+                <a:lnSpc>
+                  <a:spcPct val="100000"/>
+                </a:lnSpc>
+                <a:spcBef>
+                  <a:spcPct val="0"/>
+                </a:spcBef>
+                <a:spcAft>
+                  <a:spcPct val="0"/>
+                </a:spcAft>
+                <a:buClrTx/>
+                <a:buSzTx/>
+                <a:buFontTx/>
+                <a:buNone/>
+                <a:tabLst/>
+              </a:pPr>
+              <a:endParaRPr kumimoji="0" lang="en-US" sz="2400" b="0" i="0" u="none" strike="noStrike" cap="none" normalizeH="0" baseline="0">
+                <a:ln>
+                  <a:noFill/>
+                </a:ln>
+                <a:solidFill>
+                  <a:schemeClr val="tx1"/>
+                </a:solidFill>
+                <a:effectLst/>
+                <a:latin typeface="Arial" charset="0"/>
+              </a:endParaRPr>
+            </a:p>
+          </p:txBody>
+        </p:sp>
+        <p:sp>
+          <p:nvSpPr>
+            <p:cNvPr id="25" name="TextBox 24">
+              <a:extLst>
+                <a:ext uri="{FF2B5EF4-FFF2-40B4-BE49-F238E27FC236}">
+                  <a16:creationId xmlns:a16="http://schemas.microsoft.com/office/drawing/2014/main" id="{E33BC9B2-C90C-41A4-B61A-6BE468E266CB}"/>
+                </a:ext>
+              </a:extLst>
+            </p:cNvPr>
+            <p:cNvSpPr txBox="1"/>
+            <p:nvPr/>
+          </p:nvSpPr>
+          <p:spPr>
+            <a:xfrm>
+              <a:off x="6011123" y="3472231"/>
+              <a:ext cx="1685077" cy="369332"/>
+            </a:xfrm>
+            <a:prstGeom prst="rect">
+              <a:avLst/>
+            </a:prstGeom>
+            <a:noFill/>
+          </p:spPr>
+          <p:txBody>
+            <a:bodyPr wrap="none" rtlCol="0">
+              <a:spAutoFit/>
+            </a:bodyPr>
+            <a:lstStyle/>
+            <a:p>
+              <a:r>
+                <a:rPr lang="en-US" sz="1800" dirty="0"/>
+                <a:t>temporary part</a:t>
+              </a:r>
+            </a:p>
+          </p:txBody>
+        </p:sp>
       </p:grpSp>
     </p:spTree>
     <p:extLst>
       <p:ext uri="{BB962C8B-B14F-4D97-AF65-F5344CB8AC3E}">
-        <p14:creationId xmlns:p14="http://schemas.microsoft.com/office/powerpoint/2010/main" val="2282791119"/>
+        <p14:creationId xmlns:p14="http://schemas.microsoft.com/office/powerpoint/2010/main" val="4262770864"/>
       </p:ext>
     </p:extLst>
   </p:cSld>
@@ -14511,10 +14699,10 @@
       </p:sp>
       <p:grpSp>
         <p:nvGrpSpPr>
-          <p:cNvPr id="32" name="Group 31">
+          <p:cNvPr id="3" name="Group 2">
             <a:extLst>
               <a:ext uri="{FF2B5EF4-FFF2-40B4-BE49-F238E27FC236}">
-                <a16:creationId xmlns:a16="http://schemas.microsoft.com/office/drawing/2014/main" id="{3D73FDED-2AAC-479E-9D0A-087D3026B667}"/>
+                <a16:creationId xmlns:a16="http://schemas.microsoft.com/office/drawing/2014/main" id="{966224CD-9441-4F9F-BFE4-70E2C4FF99F8}"/>
               </a:ext>
             </a:extLst>
           </p:cNvPr>
@@ -14524,64 +14712,833 @@
         <p:grpSpPr>
           <a:xfrm>
             <a:off x="1676400" y="1981200"/>
-            <a:ext cx="4419600" cy="4023360"/>
+            <a:ext cx="6019800" cy="4023360"/>
             <a:chOff x="1676400" y="1981200"/>
-            <a:chExt cx="4419600" cy="4023360"/>
+            <a:chExt cx="6019800" cy="4023360"/>
           </a:xfrm>
         </p:grpSpPr>
-        <p:sp>
-          <p:nvSpPr>
-            <p:cNvPr id="33" name="Rectangle 4">
+        <p:grpSp>
+          <p:nvGrpSpPr>
+            <p:cNvPr id="32" name="Group 31">
               <a:extLst>
                 <a:ext uri="{FF2B5EF4-FFF2-40B4-BE49-F238E27FC236}">
-                  <a16:creationId xmlns:a16="http://schemas.microsoft.com/office/drawing/2014/main" id="{9734FCA5-2126-4E33-BD5F-3D75CB16C82E}"/>
+                  <a16:creationId xmlns:a16="http://schemas.microsoft.com/office/drawing/2014/main" id="{3D73FDED-2AAC-479E-9D0A-087D3026B667}"/>
                 </a:ext>
               </a:extLst>
             </p:cNvPr>
-            <p:cNvSpPr>
-              <a:spLocks noChangeArrowheads="1"/>
-            </p:cNvSpPr>
+            <p:cNvGrpSpPr/>
+            <p:nvPr/>
+          </p:nvGrpSpPr>
+          <p:grpSpPr>
+            <a:xfrm>
+              <a:off x="1676400" y="1981200"/>
+              <a:ext cx="4419600" cy="4023360"/>
+              <a:chOff x="1676400" y="1981200"/>
+              <a:chExt cx="4419600" cy="4023360"/>
+            </a:xfrm>
+          </p:grpSpPr>
+          <p:sp>
+            <p:nvSpPr>
+              <p:cNvPr id="33" name="Rectangle 4">
+                <a:extLst>
+                  <a:ext uri="{FF2B5EF4-FFF2-40B4-BE49-F238E27FC236}">
+                    <a16:creationId xmlns:a16="http://schemas.microsoft.com/office/drawing/2014/main" id="{9734FCA5-2126-4E33-BD5F-3D75CB16C82E}"/>
+                  </a:ext>
+                </a:extLst>
+              </p:cNvPr>
+              <p:cNvSpPr>
+                <a:spLocks noChangeArrowheads="1"/>
+              </p:cNvSpPr>
+              <p:nvPr/>
+            </p:nvSpPr>
+            <p:spPr bwMode="auto">
+              <a:xfrm>
+                <a:off x="3427027" y="1981200"/>
+                <a:ext cx="2286000" cy="4023360"/>
+              </a:xfrm>
+              <a:prstGeom prst="rect">
+                <a:avLst/>
+              </a:prstGeom>
+              <a:pattFill prst="pct5">
+                <a:fgClr>
+                  <a:schemeClr val="tx1"/>
+                </a:fgClr>
+                <a:bgClr>
+                  <a:schemeClr val="bg1"/>
+                </a:bgClr>
+              </a:pattFill>
+              <a:ln w="9525">
+                <a:solidFill>
+                  <a:schemeClr val="tx1"/>
+                </a:solidFill>
+                <a:miter lim="800000"/>
+                <a:headEnd/>
+                <a:tailEnd/>
+              </a:ln>
+            </p:spPr>
+            <p:txBody>
+              <a:bodyPr wrap="none" lIns="92075" tIns="46038" rIns="92075" bIns="46038" anchor="ctr"/>
+              <a:lstStyle/>
+              <a:p>
+                <a:endParaRPr lang="en-US" dirty="0"/>
+              </a:p>
+            </p:txBody>
+          </p:sp>
+          <p:sp>
+            <p:nvSpPr>
+              <p:cNvPr id="34" name="TextBox 33">
+                <a:extLst>
+                  <a:ext uri="{FF2B5EF4-FFF2-40B4-BE49-F238E27FC236}">
+                    <a16:creationId xmlns:a16="http://schemas.microsoft.com/office/drawing/2014/main" id="{CB2C7CF1-55C1-4B13-B369-00B267B4844C}"/>
+                  </a:ext>
+                </a:extLst>
+              </p:cNvPr>
+              <p:cNvSpPr txBox="1"/>
+              <p:nvPr/>
+            </p:nvSpPr>
+            <p:spPr>
+              <a:xfrm>
+                <a:off x="3427027" y="1981200"/>
+                <a:ext cx="2286000" cy="369332"/>
+              </a:xfrm>
+              <a:prstGeom prst="rect">
+                <a:avLst/>
+              </a:prstGeom>
+              <a:solidFill>
+                <a:schemeClr val="bg1"/>
+              </a:solidFill>
+              <a:ln>
+                <a:solidFill>
+                  <a:schemeClr val="tx1"/>
+                </a:solidFill>
+              </a:ln>
+            </p:spPr>
+            <p:txBody>
+              <a:bodyPr wrap="none" rtlCol="0">
+                <a:noAutofit/>
+              </a:bodyPr>
+              <a:lstStyle/>
+              <a:p>
+                <a:pPr marL="91440" algn="l"/>
+                <a:r>
+                  <a:rPr lang="en-US" sz="1800" dirty="0"/>
+                  <a:t>dynamic link</a:t>
+                </a:r>
+              </a:p>
+            </p:txBody>
+          </p:sp>
+          <p:sp>
+            <p:nvSpPr>
+              <p:cNvPr id="35" name="TextBox 34">
+                <a:extLst>
+                  <a:ext uri="{FF2B5EF4-FFF2-40B4-BE49-F238E27FC236}">
+                    <a16:creationId xmlns:a16="http://schemas.microsoft.com/office/drawing/2014/main" id="{EA4EDA44-AF9A-4E98-8CC9-43BFBF389C0F}"/>
+                  </a:ext>
+                </a:extLst>
+              </p:cNvPr>
+              <p:cNvSpPr txBox="1"/>
+              <p:nvPr/>
+            </p:nvSpPr>
+            <p:spPr>
+              <a:xfrm>
+                <a:off x="3427027" y="2351884"/>
+                <a:ext cx="2286000" cy="369332"/>
+              </a:xfrm>
+              <a:prstGeom prst="rect">
+                <a:avLst/>
+              </a:prstGeom>
+              <a:solidFill>
+                <a:schemeClr val="bg1"/>
+              </a:solidFill>
+              <a:ln>
+                <a:solidFill>
+                  <a:schemeClr val="tx1"/>
+                </a:solidFill>
+              </a:ln>
+            </p:spPr>
+            <p:txBody>
+              <a:bodyPr wrap="none" rtlCol="0">
+                <a:noAutofit/>
+              </a:bodyPr>
+              <a:lstStyle/>
+              <a:p>
+                <a:pPr marL="91440" algn="l"/>
+                <a:r>
+                  <a:rPr lang="en-US" sz="1800" dirty="0"/>
+                  <a:t>return address</a:t>
+                </a:r>
+              </a:p>
+            </p:txBody>
+          </p:sp>
+          <p:sp>
+            <p:nvSpPr>
+              <p:cNvPr id="36" name="TextBox 35">
+                <a:extLst>
+                  <a:ext uri="{FF2B5EF4-FFF2-40B4-BE49-F238E27FC236}">
+                    <a16:creationId xmlns:a16="http://schemas.microsoft.com/office/drawing/2014/main" id="{4CF01FEF-624D-4A93-985F-3AD6BF4EF327}"/>
+                  </a:ext>
+                </a:extLst>
+              </p:cNvPr>
+              <p:cNvSpPr txBox="1"/>
+              <p:nvPr/>
+            </p:nvSpPr>
+            <p:spPr>
+              <a:xfrm>
+                <a:off x="3427027" y="2722567"/>
+                <a:ext cx="2286000" cy="369332"/>
+              </a:xfrm>
+              <a:prstGeom prst="rect">
+                <a:avLst/>
+              </a:prstGeom>
+              <a:solidFill>
+                <a:schemeClr val="bg1"/>
+              </a:solidFill>
+              <a:ln>
+                <a:solidFill>
+                  <a:schemeClr val="tx1"/>
+                </a:solidFill>
+              </a:ln>
+            </p:spPr>
+            <p:txBody>
+              <a:bodyPr wrap="none" rtlCol="0">
+                <a:noAutofit/>
+              </a:bodyPr>
+              <a:lstStyle/>
+              <a:p>
+                <a:pPr marL="91440" algn="l"/>
+                <a:endParaRPr lang="en-US" sz="1800" dirty="0"/>
+              </a:p>
+            </p:txBody>
+          </p:sp>
+          <p:sp>
+            <p:nvSpPr>
+              <p:cNvPr id="37" name="TextBox 36">
+                <a:extLst>
+                  <a:ext uri="{FF2B5EF4-FFF2-40B4-BE49-F238E27FC236}">
+                    <a16:creationId xmlns:a16="http://schemas.microsoft.com/office/drawing/2014/main" id="{489513C9-C9CF-4163-A2F7-C40E9B1EAE78}"/>
+                  </a:ext>
+                </a:extLst>
+              </p:cNvPr>
+              <p:cNvSpPr txBox="1"/>
+              <p:nvPr/>
+            </p:nvSpPr>
+            <p:spPr>
+              <a:xfrm>
+                <a:off x="2819400" y="1986915"/>
+                <a:ext cx="569388" cy="369332"/>
+              </a:xfrm>
+              <a:prstGeom prst="rect">
+                <a:avLst/>
+              </a:prstGeom>
+              <a:noFill/>
+            </p:spPr>
+            <p:txBody>
+              <a:bodyPr wrap="none" rtlCol="0">
+                <a:spAutoFit/>
+              </a:bodyPr>
+              <a:lstStyle/>
+              <a:p>
+                <a:r>
+                  <a:rPr lang="en-US" sz="1800" dirty="0"/>
+                  <a:t>200</a:t>
+                </a:r>
+              </a:p>
+            </p:txBody>
+          </p:sp>
+          <p:sp>
+            <p:nvSpPr>
+              <p:cNvPr id="38" name="TextBox 37">
+                <a:extLst>
+                  <a:ext uri="{FF2B5EF4-FFF2-40B4-BE49-F238E27FC236}">
+                    <a16:creationId xmlns:a16="http://schemas.microsoft.com/office/drawing/2014/main" id="{7570C130-FC7F-4F1B-A0BA-DA404F5AA220}"/>
+                  </a:ext>
+                </a:extLst>
+              </p:cNvPr>
+              <p:cNvSpPr txBox="1"/>
+              <p:nvPr/>
+            </p:nvSpPr>
+            <p:spPr>
+              <a:xfrm>
+                <a:off x="2819401" y="2351998"/>
+                <a:ext cx="569387" cy="369332"/>
+              </a:xfrm>
+              <a:prstGeom prst="rect">
+                <a:avLst/>
+              </a:prstGeom>
+              <a:noFill/>
+            </p:spPr>
+            <p:txBody>
+              <a:bodyPr wrap="none" rtlCol="0">
+                <a:spAutoFit/>
+              </a:bodyPr>
+              <a:lstStyle/>
+              <a:p>
+                <a:r>
+                  <a:rPr lang="en-US" sz="1800" dirty="0"/>
+                  <a:t>204</a:t>
+                </a:r>
+              </a:p>
+            </p:txBody>
+          </p:sp>
+          <p:sp>
+            <p:nvSpPr>
+              <p:cNvPr id="39" name="TextBox 38">
+                <a:extLst>
+                  <a:ext uri="{FF2B5EF4-FFF2-40B4-BE49-F238E27FC236}">
+                    <a16:creationId xmlns:a16="http://schemas.microsoft.com/office/drawing/2014/main" id="{E493A371-7957-42E7-AB4E-D6435545AB2B}"/>
+                  </a:ext>
+                </a:extLst>
+              </p:cNvPr>
+              <p:cNvSpPr txBox="1"/>
+              <p:nvPr/>
+            </p:nvSpPr>
+            <p:spPr>
+              <a:xfrm>
+                <a:off x="2819400" y="2717081"/>
+                <a:ext cx="569388" cy="369332"/>
+              </a:xfrm>
+              <a:prstGeom prst="rect">
+                <a:avLst/>
+              </a:prstGeom>
+              <a:noFill/>
+            </p:spPr>
+            <p:txBody>
+              <a:bodyPr wrap="none" rtlCol="0">
+                <a:spAutoFit/>
+              </a:bodyPr>
+              <a:lstStyle/>
+              <a:p>
+                <a:r>
+                  <a:rPr lang="en-US" sz="1800" dirty="0"/>
+                  <a:t>208</a:t>
+                </a:r>
+              </a:p>
+            </p:txBody>
+          </p:sp>
+          <p:sp>
+            <p:nvSpPr>
+              <p:cNvPr id="40" name="TextBox 39">
+                <a:extLst>
+                  <a:ext uri="{FF2B5EF4-FFF2-40B4-BE49-F238E27FC236}">
+                    <a16:creationId xmlns:a16="http://schemas.microsoft.com/office/drawing/2014/main" id="{A975D09F-625F-413F-9A5B-CB0C46DA9B37}"/>
+                  </a:ext>
+                </a:extLst>
+              </p:cNvPr>
+              <p:cNvSpPr txBox="1"/>
+              <p:nvPr/>
+            </p:nvSpPr>
+            <p:spPr>
+              <a:xfrm>
+                <a:off x="5791200" y="2710509"/>
+                <a:ext cx="300083" cy="369332"/>
+              </a:xfrm>
+              <a:prstGeom prst="rect">
+                <a:avLst/>
+              </a:prstGeom>
+              <a:noFill/>
+            </p:spPr>
+            <p:txBody>
+              <a:bodyPr wrap="none" rtlCol="0">
+                <a:spAutoFit/>
+              </a:bodyPr>
+              <a:lstStyle/>
+              <a:p>
+                <a:r>
+                  <a:rPr lang="en-US" sz="1800" dirty="0"/>
+                  <a:t>x</a:t>
+                </a:r>
+              </a:p>
+            </p:txBody>
+          </p:sp>
+          <p:sp>
+            <p:nvSpPr>
+              <p:cNvPr id="41" name="TextBox 40">
+                <a:extLst>
+                  <a:ext uri="{FF2B5EF4-FFF2-40B4-BE49-F238E27FC236}">
+                    <a16:creationId xmlns:a16="http://schemas.microsoft.com/office/drawing/2014/main" id="{D0B7108C-F73C-4625-8714-1DE0C5F7FCE4}"/>
+                  </a:ext>
+                </a:extLst>
+              </p:cNvPr>
+              <p:cNvSpPr txBox="1"/>
+              <p:nvPr/>
+            </p:nvSpPr>
+            <p:spPr>
+              <a:xfrm>
+                <a:off x="5795918" y="3081440"/>
+                <a:ext cx="300082" cy="369332"/>
+              </a:xfrm>
+              <a:prstGeom prst="rect">
+                <a:avLst/>
+              </a:prstGeom>
+              <a:noFill/>
+            </p:spPr>
+            <p:txBody>
+              <a:bodyPr wrap="none" rtlCol="0">
+                <a:spAutoFit/>
+              </a:bodyPr>
+              <a:lstStyle/>
+              <a:p>
+                <a:r>
+                  <a:rPr lang="en-US" sz="1800" dirty="0"/>
+                  <a:t>y</a:t>
+                </a:r>
+              </a:p>
+            </p:txBody>
+          </p:sp>
+          <p:sp>
+            <p:nvSpPr>
+              <p:cNvPr id="42" name="TextBox 41">
+                <a:extLst>
+                  <a:ext uri="{FF2B5EF4-FFF2-40B4-BE49-F238E27FC236}">
+                    <a16:creationId xmlns:a16="http://schemas.microsoft.com/office/drawing/2014/main" id="{BAD2B814-7588-47DE-9F4D-8AFF77387127}"/>
+                  </a:ext>
+                </a:extLst>
+              </p:cNvPr>
+              <p:cNvSpPr txBox="1"/>
+              <p:nvPr/>
+            </p:nvSpPr>
+            <p:spPr>
+              <a:xfrm>
+                <a:off x="1676400" y="1990627"/>
+                <a:ext cx="492443" cy="369332"/>
+              </a:xfrm>
+              <a:prstGeom prst="rect">
+                <a:avLst/>
+              </a:prstGeom>
+              <a:noFill/>
+            </p:spPr>
+            <p:txBody>
+              <a:bodyPr wrap="none" rtlCol="0">
+                <a:spAutoFit/>
+              </a:bodyPr>
+              <a:lstStyle/>
+              <a:p>
+                <a:r>
+                  <a:rPr lang="en-US" sz="1800" dirty="0"/>
+                  <a:t>BP</a:t>
+                </a:r>
+              </a:p>
+            </p:txBody>
+          </p:sp>
+          <p:sp>
+            <p:nvSpPr>
+              <p:cNvPr id="43" name="TextBox 42">
+                <a:extLst>
+                  <a:ext uri="{FF2B5EF4-FFF2-40B4-BE49-F238E27FC236}">
+                    <a16:creationId xmlns:a16="http://schemas.microsoft.com/office/drawing/2014/main" id="{99222172-4FDA-4096-AF9B-1C59C923FF4C}"/>
+                  </a:ext>
+                </a:extLst>
+              </p:cNvPr>
+              <p:cNvSpPr txBox="1"/>
+              <p:nvPr/>
+            </p:nvSpPr>
+            <p:spPr>
+              <a:xfrm>
+                <a:off x="1676400" y="3812328"/>
+                <a:ext cx="492443" cy="369332"/>
+              </a:xfrm>
+              <a:prstGeom prst="rect">
+                <a:avLst/>
+              </a:prstGeom>
+              <a:noFill/>
+            </p:spPr>
+            <p:txBody>
+              <a:bodyPr wrap="none" rtlCol="0">
+                <a:spAutoFit/>
+              </a:bodyPr>
+              <a:lstStyle/>
+              <a:p>
+                <a:r>
+                  <a:rPr lang="en-US" sz="1800" dirty="0"/>
+                  <a:t>SP</a:t>
+                </a:r>
+              </a:p>
+            </p:txBody>
+          </p:sp>
+          <p:cxnSp>
+            <p:nvCxnSpPr>
+              <p:cNvPr id="44" name="Straight Arrow Connector 43">
+                <a:extLst>
+                  <a:ext uri="{FF2B5EF4-FFF2-40B4-BE49-F238E27FC236}">
+                    <a16:creationId xmlns:a16="http://schemas.microsoft.com/office/drawing/2014/main" id="{24B30C20-3604-4880-A3FE-A6BCFFF9CA75}"/>
+                  </a:ext>
+                </a:extLst>
+              </p:cNvPr>
+              <p:cNvCxnSpPr>
+                <a:cxnSpLocks/>
+                <a:stCxn id="42" idx="3"/>
+                <a:endCxn id="37" idx="1"/>
+              </p:cNvCxnSpPr>
+              <p:nvPr/>
+            </p:nvCxnSpPr>
+            <p:spPr bwMode="auto">
+              <a:xfrm flipV="1">
+                <a:off x="2168843" y="2171581"/>
+                <a:ext cx="650557" cy="3712"/>
+              </a:xfrm>
+              <a:prstGeom prst="straightConnector1">
+                <a:avLst/>
+              </a:prstGeom>
+              <a:noFill/>
+              <a:ln w="9525" cap="flat" cmpd="sng" algn="ctr">
+                <a:solidFill>
+                  <a:schemeClr val="tx1"/>
+                </a:solidFill>
+                <a:prstDash val="solid"/>
+                <a:round/>
+                <a:headEnd type="none" w="med" len="med"/>
+                <a:tailEnd type="triangle"/>
+              </a:ln>
+              <a:effectLst/>
+            </p:spPr>
+          </p:cxnSp>
+          <p:cxnSp>
+            <p:nvCxnSpPr>
+              <p:cNvPr id="45" name="Straight Arrow Connector 44">
+                <a:extLst>
+                  <a:ext uri="{FF2B5EF4-FFF2-40B4-BE49-F238E27FC236}">
+                    <a16:creationId xmlns:a16="http://schemas.microsoft.com/office/drawing/2014/main" id="{591C90BD-53AB-40C2-9B34-0870FC0E7422}"/>
+                  </a:ext>
+                </a:extLst>
+              </p:cNvPr>
+              <p:cNvCxnSpPr>
+                <a:cxnSpLocks/>
+                <a:stCxn id="43" idx="3"/>
+                <a:endCxn id="51" idx="1"/>
+              </p:cNvCxnSpPr>
+              <p:nvPr/>
+            </p:nvCxnSpPr>
+            <p:spPr bwMode="auto">
+              <a:xfrm>
+                <a:off x="2168843" y="3996994"/>
+                <a:ext cx="650558" cy="0"/>
+              </a:xfrm>
+              <a:prstGeom prst="straightConnector1">
+                <a:avLst/>
+              </a:prstGeom>
+              <a:noFill/>
+              <a:ln w="9525" cap="flat" cmpd="sng" algn="ctr">
+                <a:solidFill>
+                  <a:schemeClr val="tx1"/>
+                </a:solidFill>
+                <a:prstDash val="solid"/>
+                <a:round/>
+                <a:headEnd type="none" w="med" len="med"/>
+                <a:tailEnd type="triangle"/>
+              </a:ln>
+              <a:effectLst/>
+            </p:spPr>
+          </p:cxnSp>
+          <p:sp>
+            <p:nvSpPr>
+              <p:cNvPr id="46" name="TextBox 45">
+                <a:extLst>
+                  <a:ext uri="{FF2B5EF4-FFF2-40B4-BE49-F238E27FC236}">
+                    <a16:creationId xmlns:a16="http://schemas.microsoft.com/office/drawing/2014/main" id="{023801FC-2A12-49B9-9111-7723F6C12999}"/>
+                  </a:ext>
+                </a:extLst>
+              </p:cNvPr>
+              <p:cNvSpPr txBox="1"/>
+              <p:nvPr/>
+            </p:nvSpPr>
+            <p:spPr>
+              <a:xfrm>
+                <a:off x="3427027" y="3091899"/>
+                <a:ext cx="2286000" cy="369332"/>
+              </a:xfrm>
+              <a:prstGeom prst="rect">
+                <a:avLst/>
+              </a:prstGeom>
+              <a:solidFill>
+                <a:schemeClr val="bg1"/>
+              </a:solidFill>
+              <a:ln>
+                <a:solidFill>
+                  <a:schemeClr val="tx1"/>
+                </a:solidFill>
+              </a:ln>
+            </p:spPr>
+            <p:txBody>
+              <a:bodyPr wrap="none" rtlCol="0">
+                <a:noAutofit/>
+              </a:bodyPr>
+              <a:lstStyle/>
+              <a:p>
+                <a:pPr marL="91440" algn="l"/>
+                <a:r>
+                  <a:rPr lang="en-US" sz="1800" dirty="0"/>
+                  <a:t>6</a:t>
+                </a:r>
+              </a:p>
+            </p:txBody>
+          </p:sp>
+          <p:sp>
+            <p:nvSpPr>
+              <p:cNvPr id="47" name="TextBox 46">
+                <a:extLst>
+                  <a:ext uri="{FF2B5EF4-FFF2-40B4-BE49-F238E27FC236}">
+                    <a16:creationId xmlns:a16="http://schemas.microsoft.com/office/drawing/2014/main" id="{4BF3B0FC-882C-4350-A3D7-8BC983DE5AB6}"/>
+                  </a:ext>
+                </a:extLst>
+              </p:cNvPr>
+              <p:cNvSpPr txBox="1"/>
+              <p:nvPr/>
+            </p:nvSpPr>
+            <p:spPr>
+              <a:xfrm>
+                <a:off x="2819401" y="3082164"/>
+                <a:ext cx="569388" cy="369332"/>
+              </a:xfrm>
+              <a:prstGeom prst="rect">
+                <a:avLst/>
+              </a:prstGeom>
+              <a:noFill/>
+            </p:spPr>
+            <p:txBody>
+              <a:bodyPr wrap="none" rtlCol="0">
+                <a:spAutoFit/>
+              </a:bodyPr>
+              <a:lstStyle/>
+              <a:p>
+                <a:r>
+                  <a:rPr lang="en-US" sz="1800" dirty="0"/>
+                  <a:t>212</a:t>
+                </a:r>
+              </a:p>
+            </p:txBody>
+          </p:sp>
+          <p:sp>
+            <p:nvSpPr>
+              <p:cNvPr id="48" name="TextBox 47">
+                <a:extLst>
+                  <a:ext uri="{FF2B5EF4-FFF2-40B4-BE49-F238E27FC236}">
+                    <a16:creationId xmlns:a16="http://schemas.microsoft.com/office/drawing/2014/main" id="{0C6CEF20-6FE5-490A-9C03-E4C0F7FF6514}"/>
+                  </a:ext>
+                </a:extLst>
+              </p:cNvPr>
+              <p:cNvSpPr txBox="1"/>
+              <p:nvPr/>
+            </p:nvSpPr>
+            <p:spPr>
+              <a:xfrm>
+                <a:off x="3427027" y="3461231"/>
+                <a:ext cx="2286000" cy="369332"/>
+              </a:xfrm>
+              <a:prstGeom prst="rect">
+                <a:avLst/>
+              </a:prstGeom>
+              <a:solidFill>
+                <a:schemeClr val="bg1"/>
+              </a:solidFill>
+              <a:ln>
+                <a:solidFill>
+                  <a:schemeClr val="tx1"/>
+                </a:solidFill>
+              </a:ln>
+            </p:spPr>
+            <p:txBody>
+              <a:bodyPr wrap="none" rtlCol="0">
+                <a:noAutofit/>
+              </a:bodyPr>
+              <a:lstStyle/>
+              <a:p>
+                <a:pPr marL="91440" algn="l"/>
+                <a:r>
+                  <a:rPr lang="en-US" sz="1800" dirty="0"/>
+                  <a:t>208 (address of x)</a:t>
+                </a:r>
+              </a:p>
+            </p:txBody>
+          </p:sp>
+          <p:sp>
+            <p:nvSpPr>
+              <p:cNvPr id="49" name="TextBox 48">
+                <a:extLst>
+                  <a:ext uri="{FF2B5EF4-FFF2-40B4-BE49-F238E27FC236}">
+                    <a16:creationId xmlns:a16="http://schemas.microsoft.com/office/drawing/2014/main" id="{854017EC-3327-4E8E-8325-64EB4FC6FCEA}"/>
+                  </a:ext>
+                </a:extLst>
+              </p:cNvPr>
+              <p:cNvSpPr txBox="1"/>
+              <p:nvPr/>
+            </p:nvSpPr>
+            <p:spPr>
+              <a:xfrm>
+                <a:off x="2819400" y="3447247"/>
+                <a:ext cx="569388" cy="369332"/>
+              </a:xfrm>
+              <a:prstGeom prst="rect">
+                <a:avLst/>
+              </a:prstGeom>
+              <a:noFill/>
+            </p:spPr>
+            <p:txBody>
+              <a:bodyPr wrap="none" rtlCol="0">
+                <a:spAutoFit/>
+              </a:bodyPr>
+              <a:lstStyle/>
+              <a:p>
+                <a:r>
+                  <a:rPr lang="en-US" sz="1800" dirty="0"/>
+                  <a:t>216</a:t>
+                </a:r>
+              </a:p>
+            </p:txBody>
+          </p:sp>
+          <p:sp>
+            <p:nvSpPr>
+              <p:cNvPr id="50" name="TextBox 49">
+                <a:extLst>
+                  <a:ext uri="{FF2B5EF4-FFF2-40B4-BE49-F238E27FC236}">
+                    <a16:creationId xmlns:a16="http://schemas.microsoft.com/office/drawing/2014/main" id="{A9110F32-79BD-4D9F-ADC4-40851EB82020}"/>
+                  </a:ext>
+                </a:extLst>
+              </p:cNvPr>
+              <p:cNvSpPr txBox="1"/>
+              <p:nvPr/>
+            </p:nvSpPr>
+            <p:spPr>
+              <a:xfrm>
+                <a:off x="3427027" y="3808791"/>
+                <a:ext cx="2286000" cy="369332"/>
+              </a:xfrm>
+              <a:prstGeom prst="rect">
+                <a:avLst/>
+              </a:prstGeom>
+              <a:solidFill>
+                <a:schemeClr val="bg1"/>
+              </a:solidFill>
+              <a:ln>
+                <a:solidFill>
+                  <a:schemeClr val="tx1"/>
+                </a:solidFill>
+              </a:ln>
+            </p:spPr>
+            <p:txBody>
+              <a:bodyPr wrap="none" rtlCol="0">
+                <a:noAutofit/>
+              </a:bodyPr>
+              <a:lstStyle/>
+              <a:p>
+                <a:pPr marL="91440" algn="l"/>
+                <a:r>
+                  <a:rPr lang="en-US" sz="1800" dirty="0"/>
+                  <a:t>212 (address of y)</a:t>
+                </a:r>
+              </a:p>
+            </p:txBody>
+          </p:sp>
+          <p:sp>
+            <p:nvSpPr>
+              <p:cNvPr id="51" name="TextBox 50">
+                <a:extLst>
+                  <a:ext uri="{FF2B5EF4-FFF2-40B4-BE49-F238E27FC236}">
+                    <a16:creationId xmlns:a16="http://schemas.microsoft.com/office/drawing/2014/main" id="{EE10E1B1-F058-4FA2-918D-091D276AA285}"/>
+                  </a:ext>
+                </a:extLst>
+              </p:cNvPr>
+              <p:cNvSpPr txBox="1"/>
+              <p:nvPr/>
+            </p:nvSpPr>
+            <p:spPr>
+              <a:xfrm>
+                <a:off x="2819401" y="3812328"/>
+                <a:ext cx="569388" cy="369332"/>
+              </a:xfrm>
+              <a:prstGeom prst="rect">
+                <a:avLst/>
+              </a:prstGeom>
+              <a:noFill/>
+            </p:spPr>
+            <p:txBody>
+              <a:bodyPr wrap="none" rtlCol="0">
+                <a:spAutoFit/>
+              </a:bodyPr>
+              <a:lstStyle/>
+              <a:p>
+                <a:r>
+                  <a:rPr lang="en-US" sz="1800" dirty="0"/>
+                  <a:t>220</a:t>
+                </a:r>
+              </a:p>
+            </p:txBody>
+          </p:sp>
+        </p:grpSp>
+        <p:sp>
+          <p:nvSpPr>
+            <p:cNvPr id="26" name="Right Brace 25">
+              <a:extLst>
+                <a:ext uri="{FF2B5EF4-FFF2-40B4-BE49-F238E27FC236}">
+                  <a16:creationId xmlns:a16="http://schemas.microsoft.com/office/drawing/2014/main" id="{8D529EC4-4C5B-4737-9EC3-CB01DA84A8E7}"/>
+                </a:ext>
+              </a:extLst>
+            </p:cNvPr>
+            <p:cNvSpPr/>
             <p:nvPr/>
           </p:nvSpPr>
           <p:spPr bwMode="auto">
             <a:xfrm>
-              <a:off x="3427027" y="1981200"/>
-              <a:ext cx="2286000" cy="4023360"/>
+              <a:off x="5867400" y="3472231"/>
+              <a:ext cx="152400" cy="731520"/>
             </a:xfrm>
-            <a:prstGeom prst="rect">
+            <a:prstGeom prst="rightBrace">
               <a:avLst/>
             </a:prstGeom>
-            <a:pattFill prst="pct5">
-              <a:fgClr>
-                <a:schemeClr val="tx1"/>
-              </a:fgClr>
-              <a:bgClr>
-                <a:schemeClr val="bg1"/>
-              </a:bgClr>
-            </a:pattFill>
-            <a:ln w="9525">
+            <a:noFill/>
+            <a:ln w="9525" cap="flat" cmpd="sng" algn="ctr">
               <a:solidFill>
                 <a:schemeClr val="tx1"/>
               </a:solidFill>
-              <a:miter lim="800000"/>
-              <a:headEnd/>
-              <a:tailEnd/>
+              <a:prstDash val="solid"/>
+              <a:round/>
+              <a:headEnd type="none" w="med" len="med"/>
+              <a:tailEnd type="none" w="med" len="med"/>
             </a:ln>
+            <a:effectLst/>
           </p:spPr>
           <p:txBody>
-            <a:bodyPr wrap="none" lIns="92075" tIns="46038" rIns="92075" bIns="46038" anchor="ctr"/>
+            <a:bodyPr vert="horz" wrap="none" lIns="92075" tIns="46038" rIns="92075" bIns="46038" numCol="1" rtlCol="0" anchor="ctr" anchorCtr="0" compatLnSpc="1">
+              <a:prstTxWarp prst="textNoShape">
+                <a:avLst/>
+              </a:prstTxWarp>
+            </a:bodyPr>
             <a:lstStyle/>
             <a:p>
-              <a:endParaRPr lang="en-US" dirty="0"/>
+              <a:pPr marL="0" marR="0" indent="0" algn="ctr" defTabSz="914400" rtl="0" eaLnBrk="0" fontAlgn="base" latinLnBrk="0" hangingPunct="0">
+                <a:lnSpc>
+                  <a:spcPct val="100000"/>
+                </a:lnSpc>
+                <a:spcBef>
+                  <a:spcPct val="0"/>
+                </a:spcBef>
+                <a:spcAft>
+                  <a:spcPct val="0"/>
+                </a:spcAft>
+                <a:buClrTx/>
+                <a:buSzTx/>
+                <a:buFontTx/>
+                <a:buNone/>
+                <a:tabLst/>
+              </a:pPr>
+              <a:endParaRPr kumimoji="0" lang="en-US" sz="2400" b="0" i="0" u="none" strike="noStrike" cap="none" normalizeH="0" baseline="0">
+                <a:ln>
+                  <a:noFill/>
+                </a:ln>
+                <a:solidFill>
+                  <a:schemeClr val="tx1"/>
+                </a:solidFill>
+                <a:effectLst/>
+                <a:latin typeface="Arial" charset="0"/>
+              </a:endParaRPr>
             </a:p>
           </p:txBody>
         </p:sp>
         <p:sp>
           <p:nvSpPr>
-            <p:cNvPr id="34" name="TextBox 33">
+            <p:cNvPr id="28" name="TextBox 27">
               <a:extLst>
                 <a:ext uri="{FF2B5EF4-FFF2-40B4-BE49-F238E27FC236}">
-                  <a16:creationId xmlns:a16="http://schemas.microsoft.com/office/drawing/2014/main" id="{CB2C7CF1-55C1-4B13-B369-00B267B4844C}"/>
+                  <a16:creationId xmlns:a16="http://schemas.microsoft.com/office/drawing/2014/main" id="{FB5593B5-6F10-4AB6-B89C-54AA6EDDD9F4}"/>
                 </a:ext>
               </a:extLst>
             </p:cNvPr>
@@ -14590,134 +15547,8 @@
           </p:nvSpPr>
           <p:spPr>
             <a:xfrm>
-              <a:off x="3427027" y="1981200"/>
-              <a:ext cx="2286000" cy="369332"/>
-            </a:xfrm>
-            <a:prstGeom prst="rect">
-              <a:avLst/>
-            </a:prstGeom>
-            <a:solidFill>
-              <a:schemeClr val="bg1"/>
-            </a:solidFill>
-            <a:ln>
-              <a:solidFill>
-                <a:schemeClr val="tx1"/>
-              </a:solidFill>
-            </a:ln>
-          </p:spPr>
-          <p:txBody>
-            <a:bodyPr wrap="none" rtlCol="0">
-              <a:noAutofit/>
-            </a:bodyPr>
-            <a:lstStyle/>
-            <a:p>
-              <a:pPr marL="91440" algn="l"/>
-              <a:r>
-                <a:rPr lang="en-US" sz="1800" dirty="0"/>
-                <a:t>dynamic link</a:t>
-              </a:r>
-            </a:p>
-          </p:txBody>
-        </p:sp>
-        <p:sp>
-          <p:nvSpPr>
-            <p:cNvPr id="35" name="TextBox 34">
-              <a:extLst>
-                <a:ext uri="{FF2B5EF4-FFF2-40B4-BE49-F238E27FC236}">
-                  <a16:creationId xmlns:a16="http://schemas.microsoft.com/office/drawing/2014/main" id="{EA4EDA44-AF9A-4E98-8CC9-43BFBF389C0F}"/>
-                </a:ext>
-              </a:extLst>
-            </p:cNvPr>
-            <p:cNvSpPr txBox="1"/>
-            <p:nvPr/>
-          </p:nvSpPr>
-          <p:spPr>
-            <a:xfrm>
-              <a:off x="3427027" y="2351884"/>
-              <a:ext cx="2286000" cy="369332"/>
-            </a:xfrm>
-            <a:prstGeom prst="rect">
-              <a:avLst/>
-            </a:prstGeom>
-            <a:solidFill>
-              <a:schemeClr val="bg1"/>
-            </a:solidFill>
-            <a:ln>
-              <a:solidFill>
-                <a:schemeClr val="tx1"/>
-              </a:solidFill>
-            </a:ln>
-          </p:spPr>
-          <p:txBody>
-            <a:bodyPr wrap="none" rtlCol="0">
-              <a:noAutofit/>
-            </a:bodyPr>
-            <a:lstStyle/>
-            <a:p>
-              <a:pPr marL="91440" algn="l"/>
-              <a:r>
-                <a:rPr lang="en-US" sz="1800" dirty="0"/>
-                <a:t>return address</a:t>
-              </a:r>
-            </a:p>
-          </p:txBody>
-        </p:sp>
-        <p:sp>
-          <p:nvSpPr>
-            <p:cNvPr id="36" name="TextBox 35">
-              <a:extLst>
-                <a:ext uri="{FF2B5EF4-FFF2-40B4-BE49-F238E27FC236}">
-                  <a16:creationId xmlns:a16="http://schemas.microsoft.com/office/drawing/2014/main" id="{4CF01FEF-624D-4A93-985F-3AD6BF4EF327}"/>
-                </a:ext>
-              </a:extLst>
-            </p:cNvPr>
-            <p:cNvSpPr txBox="1"/>
-            <p:nvPr/>
-          </p:nvSpPr>
-          <p:spPr>
-            <a:xfrm>
-              <a:off x="3427027" y="2722567"/>
-              <a:ext cx="2286000" cy="369332"/>
-            </a:xfrm>
-            <a:prstGeom prst="rect">
-              <a:avLst/>
-            </a:prstGeom>
-            <a:solidFill>
-              <a:schemeClr val="bg1"/>
-            </a:solidFill>
-            <a:ln>
-              <a:solidFill>
-                <a:schemeClr val="tx1"/>
-              </a:solidFill>
-            </a:ln>
-          </p:spPr>
-          <p:txBody>
-            <a:bodyPr wrap="none" rtlCol="0">
-              <a:noAutofit/>
-            </a:bodyPr>
-            <a:lstStyle/>
-            <a:p>
-              <a:pPr marL="91440" algn="l"/>
-              <a:endParaRPr lang="en-US" sz="1800" dirty="0"/>
-            </a:p>
-          </p:txBody>
-        </p:sp>
-        <p:sp>
-          <p:nvSpPr>
-            <p:cNvPr id="37" name="TextBox 36">
-              <a:extLst>
-                <a:ext uri="{FF2B5EF4-FFF2-40B4-BE49-F238E27FC236}">
-                  <a16:creationId xmlns:a16="http://schemas.microsoft.com/office/drawing/2014/main" id="{489513C9-C9CF-4163-A2F7-C40E9B1EAE78}"/>
-                </a:ext>
-              </a:extLst>
-            </p:cNvPr>
-            <p:cNvSpPr txBox="1"/>
-            <p:nvPr/>
-          </p:nvSpPr>
-          <p:spPr>
-            <a:xfrm>
-              <a:off x="2819400" y="1986915"/>
-              <a:ext cx="569388" cy="369332"/>
+              <a:off x="6011123" y="3653325"/>
+              <a:ext cx="1685077" cy="369332"/>
             </a:xfrm>
             <a:prstGeom prst="rect">
               <a:avLst/>
@@ -14732,525 +15563,7 @@
             <a:p>
               <a:r>
                 <a:rPr lang="en-US" sz="1800" dirty="0"/>
-                <a:t>200</a:t>
-              </a:r>
-            </a:p>
-          </p:txBody>
-        </p:sp>
-        <p:sp>
-          <p:nvSpPr>
-            <p:cNvPr id="38" name="TextBox 37">
-              <a:extLst>
-                <a:ext uri="{FF2B5EF4-FFF2-40B4-BE49-F238E27FC236}">
-                  <a16:creationId xmlns:a16="http://schemas.microsoft.com/office/drawing/2014/main" id="{7570C130-FC7F-4F1B-A0BA-DA404F5AA220}"/>
-                </a:ext>
-              </a:extLst>
-            </p:cNvPr>
-            <p:cNvSpPr txBox="1"/>
-            <p:nvPr/>
-          </p:nvSpPr>
-          <p:spPr>
-            <a:xfrm>
-              <a:off x="2819401" y="2351998"/>
-              <a:ext cx="569387" cy="369332"/>
-            </a:xfrm>
-            <a:prstGeom prst="rect">
-              <a:avLst/>
-            </a:prstGeom>
-            <a:noFill/>
-          </p:spPr>
-          <p:txBody>
-            <a:bodyPr wrap="none" rtlCol="0">
-              <a:spAutoFit/>
-            </a:bodyPr>
-            <a:lstStyle/>
-            <a:p>
-              <a:r>
-                <a:rPr lang="en-US" sz="1800" dirty="0"/>
-                <a:t>204</a:t>
-              </a:r>
-            </a:p>
-          </p:txBody>
-        </p:sp>
-        <p:sp>
-          <p:nvSpPr>
-            <p:cNvPr id="39" name="TextBox 38">
-              <a:extLst>
-                <a:ext uri="{FF2B5EF4-FFF2-40B4-BE49-F238E27FC236}">
-                  <a16:creationId xmlns:a16="http://schemas.microsoft.com/office/drawing/2014/main" id="{E493A371-7957-42E7-AB4E-D6435545AB2B}"/>
-                </a:ext>
-              </a:extLst>
-            </p:cNvPr>
-            <p:cNvSpPr txBox="1"/>
-            <p:nvPr/>
-          </p:nvSpPr>
-          <p:spPr>
-            <a:xfrm>
-              <a:off x="2819400" y="2717081"/>
-              <a:ext cx="569388" cy="369332"/>
-            </a:xfrm>
-            <a:prstGeom prst="rect">
-              <a:avLst/>
-            </a:prstGeom>
-            <a:noFill/>
-          </p:spPr>
-          <p:txBody>
-            <a:bodyPr wrap="none" rtlCol="0">
-              <a:spAutoFit/>
-            </a:bodyPr>
-            <a:lstStyle/>
-            <a:p>
-              <a:r>
-                <a:rPr lang="en-US" sz="1800" dirty="0"/>
-                <a:t>208</a:t>
-              </a:r>
-            </a:p>
-          </p:txBody>
-        </p:sp>
-        <p:sp>
-          <p:nvSpPr>
-            <p:cNvPr id="40" name="TextBox 39">
-              <a:extLst>
-                <a:ext uri="{FF2B5EF4-FFF2-40B4-BE49-F238E27FC236}">
-                  <a16:creationId xmlns:a16="http://schemas.microsoft.com/office/drawing/2014/main" id="{A975D09F-625F-413F-9A5B-CB0C46DA9B37}"/>
-                </a:ext>
-              </a:extLst>
-            </p:cNvPr>
-            <p:cNvSpPr txBox="1"/>
-            <p:nvPr/>
-          </p:nvSpPr>
-          <p:spPr>
-            <a:xfrm>
-              <a:off x="5791200" y="2710509"/>
-              <a:ext cx="300083" cy="369332"/>
-            </a:xfrm>
-            <a:prstGeom prst="rect">
-              <a:avLst/>
-            </a:prstGeom>
-            <a:noFill/>
-          </p:spPr>
-          <p:txBody>
-            <a:bodyPr wrap="none" rtlCol="0">
-              <a:spAutoFit/>
-            </a:bodyPr>
-            <a:lstStyle/>
-            <a:p>
-              <a:r>
-                <a:rPr lang="en-US" sz="1800" dirty="0"/>
-                <a:t>x</a:t>
-              </a:r>
-            </a:p>
-          </p:txBody>
-        </p:sp>
-        <p:sp>
-          <p:nvSpPr>
-            <p:cNvPr id="41" name="TextBox 40">
-              <a:extLst>
-                <a:ext uri="{FF2B5EF4-FFF2-40B4-BE49-F238E27FC236}">
-                  <a16:creationId xmlns:a16="http://schemas.microsoft.com/office/drawing/2014/main" id="{D0B7108C-F73C-4625-8714-1DE0C5F7FCE4}"/>
-                </a:ext>
-              </a:extLst>
-            </p:cNvPr>
-            <p:cNvSpPr txBox="1"/>
-            <p:nvPr/>
-          </p:nvSpPr>
-          <p:spPr>
-            <a:xfrm>
-              <a:off x="5795918" y="3081440"/>
-              <a:ext cx="300082" cy="369332"/>
-            </a:xfrm>
-            <a:prstGeom prst="rect">
-              <a:avLst/>
-            </a:prstGeom>
-            <a:noFill/>
-          </p:spPr>
-          <p:txBody>
-            <a:bodyPr wrap="none" rtlCol="0">
-              <a:spAutoFit/>
-            </a:bodyPr>
-            <a:lstStyle/>
-            <a:p>
-              <a:r>
-                <a:rPr lang="en-US" sz="1800" dirty="0"/>
-                <a:t>y</a:t>
-              </a:r>
-            </a:p>
-          </p:txBody>
-        </p:sp>
-        <p:sp>
-          <p:nvSpPr>
-            <p:cNvPr id="42" name="TextBox 41">
-              <a:extLst>
-                <a:ext uri="{FF2B5EF4-FFF2-40B4-BE49-F238E27FC236}">
-                  <a16:creationId xmlns:a16="http://schemas.microsoft.com/office/drawing/2014/main" id="{BAD2B814-7588-47DE-9F4D-8AFF77387127}"/>
-                </a:ext>
-              </a:extLst>
-            </p:cNvPr>
-            <p:cNvSpPr txBox="1"/>
-            <p:nvPr/>
-          </p:nvSpPr>
-          <p:spPr>
-            <a:xfrm>
-              <a:off x="1676400" y="1990627"/>
-              <a:ext cx="492443" cy="369332"/>
-            </a:xfrm>
-            <a:prstGeom prst="rect">
-              <a:avLst/>
-            </a:prstGeom>
-            <a:noFill/>
-          </p:spPr>
-          <p:txBody>
-            <a:bodyPr wrap="none" rtlCol="0">
-              <a:spAutoFit/>
-            </a:bodyPr>
-            <a:lstStyle/>
-            <a:p>
-              <a:r>
-                <a:rPr lang="en-US" sz="1800" dirty="0"/>
-                <a:t>BP</a:t>
-              </a:r>
-            </a:p>
-          </p:txBody>
-        </p:sp>
-        <p:sp>
-          <p:nvSpPr>
-            <p:cNvPr id="43" name="TextBox 42">
-              <a:extLst>
-                <a:ext uri="{FF2B5EF4-FFF2-40B4-BE49-F238E27FC236}">
-                  <a16:creationId xmlns:a16="http://schemas.microsoft.com/office/drawing/2014/main" id="{99222172-4FDA-4096-AF9B-1C59C923FF4C}"/>
-                </a:ext>
-              </a:extLst>
-            </p:cNvPr>
-            <p:cNvSpPr txBox="1"/>
-            <p:nvPr/>
-          </p:nvSpPr>
-          <p:spPr>
-            <a:xfrm>
-              <a:off x="1676400" y="3812328"/>
-              <a:ext cx="492443" cy="369332"/>
-            </a:xfrm>
-            <a:prstGeom prst="rect">
-              <a:avLst/>
-            </a:prstGeom>
-            <a:noFill/>
-          </p:spPr>
-          <p:txBody>
-            <a:bodyPr wrap="none" rtlCol="0">
-              <a:spAutoFit/>
-            </a:bodyPr>
-            <a:lstStyle/>
-            <a:p>
-              <a:r>
-                <a:rPr lang="en-US" sz="1800" dirty="0"/>
-                <a:t>SP</a:t>
-              </a:r>
-            </a:p>
-          </p:txBody>
-        </p:sp>
-        <p:cxnSp>
-          <p:nvCxnSpPr>
-            <p:cNvPr id="44" name="Straight Arrow Connector 43">
-              <a:extLst>
-                <a:ext uri="{FF2B5EF4-FFF2-40B4-BE49-F238E27FC236}">
-                  <a16:creationId xmlns:a16="http://schemas.microsoft.com/office/drawing/2014/main" id="{24B30C20-3604-4880-A3FE-A6BCFFF9CA75}"/>
-                </a:ext>
-              </a:extLst>
-            </p:cNvPr>
-            <p:cNvCxnSpPr>
-              <a:cxnSpLocks/>
-              <a:stCxn id="42" idx="3"/>
-              <a:endCxn id="37" idx="1"/>
-            </p:cNvCxnSpPr>
-            <p:nvPr/>
-          </p:nvCxnSpPr>
-          <p:spPr bwMode="auto">
-            <a:xfrm flipV="1">
-              <a:off x="2168843" y="2171581"/>
-              <a:ext cx="650557" cy="3712"/>
-            </a:xfrm>
-            <a:prstGeom prst="straightConnector1">
-              <a:avLst/>
-            </a:prstGeom>
-            <a:noFill/>
-            <a:ln w="9525" cap="flat" cmpd="sng" algn="ctr">
-              <a:solidFill>
-                <a:schemeClr val="tx1"/>
-              </a:solidFill>
-              <a:prstDash val="solid"/>
-              <a:round/>
-              <a:headEnd type="none" w="med" len="med"/>
-              <a:tailEnd type="triangle"/>
-            </a:ln>
-            <a:effectLst/>
-          </p:spPr>
-        </p:cxnSp>
-        <p:cxnSp>
-          <p:nvCxnSpPr>
-            <p:cNvPr id="45" name="Straight Arrow Connector 44">
-              <a:extLst>
-                <a:ext uri="{FF2B5EF4-FFF2-40B4-BE49-F238E27FC236}">
-                  <a16:creationId xmlns:a16="http://schemas.microsoft.com/office/drawing/2014/main" id="{591C90BD-53AB-40C2-9B34-0870FC0E7422}"/>
-                </a:ext>
-              </a:extLst>
-            </p:cNvPr>
-            <p:cNvCxnSpPr>
-              <a:cxnSpLocks/>
-              <a:stCxn id="43" idx="3"/>
-              <a:endCxn id="51" idx="1"/>
-            </p:cNvCxnSpPr>
-            <p:nvPr/>
-          </p:nvCxnSpPr>
-          <p:spPr bwMode="auto">
-            <a:xfrm>
-              <a:off x="2168843" y="3996994"/>
-              <a:ext cx="650558" cy="0"/>
-            </a:xfrm>
-            <a:prstGeom prst="straightConnector1">
-              <a:avLst/>
-            </a:prstGeom>
-            <a:noFill/>
-            <a:ln w="9525" cap="flat" cmpd="sng" algn="ctr">
-              <a:solidFill>
-                <a:schemeClr val="tx1"/>
-              </a:solidFill>
-              <a:prstDash val="solid"/>
-              <a:round/>
-              <a:headEnd type="none" w="med" len="med"/>
-              <a:tailEnd type="triangle"/>
-            </a:ln>
-            <a:effectLst/>
-          </p:spPr>
-        </p:cxnSp>
-        <p:sp>
-          <p:nvSpPr>
-            <p:cNvPr id="46" name="TextBox 45">
-              <a:extLst>
-                <a:ext uri="{FF2B5EF4-FFF2-40B4-BE49-F238E27FC236}">
-                  <a16:creationId xmlns:a16="http://schemas.microsoft.com/office/drawing/2014/main" id="{023801FC-2A12-49B9-9111-7723F6C12999}"/>
-                </a:ext>
-              </a:extLst>
-            </p:cNvPr>
-            <p:cNvSpPr txBox="1"/>
-            <p:nvPr/>
-          </p:nvSpPr>
-          <p:spPr>
-            <a:xfrm>
-              <a:off x="3427027" y="3091899"/>
-              <a:ext cx="2286000" cy="369332"/>
-            </a:xfrm>
-            <a:prstGeom prst="rect">
-              <a:avLst/>
-            </a:prstGeom>
-            <a:solidFill>
-              <a:schemeClr val="bg1"/>
-            </a:solidFill>
-            <a:ln>
-              <a:solidFill>
-                <a:schemeClr val="tx1"/>
-              </a:solidFill>
-            </a:ln>
-          </p:spPr>
-          <p:txBody>
-            <a:bodyPr wrap="none" rtlCol="0">
-              <a:noAutofit/>
-            </a:bodyPr>
-            <a:lstStyle/>
-            <a:p>
-              <a:pPr marL="91440" algn="l"/>
-              <a:r>
-                <a:rPr lang="en-US" sz="1800" dirty="0"/>
-                <a:t>6</a:t>
-              </a:r>
-            </a:p>
-          </p:txBody>
-        </p:sp>
-        <p:sp>
-          <p:nvSpPr>
-            <p:cNvPr id="47" name="TextBox 46">
-              <a:extLst>
-                <a:ext uri="{FF2B5EF4-FFF2-40B4-BE49-F238E27FC236}">
-                  <a16:creationId xmlns:a16="http://schemas.microsoft.com/office/drawing/2014/main" id="{4BF3B0FC-882C-4350-A3D7-8BC983DE5AB6}"/>
-                </a:ext>
-              </a:extLst>
-            </p:cNvPr>
-            <p:cNvSpPr txBox="1"/>
-            <p:nvPr/>
-          </p:nvSpPr>
-          <p:spPr>
-            <a:xfrm>
-              <a:off x="2819401" y="3082164"/>
-              <a:ext cx="569388" cy="369332"/>
-            </a:xfrm>
-            <a:prstGeom prst="rect">
-              <a:avLst/>
-            </a:prstGeom>
-            <a:noFill/>
-          </p:spPr>
-          <p:txBody>
-            <a:bodyPr wrap="none" rtlCol="0">
-              <a:spAutoFit/>
-            </a:bodyPr>
-            <a:lstStyle/>
-            <a:p>
-              <a:r>
-                <a:rPr lang="en-US" sz="1800" dirty="0"/>
-                <a:t>212</a:t>
-              </a:r>
-            </a:p>
-          </p:txBody>
-        </p:sp>
-        <p:sp>
-          <p:nvSpPr>
-            <p:cNvPr id="48" name="TextBox 47">
-              <a:extLst>
-                <a:ext uri="{FF2B5EF4-FFF2-40B4-BE49-F238E27FC236}">
-                  <a16:creationId xmlns:a16="http://schemas.microsoft.com/office/drawing/2014/main" id="{0C6CEF20-6FE5-490A-9C03-E4C0F7FF6514}"/>
-                </a:ext>
-              </a:extLst>
-            </p:cNvPr>
-            <p:cNvSpPr txBox="1"/>
-            <p:nvPr/>
-          </p:nvSpPr>
-          <p:spPr>
-            <a:xfrm>
-              <a:off x="3427027" y="3461231"/>
-              <a:ext cx="2286000" cy="369332"/>
-            </a:xfrm>
-            <a:prstGeom prst="rect">
-              <a:avLst/>
-            </a:prstGeom>
-            <a:solidFill>
-              <a:schemeClr val="bg1"/>
-            </a:solidFill>
-            <a:ln>
-              <a:solidFill>
-                <a:schemeClr val="tx1"/>
-              </a:solidFill>
-            </a:ln>
-          </p:spPr>
-          <p:txBody>
-            <a:bodyPr wrap="none" rtlCol="0">
-              <a:noAutofit/>
-            </a:bodyPr>
-            <a:lstStyle/>
-            <a:p>
-              <a:pPr marL="91440" algn="l"/>
-              <a:r>
-                <a:rPr lang="en-US" sz="1800" dirty="0"/>
-                <a:t>208 (address of x)</a:t>
-              </a:r>
-            </a:p>
-          </p:txBody>
-        </p:sp>
-        <p:sp>
-          <p:nvSpPr>
-            <p:cNvPr id="49" name="TextBox 48">
-              <a:extLst>
-                <a:ext uri="{FF2B5EF4-FFF2-40B4-BE49-F238E27FC236}">
-                  <a16:creationId xmlns:a16="http://schemas.microsoft.com/office/drawing/2014/main" id="{854017EC-3327-4E8E-8325-64EB4FC6FCEA}"/>
-                </a:ext>
-              </a:extLst>
-            </p:cNvPr>
-            <p:cNvSpPr txBox="1"/>
-            <p:nvPr/>
-          </p:nvSpPr>
-          <p:spPr>
-            <a:xfrm>
-              <a:off x="2819400" y="3447247"/>
-              <a:ext cx="569388" cy="369332"/>
-            </a:xfrm>
-            <a:prstGeom prst="rect">
-              <a:avLst/>
-            </a:prstGeom>
-            <a:noFill/>
-          </p:spPr>
-          <p:txBody>
-            <a:bodyPr wrap="none" rtlCol="0">
-              <a:spAutoFit/>
-            </a:bodyPr>
-            <a:lstStyle/>
-            <a:p>
-              <a:r>
-                <a:rPr lang="en-US" sz="1800" dirty="0"/>
-                <a:t>216</a:t>
-              </a:r>
-            </a:p>
-          </p:txBody>
-        </p:sp>
-        <p:sp>
-          <p:nvSpPr>
-            <p:cNvPr id="50" name="TextBox 49">
-              <a:extLst>
-                <a:ext uri="{FF2B5EF4-FFF2-40B4-BE49-F238E27FC236}">
-                  <a16:creationId xmlns:a16="http://schemas.microsoft.com/office/drawing/2014/main" id="{A9110F32-79BD-4D9F-ADC4-40851EB82020}"/>
-                </a:ext>
-              </a:extLst>
-            </p:cNvPr>
-            <p:cNvSpPr txBox="1"/>
-            <p:nvPr/>
-          </p:nvSpPr>
-          <p:spPr>
-            <a:xfrm>
-              <a:off x="3427027" y="3808791"/>
-              <a:ext cx="2286000" cy="369332"/>
-            </a:xfrm>
-            <a:prstGeom prst="rect">
-              <a:avLst/>
-            </a:prstGeom>
-            <a:solidFill>
-              <a:schemeClr val="bg1"/>
-            </a:solidFill>
-            <a:ln>
-              <a:solidFill>
-                <a:schemeClr val="tx1"/>
-              </a:solidFill>
-            </a:ln>
-          </p:spPr>
-          <p:txBody>
-            <a:bodyPr wrap="none" rtlCol="0">
-              <a:noAutofit/>
-            </a:bodyPr>
-            <a:lstStyle/>
-            <a:p>
-              <a:pPr marL="91440" algn="l"/>
-              <a:r>
-                <a:rPr lang="en-US" sz="1800" dirty="0"/>
-                <a:t>212 (address of y)</a:t>
-              </a:r>
-            </a:p>
-          </p:txBody>
-        </p:sp>
-        <p:sp>
-          <p:nvSpPr>
-            <p:cNvPr id="51" name="TextBox 50">
-              <a:extLst>
-                <a:ext uri="{FF2B5EF4-FFF2-40B4-BE49-F238E27FC236}">
-                  <a16:creationId xmlns:a16="http://schemas.microsoft.com/office/drawing/2014/main" id="{EE10E1B1-F058-4FA2-918D-091D276AA285}"/>
-                </a:ext>
-              </a:extLst>
-            </p:cNvPr>
-            <p:cNvSpPr txBox="1"/>
-            <p:nvPr/>
-          </p:nvSpPr>
-          <p:spPr>
-            <a:xfrm>
-              <a:off x="2819401" y="3812328"/>
-              <a:ext cx="569388" cy="369332"/>
-            </a:xfrm>
-            <a:prstGeom prst="rect">
-              <a:avLst/>
-            </a:prstGeom>
-            <a:noFill/>
-          </p:spPr>
-          <p:txBody>
-            <a:bodyPr wrap="none" rtlCol="0">
-              <a:spAutoFit/>
-            </a:bodyPr>
-            <a:lstStyle/>
-            <a:p>
-              <a:r>
-                <a:rPr lang="en-US" sz="1800" dirty="0"/>
-                <a:t>220</a:t>
+                <a:t>temporary part</a:t>
               </a:r>
             </a:p>
           </p:txBody>
@@ -15259,7 +15572,7 @@
     </p:spTree>
     <p:extLst>
       <p:ext uri="{BB962C8B-B14F-4D97-AF65-F5344CB8AC3E}">
-        <p14:creationId xmlns:p14="http://schemas.microsoft.com/office/powerpoint/2010/main" val="1945911878"/>
+        <p14:creationId xmlns:p14="http://schemas.microsoft.com/office/powerpoint/2010/main" val="3847266645"/>
       </p:ext>
     </p:extLst>
   </p:cSld>
@@ -15439,10 +15752,10 @@
       </p:sp>
       <p:grpSp>
         <p:nvGrpSpPr>
-          <p:cNvPr id="3" name="Group 2">
+          <p:cNvPr id="7" name="Group 6">
             <a:extLst>
               <a:ext uri="{FF2B5EF4-FFF2-40B4-BE49-F238E27FC236}">
-                <a16:creationId xmlns:a16="http://schemas.microsoft.com/office/drawing/2014/main" id="{06A02AFA-FFA4-4763-B0E7-0BA6350CC4EE}"/>
+                <a16:creationId xmlns:a16="http://schemas.microsoft.com/office/drawing/2014/main" id="{B0F559EF-C36A-4E2F-8339-57602F3D67AC}"/>
               </a:ext>
             </a:extLst>
           </p:cNvPr>
@@ -15452,64 +15765,833 @@
         <p:grpSpPr>
           <a:xfrm>
             <a:off x="1676400" y="1981200"/>
-            <a:ext cx="4419600" cy="4023360"/>
+            <a:ext cx="6019800" cy="4023360"/>
             <a:chOff x="1676400" y="1981200"/>
-            <a:chExt cx="4419600" cy="4023360"/>
+            <a:chExt cx="6019800" cy="4023360"/>
           </a:xfrm>
         </p:grpSpPr>
-        <p:sp>
-          <p:nvSpPr>
-            <p:cNvPr id="63" name="Rectangle 4">
+        <p:grpSp>
+          <p:nvGrpSpPr>
+            <p:cNvPr id="3" name="Group 2">
               <a:extLst>
                 <a:ext uri="{FF2B5EF4-FFF2-40B4-BE49-F238E27FC236}">
-                  <a16:creationId xmlns:a16="http://schemas.microsoft.com/office/drawing/2014/main" id="{B5AB0F95-612B-447E-BC0F-F952B486D878}"/>
+                  <a16:creationId xmlns:a16="http://schemas.microsoft.com/office/drawing/2014/main" id="{06A02AFA-FFA4-4763-B0E7-0BA6350CC4EE}"/>
                 </a:ext>
               </a:extLst>
             </p:cNvPr>
-            <p:cNvSpPr>
-              <a:spLocks noChangeArrowheads="1"/>
-            </p:cNvSpPr>
+            <p:cNvGrpSpPr/>
+            <p:nvPr/>
+          </p:nvGrpSpPr>
+          <p:grpSpPr>
+            <a:xfrm>
+              <a:off x="1676400" y="1981200"/>
+              <a:ext cx="4419600" cy="4023360"/>
+              <a:chOff x="1676400" y="1981200"/>
+              <a:chExt cx="4419600" cy="4023360"/>
+            </a:xfrm>
+          </p:grpSpPr>
+          <p:sp>
+            <p:nvSpPr>
+              <p:cNvPr id="63" name="Rectangle 4">
+                <a:extLst>
+                  <a:ext uri="{FF2B5EF4-FFF2-40B4-BE49-F238E27FC236}">
+                    <a16:creationId xmlns:a16="http://schemas.microsoft.com/office/drawing/2014/main" id="{B5AB0F95-612B-447E-BC0F-F952B486D878}"/>
+                  </a:ext>
+                </a:extLst>
+              </p:cNvPr>
+              <p:cNvSpPr>
+                <a:spLocks noChangeArrowheads="1"/>
+              </p:cNvSpPr>
+              <p:nvPr/>
+            </p:nvSpPr>
+            <p:spPr bwMode="auto">
+              <a:xfrm>
+                <a:off x="3427027" y="1981200"/>
+                <a:ext cx="2286000" cy="4023360"/>
+              </a:xfrm>
+              <a:prstGeom prst="rect">
+                <a:avLst/>
+              </a:prstGeom>
+              <a:pattFill prst="pct5">
+                <a:fgClr>
+                  <a:schemeClr val="tx1"/>
+                </a:fgClr>
+                <a:bgClr>
+                  <a:schemeClr val="bg1"/>
+                </a:bgClr>
+              </a:pattFill>
+              <a:ln w="9525">
+                <a:solidFill>
+                  <a:schemeClr val="tx1"/>
+                </a:solidFill>
+                <a:miter lim="800000"/>
+                <a:headEnd/>
+                <a:tailEnd/>
+              </a:ln>
+            </p:spPr>
+            <p:txBody>
+              <a:bodyPr wrap="none" lIns="92075" tIns="46038" rIns="92075" bIns="46038" anchor="ctr"/>
+              <a:lstStyle/>
+              <a:p>
+                <a:endParaRPr lang="en-US" dirty="0"/>
+              </a:p>
+            </p:txBody>
+          </p:sp>
+          <p:sp>
+            <p:nvSpPr>
+              <p:cNvPr id="68" name="TextBox 67">
+                <a:extLst>
+                  <a:ext uri="{FF2B5EF4-FFF2-40B4-BE49-F238E27FC236}">
+                    <a16:creationId xmlns:a16="http://schemas.microsoft.com/office/drawing/2014/main" id="{28BA86A7-17E6-414B-8B9D-E2CC84A29DC9}"/>
+                  </a:ext>
+                </a:extLst>
+              </p:cNvPr>
+              <p:cNvSpPr txBox="1"/>
+              <p:nvPr/>
+            </p:nvSpPr>
+            <p:spPr>
+              <a:xfrm>
+                <a:off x="3427027" y="1981200"/>
+                <a:ext cx="2286000" cy="369332"/>
+              </a:xfrm>
+              <a:prstGeom prst="rect">
+                <a:avLst/>
+              </a:prstGeom>
+              <a:solidFill>
+                <a:schemeClr val="bg1"/>
+              </a:solidFill>
+              <a:ln>
+                <a:solidFill>
+                  <a:schemeClr val="tx1"/>
+                </a:solidFill>
+              </a:ln>
+            </p:spPr>
+            <p:txBody>
+              <a:bodyPr wrap="none" rtlCol="0">
+                <a:noAutofit/>
+              </a:bodyPr>
+              <a:lstStyle/>
+              <a:p>
+                <a:pPr marL="91440" algn="l"/>
+                <a:r>
+                  <a:rPr lang="en-US" sz="1800" dirty="0"/>
+                  <a:t>dynamic link</a:t>
+                </a:r>
+              </a:p>
+            </p:txBody>
+          </p:sp>
+          <p:sp>
+            <p:nvSpPr>
+              <p:cNvPr id="69" name="TextBox 68">
+                <a:extLst>
+                  <a:ext uri="{FF2B5EF4-FFF2-40B4-BE49-F238E27FC236}">
+                    <a16:creationId xmlns:a16="http://schemas.microsoft.com/office/drawing/2014/main" id="{E2D64B75-6D6C-4DA6-A677-6C13279C8E15}"/>
+                  </a:ext>
+                </a:extLst>
+              </p:cNvPr>
+              <p:cNvSpPr txBox="1"/>
+              <p:nvPr/>
+            </p:nvSpPr>
+            <p:spPr>
+              <a:xfrm>
+                <a:off x="3427027" y="2351884"/>
+                <a:ext cx="2286000" cy="369332"/>
+              </a:xfrm>
+              <a:prstGeom prst="rect">
+                <a:avLst/>
+              </a:prstGeom>
+              <a:solidFill>
+                <a:schemeClr val="bg1"/>
+              </a:solidFill>
+              <a:ln>
+                <a:solidFill>
+                  <a:schemeClr val="tx1"/>
+                </a:solidFill>
+              </a:ln>
+            </p:spPr>
+            <p:txBody>
+              <a:bodyPr wrap="none" rtlCol="0">
+                <a:noAutofit/>
+              </a:bodyPr>
+              <a:lstStyle/>
+              <a:p>
+                <a:pPr marL="91440" algn="l"/>
+                <a:r>
+                  <a:rPr lang="en-US" sz="1800" dirty="0"/>
+                  <a:t>return address</a:t>
+                </a:r>
+              </a:p>
+            </p:txBody>
+          </p:sp>
+          <p:sp>
+            <p:nvSpPr>
+              <p:cNvPr id="70" name="TextBox 69">
+                <a:extLst>
+                  <a:ext uri="{FF2B5EF4-FFF2-40B4-BE49-F238E27FC236}">
+                    <a16:creationId xmlns:a16="http://schemas.microsoft.com/office/drawing/2014/main" id="{F2F7C5DF-6D2D-4543-B6E0-B18D4217F52E}"/>
+                  </a:ext>
+                </a:extLst>
+              </p:cNvPr>
+              <p:cNvSpPr txBox="1"/>
+              <p:nvPr/>
+            </p:nvSpPr>
+            <p:spPr>
+              <a:xfrm>
+                <a:off x="3427027" y="2722567"/>
+                <a:ext cx="2286000" cy="369332"/>
+              </a:xfrm>
+              <a:prstGeom prst="rect">
+                <a:avLst/>
+              </a:prstGeom>
+              <a:solidFill>
+                <a:schemeClr val="bg1"/>
+              </a:solidFill>
+              <a:ln>
+                <a:solidFill>
+                  <a:schemeClr val="tx1"/>
+                </a:solidFill>
+              </a:ln>
+            </p:spPr>
+            <p:txBody>
+              <a:bodyPr wrap="none" rtlCol="0">
+                <a:noAutofit/>
+              </a:bodyPr>
+              <a:lstStyle/>
+              <a:p>
+                <a:pPr marL="91440" algn="l"/>
+                <a:endParaRPr lang="en-US" sz="1800" dirty="0"/>
+              </a:p>
+            </p:txBody>
+          </p:sp>
+          <p:sp>
+            <p:nvSpPr>
+              <p:cNvPr id="72" name="TextBox 71">
+                <a:extLst>
+                  <a:ext uri="{FF2B5EF4-FFF2-40B4-BE49-F238E27FC236}">
+                    <a16:creationId xmlns:a16="http://schemas.microsoft.com/office/drawing/2014/main" id="{9599E4DD-7C5B-475F-806B-F0058F4ECE0F}"/>
+                  </a:ext>
+                </a:extLst>
+              </p:cNvPr>
+              <p:cNvSpPr txBox="1"/>
+              <p:nvPr/>
+            </p:nvSpPr>
+            <p:spPr>
+              <a:xfrm>
+                <a:off x="2819400" y="1986915"/>
+                <a:ext cx="569388" cy="369332"/>
+              </a:xfrm>
+              <a:prstGeom prst="rect">
+                <a:avLst/>
+              </a:prstGeom>
+              <a:noFill/>
+            </p:spPr>
+            <p:txBody>
+              <a:bodyPr wrap="none" rtlCol="0">
+                <a:spAutoFit/>
+              </a:bodyPr>
+              <a:lstStyle/>
+              <a:p>
+                <a:r>
+                  <a:rPr lang="en-US" sz="1800" dirty="0"/>
+                  <a:t>200</a:t>
+                </a:r>
+              </a:p>
+            </p:txBody>
+          </p:sp>
+          <p:sp>
+            <p:nvSpPr>
+              <p:cNvPr id="73" name="TextBox 72">
+                <a:extLst>
+                  <a:ext uri="{FF2B5EF4-FFF2-40B4-BE49-F238E27FC236}">
+                    <a16:creationId xmlns:a16="http://schemas.microsoft.com/office/drawing/2014/main" id="{7D5F371E-A21E-4C6E-A0B0-A42812DA92BB}"/>
+                  </a:ext>
+                </a:extLst>
+              </p:cNvPr>
+              <p:cNvSpPr txBox="1"/>
+              <p:nvPr/>
+            </p:nvSpPr>
+            <p:spPr>
+              <a:xfrm>
+                <a:off x="2819401" y="2351998"/>
+                <a:ext cx="569387" cy="369332"/>
+              </a:xfrm>
+              <a:prstGeom prst="rect">
+                <a:avLst/>
+              </a:prstGeom>
+              <a:noFill/>
+            </p:spPr>
+            <p:txBody>
+              <a:bodyPr wrap="none" rtlCol="0">
+                <a:spAutoFit/>
+              </a:bodyPr>
+              <a:lstStyle/>
+              <a:p>
+                <a:r>
+                  <a:rPr lang="en-US" sz="1800" dirty="0"/>
+                  <a:t>204</a:t>
+                </a:r>
+              </a:p>
+            </p:txBody>
+          </p:sp>
+          <p:sp>
+            <p:nvSpPr>
+              <p:cNvPr id="74" name="TextBox 73">
+                <a:extLst>
+                  <a:ext uri="{FF2B5EF4-FFF2-40B4-BE49-F238E27FC236}">
+                    <a16:creationId xmlns:a16="http://schemas.microsoft.com/office/drawing/2014/main" id="{314D2A39-5609-4923-AA08-AB9FB75E8DD8}"/>
+                  </a:ext>
+                </a:extLst>
+              </p:cNvPr>
+              <p:cNvSpPr txBox="1"/>
+              <p:nvPr/>
+            </p:nvSpPr>
+            <p:spPr>
+              <a:xfrm>
+                <a:off x="2819400" y="2717081"/>
+                <a:ext cx="569388" cy="369332"/>
+              </a:xfrm>
+              <a:prstGeom prst="rect">
+                <a:avLst/>
+              </a:prstGeom>
+              <a:noFill/>
+            </p:spPr>
+            <p:txBody>
+              <a:bodyPr wrap="none" rtlCol="0">
+                <a:spAutoFit/>
+              </a:bodyPr>
+              <a:lstStyle/>
+              <a:p>
+                <a:r>
+                  <a:rPr lang="en-US" sz="1800" dirty="0"/>
+                  <a:t>208</a:t>
+                </a:r>
+              </a:p>
+            </p:txBody>
+          </p:sp>
+          <p:sp>
+            <p:nvSpPr>
+              <p:cNvPr id="76" name="TextBox 75">
+                <a:extLst>
+                  <a:ext uri="{FF2B5EF4-FFF2-40B4-BE49-F238E27FC236}">
+                    <a16:creationId xmlns:a16="http://schemas.microsoft.com/office/drawing/2014/main" id="{03FC58D0-0DFB-41BF-B004-B8A24DF19F40}"/>
+                  </a:ext>
+                </a:extLst>
+              </p:cNvPr>
+              <p:cNvSpPr txBox="1"/>
+              <p:nvPr/>
+            </p:nvSpPr>
+            <p:spPr>
+              <a:xfrm>
+                <a:off x="5791200" y="2710509"/>
+                <a:ext cx="300083" cy="369332"/>
+              </a:xfrm>
+              <a:prstGeom prst="rect">
+                <a:avLst/>
+              </a:prstGeom>
+              <a:noFill/>
+            </p:spPr>
+            <p:txBody>
+              <a:bodyPr wrap="none" rtlCol="0">
+                <a:spAutoFit/>
+              </a:bodyPr>
+              <a:lstStyle/>
+              <a:p>
+                <a:r>
+                  <a:rPr lang="en-US" sz="1800" dirty="0"/>
+                  <a:t>x</a:t>
+                </a:r>
+              </a:p>
+            </p:txBody>
+          </p:sp>
+          <p:sp>
+            <p:nvSpPr>
+              <p:cNvPr id="77" name="TextBox 76">
+                <a:extLst>
+                  <a:ext uri="{FF2B5EF4-FFF2-40B4-BE49-F238E27FC236}">
+                    <a16:creationId xmlns:a16="http://schemas.microsoft.com/office/drawing/2014/main" id="{62061F1D-676D-43D4-B9CA-DB52FB119596}"/>
+                  </a:ext>
+                </a:extLst>
+              </p:cNvPr>
+              <p:cNvSpPr txBox="1"/>
+              <p:nvPr/>
+            </p:nvSpPr>
+            <p:spPr>
+              <a:xfrm>
+                <a:off x="5795918" y="3081440"/>
+                <a:ext cx="300082" cy="369332"/>
+              </a:xfrm>
+              <a:prstGeom prst="rect">
+                <a:avLst/>
+              </a:prstGeom>
+              <a:noFill/>
+            </p:spPr>
+            <p:txBody>
+              <a:bodyPr wrap="none" rtlCol="0">
+                <a:spAutoFit/>
+              </a:bodyPr>
+              <a:lstStyle/>
+              <a:p>
+                <a:r>
+                  <a:rPr lang="en-US" sz="1800" dirty="0"/>
+                  <a:t>y</a:t>
+                </a:r>
+              </a:p>
+            </p:txBody>
+          </p:sp>
+          <p:sp>
+            <p:nvSpPr>
+              <p:cNvPr id="21" name="TextBox 20">
+                <a:extLst>
+                  <a:ext uri="{FF2B5EF4-FFF2-40B4-BE49-F238E27FC236}">
+                    <a16:creationId xmlns:a16="http://schemas.microsoft.com/office/drawing/2014/main" id="{AB841B8B-8949-425B-86CF-937F49018DBE}"/>
+                  </a:ext>
+                </a:extLst>
+              </p:cNvPr>
+              <p:cNvSpPr txBox="1"/>
+              <p:nvPr/>
+            </p:nvSpPr>
+            <p:spPr>
+              <a:xfrm>
+                <a:off x="1676400" y="1990627"/>
+                <a:ext cx="492443" cy="369332"/>
+              </a:xfrm>
+              <a:prstGeom prst="rect">
+                <a:avLst/>
+              </a:prstGeom>
+              <a:noFill/>
+            </p:spPr>
+            <p:txBody>
+              <a:bodyPr wrap="none" rtlCol="0">
+                <a:spAutoFit/>
+              </a:bodyPr>
+              <a:lstStyle/>
+              <a:p>
+                <a:r>
+                  <a:rPr lang="en-US" sz="1800" dirty="0"/>
+                  <a:t>BP</a:t>
+                </a:r>
+              </a:p>
+            </p:txBody>
+          </p:sp>
+          <p:sp>
+            <p:nvSpPr>
+              <p:cNvPr id="22" name="TextBox 21">
+                <a:extLst>
+                  <a:ext uri="{FF2B5EF4-FFF2-40B4-BE49-F238E27FC236}">
+                    <a16:creationId xmlns:a16="http://schemas.microsoft.com/office/drawing/2014/main" id="{5C971F6B-A50E-44FF-8236-6A6813B34770}"/>
+                  </a:ext>
+                </a:extLst>
+              </p:cNvPr>
+              <p:cNvSpPr txBox="1"/>
+              <p:nvPr/>
+            </p:nvSpPr>
+            <p:spPr>
+              <a:xfrm>
+                <a:off x="1676400" y="3812328"/>
+                <a:ext cx="492443" cy="369332"/>
+              </a:xfrm>
+              <a:prstGeom prst="rect">
+                <a:avLst/>
+              </a:prstGeom>
+              <a:noFill/>
+            </p:spPr>
+            <p:txBody>
+              <a:bodyPr wrap="none" rtlCol="0">
+                <a:spAutoFit/>
+              </a:bodyPr>
+              <a:lstStyle/>
+              <a:p>
+                <a:r>
+                  <a:rPr lang="en-US" sz="1800" dirty="0"/>
+                  <a:t>SP</a:t>
+                </a:r>
+              </a:p>
+            </p:txBody>
+          </p:sp>
+          <p:cxnSp>
+            <p:nvCxnSpPr>
+              <p:cNvPr id="6" name="Straight Arrow Connector 5">
+                <a:extLst>
+                  <a:ext uri="{FF2B5EF4-FFF2-40B4-BE49-F238E27FC236}">
+                    <a16:creationId xmlns:a16="http://schemas.microsoft.com/office/drawing/2014/main" id="{0A106FBB-345C-44C4-9643-9EAD3CCD65A3}"/>
+                  </a:ext>
+                </a:extLst>
+              </p:cNvPr>
+              <p:cNvCxnSpPr>
+                <a:cxnSpLocks/>
+                <a:stCxn id="21" idx="3"/>
+                <a:endCxn id="72" idx="1"/>
+              </p:cNvCxnSpPr>
+              <p:nvPr/>
+            </p:nvCxnSpPr>
+            <p:spPr bwMode="auto">
+              <a:xfrm flipV="1">
+                <a:off x="2168843" y="2171581"/>
+                <a:ext cx="650557" cy="3712"/>
+              </a:xfrm>
+              <a:prstGeom prst="straightConnector1">
+                <a:avLst/>
+              </a:prstGeom>
+              <a:noFill/>
+              <a:ln w="9525" cap="flat" cmpd="sng" algn="ctr">
+                <a:solidFill>
+                  <a:schemeClr val="tx1"/>
+                </a:solidFill>
+                <a:prstDash val="solid"/>
+                <a:round/>
+                <a:headEnd type="none" w="med" len="med"/>
+                <a:tailEnd type="triangle"/>
+              </a:ln>
+              <a:effectLst/>
+            </p:spPr>
+          </p:cxnSp>
+          <p:cxnSp>
+            <p:nvCxnSpPr>
+              <p:cNvPr id="8" name="Straight Arrow Connector 7">
+                <a:extLst>
+                  <a:ext uri="{FF2B5EF4-FFF2-40B4-BE49-F238E27FC236}">
+                    <a16:creationId xmlns:a16="http://schemas.microsoft.com/office/drawing/2014/main" id="{A9C85EE5-732F-429A-900E-1B7B21758369}"/>
+                  </a:ext>
+                </a:extLst>
+              </p:cNvPr>
+              <p:cNvCxnSpPr>
+                <a:cxnSpLocks/>
+                <a:stCxn id="22" idx="3"/>
+                <a:endCxn id="24" idx="1"/>
+              </p:cNvCxnSpPr>
+              <p:nvPr/>
+            </p:nvCxnSpPr>
+            <p:spPr bwMode="auto">
+              <a:xfrm>
+                <a:off x="2168843" y="3996994"/>
+                <a:ext cx="650558" cy="0"/>
+              </a:xfrm>
+              <a:prstGeom prst="straightConnector1">
+                <a:avLst/>
+              </a:prstGeom>
+              <a:noFill/>
+              <a:ln w="9525" cap="flat" cmpd="sng" algn="ctr">
+                <a:solidFill>
+                  <a:schemeClr val="tx1"/>
+                </a:solidFill>
+                <a:prstDash val="solid"/>
+                <a:round/>
+                <a:headEnd type="none" w="med" len="med"/>
+                <a:tailEnd type="triangle"/>
+              </a:ln>
+              <a:effectLst/>
+            </p:spPr>
+          </p:cxnSp>
+          <p:sp>
+            <p:nvSpPr>
+              <p:cNvPr id="28" name="TextBox 27">
+                <a:extLst>
+                  <a:ext uri="{FF2B5EF4-FFF2-40B4-BE49-F238E27FC236}">
+                    <a16:creationId xmlns:a16="http://schemas.microsoft.com/office/drawing/2014/main" id="{19D5125A-908B-4812-91D8-0C630BA2F87E}"/>
+                  </a:ext>
+                </a:extLst>
+              </p:cNvPr>
+              <p:cNvSpPr txBox="1"/>
+              <p:nvPr/>
+            </p:nvSpPr>
+            <p:spPr>
+              <a:xfrm>
+                <a:off x="3427027" y="3091899"/>
+                <a:ext cx="2286000" cy="369332"/>
+              </a:xfrm>
+              <a:prstGeom prst="rect">
+                <a:avLst/>
+              </a:prstGeom>
+              <a:solidFill>
+                <a:schemeClr val="bg1"/>
+              </a:solidFill>
+              <a:ln>
+                <a:solidFill>
+                  <a:schemeClr val="tx1"/>
+                </a:solidFill>
+              </a:ln>
+            </p:spPr>
+            <p:txBody>
+              <a:bodyPr wrap="none" rtlCol="0">
+                <a:noAutofit/>
+              </a:bodyPr>
+              <a:lstStyle/>
+              <a:p>
+                <a:pPr marL="91440" algn="l"/>
+                <a:r>
+                  <a:rPr lang="en-US" sz="1800" dirty="0"/>
+                  <a:t>6</a:t>
+                </a:r>
+              </a:p>
+            </p:txBody>
+          </p:sp>
+          <p:sp>
+            <p:nvSpPr>
+              <p:cNvPr id="29" name="TextBox 28">
+                <a:extLst>
+                  <a:ext uri="{FF2B5EF4-FFF2-40B4-BE49-F238E27FC236}">
+                    <a16:creationId xmlns:a16="http://schemas.microsoft.com/office/drawing/2014/main" id="{5EEA69FA-6414-4647-BC93-6FD115E6F199}"/>
+                  </a:ext>
+                </a:extLst>
+              </p:cNvPr>
+              <p:cNvSpPr txBox="1"/>
+              <p:nvPr/>
+            </p:nvSpPr>
+            <p:spPr>
+              <a:xfrm>
+                <a:off x="2819401" y="3082164"/>
+                <a:ext cx="569388" cy="369332"/>
+              </a:xfrm>
+              <a:prstGeom prst="rect">
+                <a:avLst/>
+              </a:prstGeom>
+              <a:noFill/>
+            </p:spPr>
+            <p:txBody>
+              <a:bodyPr wrap="none" rtlCol="0">
+                <a:spAutoFit/>
+              </a:bodyPr>
+              <a:lstStyle/>
+              <a:p>
+                <a:r>
+                  <a:rPr lang="en-US" sz="1800" dirty="0"/>
+                  <a:t>212</a:t>
+                </a:r>
+              </a:p>
+            </p:txBody>
+          </p:sp>
+          <p:sp>
+            <p:nvSpPr>
+              <p:cNvPr id="30" name="TextBox 29">
+                <a:extLst>
+                  <a:ext uri="{FF2B5EF4-FFF2-40B4-BE49-F238E27FC236}">
+                    <a16:creationId xmlns:a16="http://schemas.microsoft.com/office/drawing/2014/main" id="{D71C7B3F-2738-4421-AAD1-B7BA92B38C7F}"/>
+                  </a:ext>
+                </a:extLst>
+              </p:cNvPr>
+              <p:cNvSpPr txBox="1"/>
+              <p:nvPr/>
+            </p:nvSpPr>
+            <p:spPr>
+              <a:xfrm>
+                <a:off x="3427027" y="3461231"/>
+                <a:ext cx="2286000" cy="369332"/>
+              </a:xfrm>
+              <a:prstGeom prst="rect">
+                <a:avLst/>
+              </a:prstGeom>
+              <a:solidFill>
+                <a:schemeClr val="bg1"/>
+              </a:solidFill>
+              <a:ln>
+                <a:solidFill>
+                  <a:schemeClr val="tx1"/>
+                </a:solidFill>
+              </a:ln>
+            </p:spPr>
+            <p:txBody>
+              <a:bodyPr wrap="none" rtlCol="0">
+                <a:noAutofit/>
+              </a:bodyPr>
+              <a:lstStyle/>
+              <a:p>
+                <a:pPr marL="91440" algn="l"/>
+                <a:r>
+                  <a:rPr lang="en-US" sz="1800" dirty="0"/>
+                  <a:t>208 (address of x)</a:t>
+                </a:r>
+              </a:p>
+            </p:txBody>
+          </p:sp>
+          <p:sp>
+            <p:nvSpPr>
+              <p:cNvPr id="31" name="TextBox 30">
+                <a:extLst>
+                  <a:ext uri="{FF2B5EF4-FFF2-40B4-BE49-F238E27FC236}">
+                    <a16:creationId xmlns:a16="http://schemas.microsoft.com/office/drawing/2014/main" id="{E6A72BF6-7B5B-4673-95A5-AD06EE024B99}"/>
+                  </a:ext>
+                </a:extLst>
+              </p:cNvPr>
+              <p:cNvSpPr txBox="1"/>
+              <p:nvPr/>
+            </p:nvSpPr>
+            <p:spPr>
+              <a:xfrm>
+                <a:off x="2819400" y="3447247"/>
+                <a:ext cx="569388" cy="369332"/>
+              </a:xfrm>
+              <a:prstGeom prst="rect">
+                <a:avLst/>
+              </a:prstGeom>
+              <a:noFill/>
+            </p:spPr>
+            <p:txBody>
+              <a:bodyPr wrap="none" rtlCol="0">
+                <a:spAutoFit/>
+              </a:bodyPr>
+              <a:lstStyle/>
+              <a:p>
+                <a:r>
+                  <a:rPr lang="en-US" sz="1800" dirty="0"/>
+                  <a:t>216</a:t>
+                </a:r>
+              </a:p>
+            </p:txBody>
+          </p:sp>
+          <p:sp>
+            <p:nvSpPr>
+              <p:cNvPr id="23" name="TextBox 22">
+                <a:extLst>
+                  <a:ext uri="{FF2B5EF4-FFF2-40B4-BE49-F238E27FC236}">
+                    <a16:creationId xmlns:a16="http://schemas.microsoft.com/office/drawing/2014/main" id="{DB27667B-2D24-4EAD-845F-63661F64AA22}"/>
+                  </a:ext>
+                </a:extLst>
+              </p:cNvPr>
+              <p:cNvSpPr txBox="1"/>
+              <p:nvPr/>
+            </p:nvSpPr>
+            <p:spPr>
+              <a:xfrm>
+                <a:off x="3427027" y="3808791"/>
+                <a:ext cx="2286000" cy="369332"/>
+              </a:xfrm>
+              <a:prstGeom prst="rect">
+                <a:avLst/>
+              </a:prstGeom>
+              <a:solidFill>
+                <a:schemeClr val="bg1"/>
+              </a:solidFill>
+              <a:ln>
+                <a:solidFill>
+                  <a:schemeClr val="tx1"/>
+                </a:solidFill>
+              </a:ln>
+            </p:spPr>
+            <p:txBody>
+              <a:bodyPr wrap="none" rtlCol="0">
+                <a:noAutofit/>
+              </a:bodyPr>
+              <a:lstStyle/>
+              <a:p>
+                <a:pPr marL="91440" algn="l"/>
+                <a:r>
+                  <a:rPr lang="en-US" sz="1800" dirty="0"/>
+                  <a:t>6 (value of y)</a:t>
+                </a:r>
+              </a:p>
+            </p:txBody>
+          </p:sp>
+          <p:sp>
+            <p:nvSpPr>
+              <p:cNvPr id="24" name="TextBox 23">
+                <a:extLst>
+                  <a:ext uri="{FF2B5EF4-FFF2-40B4-BE49-F238E27FC236}">
+                    <a16:creationId xmlns:a16="http://schemas.microsoft.com/office/drawing/2014/main" id="{3E606A56-2D95-413E-ADB3-6428DF8D5654}"/>
+                  </a:ext>
+                </a:extLst>
+              </p:cNvPr>
+              <p:cNvSpPr txBox="1"/>
+              <p:nvPr/>
+            </p:nvSpPr>
+            <p:spPr>
+              <a:xfrm>
+                <a:off x="2819401" y="3812328"/>
+                <a:ext cx="569388" cy="369332"/>
+              </a:xfrm>
+              <a:prstGeom prst="rect">
+                <a:avLst/>
+              </a:prstGeom>
+              <a:noFill/>
+            </p:spPr>
+            <p:txBody>
+              <a:bodyPr wrap="none" rtlCol="0">
+                <a:spAutoFit/>
+              </a:bodyPr>
+              <a:lstStyle/>
+              <a:p>
+                <a:r>
+                  <a:rPr lang="en-US" sz="1800" dirty="0"/>
+                  <a:t>220</a:t>
+                </a:r>
+              </a:p>
+            </p:txBody>
+          </p:sp>
+        </p:grpSp>
+        <p:sp>
+          <p:nvSpPr>
+            <p:cNvPr id="26" name="Right Brace 25">
+              <a:extLst>
+                <a:ext uri="{FF2B5EF4-FFF2-40B4-BE49-F238E27FC236}">
+                  <a16:creationId xmlns:a16="http://schemas.microsoft.com/office/drawing/2014/main" id="{23E0AE0F-742C-4D5C-884A-A5FD23EFE98A}"/>
+                </a:ext>
+              </a:extLst>
+            </p:cNvPr>
+            <p:cNvSpPr/>
             <p:nvPr/>
           </p:nvSpPr>
           <p:spPr bwMode="auto">
             <a:xfrm>
-              <a:off x="3427027" y="1981200"/>
-              <a:ext cx="2286000" cy="4023360"/>
+              <a:off x="5867400" y="3472231"/>
+              <a:ext cx="152400" cy="731520"/>
             </a:xfrm>
-            <a:prstGeom prst="rect">
+            <a:prstGeom prst="rightBrace">
               <a:avLst/>
             </a:prstGeom>
-            <a:pattFill prst="pct5">
-              <a:fgClr>
-                <a:schemeClr val="tx1"/>
-              </a:fgClr>
-              <a:bgClr>
-                <a:schemeClr val="bg1"/>
-              </a:bgClr>
-            </a:pattFill>
-            <a:ln w="9525">
+            <a:noFill/>
+            <a:ln w="9525" cap="flat" cmpd="sng" algn="ctr">
               <a:solidFill>
                 <a:schemeClr val="tx1"/>
               </a:solidFill>
-              <a:miter lim="800000"/>
-              <a:headEnd/>
-              <a:tailEnd/>
+              <a:prstDash val="solid"/>
+              <a:round/>
+              <a:headEnd type="none" w="med" len="med"/>
+              <a:tailEnd type="none" w="med" len="med"/>
             </a:ln>
+            <a:effectLst/>
           </p:spPr>
           <p:txBody>
-            <a:bodyPr wrap="none" lIns="92075" tIns="46038" rIns="92075" bIns="46038" anchor="ctr"/>
+            <a:bodyPr vert="horz" wrap="none" lIns="92075" tIns="46038" rIns="92075" bIns="46038" numCol="1" rtlCol="0" anchor="ctr" anchorCtr="0" compatLnSpc="1">
+              <a:prstTxWarp prst="textNoShape">
+                <a:avLst/>
+              </a:prstTxWarp>
+            </a:bodyPr>
             <a:lstStyle/>
             <a:p>
-              <a:endParaRPr lang="en-US" dirty="0"/>
+              <a:pPr marL="0" marR="0" indent="0" algn="ctr" defTabSz="914400" rtl="0" eaLnBrk="0" fontAlgn="base" latinLnBrk="0" hangingPunct="0">
+                <a:lnSpc>
+                  <a:spcPct val="100000"/>
+                </a:lnSpc>
+                <a:spcBef>
+                  <a:spcPct val="0"/>
+                </a:spcBef>
+                <a:spcAft>
+                  <a:spcPct val="0"/>
+                </a:spcAft>
+                <a:buClrTx/>
+                <a:buSzTx/>
+                <a:buFontTx/>
+                <a:buNone/>
+                <a:tabLst/>
+              </a:pPr>
+              <a:endParaRPr kumimoji="0" lang="en-US" sz="2400" b="0" i="0" u="none" strike="noStrike" cap="none" normalizeH="0" baseline="0">
+                <a:ln>
+                  <a:noFill/>
+                </a:ln>
+                <a:solidFill>
+                  <a:schemeClr val="tx1"/>
+                </a:solidFill>
+                <a:effectLst/>
+                <a:latin typeface="Arial" charset="0"/>
+              </a:endParaRPr>
             </a:p>
           </p:txBody>
         </p:sp>
         <p:sp>
           <p:nvSpPr>
-            <p:cNvPr id="68" name="TextBox 67">
+            <p:cNvPr id="32" name="TextBox 31">
               <a:extLst>
                 <a:ext uri="{FF2B5EF4-FFF2-40B4-BE49-F238E27FC236}">
-                  <a16:creationId xmlns:a16="http://schemas.microsoft.com/office/drawing/2014/main" id="{28BA86A7-17E6-414B-8B9D-E2CC84A29DC9}"/>
+                  <a16:creationId xmlns:a16="http://schemas.microsoft.com/office/drawing/2014/main" id="{D043386B-21C8-4FDC-8D28-C544317ED7E7}"/>
                 </a:ext>
               </a:extLst>
             </p:cNvPr>
@@ -15518,134 +16600,8 @@
           </p:nvSpPr>
           <p:spPr>
             <a:xfrm>
-              <a:off x="3427027" y="1981200"/>
-              <a:ext cx="2286000" cy="369332"/>
-            </a:xfrm>
-            <a:prstGeom prst="rect">
-              <a:avLst/>
-            </a:prstGeom>
-            <a:solidFill>
-              <a:schemeClr val="bg1"/>
-            </a:solidFill>
-            <a:ln>
-              <a:solidFill>
-                <a:schemeClr val="tx1"/>
-              </a:solidFill>
-            </a:ln>
-          </p:spPr>
-          <p:txBody>
-            <a:bodyPr wrap="none" rtlCol="0">
-              <a:noAutofit/>
-            </a:bodyPr>
-            <a:lstStyle/>
-            <a:p>
-              <a:pPr marL="91440" algn="l"/>
-              <a:r>
-                <a:rPr lang="en-US" sz="1800" dirty="0"/>
-                <a:t>dynamic link</a:t>
-              </a:r>
-            </a:p>
-          </p:txBody>
-        </p:sp>
-        <p:sp>
-          <p:nvSpPr>
-            <p:cNvPr id="69" name="TextBox 68">
-              <a:extLst>
-                <a:ext uri="{FF2B5EF4-FFF2-40B4-BE49-F238E27FC236}">
-                  <a16:creationId xmlns:a16="http://schemas.microsoft.com/office/drawing/2014/main" id="{E2D64B75-6D6C-4DA6-A677-6C13279C8E15}"/>
-                </a:ext>
-              </a:extLst>
-            </p:cNvPr>
-            <p:cNvSpPr txBox="1"/>
-            <p:nvPr/>
-          </p:nvSpPr>
-          <p:spPr>
-            <a:xfrm>
-              <a:off x="3427027" y="2351884"/>
-              <a:ext cx="2286000" cy="369332"/>
-            </a:xfrm>
-            <a:prstGeom prst="rect">
-              <a:avLst/>
-            </a:prstGeom>
-            <a:solidFill>
-              <a:schemeClr val="bg1"/>
-            </a:solidFill>
-            <a:ln>
-              <a:solidFill>
-                <a:schemeClr val="tx1"/>
-              </a:solidFill>
-            </a:ln>
-          </p:spPr>
-          <p:txBody>
-            <a:bodyPr wrap="none" rtlCol="0">
-              <a:noAutofit/>
-            </a:bodyPr>
-            <a:lstStyle/>
-            <a:p>
-              <a:pPr marL="91440" algn="l"/>
-              <a:r>
-                <a:rPr lang="en-US" sz="1800" dirty="0"/>
-                <a:t>return address</a:t>
-              </a:r>
-            </a:p>
-          </p:txBody>
-        </p:sp>
-        <p:sp>
-          <p:nvSpPr>
-            <p:cNvPr id="70" name="TextBox 69">
-              <a:extLst>
-                <a:ext uri="{FF2B5EF4-FFF2-40B4-BE49-F238E27FC236}">
-                  <a16:creationId xmlns:a16="http://schemas.microsoft.com/office/drawing/2014/main" id="{F2F7C5DF-6D2D-4543-B6E0-B18D4217F52E}"/>
-                </a:ext>
-              </a:extLst>
-            </p:cNvPr>
-            <p:cNvSpPr txBox="1"/>
-            <p:nvPr/>
-          </p:nvSpPr>
-          <p:spPr>
-            <a:xfrm>
-              <a:off x="3427027" y="2722567"/>
-              <a:ext cx="2286000" cy="369332"/>
-            </a:xfrm>
-            <a:prstGeom prst="rect">
-              <a:avLst/>
-            </a:prstGeom>
-            <a:solidFill>
-              <a:schemeClr val="bg1"/>
-            </a:solidFill>
-            <a:ln>
-              <a:solidFill>
-                <a:schemeClr val="tx1"/>
-              </a:solidFill>
-            </a:ln>
-          </p:spPr>
-          <p:txBody>
-            <a:bodyPr wrap="none" rtlCol="0">
-              <a:noAutofit/>
-            </a:bodyPr>
-            <a:lstStyle/>
-            <a:p>
-              <a:pPr marL="91440" algn="l"/>
-              <a:endParaRPr lang="en-US" sz="1800" dirty="0"/>
-            </a:p>
-          </p:txBody>
-        </p:sp>
-        <p:sp>
-          <p:nvSpPr>
-            <p:cNvPr id="72" name="TextBox 71">
-              <a:extLst>
-                <a:ext uri="{FF2B5EF4-FFF2-40B4-BE49-F238E27FC236}">
-                  <a16:creationId xmlns:a16="http://schemas.microsoft.com/office/drawing/2014/main" id="{9599E4DD-7C5B-475F-806B-F0058F4ECE0F}"/>
-                </a:ext>
-              </a:extLst>
-            </p:cNvPr>
-            <p:cNvSpPr txBox="1"/>
-            <p:nvPr/>
-          </p:nvSpPr>
-          <p:spPr>
-            <a:xfrm>
-              <a:off x="2819400" y="1986915"/>
-              <a:ext cx="569388" cy="369332"/>
+              <a:off x="6011123" y="3653325"/>
+              <a:ext cx="1685077" cy="369332"/>
             </a:xfrm>
             <a:prstGeom prst="rect">
               <a:avLst/>
@@ -15660,525 +16616,7 @@
             <a:p>
               <a:r>
                 <a:rPr lang="en-US" sz="1800" dirty="0"/>
-                <a:t>200</a:t>
-              </a:r>
-            </a:p>
-          </p:txBody>
-        </p:sp>
-        <p:sp>
-          <p:nvSpPr>
-            <p:cNvPr id="73" name="TextBox 72">
-              <a:extLst>
-                <a:ext uri="{FF2B5EF4-FFF2-40B4-BE49-F238E27FC236}">
-                  <a16:creationId xmlns:a16="http://schemas.microsoft.com/office/drawing/2014/main" id="{7D5F371E-A21E-4C6E-A0B0-A42812DA92BB}"/>
-                </a:ext>
-              </a:extLst>
-            </p:cNvPr>
-            <p:cNvSpPr txBox="1"/>
-            <p:nvPr/>
-          </p:nvSpPr>
-          <p:spPr>
-            <a:xfrm>
-              <a:off x="2819401" y="2351998"/>
-              <a:ext cx="569387" cy="369332"/>
-            </a:xfrm>
-            <a:prstGeom prst="rect">
-              <a:avLst/>
-            </a:prstGeom>
-            <a:noFill/>
-          </p:spPr>
-          <p:txBody>
-            <a:bodyPr wrap="none" rtlCol="0">
-              <a:spAutoFit/>
-            </a:bodyPr>
-            <a:lstStyle/>
-            <a:p>
-              <a:r>
-                <a:rPr lang="en-US" sz="1800" dirty="0"/>
-                <a:t>204</a:t>
-              </a:r>
-            </a:p>
-          </p:txBody>
-        </p:sp>
-        <p:sp>
-          <p:nvSpPr>
-            <p:cNvPr id="74" name="TextBox 73">
-              <a:extLst>
-                <a:ext uri="{FF2B5EF4-FFF2-40B4-BE49-F238E27FC236}">
-                  <a16:creationId xmlns:a16="http://schemas.microsoft.com/office/drawing/2014/main" id="{314D2A39-5609-4923-AA08-AB9FB75E8DD8}"/>
-                </a:ext>
-              </a:extLst>
-            </p:cNvPr>
-            <p:cNvSpPr txBox="1"/>
-            <p:nvPr/>
-          </p:nvSpPr>
-          <p:spPr>
-            <a:xfrm>
-              <a:off x="2819400" y="2717081"/>
-              <a:ext cx="569388" cy="369332"/>
-            </a:xfrm>
-            <a:prstGeom prst="rect">
-              <a:avLst/>
-            </a:prstGeom>
-            <a:noFill/>
-          </p:spPr>
-          <p:txBody>
-            <a:bodyPr wrap="none" rtlCol="0">
-              <a:spAutoFit/>
-            </a:bodyPr>
-            <a:lstStyle/>
-            <a:p>
-              <a:r>
-                <a:rPr lang="en-US" sz="1800" dirty="0"/>
-                <a:t>208</a:t>
-              </a:r>
-            </a:p>
-          </p:txBody>
-        </p:sp>
-        <p:sp>
-          <p:nvSpPr>
-            <p:cNvPr id="76" name="TextBox 75">
-              <a:extLst>
-                <a:ext uri="{FF2B5EF4-FFF2-40B4-BE49-F238E27FC236}">
-                  <a16:creationId xmlns:a16="http://schemas.microsoft.com/office/drawing/2014/main" id="{03FC58D0-0DFB-41BF-B004-B8A24DF19F40}"/>
-                </a:ext>
-              </a:extLst>
-            </p:cNvPr>
-            <p:cNvSpPr txBox="1"/>
-            <p:nvPr/>
-          </p:nvSpPr>
-          <p:spPr>
-            <a:xfrm>
-              <a:off x="5791200" y="2710509"/>
-              <a:ext cx="300083" cy="369332"/>
-            </a:xfrm>
-            <a:prstGeom prst="rect">
-              <a:avLst/>
-            </a:prstGeom>
-            <a:noFill/>
-          </p:spPr>
-          <p:txBody>
-            <a:bodyPr wrap="none" rtlCol="0">
-              <a:spAutoFit/>
-            </a:bodyPr>
-            <a:lstStyle/>
-            <a:p>
-              <a:r>
-                <a:rPr lang="en-US" sz="1800" dirty="0"/>
-                <a:t>x</a:t>
-              </a:r>
-            </a:p>
-          </p:txBody>
-        </p:sp>
-        <p:sp>
-          <p:nvSpPr>
-            <p:cNvPr id="77" name="TextBox 76">
-              <a:extLst>
-                <a:ext uri="{FF2B5EF4-FFF2-40B4-BE49-F238E27FC236}">
-                  <a16:creationId xmlns:a16="http://schemas.microsoft.com/office/drawing/2014/main" id="{62061F1D-676D-43D4-B9CA-DB52FB119596}"/>
-                </a:ext>
-              </a:extLst>
-            </p:cNvPr>
-            <p:cNvSpPr txBox="1"/>
-            <p:nvPr/>
-          </p:nvSpPr>
-          <p:spPr>
-            <a:xfrm>
-              <a:off x="5795918" y="3081440"/>
-              <a:ext cx="300082" cy="369332"/>
-            </a:xfrm>
-            <a:prstGeom prst="rect">
-              <a:avLst/>
-            </a:prstGeom>
-            <a:noFill/>
-          </p:spPr>
-          <p:txBody>
-            <a:bodyPr wrap="none" rtlCol="0">
-              <a:spAutoFit/>
-            </a:bodyPr>
-            <a:lstStyle/>
-            <a:p>
-              <a:r>
-                <a:rPr lang="en-US" sz="1800" dirty="0"/>
-                <a:t>y</a:t>
-              </a:r>
-            </a:p>
-          </p:txBody>
-        </p:sp>
-        <p:sp>
-          <p:nvSpPr>
-            <p:cNvPr id="21" name="TextBox 20">
-              <a:extLst>
-                <a:ext uri="{FF2B5EF4-FFF2-40B4-BE49-F238E27FC236}">
-                  <a16:creationId xmlns:a16="http://schemas.microsoft.com/office/drawing/2014/main" id="{AB841B8B-8949-425B-86CF-937F49018DBE}"/>
-                </a:ext>
-              </a:extLst>
-            </p:cNvPr>
-            <p:cNvSpPr txBox="1"/>
-            <p:nvPr/>
-          </p:nvSpPr>
-          <p:spPr>
-            <a:xfrm>
-              <a:off x="1676400" y="1990627"/>
-              <a:ext cx="492443" cy="369332"/>
-            </a:xfrm>
-            <a:prstGeom prst="rect">
-              <a:avLst/>
-            </a:prstGeom>
-            <a:noFill/>
-          </p:spPr>
-          <p:txBody>
-            <a:bodyPr wrap="none" rtlCol="0">
-              <a:spAutoFit/>
-            </a:bodyPr>
-            <a:lstStyle/>
-            <a:p>
-              <a:r>
-                <a:rPr lang="en-US" sz="1800" dirty="0"/>
-                <a:t>BP</a:t>
-              </a:r>
-            </a:p>
-          </p:txBody>
-        </p:sp>
-        <p:sp>
-          <p:nvSpPr>
-            <p:cNvPr id="22" name="TextBox 21">
-              <a:extLst>
-                <a:ext uri="{FF2B5EF4-FFF2-40B4-BE49-F238E27FC236}">
-                  <a16:creationId xmlns:a16="http://schemas.microsoft.com/office/drawing/2014/main" id="{5C971F6B-A50E-44FF-8236-6A6813B34770}"/>
-                </a:ext>
-              </a:extLst>
-            </p:cNvPr>
-            <p:cNvSpPr txBox="1"/>
-            <p:nvPr/>
-          </p:nvSpPr>
-          <p:spPr>
-            <a:xfrm>
-              <a:off x="1676400" y="3812328"/>
-              <a:ext cx="492443" cy="369332"/>
-            </a:xfrm>
-            <a:prstGeom prst="rect">
-              <a:avLst/>
-            </a:prstGeom>
-            <a:noFill/>
-          </p:spPr>
-          <p:txBody>
-            <a:bodyPr wrap="none" rtlCol="0">
-              <a:spAutoFit/>
-            </a:bodyPr>
-            <a:lstStyle/>
-            <a:p>
-              <a:r>
-                <a:rPr lang="en-US" sz="1800" dirty="0"/>
-                <a:t>SP</a:t>
-              </a:r>
-            </a:p>
-          </p:txBody>
-        </p:sp>
-        <p:cxnSp>
-          <p:nvCxnSpPr>
-            <p:cNvPr id="6" name="Straight Arrow Connector 5">
-              <a:extLst>
-                <a:ext uri="{FF2B5EF4-FFF2-40B4-BE49-F238E27FC236}">
-                  <a16:creationId xmlns:a16="http://schemas.microsoft.com/office/drawing/2014/main" id="{0A106FBB-345C-44C4-9643-9EAD3CCD65A3}"/>
-                </a:ext>
-              </a:extLst>
-            </p:cNvPr>
-            <p:cNvCxnSpPr>
-              <a:cxnSpLocks/>
-              <a:stCxn id="21" idx="3"/>
-              <a:endCxn id="72" idx="1"/>
-            </p:cNvCxnSpPr>
-            <p:nvPr/>
-          </p:nvCxnSpPr>
-          <p:spPr bwMode="auto">
-            <a:xfrm flipV="1">
-              <a:off x="2168843" y="2171581"/>
-              <a:ext cx="650557" cy="3712"/>
-            </a:xfrm>
-            <a:prstGeom prst="straightConnector1">
-              <a:avLst/>
-            </a:prstGeom>
-            <a:noFill/>
-            <a:ln w="9525" cap="flat" cmpd="sng" algn="ctr">
-              <a:solidFill>
-                <a:schemeClr val="tx1"/>
-              </a:solidFill>
-              <a:prstDash val="solid"/>
-              <a:round/>
-              <a:headEnd type="none" w="med" len="med"/>
-              <a:tailEnd type="triangle"/>
-            </a:ln>
-            <a:effectLst/>
-          </p:spPr>
-        </p:cxnSp>
-        <p:cxnSp>
-          <p:nvCxnSpPr>
-            <p:cNvPr id="8" name="Straight Arrow Connector 7">
-              <a:extLst>
-                <a:ext uri="{FF2B5EF4-FFF2-40B4-BE49-F238E27FC236}">
-                  <a16:creationId xmlns:a16="http://schemas.microsoft.com/office/drawing/2014/main" id="{A9C85EE5-732F-429A-900E-1B7B21758369}"/>
-                </a:ext>
-              </a:extLst>
-            </p:cNvPr>
-            <p:cNvCxnSpPr>
-              <a:cxnSpLocks/>
-              <a:stCxn id="22" idx="3"/>
-              <a:endCxn id="24" idx="1"/>
-            </p:cNvCxnSpPr>
-            <p:nvPr/>
-          </p:nvCxnSpPr>
-          <p:spPr bwMode="auto">
-            <a:xfrm>
-              <a:off x="2168843" y="3996994"/>
-              <a:ext cx="650558" cy="0"/>
-            </a:xfrm>
-            <a:prstGeom prst="straightConnector1">
-              <a:avLst/>
-            </a:prstGeom>
-            <a:noFill/>
-            <a:ln w="9525" cap="flat" cmpd="sng" algn="ctr">
-              <a:solidFill>
-                <a:schemeClr val="tx1"/>
-              </a:solidFill>
-              <a:prstDash val="solid"/>
-              <a:round/>
-              <a:headEnd type="none" w="med" len="med"/>
-              <a:tailEnd type="triangle"/>
-            </a:ln>
-            <a:effectLst/>
-          </p:spPr>
-        </p:cxnSp>
-        <p:sp>
-          <p:nvSpPr>
-            <p:cNvPr id="28" name="TextBox 27">
-              <a:extLst>
-                <a:ext uri="{FF2B5EF4-FFF2-40B4-BE49-F238E27FC236}">
-                  <a16:creationId xmlns:a16="http://schemas.microsoft.com/office/drawing/2014/main" id="{19D5125A-908B-4812-91D8-0C630BA2F87E}"/>
-                </a:ext>
-              </a:extLst>
-            </p:cNvPr>
-            <p:cNvSpPr txBox="1"/>
-            <p:nvPr/>
-          </p:nvSpPr>
-          <p:spPr>
-            <a:xfrm>
-              <a:off x="3427027" y="3091899"/>
-              <a:ext cx="2286000" cy="369332"/>
-            </a:xfrm>
-            <a:prstGeom prst="rect">
-              <a:avLst/>
-            </a:prstGeom>
-            <a:solidFill>
-              <a:schemeClr val="bg1"/>
-            </a:solidFill>
-            <a:ln>
-              <a:solidFill>
-                <a:schemeClr val="tx1"/>
-              </a:solidFill>
-            </a:ln>
-          </p:spPr>
-          <p:txBody>
-            <a:bodyPr wrap="none" rtlCol="0">
-              <a:noAutofit/>
-            </a:bodyPr>
-            <a:lstStyle/>
-            <a:p>
-              <a:pPr marL="91440" algn="l"/>
-              <a:r>
-                <a:rPr lang="en-US" sz="1800" dirty="0"/>
-                <a:t>6</a:t>
-              </a:r>
-            </a:p>
-          </p:txBody>
-        </p:sp>
-        <p:sp>
-          <p:nvSpPr>
-            <p:cNvPr id="29" name="TextBox 28">
-              <a:extLst>
-                <a:ext uri="{FF2B5EF4-FFF2-40B4-BE49-F238E27FC236}">
-                  <a16:creationId xmlns:a16="http://schemas.microsoft.com/office/drawing/2014/main" id="{5EEA69FA-6414-4647-BC93-6FD115E6F199}"/>
-                </a:ext>
-              </a:extLst>
-            </p:cNvPr>
-            <p:cNvSpPr txBox="1"/>
-            <p:nvPr/>
-          </p:nvSpPr>
-          <p:spPr>
-            <a:xfrm>
-              <a:off x="2819401" y="3082164"/>
-              <a:ext cx="569388" cy="369332"/>
-            </a:xfrm>
-            <a:prstGeom prst="rect">
-              <a:avLst/>
-            </a:prstGeom>
-            <a:noFill/>
-          </p:spPr>
-          <p:txBody>
-            <a:bodyPr wrap="none" rtlCol="0">
-              <a:spAutoFit/>
-            </a:bodyPr>
-            <a:lstStyle/>
-            <a:p>
-              <a:r>
-                <a:rPr lang="en-US" sz="1800" dirty="0"/>
-                <a:t>212</a:t>
-              </a:r>
-            </a:p>
-          </p:txBody>
-        </p:sp>
-        <p:sp>
-          <p:nvSpPr>
-            <p:cNvPr id="30" name="TextBox 29">
-              <a:extLst>
-                <a:ext uri="{FF2B5EF4-FFF2-40B4-BE49-F238E27FC236}">
-                  <a16:creationId xmlns:a16="http://schemas.microsoft.com/office/drawing/2014/main" id="{D71C7B3F-2738-4421-AAD1-B7BA92B38C7F}"/>
-                </a:ext>
-              </a:extLst>
-            </p:cNvPr>
-            <p:cNvSpPr txBox="1"/>
-            <p:nvPr/>
-          </p:nvSpPr>
-          <p:spPr>
-            <a:xfrm>
-              <a:off x="3427027" y="3461231"/>
-              <a:ext cx="2286000" cy="369332"/>
-            </a:xfrm>
-            <a:prstGeom prst="rect">
-              <a:avLst/>
-            </a:prstGeom>
-            <a:solidFill>
-              <a:schemeClr val="bg1"/>
-            </a:solidFill>
-            <a:ln>
-              <a:solidFill>
-                <a:schemeClr val="tx1"/>
-              </a:solidFill>
-            </a:ln>
-          </p:spPr>
-          <p:txBody>
-            <a:bodyPr wrap="none" rtlCol="0">
-              <a:noAutofit/>
-            </a:bodyPr>
-            <a:lstStyle/>
-            <a:p>
-              <a:pPr marL="91440" algn="l"/>
-              <a:r>
-                <a:rPr lang="en-US" sz="1800" dirty="0"/>
-                <a:t>208 (address of x)</a:t>
-              </a:r>
-            </a:p>
-          </p:txBody>
-        </p:sp>
-        <p:sp>
-          <p:nvSpPr>
-            <p:cNvPr id="31" name="TextBox 30">
-              <a:extLst>
-                <a:ext uri="{FF2B5EF4-FFF2-40B4-BE49-F238E27FC236}">
-                  <a16:creationId xmlns:a16="http://schemas.microsoft.com/office/drawing/2014/main" id="{E6A72BF6-7B5B-4673-95A5-AD06EE024B99}"/>
-                </a:ext>
-              </a:extLst>
-            </p:cNvPr>
-            <p:cNvSpPr txBox="1"/>
-            <p:nvPr/>
-          </p:nvSpPr>
-          <p:spPr>
-            <a:xfrm>
-              <a:off x="2819400" y="3447247"/>
-              <a:ext cx="569388" cy="369332"/>
-            </a:xfrm>
-            <a:prstGeom prst="rect">
-              <a:avLst/>
-            </a:prstGeom>
-            <a:noFill/>
-          </p:spPr>
-          <p:txBody>
-            <a:bodyPr wrap="none" rtlCol="0">
-              <a:spAutoFit/>
-            </a:bodyPr>
-            <a:lstStyle/>
-            <a:p>
-              <a:r>
-                <a:rPr lang="en-US" sz="1800" dirty="0"/>
-                <a:t>216</a:t>
-              </a:r>
-            </a:p>
-          </p:txBody>
-        </p:sp>
-        <p:sp>
-          <p:nvSpPr>
-            <p:cNvPr id="23" name="TextBox 22">
-              <a:extLst>
-                <a:ext uri="{FF2B5EF4-FFF2-40B4-BE49-F238E27FC236}">
-                  <a16:creationId xmlns:a16="http://schemas.microsoft.com/office/drawing/2014/main" id="{DB27667B-2D24-4EAD-845F-63661F64AA22}"/>
-                </a:ext>
-              </a:extLst>
-            </p:cNvPr>
-            <p:cNvSpPr txBox="1"/>
-            <p:nvPr/>
-          </p:nvSpPr>
-          <p:spPr>
-            <a:xfrm>
-              <a:off x="3427027" y="3808791"/>
-              <a:ext cx="2286000" cy="369332"/>
-            </a:xfrm>
-            <a:prstGeom prst="rect">
-              <a:avLst/>
-            </a:prstGeom>
-            <a:solidFill>
-              <a:schemeClr val="bg1"/>
-            </a:solidFill>
-            <a:ln>
-              <a:solidFill>
-                <a:schemeClr val="tx1"/>
-              </a:solidFill>
-            </a:ln>
-          </p:spPr>
-          <p:txBody>
-            <a:bodyPr wrap="none" rtlCol="0">
-              <a:noAutofit/>
-            </a:bodyPr>
-            <a:lstStyle/>
-            <a:p>
-              <a:pPr marL="91440" algn="l"/>
-              <a:r>
-                <a:rPr lang="en-US" sz="1800" dirty="0"/>
-                <a:t>6 (value of y)</a:t>
-              </a:r>
-            </a:p>
-          </p:txBody>
-        </p:sp>
-        <p:sp>
-          <p:nvSpPr>
-            <p:cNvPr id="24" name="TextBox 23">
-              <a:extLst>
-                <a:ext uri="{FF2B5EF4-FFF2-40B4-BE49-F238E27FC236}">
-                  <a16:creationId xmlns:a16="http://schemas.microsoft.com/office/drawing/2014/main" id="{3E606A56-2D95-413E-ADB3-6428DF8D5654}"/>
-                </a:ext>
-              </a:extLst>
-            </p:cNvPr>
-            <p:cNvSpPr txBox="1"/>
-            <p:nvPr/>
-          </p:nvSpPr>
-          <p:spPr>
-            <a:xfrm>
-              <a:off x="2819401" y="3812328"/>
-              <a:ext cx="569388" cy="369332"/>
-            </a:xfrm>
-            <a:prstGeom prst="rect">
-              <a:avLst/>
-            </a:prstGeom>
-            <a:noFill/>
-          </p:spPr>
-          <p:txBody>
-            <a:bodyPr wrap="none" rtlCol="0">
-              <a:spAutoFit/>
-            </a:bodyPr>
-            <a:lstStyle/>
-            <a:p>
-              <a:r>
-                <a:rPr lang="en-US" sz="1800" dirty="0"/>
-                <a:t>220</a:t>
+                <a:t>temporary part</a:t>
               </a:r>
             </a:p>
           </p:txBody>
@@ -16187,7 +16625,7 @@
     </p:spTree>
     <p:extLst>
       <p:ext uri="{BB962C8B-B14F-4D97-AF65-F5344CB8AC3E}">
-        <p14:creationId xmlns:p14="http://schemas.microsoft.com/office/powerpoint/2010/main" val="662683075"/>
+        <p14:creationId xmlns:p14="http://schemas.microsoft.com/office/powerpoint/2010/main" val="2694085045"/>
       </p:ext>
     </p:extLst>
   </p:cSld>
@@ -16367,10 +16805,10 @@
       </p:sp>
       <p:grpSp>
         <p:nvGrpSpPr>
-          <p:cNvPr id="7" name="Group 6">
+          <p:cNvPr id="3" name="Group 2">
             <a:extLst>
               <a:ext uri="{FF2B5EF4-FFF2-40B4-BE49-F238E27FC236}">
-                <a16:creationId xmlns:a16="http://schemas.microsoft.com/office/drawing/2014/main" id="{965E8CA4-0270-49AE-AD5F-58D364151783}"/>
+                <a16:creationId xmlns:a16="http://schemas.microsoft.com/office/drawing/2014/main" id="{0A0ECD9A-7242-45E1-8A0A-C4BE27495EA2}"/>
               </a:ext>
             </a:extLst>
           </p:cNvPr>
@@ -16380,64 +16818,911 @@
         <p:grpSpPr>
           <a:xfrm>
             <a:off x="1676400" y="1981200"/>
-            <a:ext cx="4419600" cy="4023360"/>
+            <a:ext cx="6019800" cy="4023360"/>
             <a:chOff x="1676400" y="1981200"/>
-            <a:chExt cx="4419600" cy="4023360"/>
+            <a:chExt cx="6019800" cy="4023360"/>
           </a:xfrm>
         </p:grpSpPr>
-        <p:sp>
-          <p:nvSpPr>
-            <p:cNvPr id="63" name="Rectangle 4">
+        <p:grpSp>
+          <p:nvGrpSpPr>
+            <p:cNvPr id="7" name="Group 6">
               <a:extLst>
                 <a:ext uri="{FF2B5EF4-FFF2-40B4-BE49-F238E27FC236}">
-                  <a16:creationId xmlns:a16="http://schemas.microsoft.com/office/drawing/2014/main" id="{B5AB0F95-612B-447E-BC0F-F952B486D878}"/>
+                  <a16:creationId xmlns:a16="http://schemas.microsoft.com/office/drawing/2014/main" id="{965E8CA4-0270-49AE-AD5F-58D364151783}"/>
                 </a:ext>
               </a:extLst>
             </p:cNvPr>
-            <p:cNvSpPr>
-              <a:spLocks noChangeArrowheads="1"/>
-            </p:cNvSpPr>
+            <p:cNvGrpSpPr/>
+            <p:nvPr/>
+          </p:nvGrpSpPr>
+          <p:grpSpPr>
+            <a:xfrm>
+              <a:off x="1676400" y="1981200"/>
+              <a:ext cx="4419600" cy="4023360"/>
+              <a:chOff x="1676400" y="1981200"/>
+              <a:chExt cx="4419600" cy="4023360"/>
+            </a:xfrm>
+          </p:grpSpPr>
+          <p:sp>
+            <p:nvSpPr>
+              <p:cNvPr id="63" name="Rectangle 4">
+                <a:extLst>
+                  <a:ext uri="{FF2B5EF4-FFF2-40B4-BE49-F238E27FC236}">
+                    <a16:creationId xmlns:a16="http://schemas.microsoft.com/office/drawing/2014/main" id="{B5AB0F95-612B-447E-BC0F-F952B486D878}"/>
+                  </a:ext>
+                </a:extLst>
+              </p:cNvPr>
+              <p:cNvSpPr>
+                <a:spLocks noChangeArrowheads="1"/>
+              </p:cNvSpPr>
+              <p:nvPr/>
+            </p:nvSpPr>
+            <p:spPr bwMode="auto">
+              <a:xfrm>
+                <a:off x="3429000" y="1981200"/>
+                <a:ext cx="2286000" cy="4023360"/>
+              </a:xfrm>
+              <a:prstGeom prst="rect">
+                <a:avLst/>
+              </a:prstGeom>
+              <a:pattFill prst="pct5">
+                <a:fgClr>
+                  <a:schemeClr val="tx1"/>
+                </a:fgClr>
+                <a:bgClr>
+                  <a:schemeClr val="bg1"/>
+                </a:bgClr>
+              </a:pattFill>
+              <a:ln w="9525">
+                <a:solidFill>
+                  <a:schemeClr val="tx1"/>
+                </a:solidFill>
+                <a:miter lim="800000"/>
+                <a:headEnd/>
+                <a:tailEnd/>
+              </a:ln>
+            </p:spPr>
+            <p:txBody>
+              <a:bodyPr wrap="none" lIns="92075" tIns="46038" rIns="92075" bIns="46038" anchor="ctr"/>
+              <a:lstStyle/>
+              <a:p>
+                <a:endParaRPr lang="en-US" dirty="0"/>
+              </a:p>
+            </p:txBody>
+          </p:sp>
+          <p:sp>
+            <p:nvSpPr>
+              <p:cNvPr id="68" name="TextBox 67">
+                <a:extLst>
+                  <a:ext uri="{FF2B5EF4-FFF2-40B4-BE49-F238E27FC236}">
+                    <a16:creationId xmlns:a16="http://schemas.microsoft.com/office/drawing/2014/main" id="{28BA86A7-17E6-414B-8B9D-E2CC84A29DC9}"/>
+                  </a:ext>
+                </a:extLst>
+              </p:cNvPr>
+              <p:cNvSpPr txBox="1"/>
+              <p:nvPr/>
+            </p:nvSpPr>
+            <p:spPr>
+              <a:xfrm>
+                <a:off x="3427027" y="1981200"/>
+                <a:ext cx="2286000" cy="369332"/>
+              </a:xfrm>
+              <a:prstGeom prst="rect">
+                <a:avLst/>
+              </a:prstGeom>
+              <a:solidFill>
+                <a:schemeClr val="bg1"/>
+              </a:solidFill>
+              <a:ln>
+                <a:solidFill>
+                  <a:schemeClr val="tx1"/>
+                </a:solidFill>
+              </a:ln>
+            </p:spPr>
+            <p:txBody>
+              <a:bodyPr wrap="none" rtlCol="0">
+                <a:noAutofit/>
+              </a:bodyPr>
+              <a:lstStyle/>
+              <a:p>
+                <a:pPr marL="91440" algn="l"/>
+                <a:r>
+                  <a:rPr lang="en-US" sz="1800" dirty="0"/>
+                  <a:t>dynamic link</a:t>
+                </a:r>
+              </a:p>
+            </p:txBody>
+          </p:sp>
+          <p:sp>
+            <p:nvSpPr>
+              <p:cNvPr id="69" name="TextBox 68">
+                <a:extLst>
+                  <a:ext uri="{FF2B5EF4-FFF2-40B4-BE49-F238E27FC236}">
+                    <a16:creationId xmlns:a16="http://schemas.microsoft.com/office/drawing/2014/main" id="{E2D64B75-6D6C-4DA6-A677-6C13279C8E15}"/>
+                  </a:ext>
+                </a:extLst>
+              </p:cNvPr>
+              <p:cNvSpPr txBox="1"/>
+              <p:nvPr/>
+            </p:nvSpPr>
+            <p:spPr>
+              <a:xfrm>
+                <a:off x="3427027" y="2351884"/>
+                <a:ext cx="2286000" cy="369332"/>
+              </a:xfrm>
+              <a:prstGeom prst="rect">
+                <a:avLst/>
+              </a:prstGeom>
+              <a:solidFill>
+                <a:schemeClr val="bg1"/>
+              </a:solidFill>
+              <a:ln>
+                <a:solidFill>
+                  <a:schemeClr val="tx1"/>
+                </a:solidFill>
+              </a:ln>
+            </p:spPr>
+            <p:txBody>
+              <a:bodyPr wrap="none" rtlCol="0">
+                <a:noAutofit/>
+              </a:bodyPr>
+              <a:lstStyle/>
+              <a:p>
+                <a:pPr marL="91440" algn="l"/>
+                <a:r>
+                  <a:rPr lang="en-US" sz="1800" dirty="0"/>
+                  <a:t>return address</a:t>
+                </a:r>
+              </a:p>
+            </p:txBody>
+          </p:sp>
+          <p:sp>
+            <p:nvSpPr>
+              <p:cNvPr id="70" name="TextBox 69">
+                <a:extLst>
+                  <a:ext uri="{FF2B5EF4-FFF2-40B4-BE49-F238E27FC236}">
+                    <a16:creationId xmlns:a16="http://schemas.microsoft.com/office/drawing/2014/main" id="{F2F7C5DF-6D2D-4543-B6E0-B18D4217F52E}"/>
+                  </a:ext>
+                </a:extLst>
+              </p:cNvPr>
+              <p:cNvSpPr txBox="1"/>
+              <p:nvPr/>
+            </p:nvSpPr>
+            <p:spPr>
+              <a:xfrm>
+                <a:off x="3427027" y="2722567"/>
+                <a:ext cx="2286000" cy="369332"/>
+              </a:xfrm>
+              <a:prstGeom prst="rect">
+                <a:avLst/>
+              </a:prstGeom>
+              <a:solidFill>
+                <a:schemeClr val="bg1"/>
+              </a:solidFill>
+              <a:ln>
+                <a:solidFill>
+                  <a:schemeClr val="tx1"/>
+                </a:solidFill>
+              </a:ln>
+            </p:spPr>
+            <p:txBody>
+              <a:bodyPr wrap="none" rtlCol="0">
+                <a:noAutofit/>
+              </a:bodyPr>
+              <a:lstStyle/>
+              <a:p>
+                <a:pPr marL="91440" algn="l"/>
+                <a:endParaRPr lang="en-US" sz="1800" dirty="0"/>
+              </a:p>
+            </p:txBody>
+          </p:sp>
+          <p:sp>
+            <p:nvSpPr>
+              <p:cNvPr id="72" name="TextBox 71">
+                <a:extLst>
+                  <a:ext uri="{FF2B5EF4-FFF2-40B4-BE49-F238E27FC236}">
+                    <a16:creationId xmlns:a16="http://schemas.microsoft.com/office/drawing/2014/main" id="{9599E4DD-7C5B-475F-806B-F0058F4ECE0F}"/>
+                  </a:ext>
+                </a:extLst>
+              </p:cNvPr>
+              <p:cNvSpPr txBox="1"/>
+              <p:nvPr/>
+            </p:nvSpPr>
+            <p:spPr>
+              <a:xfrm>
+                <a:off x="2819400" y="1988771"/>
+                <a:ext cx="569388" cy="369332"/>
+              </a:xfrm>
+              <a:prstGeom prst="rect">
+                <a:avLst/>
+              </a:prstGeom>
+              <a:noFill/>
+            </p:spPr>
+            <p:txBody>
+              <a:bodyPr wrap="none" rtlCol="0">
+                <a:spAutoFit/>
+              </a:bodyPr>
+              <a:lstStyle/>
+              <a:p>
+                <a:r>
+                  <a:rPr lang="en-US" sz="1800" dirty="0"/>
+                  <a:t>200</a:t>
+                </a:r>
+              </a:p>
+            </p:txBody>
+          </p:sp>
+          <p:sp>
+            <p:nvSpPr>
+              <p:cNvPr id="73" name="TextBox 72">
+                <a:extLst>
+                  <a:ext uri="{FF2B5EF4-FFF2-40B4-BE49-F238E27FC236}">
+                    <a16:creationId xmlns:a16="http://schemas.microsoft.com/office/drawing/2014/main" id="{7D5F371E-A21E-4C6E-A0B0-A42812DA92BB}"/>
+                  </a:ext>
+                </a:extLst>
+              </p:cNvPr>
+              <p:cNvSpPr txBox="1"/>
+              <p:nvPr/>
+            </p:nvSpPr>
+            <p:spPr>
+              <a:xfrm>
+                <a:off x="2819401" y="2354133"/>
+                <a:ext cx="569387" cy="369332"/>
+              </a:xfrm>
+              <a:prstGeom prst="rect">
+                <a:avLst/>
+              </a:prstGeom>
+              <a:noFill/>
+            </p:spPr>
+            <p:txBody>
+              <a:bodyPr wrap="none" rtlCol="0">
+                <a:spAutoFit/>
+              </a:bodyPr>
+              <a:lstStyle/>
+              <a:p>
+                <a:r>
+                  <a:rPr lang="en-US" sz="1800" dirty="0"/>
+                  <a:t>204</a:t>
+                </a:r>
+              </a:p>
+            </p:txBody>
+          </p:sp>
+          <p:sp>
+            <p:nvSpPr>
+              <p:cNvPr id="74" name="TextBox 73">
+                <a:extLst>
+                  <a:ext uri="{FF2B5EF4-FFF2-40B4-BE49-F238E27FC236}">
+                    <a16:creationId xmlns:a16="http://schemas.microsoft.com/office/drawing/2014/main" id="{314D2A39-5609-4923-AA08-AB9FB75E8DD8}"/>
+                  </a:ext>
+                </a:extLst>
+              </p:cNvPr>
+              <p:cNvSpPr txBox="1"/>
+              <p:nvPr/>
+            </p:nvSpPr>
+            <p:spPr>
+              <a:xfrm>
+                <a:off x="2819400" y="2719495"/>
+                <a:ext cx="569388" cy="369332"/>
+              </a:xfrm>
+              <a:prstGeom prst="rect">
+                <a:avLst/>
+              </a:prstGeom>
+              <a:noFill/>
+            </p:spPr>
+            <p:txBody>
+              <a:bodyPr wrap="none" rtlCol="0">
+                <a:spAutoFit/>
+              </a:bodyPr>
+              <a:lstStyle/>
+              <a:p>
+                <a:r>
+                  <a:rPr lang="en-US" sz="1800" dirty="0"/>
+                  <a:t>208</a:t>
+                </a:r>
+              </a:p>
+            </p:txBody>
+          </p:sp>
+          <p:sp>
+            <p:nvSpPr>
+              <p:cNvPr id="76" name="TextBox 75">
+                <a:extLst>
+                  <a:ext uri="{FF2B5EF4-FFF2-40B4-BE49-F238E27FC236}">
+                    <a16:creationId xmlns:a16="http://schemas.microsoft.com/office/drawing/2014/main" id="{03FC58D0-0DFB-41BF-B004-B8A24DF19F40}"/>
+                  </a:ext>
+                </a:extLst>
+              </p:cNvPr>
+              <p:cNvSpPr txBox="1"/>
+              <p:nvPr/>
+            </p:nvSpPr>
+            <p:spPr>
+              <a:xfrm>
+                <a:off x="5791200" y="2710509"/>
+                <a:ext cx="300083" cy="369332"/>
+              </a:xfrm>
+              <a:prstGeom prst="rect">
+                <a:avLst/>
+              </a:prstGeom>
+              <a:noFill/>
+            </p:spPr>
+            <p:txBody>
+              <a:bodyPr wrap="none" rtlCol="0">
+                <a:spAutoFit/>
+              </a:bodyPr>
+              <a:lstStyle/>
+              <a:p>
+                <a:r>
+                  <a:rPr lang="en-US" sz="1800" dirty="0"/>
+                  <a:t>x</a:t>
+                </a:r>
+              </a:p>
+            </p:txBody>
+          </p:sp>
+          <p:sp>
+            <p:nvSpPr>
+              <p:cNvPr id="77" name="TextBox 76">
+                <a:extLst>
+                  <a:ext uri="{FF2B5EF4-FFF2-40B4-BE49-F238E27FC236}">
+                    <a16:creationId xmlns:a16="http://schemas.microsoft.com/office/drawing/2014/main" id="{62061F1D-676D-43D4-B9CA-DB52FB119596}"/>
+                  </a:ext>
+                </a:extLst>
+              </p:cNvPr>
+              <p:cNvSpPr txBox="1"/>
+              <p:nvPr/>
+            </p:nvSpPr>
+            <p:spPr>
+              <a:xfrm>
+                <a:off x="5795918" y="3081440"/>
+                <a:ext cx="300082" cy="369332"/>
+              </a:xfrm>
+              <a:prstGeom prst="rect">
+                <a:avLst/>
+              </a:prstGeom>
+              <a:noFill/>
+            </p:spPr>
+            <p:txBody>
+              <a:bodyPr wrap="none" rtlCol="0">
+                <a:spAutoFit/>
+              </a:bodyPr>
+              <a:lstStyle/>
+              <a:p>
+                <a:r>
+                  <a:rPr lang="en-US" sz="1800" dirty="0"/>
+                  <a:t>y</a:t>
+                </a:r>
+              </a:p>
+            </p:txBody>
+          </p:sp>
+          <p:sp>
+            <p:nvSpPr>
+              <p:cNvPr id="21" name="TextBox 20">
+                <a:extLst>
+                  <a:ext uri="{FF2B5EF4-FFF2-40B4-BE49-F238E27FC236}">
+                    <a16:creationId xmlns:a16="http://schemas.microsoft.com/office/drawing/2014/main" id="{AB841B8B-8949-425B-86CF-937F49018DBE}"/>
+                  </a:ext>
+                </a:extLst>
+              </p:cNvPr>
+              <p:cNvSpPr txBox="1"/>
+              <p:nvPr/>
+            </p:nvSpPr>
+            <p:spPr>
+              <a:xfrm>
+                <a:off x="1676400" y="1988771"/>
+                <a:ext cx="492443" cy="369332"/>
+              </a:xfrm>
+              <a:prstGeom prst="rect">
+                <a:avLst/>
+              </a:prstGeom>
+              <a:noFill/>
+            </p:spPr>
+            <p:txBody>
+              <a:bodyPr wrap="none" rtlCol="0">
+                <a:spAutoFit/>
+              </a:bodyPr>
+              <a:lstStyle/>
+              <a:p>
+                <a:r>
+                  <a:rPr lang="en-US" sz="1800" dirty="0"/>
+                  <a:t>BP</a:t>
+                </a:r>
+              </a:p>
+            </p:txBody>
+          </p:sp>
+          <p:sp>
+            <p:nvSpPr>
+              <p:cNvPr id="22" name="TextBox 21">
+                <a:extLst>
+                  <a:ext uri="{FF2B5EF4-FFF2-40B4-BE49-F238E27FC236}">
+                    <a16:creationId xmlns:a16="http://schemas.microsoft.com/office/drawing/2014/main" id="{5C971F6B-A50E-44FF-8236-6A6813B34770}"/>
+                  </a:ext>
+                </a:extLst>
+              </p:cNvPr>
+              <p:cNvSpPr txBox="1"/>
+              <p:nvPr/>
+            </p:nvSpPr>
+            <p:spPr>
+              <a:xfrm>
+                <a:off x="1676400" y="4180945"/>
+                <a:ext cx="492443" cy="369332"/>
+              </a:xfrm>
+              <a:prstGeom prst="rect">
+                <a:avLst/>
+              </a:prstGeom>
+              <a:noFill/>
+            </p:spPr>
+            <p:txBody>
+              <a:bodyPr wrap="none" rtlCol="0">
+                <a:spAutoFit/>
+              </a:bodyPr>
+              <a:lstStyle/>
+              <a:p>
+                <a:r>
+                  <a:rPr lang="en-US" sz="1800" dirty="0"/>
+                  <a:t>SP</a:t>
+                </a:r>
+              </a:p>
+            </p:txBody>
+          </p:sp>
+          <p:cxnSp>
+            <p:nvCxnSpPr>
+              <p:cNvPr id="6" name="Straight Arrow Connector 5">
+                <a:extLst>
+                  <a:ext uri="{FF2B5EF4-FFF2-40B4-BE49-F238E27FC236}">
+                    <a16:creationId xmlns:a16="http://schemas.microsoft.com/office/drawing/2014/main" id="{0A106FBB-345C-44C4-9643-9EAD3CCD65A3}"/>
+                  </a:ext>
+                </a:extLst>
+              </p:cNvPr>
+              <p:cNvCxnSpPr>
+                <a:cxnSpLocks/>
+                <a:stCxn id="21" idx="3"/>
+                <a:endCxn id="72" idx="1"/>
+              </p:cNvCxnSpPr>
+              <p:nvPr/>
+            </p:nvCxnSpPr>
+            <p:spPr bwMode="auto">
+              <a:xfrm>
+                <a:off x="2168843" y="2173437"/>
+                <a:ext cx="650557" cy="0"/>
+              </a:xfrm>
+              <a:prstGeom prst="straightConnector1">
+                <a:avLst/>
+              </a:prstGeom>
+              <a:noFill/>
+              <a:ln w="9525" cap="flat" cmpd="sng" algn="ctr">
+                <a:solidFill>
+                  <a:schemeClr val="tx1"/>
+                </a:solidFill>
+                <a:prstDash val="solid"/>
+                <a:round/>
+                <a:headEnd type="none" w="med" len="med"/>
+                <a:tailEnd type="triangle"/>
+              </a:ln>
+              <a:effectLst/>
+            </p:spPr>
+          </p:cxnSp>
+          <p:cxnSp>
+            <p:nvCxnSpPr>
+              <p:cNvPr id="8" name="Straight Arrow Connector 7">
+                <a:extLst>
+                  <a:ext uri="{FF2B5EF4-FFF2-40B4-BE49-F238E27FC236}">
+                    <a16:creationId xmlns:a16="http://schemas.microsoft.com/office/drawing/2014/main" id="{A9C85EE5-732F-429A-900E-1B7B21758369}"/>
+                  </a:ext>
+                </a:extLst>
+              </p:cNvPr>
+              <p:cNvCxnSpPr>
+                <a:cxnSpLocks/>
+                <a:stCxn id="22" idx="3"/>
+                <a:endCxn id="32" idx="1"/>
+              </p:cNvCxnSpPr>
+              <p:nvPr/>
+            </p:nvCxnSpPr>
+            <p:spPr bwMode="auto">
+              <a:xfrm>
+                <a:off x="2168843" y="4365611"/>
+                <a:ext cx="650557" cy="0"/>
+              </a:xfrm>
+              <a:prstGeom prst="straightConnector1">
+                <a:avLst/>
+              </a:prstGeom>
+              <a:noFill/>
+              <a:ln w="9525" cap="flat" cmpd="sng" algn="ctr">
+                <a:solidFill>
+                  <a:schemeClr val="tx1"/>
+                </a:solidFill>
+                <a:prstDash val="solid"/>
+                <a:round/>
+                <a:headEnd type="none" w="med" len="med"/>
+                <a:tailEnd type="triangle"/>
+              </a:ln>
+              <a:effectLst/>
+            </p:spPr>
+          </p:cxnSp>
+          <p:sp>
+            <p:nvSpPr>
+              <p:cNvPr id="28" name="TextBox 27">
+                <a:extLst>
+                  <a:ext uri="{FF2B5EF4-FFF2-40B4-BE49-F238E27FC236}">
+                    <a16:creationId xmlns:a16="http://schemas.microsoft.com/office/drawing/2014/main" id="{19D5125A-908B-4812-91D8-0C630BA2F87E}"/>
+                  </a:ext>
+                </a:extLst>
+              </p:cNvPr>
+              <p:cNvSpPr txBox="1"/>
+              <p:nvPr/>
+            </p:nvSpPr>
+            <p:spPr>
+              <a:xfrm>
+                <a:off x="3427027" y="3091899"/>
+                <a:ext cx="2286000" cy="369332"/>
+              </a:xfrm>
+              <a:prstGeom prst="rect">
+                <a:avLst/>
+              </a:prstGeom>
+              <a:solidFill>
+                <a:schemeClr val="bg1"/>
+              </a:solidFill>
+              <a:ln>
+                <a:solidFill>
+                  <a:schemeClr val="tx1"/>
+                </a:solidFill>
+              </a:ln>
+            </p:spPr>
+            <p:txBody>
+              <a:bodyPr wrap="none" rtlCol="0">
+                <a:noAutofit/>
+              </a:bodyPr>
+              <a:lstStyle/>
+              <a:p>
+                <a:pPr marL="91440" algn="l"/>
+                <a:r>
+                  <a:rPr lang="en-US" sz="1800" dirty="0"/>
+                  <a:t>6</a:t>
+                </a:r>
+              </a:p>
+            </p:txBody>
+          </p:sp>
+          <p:sp>
+            <p:nvSpPr>
+              <p:cNvPr id="29" name="TextBox 28">
+                <a:extLst>
+                  <a:ext uri="{FF2B5EF4-FFF2-40B4-BE49-F238E27FC236}">
+                    <a16:creationId xmlns:a16="http://schemas.microsoft.com/office/drawing/2014/main" id="{5EEA69FA-6414-4647-BC93-6FD115E6F199}"/>
+                  </a:ext>
+                </a:extLst>
+              </p:cNvPr>
+              <p:cNvSpPr txBox="1"/>
+              <p:nvPr/>
+            </p:nvSpPr>
+            <p:spPr>
+              <a:xfrm>
+                <a:off x="2819400" y="3084857"/>
+                <a:ext cx="569388" cy="369332"/>
+              </a:xfrm>
+              <a:prstGeom prst="rect">
+                <a:avLst/>
+              </a:prstGeom>
+              <a:noFill/>
+            </p:spPr>
+            <p:txBody>
+              <a:bodyPr wrap="none" rtlCol="0">
+                <a:spAutoFit/>
+              </a:bodyPr>
+              <a:lstStyle/>
+              <a:p>
+                <a:r>
+                  <a:rPr lang="en-US" sz="1800" dirty="0"/>
+                  <a:t>212</a:t>
+                </a:r>
+              </a:p>
+            </p:txBody>
+          </p:sp>
+          <p:sp>
+            <p:nvSpPr>
+              <p:cNvPr id="30" name="TextBox 29">
+                <a:extLst>
+                  <a:ext uri="{FF2B5EF4-FFF2-40B4-BE49-F238E27FC236}">
+                    <a16:creationId xmlns:a16="http://schemas.microsoft.com/office/drawing/2014/main" id="{D71C7B3F-2738-4421-AAD1-B7BA92B38C7F}"/>
+                  </a:ext>
+                </a:extLst>
+              </p:cNvPr>
+              <p:cNvSpPr txBox="1"/>
+              <p:nvPr/>
+            </p:nvSpPr>
+            <p:spPr>
+              <a:xfrm>
+                <a:off x="3427027" y="3461231"/>
+                <a:ext cx="2286000" cy="369332"/>
+              </a:xfrm>
+              <a:prstGeom prst="rect">
+                <a:avLst/>
+              </a:prstGeom>
+              <a:solidFill>
+                <a:schemeClr val="bg1"/>
+              </a:solidFill>
+              <a:ln>
+                <a:solidFill>
+                  <a:schemeClr val="tx1"/>
+                </a:solidFill>
+              </a:ln>
+            </p:spPr>
+            <p:txBody>
+              <a:bodyPr wrap="none" rtlCol="0">
+                <a:noAutofit/>
+              </a:bodyPr>
+              <a:lstStyle/>
+              <a:p>
+                <a:pPr marL="91440" algn="l"/>
+                <a:r>
+                  <a:rPr lang="en-US" sz="1800" dirty="0"/>
+                  <a:t>208 (address of x)</a:t>
+                </a:r>
+              </a:p>
+            </p:txBody>
+          </p:sp>
+          <p:sp>
+            <p:nvSpPr>
+              <p:cNvPr id="31" name="TextBox 30">
+                <a:extLst>
+                  <a:ext uri="{FF2B5EF4-FFF2-40B4-BE49-F238E27FC236}">
+                    <a16:creationId xmlns:a16="http://schemas.microsoft.com/office/drawing/2014/main" id="{E6A72BF6-7B5B-4673-95A5-AD06EE024B99}"/>
+                  </a:ext>
+                </a:extLst>
+              </p:cNvPr>
+              <p:cNvSpPr txBox="1"/>
+              <p:nvPr/>
+            </p:nvSpPr>
+            <p:spPr>
+              <a:xfrm>
+                <a:off x="2819400" y="3450219"/>
+                <a:ext cx="569388" cy="369332"/>
+              </a:xfrm>
+              <a:prstGeom prst="rect">
+                <a:avLst/>
+              </a:prstGeom>
+              <a:noFill/>
+            </p:spPr>
+            <p:txBody>
+              <a:bodyPr wrap="none" rtlCol="0">
+                <a:spAutoFit/>
+              </a:bodyPr>
+              <a:lstStyle/>
+              <a:p>
+                <a:r>
+                  <a:rPr lang="en-US" sz="1800" dirty="0"/>
+                  <a:t>216</a:t>
+                </a:r>
+              </a:p>
+            </p:txBody>
+          </p:sp>
+          <p:sp>
+            <p:nvSpPr>
+              <p:cNvPr id="23" name="TextBox 22">
+                <a:extLst>
+                  <a:ext uri="{FF2B5EF4-FFF2-40B4-BE49-F238E27FC236}">
+                    <a16:creationId xmlns:a16="http://schemas.microsoft.com/office/drawing/2014/main" id="{DB27667B-2D24-4EAD-845F-63661F64AA22}"/>
+                  </a:ext>
+                </a:extLst>
+              </p:cNvPr>
+              <p:cNvSpPr txBox="1"/>
+              <p:nvPr/>
+            </p:nvSpPr>
+            <p:spPr>
+              <a:xfrm>
+                <a:off x="3427027" y="3808791"/>
+                <a:ext cx="2286000" cy="369332"/>
+              </a:xfrm>
+              <a:prstGeom prst="rect">
+                <a:avLst/>
+              </a:prstGeom>
+              <a:solidFill>
+                <a:schemeClr val="bg1"/>
+              </a:solidFill>
+              <a:ln>
+                <a:solidFill>
+                  <a:schemeClr val="tx1"/>
+                </a:solidFill>
+              </a:ln>
+            </p:spPr>
+            <p:txBody>
+              <a:bodyPr wrap="none" rtlCol="0">
+                <a:noAutofit/>
+              </a:bodyPr>
+              <a:lstStyle/>
+              <a:p>
+                <a:pPr marL="91440" algn="l"/>
+                <a:r>
+                  <a:rPr lang="en-US" sz="1800" dirty="0"/>
+                  <a:t>6 (value of y)</a:t>
+                </a:r>
+              </a:p>
+            </p:txBody>
+          </p:sp>
+          <p:sp>
+            <p:nvSpPr>
+              <p:cNvPr id="24" name="TextBox 23">
+                <a:extLst>
+                  <a:ext uri="{FF2B5EF4-FFF2-40B4-BE49-F238E27FC236}">
+                    <a16:creationId xmlns:a16="http://schemas.microsoft.com/office/drawing/2014/main" id="{3E606A56-2D95-413E-ADB3-6428DF8D5654}"/>
+                  </a:ext>
+                </a:extLst>
+              </p:cNvPr>
+              <p:cNvSpPr txBox="1"/>
+              <p:nvPr/>
+            </p:nvSpPr>
+            <p:spPr>
+              <a:xfrm>
+                <a:off x="2819400" y="3815581"/>
+                <a:ext cx="569388" cy="369332"/>
+              </a:xfrm>
+              <a:prstGeom prst="rect">
+                <a:avLst/>
+              </a:prstGeom>
+              <a:noFill/>
+            </p:spPr>
+            <p:txBody>
+              <a:bodyPr wrap="none" rtlCol="0">
+                <a:spAutoFit/>
+              </a:bodyPr>
+              <a:lstStyle/>
+              <a:p>
+                <a:r>
+                  <a:rPr lang="en-US" sz="1800" dirty="0"/>
+                  <a:t>220</a:t>
+                </a:r>
+              </a:p>
+            </p:txBody>
+          </p:sp>
+          <p:sp>
+            <p:nvSpPr>
+              <p:cNvPr id="26" name="TextBox 25">
+                <a:extLst>
+                  <a:ext uri="{FF2B5EF4-FFF2-40B4-BE49-F238E27FC236}">
+                    <a16:creationId xmlns:a16="http://schemas.microsoft.com/office/drawing/2014/main" id="{274A75B1-0F48-410D-9F86-C665AFC0C644}"/>
+                  </a:ext>
+                </a:extLst>
+              </p:cNvPr>
+              <p:cNvSpPr txBox="1"/>
+              <p:nvPr/>
+            </p:nvSpPr>
+            <p:spPr>
+              <a:xfrm>
+                <a:off x="3427027" y="4178897"/>
+                <a:ext cx="2286000" cy="369332"/>
+              </a:xfrm>
+              <a:prstGeom prst="rect">
+                <a:avLst/>
+              </a:prstGeom>
+              <a:solidFill>
+                <a:schemeClr val="bg1"/>
+              </a:solidFill>
+              <a:ln>
+                <a:solidFill>
+                  <a:schemeClr val="tx1"/>
+                </a:solidFill>
+              </a:ln>
+            </p:spPr>
+            <p:txBody>
+              <a:bodyPr wrap="none" rtlCol="0">
+                <a:noAutofit/>
+              </a:bodyPr>
+              <a:lstStyle/>
+              <a:p>
+                <a:pPr marL="91440" algn="l"/>
+                <a:r>
+                  <a:rPr lang="en-US" sz="1800" dirty="0"/>
+                  <a:t>1 (constant integer)</a:t>
+                </a:r>
+              </a:p>
+            </p:txBody>
+          </p:sp>
+          <p:sp>
+            <p:nvSpPr>
+              <p:cNvPr id="32" name="TextBox 31">
+                <a:extLst>
+                  <a:ext uri="{FF2B5EF4-FFF2-40B4-BE49-F238E27FC236}">
+                    <a16:creationId xmlns:a16="http://schemas.microsoft.com/office/drawing/2014/main" id="{3C5E5336-C55D-48B4-B85F-9B94C1047CC2}"/>
+                  </a:ext>
+                </a:extLst>
+              </p:cNvPr>
+              <p:cNvSpPr txBox="1"/>
+              <p:nvPr/>
+            </p:nvSpPr>
+            <p:spPr>
+              <a:xfrm>
+                <a:off x="2819400" y="4180945"/>
+                <a:ext cx="569388" cy="369332"/>
+              </a:xfrm>
+              <a:prstGeom prst="rect">
+                <a:avLst/>
+              </a:prstGeom>
+              <a:noFill/>
+            </p:spPr>
+            <p:txBody>
+              <a:bodyPr wrap="none" rtlCol="0">
+                <a:spAutoFit/>
+              </a:bodyPr>
+              <a:lstStyle/>
+              <a:p>
+                <a:r>
+                  <a:rPr lang="en-US" sz="1800" dirty="0"/>
+                  <a:t>224</a:t>
+                </a:r>
+              </a:p>
+            </p:txBody>
+          </p:sp>
+        </p:grpSp>
+        <p:sp>
+          <p:nvSpPr>
+            <p:cNvPr id="33" name="Right Brace 32">
+              <a:extLst>
+                <a:ext uri="{FF2B5EF4-FFF2-40B4-BE49-F238E27FC236}">
+                  <a16:creationId xmlns:a16="http://schemas.microsoft.com/office/drawing/2014/main" id="{2AE0427C-F749-4D1F-A1A9-F5AAFE6995EC}"/>
+                </a:ext>
+              </a:extLst>
+            </p:cNvPr>
+            <p:cNvSpPr/>
             <p:nvPr/>
           </p:nvSpPr>
           <p:spPr bwMode="auto">
             <a:xfrm>
-              <a:off x="3429000" y="1981200"/>
-              <a:ext cx="2286000" cy="4023360"/>
+              <a:off x="5867400" y="3466788"/>
+              <a:ext cx="152400" cy="1097280"/>
             </a:xfrm>
-            <a:prstGeom prst="rect">
+            <a:prstGeom prst="rightBrace">
               <a:avLst/>
             </a:prstGeom>
-            <a:pattFill prst="pct5">
-              <a:fgClr>
-                <a:schemeClr val="tx1"/>
-              </a:fgClr>
-              <a:bgClr>
-                <a:schemeClr val="bg1"/>
-              </a:bgClr>
-            </a:pattFill>
-            <a:ln w="9525">
+            <a:noFill/>
+            <a:ln w="9525" cap="flat" cmpd="sng" algn="ctr">
               <a:solidFill>
                 <a:schemeClr val="tx1"/>
               </a:solidFill>
-              <a:miter lim="800000"/>
-              <a:headEnd/>
-              <a:tailEnd/>
+              <a:prstDash val="solid"/>
+              <a:round/>
+              <a:headEnd type="none" w="med" len="med"/>
+              <a:tailEnd type="none" w="med" len="med"/>
             </a:ln>
+            <a:effectLst/>
           </p:spPr>
           <p:txBody>
-            <a:bodyPr wrap="none" lIns="92075" tIns="46038" rIns="92075" bIns="46038" anchor="ctr"/>
+            <a:bodyPr vert="horz" wrap="none" lIns="92075" tIns="46038" rIns="92075" bIns="46038" numCol="1" rtlCol="0" anchor="ctr" anchorCtr="0" compatLnSpc="1">
+              <a:prstTxWarp prst="textNoShape">
+                <a:avLst/>
+              </a:prstTxWarp>
+            </a:bodyPr>
             <a:lstStyle/>
             <a:p>
-              <a:endParaRPr lang="en-US" dirty="0"/>
+              <a:pPr marL="0" marR="0" indent="0" algn="ctr" defTabSz="914400" rtl="0" eaLnBrk="0" fontAlgn="base" latinLnBrk="0" hangingPunct="0">
+                <a:lnSpc>
+                  <a:spcPct val="100000"/>
+                </a:lnSpc>
+                <a:spcBef>
+                  <a:spcPct val="0"/>
+                </a:spcBef>
+                <a:spcAft>
+                  <a:spcPct val="0"/>
+                </a:spcAft>
+                <a:buClrTx/>
+                <a:buSzTx/>
+                <a:buFontTx/>
+                <a:buNone/>
+                <a:tabLst/>
+              </a:pPr>
+              <a:endParaRPr kumimoji="0" lang="en-US" sz="2400" b="0" i="0" u="none" strike="noStrike" cap="none" normalizeH="0" baseline="0">
+                <a:ln>
+                  <a:noFill/>
+                </a:ln>
+                <a:solidFill>
+                  <a:schemeClr val="tx1"/>
+                </a:solidFill>
+                <a:effectLst/>
+                <a:latin typeface="Arial" charset="0"/>
+              </a:endParaRPr>
             </a:p>
           </p:txBody>
         </p:sp>
         <p:sp>
           <p:nvSpPr>
-            <p:cNvPr id="68" name="TextBox 67">
+            <p:cNvPr id="34" name="TextBox 33">
               <a:extLst>
                 <a:ext uri="{FF2B5EF4-FFF2-40B4-BE49-F238E27FC236}">
-                  <a16:creationId xmlns:a16="http://schemas.microsoft.com/office/drawing/2014/main" id="{28BA86A7-17E6-414B-8B9D-E2CC84A29DC9}"/>
+                  <a16:creationId xmlns:a16="http://schemas.microsoft.com/office/drawing/2014/main" id="{562A2224-7E03-4D43-A5D1-765CCE499E93}"/>
                 </a:ext>
               </a:extLst>
             </p:cNvPr>
@@ -16446,134 +17731,8 @@
           </p:nvSpPr>
           <p:spPr>
             <a:xfrm>
-              <a:off x="3427027" y="1981200"/>
-              <a:ext cx="2286000" cy="369332"/>
-            </a:xfrm>
-            <a:prstGeom prst="rect">
-              <a:avLst/>
-            </a:prstGeom>
-            <a:solidFill>
-              <a:schemeClr val="bg1"/>
-            </a:solidFill>
-            <a:ln>
-              <a:solidFill>
-                <a:schemeClr val="tx1"/>
-              </a:solidFill>
-            </a:ln>
-          </p:spPr>
-          <p:txBody>
-            <a:bodyPr wrap="none" rtlCol="0">
-              <a:noAutofit/>
-            </a:bodyPr>
-            <a:lstStyle/>
-            <a:p>
-              <a:pPr marL="91440" algn="l"/>
-              <a:r>
-                <a:rPr lang="en-US" sz="1800" dirty="0"/>
-                <a:t>dynamic link</a:t>
-              </a:r>
-            </a:p>
-          </p:txBody>
-        </p:sp>
-        <p:sp>
-          <p:nvSpPr>
-            <p:cNvPr id="69" name="TextBox 68">
-              <a:extLst>
-                <a:ext uri="{FF2B5EF4-FFF2-40B4-BE49-F238E27FC236}">
-                  <a16:creationId xmlns:a16="http://schemas.microsoft.com/office/drawing/2014/main" id="{E2D64B75-6D6C-4DA6-A677-6C13279C8E15}"/>
-                </a:ext>
-              </a:extLst>
-            </p:cNvPr>
-            <p:cNvSpPr txBox="1"/>
-            <p:nvPr/>
-          </p:nvSpPr>
-          <p:spPr>
-            <a:xfrm>
-              <a:off x="3427027" y="2351884"/>
-              <a:ext cx="2286000" cy="369332"/>
-            </a:xfrm>
-            <a:prstGeom prst="rect">
-              <a:avLst/>
-            </a:prstGeom>
-            <a:solidFill>
-              <a:schemeClr val="bg1"/>
-            </a:solidFill>
-            <a:ln>
-              <a:solidFill>
-                <a:schemeClr val="tx1"/>
-              </a:solidFill>
-            </a:ln>
-          </p:spPr>
-          <p:txBody>
-            <a:bodyPr wrap="none" rtlCol="0">
-              <a:noAutofit/>
-            </a:bodyPr>
-            <a:lstStyle/>
-            <a:p>
-              <a:pPr marL="91440" algn="l"/>
-              <a:r>
-                <a:rPr lang="en-US" sz="1800" dirty="0"/>
-                <a:t>return address</a:t>
-              </a:r>
-            </a:p>
-          </p:txBody>
-        </p:sp>
-        <p:sp>
-          <p:nvSpPr>
-            <p:cNvPr id="70" name="TextBox 69">
-              <a:extLst>
-                <a:ext uri="{FF2B5EF4-FFF2-40B4-BE49-F238E27FC236}">
-                  <a16:creationId xmlns:a16="http://schemas.microsoft.com/office/drawing/2014/main" id="{F2F7C5DF-6D2D-4543-B6E0-B18D4217F52E}"/>
-                </a:ext>
-              </a:extLst>
-            </p:cNvPr>
-            <p:cNvSpPr txBox="1"/>
-            <p:nvPr/>
-          </p:nvSpPr>
-          <p:spPr>
-            <a:xfrm>
-              <a:off x="3427027" y="2722567"/>
-              <a:ext cx="2286000" cy="369332"/>
-            </a:xfrm>
-            <a:prstGeom prst="rect">
-              <a:avLst/>
-            </a:prstGeom>
-            <a:solidFill>
-              <a:schemeClr val="bg1"/>
-            </a:solidFill>
-            <a:ln>
-              <a:solidFill>
-                <a:schemeClr val="tx1"/>
-              </a:solidFill>
-            </a:ln>
-          </p:spPr>
-          <p:txBody>
-            <a:bodyPr wrap="none" rtlCol="0">
-              <a:noAutofit/>
-            </a:bodyPr>
-            <a:lstStyle/>
-            <a:p>
-              <a:pPr marL="91440" algn="l"/>
-              <a:endParaRPr lang="en-US" sz="1800" dirty="0"/>
-            </a:p>
-          </p:txBody>
-        </p:sp>
-        <p:sp>
-          <p:nvSpPr>
-            <p:cNvPr id="72" name="TextBox 71">
-              <a:extLst>
-                <a:ext uri="{FF2B5EF4-FFF2-40B4-BE49-F238E27FC236}">
-                  <a16:creationId xmlns:a16="http://schemas.microsoft.com/office/drawing/2014/main" id="{9599E4DD-7C5B-475F-806B-F0058F4ECE0F}"/>
-                </a:ext>
-              </a:extLst>
-            </p:cNvPr>
-            <p:cNvSpPr txBox="1"/>
-            <p:nvPr/>
-          </p:nvSpPr>
-          <p:spPr>
-            <a:xfrm>
-              <a:off x="2819400" y="1988771"/>
-              <a:ext cx="569388" cy="369332"/>
+              <a:off x="6011123" y="3830762"/>
+              <a:ext cx="1685077" cy="369332"/>
             </a:xfrm>
             <a:prstGeom prst="rect">
               <a:avLst/>
@@ -16588,603 +17747,7 @@
             <a:p>
               <a:r>
                 <a:rPr lang="en-US" sz="1800" dirty="0"/>
-                <a:t>200</a:t>
-              </a:r>
-            </a:p>
-          </p:txBody>
-        </p:sp>
-        <p:sp>
-          <p:nvSpPr>
-            <p:cNvPr id="73" name="TextBox 72">
-              <a:extLst>
-                <a:ext uri="{FF2B5EF4-FFF2-40B4-BE49-F238E27FC236}">
-                  <a16:creationId xmlns:a16="http://schemas.microsoft.com/office/drawing/2014/main" id="{7D5F371E-A21E-4C6E-A0B0-A42812DA92BB}"/>
-                </a:ext>
-              </a:extLst>
-            </p:cNvPr>
-            <p:cNvSpPr txBox="1"/>
-            <p:nvPr/>
-          </p:nvSpPr>
-          <p:spPr>
-            <a:xfrm>
-              <a:off x="2819401" y="2354133"/>
-              <a:ext cx="569387" cy="369332"/>
-            </a:xfrm>
-            <a:prstGeom prst="rect">
-              <a:avLst/>
-            </a:prstGeom>
-            <a:noFill/>
-          </p:spPr>
-          <p:txBody>
-            <a:bodyPr wrap="none" rtlCol="0">
-              <a:spAutoFit/>
-            </a:bodyPr>
-            <a:lstStyle/>
-            <a:p>
-              <a:r>
-                <a:rPr lang="en-US" sz="1800" dirty="0"/>
-                <a:t>204</a:t>
-              </a:r>
-            </a:p>
-          </p:txBody>
-        </p:sp>
-        <p:sp>
-          <p:nvSpPr>
-            <p:cNvPr id="74" name="TextBox 73">
-              <a:extLst>
-                <a:ext uri="{FF2B5EF4-FFF2-40B4-BE49-F238E27FC236}">
-                  <a16:creationId xmlns:a16="http://schemas.microsoft.com/office/drawing/2014/main" id="{314D2A39-5609-4923-AA08-AB9FB75E8DD8}"/>
-                </a:ext>
-              </a:extLst>
-            </p:cNvPr>
-            <p:cNvSpPr txBox="1"/>
-            <p:nvPr/>
-          </p:nvSpPr>
-          <p:spPr>
-            <a:xfrm>
-              <a:off x="2819400" y="2719495"/>
-              <a:ext cx="569388" cy="369332"/>
-            </a:xfrm>
-            <a:prstGeom prst="rect">
-              <a:avLst/>
-            </a:prstGeom>
-            <a:noFill/>
-          </p:spPr>
-          <p:txBody>
-            <a:bodyPr wrap="none" rtlCol="0">
-              <a:spAutoFit/>
-            </a:bodyPr>
-            <a:lstStyle/>
-            <a:p>
-              <a:r>
-                <a:rPr lang="en-US" sz="1800" dirty="0"/>
-                <a:t>208</a:t>
-              </a:r>
-            </a:p>
-          </p:txBody>
-        </p:sp>
-        <p:sp>
-          <p:nvSpPr>
-            <p:cNvPr id="76" name="TextBox 75">
-              <a:extLst>
-                <a:ext uri="{FF2B5EF4-FFF2-40B4-BE49-F238E27FC236}">
-                  <a16:creationId xmlns:a16="http://schemas.microsoft.com/office/drawing/2014/main" id="{03FC58D0-0DFB-41BF-B004-B8A24DF19F40}"/>
-                </a:ext>
-              </a:extLst>
-            </p:cNvPr>
-            <p:cNvSpPr txBox="1"/>
-            <p:nvPr/>
-          </p:nvSpPr>
-          <p:spPr>
-            <a:xfrm>
-              <a:off x="5791200" y="2710509"/>
-              <a:ext cx="300083" cy="369332"/>
-            </a:xfrm>
-            <a:prstGeom prst="rect">
-              <a:avLst/>
-            </a:prstGeom>
-            <a:noFill/>
-          </p:spPr>
-          <p:txBody>
-            <a:bodyPr wrap="none" rtlCol="0">
-              <a:spAutoFit/>
-            </a:bodyPr>
-            <a:lstStyle/>
-            <a:p>
-              <a:r>
-                <a:rPr lang="en-US" sz="1800" dirty="0"/>
-                <a:t>x</a:t>
-              </a:r>
-            </a:p>
-          </p:txBody>
-        </p:sp>
-        <p:sp>
-          <p:nvSpPr>
-            <p:cNvPr id="77" name="TextBox 76">
-              <a:extLst>
-                <a:ext uri="{FF2B5EF4-FFF2-40B4-BE49-F238E27FC236}">
-                  <a16:creationId xmlns:a16="http://schemas.microsoft.com/office/drawing/2014/main" id="{62061F1D-676D-43D4-B9CA-DB52FB119596}"/>
-                </a:ext>
-              </a:extLst>
-            </p:cNvPr>
-            <p:cNvSpPr txBox="1"/>
-            <p:nvPr/>
-          </p:nvSpPr>
-          <p:spPr>
-            <a:xfrm>
-              <a:off x="5795918" y="3081440"/>
-              <a:ext cx="300082" cy="369332"/>
-            </a:xfrm>
-            <a:prstGeom prst="rect">
-              <a:avLst/>
-            </a:prstGeom>
-            <a:noFill/>
-          </p:spPr>
-          <p:txBody>
-            <a:bodyPr wrap="none" rtlCol="0">
-              <a:spAutoFit/>
-            </a:bodyPr>
-            <a:lstStyle/>
-            <a:p>
-              <a:r>
-                <a:rPr lang="en-US" sz="1800" dirty="0"/>
-                <a:t>y</a:t>
-              </a:r>
-            </a:p>
-          </p:txBody>
-        </p:sp>
-        <p:sp>
-          <p:nvSpPr>
-            <p:cNvPr id="21" name="TextBox 20">
-              <a:extLst>
-                <a:ext uri="{FF2B5EF4-FFF2-40B4-BE49-F238E27FC236}">
-                  <a16:creationId xmlns:a16="http://schemas.microsoft.com/office/drawing/2014/main" id="{AB841B8B-8949-425B-86CF-937F49018DBE}"/>
-                </a:ext>
-              </a:extLst>
-            </p:cNvPr>
-            <p:cNvSpPr txBox="1"/>
-            <p:nvPr/>
-          </p:nvSpPr>
-          <p:spPr>
-            <a:xfrm>
-              <a:off x="1676400" y="1988771"/>
-              <a:ext cx="492443" cy="369332"/>
-            </a:xfrm>
-            <a:prstGeom prst="rect">
-              <a:avLst/>
-            </a:prstGeom>
-            <a:noFill/>
-          </p:spPr>
-          <p:txBody>
-            <a:bodyPr wrap="none" rtlCol="0">
-              <a:spAutoFit/>
-            </a:bodyPr>
-            <a:lstStyle/>
-            <a:p>
-              <a:r>
-                <a:rPr lang="en-US" sz="1800" dirty="0"/>
-                <a:t>BP</a:t>
-              </a:r>
-            </a:p>
-          </p:txBody>
-        </p:sp>
-        <p:sp>
-          <p:nvSpPr>
-            <p:cNvPr id="22" name="TextBox 21">
-              <a:extLst>
-                <a:ext uri="{FF2B5EF4-FFF2-40B4-BE49-F238E27FC236}">
-                  <a16:creationId xmlns:a16="http://schemas.microsoft.com/office/drawing/2014/main" id="{5C971F6B-A50E-44FF-8236-6A6813B34770}"/>
-                </a:ext>
-              </a:extLst>
-            </p:cNvPr>
-            <p:cNvSpPr txBox="1"/>
-            <p:nvPr/>
-          </p:nvSpPr>
-          <p:spPr>
-            <a:xfrm>
-              <a:off x="1676400" y="4180945"/>
-              <a:ext cx="492443" cy="369332"/>
-            </a:xfrm>
-            <a:prstGeom prst="rect">
-              <a:avLst/>
-            </a:prstGeom>
-            <a:noFill/>
-          </p:spPr>
-          <p:txBody>
-            <a:bodyPr wrap="none" rtlCol="0">
-              <a:spAutoFit/>
-            </a:bodyPr>
-            <a:lstStyle/>
-            <a:p>
-              <a:r>
-                <a:rPr lang="en-US" sz="1800" dirty="0"/>
-                <a:t>SP</a:t>
-              </a:r>
-            </a:p>
-          </p:txBody>
-        </p:sp>
-        <p:cxnSp>
-          <p:nvCxnSpPr>
-            <p:cNvPr id="6" name="Straight Arrow Connector 5">
-              <a:extLst>
-                <a:ext uri="{FF2B5EF4-FFF2-40B4-BE49-F238E27FC236}">
-                  <a16:creationId xmlns:a16="http://schemas.microsoft.com/office/drawing/2014/main" id="{0A106FBB-345C-44C4-9643-9EAD3CCD65A3}"/>
-                </a:ext>
-              </a:extLst>
-            </p:cNvPr>
-            <p:cNvCxnSpPr>
-              <a:cxnSpLocks/>
-              <a:stCxn id="21" idx="3"/>
-              <a:endCxn id="72" idx="1"/>
-            </p:cNvCxnSpPr>
-            <p:nvPr/>
-          </p:nvCxnSpPr>
-          <p:spPr bwMode="auto">
-            <a:xfrm>
-              <a:off x="2168843" y="2173437"/>
-              <a:ext cx="650557" cy="0"/>
-            </a:xfrm>
-            <a:prstGeom prst="straightConnector1">
-              <a:avLst/>
-            </a:prstGeom>
-            <a:noFill/>
-            <a:ln w="9525" cap="flat" cmpd="sng" algn="ctr">
-              <a:solidFill>
-                <a:schemeClr val="tx1"/>
-              </a:solidFill>
-              <a:prstDash val="solid"/>
-              <a:round/>
-              <a:headEnd type="none" w="med" len="med"/>
-              <a:tailEnd type="triangle"/>
-            </a:ln>
-            <a:effectLst/>
-          </p:spPr>
-        </p:cxnSp>
-        <p:cxnSp>
-          <p:nvCxnSpPr>
-            <p:cNvPr id="8" name="Straight Arrow Connector 7">
-              <a:extLst>
-                <a:ext uri="{FF2B5EF4-FFF2-40B4-BE49-F238E27FC236}">
-                  <a16:creationId xmlns:a16="http://schemas.microsoft.com/office/drawing/2014/main" id="{A9C85EE5-732F-429A-900E-1B7B21758369}"/>
-                </a:ext>
-              </a:extLst>
-            </p:cNvPr>
-            <p:cNvCxnSpPr>
-              <a:cxnSpLocks/>
-              <a:stCxn id="22" idx="3"/>
-              <a:endCxn id="32" idx="1"/>
-            </p:cNvCxnSpPr>
-            <p:nvPr/>
-          </p:nvCxnSpPr>
-          <p:spPr bwMode="auto">
-            <a:xfrm>
-              <a:off x="2168843" y="4365611"/>
-              <a:ext cx="650557" cy="0"/>
-            </a:xfrm>
-            <a:prstGeom prst="straightConnector1">
-              <a:avLst/>
-            </a:prstGeom>
-            <a:noFill/>
-            <a:ln w="9525" cap="flat" cmpd="sng" algn="ctr">
-              <a:solidFill>
-                <a:schemeClr val="tx1"/>
-              </a:solidFill>
-              <a:prstDash val="solid"/>
-              <a:round/>
-              <a:headEnd type="none" w="med" len="med"/>
-              <a:tailEnd type="triangle"/>
-            </a:ln>
-            <a:effectLst/>
-          </p:spPr>
-        </p:cxnSp>
-        <p:sp>
-          <p:nvSpPr>
-            <p:cNvPr id="28" name="TextBox 27">
-              <a:extLst>
-                <a:ext uri="{FF2B5EF4-FFF2-40B4-BE49-F238E27FC236}">
-                  <a16:creationId xmlns:a16="http://schemas.microsoft.com/office/drawing/2014/main" id="{19D5125A-908B-4812-91D8-0C630BA2F87E}"/>
-                </a:ext>
-              </a:extLst>
-            </p:cNvPr>
-            <p:cNvSpPr txBox="1"/>
-            <p:nvPr/>
-          </p:nvSpPr>
-          <p:spPr>
-            <a:xfrm>
-              <a:off x="3427027" y="3091899"/>
-              <a:ext cx="2286000" cy="369332"/>
-            </a:xfrm>
-            <a:prstGeom prst="rect">
-              <a:avLst/>
-            </a:prstGeom>
-            <a:solidFill>
-              <a:schemeClr val="bg1"/>
-            </a:solidFill>
-            <a:ln>
-              <a:solidFill>
-                <a:schemeClr val="tx1"/>
-              </a:solidFill>
-            </a:ln>
-          </p:spPr>
-          <p:txBody>
-            <a:bodyPr wrap="none" rtlCol="0">
-              <a:noAutofit/>
-            </a:bodyPr>
-            <a:lstStyle/>
-            <a:p>
-              <a:pPr marL="91440" algn="l"/>
-              <a:r>
-                <a:rPr lang="en-US" sz="1800" dirty="0"/>
-                <a:t>6</a:t>
-              </a:r>
-            </a:p>
-          </p:txBody>
-        </p:sp>
-        <p:sp>
-          <p:nvSpPr>
-            <p:cNvPr id="29" name="TextBox 28">
-              <a:extLst>
-                <a:ext uri="{FF2B5EF4-FFF2-40B4-BE49-F238E27FC236}">
-                  <a16:creationId xmlns:a16="http://schemas.microsoft.com/office/drawing/2014/main" id="{5EEA69FA-6414-4647-BC93-6FD115E6F199}"/>
-                </a:ext>
-              </a:extLst>
-            </p:cNvPr>
-            <p:cNvSpPr txBox="1"/>
-            <p:nvPr/>
-          </p:nvSpPr>
-          <p:spPr>
-            <a:xfrm>
-              <a:off x="2819400" y="3084857"/>
-              <a:ext cx="569388" cy="369332"/>
-            </a:xfrm>
-            <a:prstGeom prst="rect">
-              <a:avLst/>
-            </a:prstGeom>
-            <a:noFill/>
-          </p:spPr>
-          <p:txBody>
-            <a:bodyPr wrap="none" rtlCol="0">
-              <a:spAutoFit/>
-            </a:bodyPr>
-            <a:lstStyle/>
-            <a:p>
-              <a:r>
-                <a:rPr lang="en-US" sz="1800" dirty="0"/>
-                <a:t>212</a:t>
-              </a:r>
-            </a:p>
-          </p:txBody>
-        </p:sp>
-        <p:sp>
-          <p:nvSpPr>
-            <p:cNvPr id="30" name="TextBox 29">
-              <a:extLst>
-                <a:ext uri="{FF2B5EF4-FFF2-40B4-BE49-F238E27FC236}">
-                  <a16:creationId xmlns:a16="http://schemas.microsoft.com/office/drawing/2014/main" id="{D71C7B3F-2738-4421-AAD1-B7BA92B38C7F}"/>
-                </a:ext>
-              </a:extLst>
-            </p:cNvPr>
-            <p:cNvSpPr txBox="1"/>
-            <p:nvPr/>
-          </p:nvSpPr>
-          <p:spPr>
-            <a:xfrm>
-              <a:off x="3427027" y="3461231"/>
-              <a:ext cx="2286000" cy="369332"/>
-            </a:xfrm>
-            <a:prstGeom prst="rect">
-              <a:avLst/>
-            </a:prstGeom>
-            <a:solidFill>
-              <a:schemeClr val="bg1"/>
-            </a:solidFill>
-            <a:ln>
-              <a:solidFill>
-                <a:schemeClr val="tx1"/>
-              </a:solidFill>
-            </a:ln>
-          </p:spPr>
-          <p:txBody>
-            <a:bodyPr wrap="none" rtlCol="0">
-              <a:noAutofit/>
-            </a:bodyPr>
-            <a:lstStyle/>
-            <a:p>
-              <a:pPr marL="91440" algn="l"/>
-              <a:r>
-                <a:rPr lang="en-US" sz="1800" dirty="0"/>
-                <a:t>208 (address of x)</a:t>
-              </a:r>
-            </a:p>
-          </p:txBody>
-        </p:sp>
-        <p:sp>
-          <p:nvSpPr>
-            <p:cNvPr id="31" name="TextBox 30">
-              <a:extLst>
-                <a:ext uri="{FF2B5EF4-FFF2-40B4-BE49-F238E27FC236}">
-                  <a16:creationId xmlns:a16="http://schemas.microsoft.com/office/drawing/2014/main" id="{E6A72BF6-7B5B-4673-95A5-AD06EE024B99}"/>
-                </a:ext>
-              </a:extLst>
-            </p:cNvPr>
-            <p:cNvSpPr txBox="1"/>
-            <p:nvPr/>
-          </p:nvSpPr>
-          <p:spPr>
-            <a:xfrm>
-              <a:off x="2819400" y="3450219"/>
-              <a:ext cx="569388" cy="369332"/>
-            </a:xfrm>
-            <a:prstGeom prst="rect">
-              <a:avLst/>
-            </a:prstGeom>
-            <a:noFill/>
-          </p:spPr>
-          <p:txBody>
-            <a:bodyPr wrap="none" rtlCol="0">
-              <a:spAutoFit/>
-            </a:bodyPr>
-            <a:lstStyle/>
-            <a:p>
-              <a:r>
-                <a:rPr lang="en-US" sz="1800" dirty="0"/>
-                <a:t>216</a:t>
-              </a:r>
-            </a:p>
-          </p:txBody>
-        </p:sp>
-        <p:sp>
-          <p:nvSpPr>
-            <p:cNvPr id="23" name="TextBox 22">
-              <a:extLst>
-                <a:ext uri="{FF2B5EF4-FFF2-40B4-BE49-F238E27FC236}">
-                  <a16:creationId xmlns:a16="http://schemas.microsoft.com/office/drawing/2014/main" id="{DB27667B-2D24-4EAD-845F-63661F64AA22}"/>
-                </a:ext>
-              </a:extLst>
-            </p:cNvPr>
-            <p:cNvSpPr txBox="1"/>
-            <p:nvPr/>
-          </p:nvSpPr>
-          <p:spPr>
-            <a:xfrm>
-              <a:off x="3427027" y="3808791"/>
-              <a:ext cx="2286000" cy="369332"/>
-            </a:xfrm>
-            <a:prstGeom prst="rect">
-              <a:avLst/>
-            </a:prstGeom>
-            <a:solidFill>
-              <a:schemeClr val="bg1"/>
-            </a:solidFill>
-            <a:ln>
-              <a:solidFill>
-                <a:schemeClr val="tx1"/>
-              </a:solidFill>
-            </a:ln>
-          </p:spPr>
-          <p:txBody>
-            <a:bodyPr wrap="none" rtlCol="0">
-              <a:noAutofit/>
-            </a:bodyPr>
-            <a:lstStyle/>
-            <a:p>
-              <a:pPr marL="91440" algn="l"/>
-              <a:r>
-                <a:rPr lang="en-US" sz="1800" dirty="0"/>
-                <a:t>6 (value of y)</a:t>
-              </a:r>
-            </a:p>
-          </p:txBody>
-        </p:sp>
-        <p:sp>
-          <p:nvSpPr>
-            <p:cNvPr id="24" name="TextBox 23">
-              <a:extLst>
-                <a:ext uri="{FF2B5EF4-FFF2-40B4-BE49-F238E27FC236}">
-                  <a16:creationId xmlns:a16="http://schemas.microsoft.com/office/drawing/2014/main" id="{3E606A56-2D95-413E-ADB3-6428DF8D5654}"/>
-                </a:ext>
-              </a:extLst>
-            </p:cNvPr>
-            <p:cNvSpPr txBox="1"/>
-            <p:nvPr/>
-          </p:nvSpPr>
-          <p:spPr>
-            <a:xfrm>
-              <a:off x="2819400" y="3815581"/>
-              <a:ext cx="569388" cy="369332"/>
-            </a:xfrm>
-            <a:prstGeom prst="rect">
-              <a:avLst/>
-            </a:prstGeom>
-            <a:noFill/>
-          </p:spPr>
-          <p:txBody>
-            <a:bodyPr wrap="none" rtlCol="0">
-              <a:spAutoFit/>
-            </a:bodyPr>
-            <a:lstStyle/>
-            <a:p>
-              <a:r>
-                <a:rPr lang="en-US" sz="1800" dirty="0"/>
-                <a:t>220</a:t>
-              </a:r>
-            </a:p>
-          </p:txBody>
-        </p:sp>
-        <p:sp>
-          <p:nvSpPr>
-            <p:cNvPr id="26" name="TextBox 25">
-              <a:extLst>
-                <a:ext uri="{FF2B5EF4-FFF2-40B4-BE49-F238E27FC236}">
-                  <a16:creationId xmlns:a16="http://schemas.microsoft.com/office/drawing/2014/main" id="{274A75B1-0F48-410D-9F86-C665AFC0C644}"/>
-                </a:ext>
-              </a:extLst>
-            </p:cNvPr>
-            <p:cNvSpPr txBox="1"/>
-            <p:nvPr/>
-          </p:nvSpPr>
-          <p:spPr>
-            <a:xfrm>
-              <a:off x="3427027" y="4178897"/>
-              <a:ext cx="2286000" cy="369332"/>
-            </a:xfrm>
-            <a:prstGeom prst="rect">
-              <a:avLst/>
-            </a:prstGeom>
-            <a:solidFill>
-              <a:schemeClr val="bg1"/>
-            </a:solidFill>
-            <a:ln>
-              <a:solidFill>
-                <a:schemeClr val="tx1"/>
-              </a:solidFill>
-            </a:ln>
-          </p:spPr>
-          <p:txBody>
-            <a:bodyPr wrap="none" rtlCol="0">
-              <a:noAutofit/>
-            </a:bodyPr>
-            <a:lstStyle/>
-            <a:p>
-              <a:pPr marL="91440" algn="l"/>
-              <a:r>
-                <a:rPr lang="en-US" sz="1800" dirty="0"/>
-                <a:t>1 (constant integer)</a:t>
-              </a:r>
-            </a:p>
-          </p:txBody>
-        </p:sp>
-        <p:sp>
-          <p:nvSpPr>
-            <p:cNvPr id="32" name="TextBox 31">
-              <a:extLst>
-                <a:ext uri="{FF2B5EF4-FFF2-40B4-BE49-F238E27FC236}">
-                  <a16:creationId xmlns:a16="http://schemas.microsoft.com/office/drawing/2014/main" id="{3C5E5336-C55D-48B4-B85F-9B94C1047CC2}"/>
-                </a:ext>
-              </a:extLst>
-            </p:cNvPr>
-            <p:cNvSpPr txBox="1"/>
-            <p:nvPr/>
-          </p:nvSpPr>
-          <p:spPr>
-            <a:xfrm>
-              <a:off x="2819400" y="4180945"/>
-              <a:ext cx="569388" cy="369332"/>
-            </a:xfrm>
-            <a:prstGeom prst="rect">
-              <a:avLst/>
-            </a:prstGeom>
-            <a:noFill/>
-          </p:spPr>
-          <p:txBody>
-            <a:bodyPr wrap="none" rtlCol="0">
-              <a:spAutoFit/>
-            </a:bodyPr>
-            <a:lstStyle/>
-            <a:p>
-              <a:r>
-                <a:rPr lang="en-US" sz="1800" dirty="0"/>
-                <a:t>224</a:t>
+                <a:t>temporary part</a:t>
               </a:r>
             </a:p>
           </p:txBody>
@@ -17193,7 +17756,7 @@
     </p:spTree>
     <p:extLst>
       <p:ext uri="{BB962C8B-B14F-4D97-AF65-F5344CB8AC3E}">
-        <p14:creationId xmlns:p14="http://schemas.microsoft.com/office/powerpoint/2010/main" val="4152110563"/>
+        <p14:creationId xmlns:p14="http://schemas.microsoft.com/office/powerpoint/2010/main" val="3664445928"/>
       </p:ext>
     </p:extLst>
   </p:cSld>
@@ -17373,10 +17936,10 @@
       </p:sp>
       <p:grpSp>
         <p:nvGrpSpPr>
-          <p:cNvPr id="10" name="Group 9">
+          <p:cNvPr id="3" name="Group 2">
             <a:extLst>
               <a:ext uri="{FF2B5EF4-FFF2-40B4-BE49-F238E27FC236}">
-                <a16:creationId xmlns:a16="http://schemas.microsoft.com/office/drawing/2014/main" id="{F105B340-A5ED-4780-A77A-3BA0FBBD410A}"/>
+                <a16:creationId xmlns:a16="http://schemas.microsoft.com/office/drawing/2014/main" id="{894303BC-12DE-4B26-8E80-5364FC5EEC3C}"/>
               </a:ext>
             </a:extLst>
           </p:cNvPr>
@@ -17386,64 +17949,833 @@
         <p:grpSpPr>
           <a:xfrm>
             <a:off x="1676400" y="1981200"/>
-            <a:ext cx="4419600" cy="4023360"/>
+            <a:ext cx="6019800" cy="4023360"/>
             <a:chOff x="1676400" y="1981200"/>
-            <a:chExt cx="4419600" cy="4023360"/>
+            <a:chExt cx="6019800" cy="4023360"/>
           </a:xfrm>
         </p:grpSpPr>
-        <p:sp>
-          <p:nvSpPr>
-            <p:cNvPr id="63" name="Rectangle 4">
+        <p:grpSp>
+          <p:nvGrpSpPr>
+            <p:cNvPr id="10" name="Group 9">
               <a:extLst>
                 <a:ext uri="{FF2B5EF4-FFF2-40B4-BE49-F238E27FC236}">
-                  <a16:creationId xmlns:a16="http://schemas.microsoft.com/office/drawing/2014/main" id="{B5AB0F95-612B-447E-BC0F-F952B486D878}"/>
+                  <a16:creationId xmlns:a16="http://schemas.microsoft.com/office/drawing/2014/main" id="{F105B340-A5ED-4780-A77A-3BA0FBBD410A}"/>
                 </a:ext>
               </a:extLst>
             </p:cNvPr>
-            <p:cNvSpPr>
-              <a:spLocks noChangeArrowheads="1"/>
-            </p:cNvSpPr>
+            <p:cNvGrpSpPr/>
+            <p:nvPr/>
+          </p:nvGrpSpPr>
+          <p:grpSpPr>
+            <a:xfrm>
+              <a:off x="1676400" y="1981200"/>
+              <a:ext cx="4419600" cy="4023360"/>
+              <a:chOff x="1676400" y="1981200"/>
+              <a:chExt cx="4419600" cy="4023360"/>
+            </a:xfrm>
+          </p:grpSpPr>
+          <p:sp>
+            <p:nvSpPr>
+              <p:cNvPr id="63" name="Rectangle 4">
+                <a:extLst>
+                  <a:ext uri="{FF2B5EF4-FFF2-40B4-BE49-F238E27FC236}">
+                    <a16:creationId xmlns:a16="http://schemas.microsoft.com/office/drawing/2014/main" id="{B5AB0F95-612B-447E-BC0F-F952B486D878}"/>
+                  </a:ext>
+                </a:extLst>
+              </p:cNvPr>
+              <p:cNvSpPr>
+                <a:spLocks noChangeArrowheads="1"/>
+              </p:cNvSpPr>
+              <p:nvPr/>
+            </p:nvSpPr>
+            <p:spPr bwMode="auto">
+              <a:xfrm>
+                <a:off x="3429000" y="1981200"/>
+                <a:ext cx="2286000" cy="4023360"/>
+              </a:xfrm>
+              <a:prstGeom prst="rect">
+                <a:avLst/>
+              </a:prstGeom>
+              <a:pattFill prst="pct5">
+                <a:fgClr>
+                  <a:schemeClr val="tx1"/>
+                </a:fgClr>
+                <a:bgClr>
+                  <a:schemeClr val="bg1"/>
+                </a:bgClr>
+              </a:pattFill>
+              <a:ln w="9525">
+                <a:solidFill>
+                  <a:schemeClr val="tx1"/>
+                </a:solidFill>
+                <a:miter lim="800000"/>
+                <a:headEnd/>
+                <a:tailEnd/>
+              </a:ln>
+            </p:spPr>
+            <p:txBody>
+              <a:bodyPr wrap="none" lIns="92075" tIns="46038" rIns="92075" bIns="46038" anchor="ctr"/>
+              <a:lstStyle/>
+              <a:p>
+                <a:endParaRPr lang="en-US" dirty="0"/>
+              </a:p>
+            </p:txBody>
+          </p:sp>
+          <p:sp>
+            <p:nvSpPr>
+              <p:cNvPr id="68" name="TextBox 67">
+                <a:extLst>
+                  <a:ext uri="{FF2B5EF4-FFF2-40B4-BE49-F238E27FC236}">
+                    <a16:creationId xmlns:a16="http://schemas.microsoft.com/office/drawing/2014/main" id="{28BA86A7-17E6-414B-8B9D-E2CC84A29DC9}"/>
+                  </a:ext>
+                </a:extLst>
+              </p:cNvPr>
+              <p:cNvSpPr txBox="1"/>
+              <p:nvPr/>
+            </p:nvSpPr>
+            <p:spPr>
+              <a:xfrm>
+                <a:off x="3427027" y="1981200"/>
+                <a:ext cx="2286000" cy="369332"/>
+              </a:xfrm>
+              <a:prstGeom prst="rect">
+                <a:avLst/>
+              </a:prstGeom>
+              <a:solidFill>
+                <a:schemeClr val="bg1"/>
+              </a:solidFill>
+              <a:ln>
+                <a:solidFill>
+                  <a:schemeClr val="tx1"/>
+                </a:solidFill>
+              </a:ln>
+            </p:spPr>
+            <p:txBody>
+              <a:bodyPr wrap="none" rtlCol="0">
+                <a:noAutofit/>
+              </a:bodyPr>
+              <a:lstStyle/>
+              <a:p>
+                <a:pPr marL="91440" algn="l"/>
+                <a:r>
+                  <a:rPr lang="en-US" sz="1800" dirty="0"/>
+                  <a:t>dynamic link</a:t>
+                </a:r>
+              </a:p>
+            </p:txBody>
+          </p:sp>
+          <p:sp>
+            <p:nvSpPr>
+              <p:cNvPr id="69" name="TextBox 68">
+                <a:extLst>
+                  <a:ext uri="{FF2B5EF4-FFF2-40B4-BE49-F238E27FC236}">
+                    <a16:creationId xmlns:a16="http://schemas.microsoft.com/office/drawing/2014/main" id="{E2D64B75-6D6C-4DA6-A677-6C13279C8E15}"/>
+                  </a:ext>
+                </a:extLst>
+              </p:cNvPr>
+              <p:cNvSpPr txBox="1"/>
+              <p:nvPr/>
+            </p:nvSpPr>
+            <p:spPr>
+              <a:xfrm>
+                <a:off x="3427027" y="2351884"/>
+                <a:ext cx="2286000" cy="369332"/>
+              </a:xfrm>
+              <a:prstGeom prst="rect">
+                <a:avLst/>
+              </a:prstGeom>
+              <a:solidFill>
+                <a:schemeClr val="bg1"/>
+              </a:solidFill>
+              <a:ln>
+                <a:solidFill>
+                  <a:schemeClr val="tx1"/>
+                </a:solidFill>
+              </a:ln>
+            </p:spPr>
+            <p:txBody>
+              <a:bodyPr wrap="none" rtlCol="0">
+                <a:noAutofit/>
+              </a:bodyPr>
+              <a:lstStyle/>
+              <a:p>
+                <a:pPr marL="91440" algn="l"/>
+                <a:r>
+                  <a:rPr lang="en-US" sz="1800" dirty="0"/>
+                  <a:t>return address</a:t>
+                </a:r>
+              </a:p>
+            </p:txBody>
+          </p:sp>
+          <p:sp>
+            <p:nvSpPr>
+              <p:cNvPr id="70" name="TextBox 69">
+                <a:extLst>
+                  <a:ext uri="{FF2B5EF4-FFF2-40B4-BE49-F238E27FC236}">
+                    <a16:creationId xmlns:a16="http://schemas.microsoft.com/office/drawing/2014/main" id="{F2F7C5DF-6D2D-4543-B6E0-B18D4217F52E}"/>
+                  </a:ext>
+                </a:extLst>
+              </p:cNvPr>
+              <p:cNvSpPr txBox="1"/>
+              <p:nvPr/>
+            </p:nvSpPr>
+            <p:spPr>
+              <a:xfrm>
+                <a:off x="3427027" y="2722567"/>
+                <a:ext cx="2286000" cy="369332"/>
+              </a:xfrm>
+              <a:prstGeom prst="rect">
+                <a:avLst/>
+              </a:prstGeom>
+              <a:solidFill>
+                <a:schemeClr val="bg1"/>
+              </a:solidFill>
+              <a:ln>
+                <a:solidFill>
+                  <a:schemeClr val="tx1"/>
+                </a:solidFill>
+              </a:ln>
+            </p:spPr>
+            <p:txBody>
+              <a:bodyPr wrap="none" rtlCol="0">
+                <a:noAutofit/>
+              </a:bodyPr>
+              <a:lstStyle/>
+              <a:p>
+                <a:pPr marL="91440" algn="l"/>
+                <a:endParaRPr lang="en-US" sz="1800" dirty="0"/>
+              </a:p>
+            </p:txBody>
+          </p:sp>
+          <p:sp>
+            <p:nvSpPr>
+              <p:cNvPr id="72" name="TextBox 71">
+                <a:extLst>
+                  <a:ext uri="{FF2B5EF4-FFF2-40B4-BE49-F238E27FC236}">
+                    <a16:creationId xmlns:a16="http://schemas.microsoft.com/office/drawing/2014/main" id="{9599E4DD-7C5B-475F-806B-F0058F4ECE0F}"/>
+                  </a:ext>
+                </a:extLst>
+              </p:cNvPr>
+              <p:cNvSpPr txBox="1"/>
+              <p:nvPr/>
+            </p:nvSpPr>
+            <p:spPr>
+              <a:xfrm>
+                <a:off x="2819400" y="1988771"/>
+                <a:ext cx="569388" cy="369332"/>
+              </a:xfrm>
+              <a:prstGeom prst="rect">
+                <a:avLst/>
+              </a:prstGeom>
+              <a:noFill/>
+            </p:spPr>
+            <p:txBody>
+              <a:bodyPr wrap="none" rtlCol="0">
+                <a:spAutoFit/>
+              </a:bodyPr>
+              <a:lstStyle/>
+              <a:p>
+                <a:r>
+                  <a:rPr lang="en-US" sz="1800" dirty="0"/>
+                  <a:t>200</a:t>
+                </a:r>
+              </a:p>
+            </p:txBody>
+          </p:sp>
+          <p:sp>
+            <p:nvSpPr>
+              <p:cNvPr id="73" name="TextBox 72">
+                <a:extLst>
+                  <a:ext uri="{FF2B5EF4-FFF2-40B4-BE49-F238E27FC236}">
+                    <a16:creationId xmlns:a16="http://schemas.microsoft.com/office/drawing/2014/main" id="{7D5F371E-A21E-4C6E-A0B0-A42812DA92BB}"/>
+                  </a:ext>
+                </a:extLst>
+              </p:cNvPr>
+              <p:cNvSpPr txBox="1"/>
+              <p:nvPr/>
+            </p:nvSpPr>
+            <p:spPr>
+              <a:xfrm>
+                <a:off x="2819401" y="2353548"/>
+                <a:ext cx="569387" cy="369332"/>
+              </a:xfrm>
+              <a:prstGeom prst="rect">
+                <a:avLst/>
+              </a:prstGeom>
+              <a:noFill/>
+            </p:spPr>
+            <p:txBody>
+              <a:bodyPr wrap="none" rtlCol="0">
+                <a:spAutoFit/>
+              </a:bodyPr>
+              <a:lstStyle/>
+              <a:p>
+                <a:r>
+                  <a:rPr lang="en-US" sz="1800" dirty="0"/>
+                  <a:t>204</a:t>
+                </a:r>
+              </a:p>
+            </p:txBody>
+          </p:sp>
+          <p:sp>
+            <p:nvSpPr>
+              <p:cNvPr id="74" name="TextBox 73">
+                <a:extLst>
+                  <a:ext uri="{FF2B5EF4-FFF2-40B4-BE49-F238E27FC236}">
+                    <a16:creationId xmlns:a16="http://schemas.microsoft.com/office/drawing/2014/main" id="{314D2A39-5609-4923-AA08-AB9FB75E8DD8}"/>
+                  </a:ext>
+                </a:extLst>
+              </p:cNvPr>
+              <p:cNvSpPr txBox="1"/>
+              <p:nvPr/>
+            </p:nvSpPr>
+            <p:spPr>
+              <a:xfrm>
+                <a:off x="2819400" y="2718325"/>
+                <a:ext cx="569388" cy="369332"/>
+              </a:xfrm>
+              <a:prstGeom prst="rect">
+                <a:avLst/>
+              </a:prstGeom>
+              <a:noFill/>
+            </p:spPr>
+            <p:txBody>
+              <a:bodyPr wrap="none" rtlCol="0">
+                <a:spAutoFit/>
+              </a:bodyPr>
+              <a:lstStyle/>
+              <a:p>
+                <a:r>
+                  <a:rPr lang="en-US" sz="1800" dirty="0"/>
+                  <a:t>208</a:t>
+                </a:r>
+              </a:p>
+            </p:txBody>
+          </p:sp>
+          <p:sp>
+            <p:nvSpPr>
+              <p:cNvPr id="76" name="TextBox 75">
+                <a:extLst>
+                  <a:ext uri="{FF2B5EF4-FFF2-40B4-BE49-F238E27FC236}">
+                    <a16:creationId xmlns:a16="http://schemas.microsoft.com/office/drawing/2014/main" id="{03FC58D0-0DFB-41BF-B004-B8A24DF19F40}"/>
+                  </a:ext>
+                </a:extLst>
+              </p:cNvPr>
+              <p:cNvSpPr txBox="1"/>
+              <p:nvPr/>
+            </p:nvSpPr>
+            <p:spPr>
+              <a:xfrm>
+                <a:off x="5791200" y="2710509"/>
+                <a:ext cx="300083" cy="369332"/>
+              </a:xfrm>
+              <a:prstGeom prst="rect">
+                <a:avLst/>
+              </a:prstGeom>
+              <a:noFill/>
+            </p:spPr>
+            <p:txBody>
+              <a:bodyPr wrap="none" rtlCol="0">
+                <a:spAutoFit/>
+              </a:bodyPr>
+              <a:lstStyle/>
+              <a:p>
+                <a:r>
+                  <a:rPr lang="en-US" sz="1800" dirty="0"/>
+                  <a:t>x</a:t>
+                </a:r>
+              </a:p>
+            </p:txBody>
+          </p:sp>
+          <p:sp>
+            <p:nvSpPr>
+              <p:cNvPr id="77" name="TextBox 76">
+                <a:extLst>
+                  <a:ext uri="{FF2B5EF4-FFF2-40B4-BE49-F238E27FC236}">
+                    <a16:creationId xmlns:a16="http://schemas.microsoft.com/office/drawing/2014/main" id="{62061F1D-676D-43D4-B9CA-DB52FB119596}"/>
+                  </a:ext>
+                </a:extLst>
+              </p:cNvPr>
+              <p:cNvSpPr txBox="1"/>
+              <p:nvPr/>
+            </p:nvSpPr>
+            <p:spPr>
+              <a:xfrm>
+                <a:off x="5795918" y="3081440"/>
+                <a:ext cx="300082" cy="369332"/>
+              </a:xfrm>
+              <a:prstGeom prst="rect">
+                <a:avLst/>
+              </a:prstGeom>
+              <a:noFill/>
+            </p:spPr>
+            <p:txBody>
+              <a:bodyPr wrap="none" rtlCol="0">
+                <a:spAutoFit/>
+              </a:bodyPr>
+              <a:lstStyle/>
+              <a:p>
+                <a:r>
+                  <a:rPr lang="en-US" sz="1800" dirty="0"/>
+                  <a:t>y</a:t>
+                </a:r>
+              </a:p>
+            </p:txBody>
+          </p:sp>
+          <p:sp>
+            <p:nvSpPr>
+              <p:cNvPr id="21" name="TextBox 20">
+                <a:extLst>
+                  <a:ext uri="{FF2B5EF4-FFF2-40B4-BE49-F238E27FC236}">
+                    <a16:creationId xmlns:a16="http://schemas.microsoft.com/office/drawing/2014/main" id="{AB841B8B-8949-425B-86CF-937F49018DBE}"/>
+                  </a:ext>
+                </a:extLst>
+              </p:cNvPr>
+              <p:cNvSpPr txBox="1"/>
+              <p:nvPr/>
+            </p:nvSpPr>
+            <p:spPr>
+              <a:xfrm>
+                <a:off x="1676400" y="1988771"/>
+                <a:ext cx="492443" cy="369332"/>
+              </a:xfrm>
+              <a:prstGeom prst="rect">
+                <a:avLst/>
+              </a:prstGeom>
+              <a:noFill/>
+            </p:spPr>
+            <p:txBody>
+              <a:bodyPr wrap="none" rtlCol="0">
+                <a:spAutoFit/>
+              </a:bodyPr>
+              <a:lstStyle/>
+              <a:p>
+                <a:r>
+                  <a:rPr lang="en-US" sz="1800" dirty="0"/>
+                  <a:t>BP</a:t>
+                </a:r>
+              </a:p>
+            </p:txBody>
+          </p:sp>
+          <p:sp>
+            <p:nvSpPr>
+              <p:cNvPr id="22" name="TextBox 21">
+                <a:extLst>
+                  <a:ext uri="{FF2B5EF4-FFF2-40B4-BE49-F238E27FC236}">
+                    <a16:creationId xmlns:a16="http://schemas.microsoft.com/office/drawing/2014/main" id="{5C971F6B-A50E-44FF-8236-6A6813B34770}"/>
+                  </a:ext>
+                </a:extLst>
+              </p:cNvPr>
+              <p:cNvSpPr txBox="1"/>
+              <p:nvPr/>
+            </p:nvSpPr>
+            <p:spPr>
+              <a:xfrm>
+                <a:off x="1676400" y="3812657"/>
+                <a:ext cx="492443" cy="369332"/>
+              </a:xfrm>
+              <a:prstGeom prst="rect">
+                <a:avLst/>
+              </a:prstGeom>
+              <a:noFill/>
+            </p:spPr>
+            <p:txBody>
+              <a:bodyPr wrap="none" rtlCol="0">
+                <a:spAutoFit/>
+              </a:bodyPr>
+              <a:lstStyle/>
+              <a:p>
+                <a:r>
+                  <a:rPr lang="en-US" sz="1800" dirty="0"/>
+                  <a:t>SP</a:t>
+                </a:r>
+              </a:p>
+            </p:txBody>
+          </p:sp>
+          <p:cxnSp>
+            <p:nvCxnSpPr>
+              <p:cNvPr id="6" name="Straight Arrow Connector 5">
+                <a:extLst>
+                  <a:ext uri="{FF2B5EF4-FFF2-40B4-BE49-F238E27FC236}">
+                    <a16:creationId xmlns:a16="http://schemas.microsoft.com/office/drawing/2014/main" id="{0A106FBB-345C-44C4-9643-9EAD3CCD65A3}"/>
+                  </a:ext>
+                </a:extLst>
+              </p:cNvPr>
+              <p:cNvCxnSpPr>
+                <a:cxnSpLocks/>
+                <a:stCxn id="21" idx="3"/>
+                <a:endCxn id="72" idx="1"/>
+              </p:cNvCxnSpPr>
+              <p:nvPr/>
+            </p:nvCxnSpPr>
+            <p:spPr bwMode="auto">
+              <a:xfrm>
+                <a:off x="2168843" y="2173437"/>
+                <a:ext cx="650557" cy="0"/>
+              </a:xfrm>
+              <a:prstGeom prst="straightConnector1">
+                <a:avLst/>
+              </a:prstGeom>
+              <a:noFill/>
+              <a:ln w="9525" cap="flat" cmpd="sng" algn="ctr">
+                <a:solidFill>
+                  <a:schemeClr val="tx1"/>
+                </a:solidFill>
+                <a:prstDash val="solid"/>
+                <a:round/>
+                <a:headEnd type="none" w="med" len="med"/>
+                <a:tailEnd type="triangle"/>
+              </a:ln>
+              <a:effectLst/>
+            </p:spPr>
+          </p:cxnSp>
+          <p:cxnSp>
+            <p:nvCxnSpPr>
+              <p:cNvPr id="8" name="Straight Arrow Connector 7">
+                <a:extLst>
+                  <a:ext uri="{FF2B5EF4-FFF2-40B4-BE49-F238E27FC236}">
+                    <a16:creationId xmlns:a16="http://schemas.microsoft.com/office/drawing/2014/main" id="{A9C85EE5-732F-429A-900E-1B7B21758369}"/>
+                  </a:ext>
+                </a:extLst>
+              </p:cNvPr>
+              <p:cNvCxnSpPr>
+                <a:cxnSpLocks/>
+                <a:stCxn id="22" idx="3"/>
+                <a:endCxn id="24" idx="1"/>
+              </p:cNvCxnSpPr>
+              <p:nvPr/>
+            </p:nvCxnSpPr>
+            <p:spPr bwMode="auto">
+              <a:xfrm>
+                <a:off x="2168843" y="3997323"/>
+                <a:ext cx="650557" cy="0"/>
+              </a:xfrm>
+              <a:prstGeom prst="straightConnector1">
+                <a:avLst/>
+              </a:prstGeom>
+              <a:noFill/>
+              <a:ln w="9525" cap="flat" cmpd="sng" algn="ctr">
+                <a:solidFill>
+                  <a:schemeClr val="tx1"/>
+                </a:solidFill>
+                <a:prstDash val="solid"/>
+                <a:round/>
+                <a:headEnd type="none" w="med" len="med"/>
+                <a:tailEnd type="triangle"/>
+              </a:ln>
+              <a:effectLst/>
+            </p:spPr>
+          </p:cxnSp>
+          <p:sp>
+            <p:nvSpPr>
+              <p:cNvPr id="28" name="TextBox 27">
+                <a:extLst>
+                  <a:ext uri="{FF2B5EF4-FFF2-40B4-BE49-F238E27FC236}">
+                    <a16:creationId xmlns:a16="http://schemas.microsoft.com/office/drawing/2014/main" id="{19D5125A-908B-4812-91D8-0C630BA2F87E}"/>
+                  </a:ext>
+                </a:extLst>
+              </p:cNvPr>
+              <p:cNvSpPr txBox="1"/>
+              <p:nvPr/>
+            </p:nvSpPr>
+            <p:spPr>
+              <a:xfrm>
+                <a:off x="3427027" y="3091899"/>
+                <a:ext cx="2286000" cy="369332"/>
+              </a:xfrm>
+              <a:prstGeom prst="rect">
+                <a:avLst/>
+              </a:prstGeom>
+              <a:solidFill>
+                <a:schemeClr val="bg1"/>
+              </a:solidFill>
+              <a:ln>
+                <a:solidFill>
+                  <a:schemeClr val="tx1"/>
+                </a:solidFill>
+              </a:ln>
+            </p:spPr>
+            <p:txBody>
+              <a:bodyPr wrap="none" rtlCol="0">
+                <a:noAutofit/>
+              </a:bodyPr>
+              <a:lstStyle/>
+              <a:p>
+                <a:pPr marL="91440" algn="l"/>
+                <a:r>
+                  <a:rPr lang="en-US" sz="1800" dirty="0"/>
+                  <a:t>6</a:t>
+                </a:r>
+              </a:p>
+            </p:txBody>
+          </p:sp>
+          <p:sp>
+            <p:nvSpPr>
+              <p:cNvPr id="29" name="TextBox 28">
+                <a:extLst>
+                  <a:ext uri="{FF2B5EF4-FFF2-40B4-BE49-F238E27FC236}">
+                    <a16:creationId xmlns:a16="http://schemas.microsoft.com/office/drawing/2014/main" id="{5EEA69FA-6414-4647-BC93-6FD115E6F199}"/>
+                  </a:ext>
+                </a:extLst>
+              </p:cNvPr>
+              <p:cNvSpPr txBox="1"/>
+              <p:nvPr/>
+            </p:nvSpPr>
+            <p:spPr>
+              <a:xfrm>
+                <a:off x="2819400" y="3083102"/>
+                <a:ext cx="569388" cy="369332"/>
+              </a:xfrm>
+              <a:prstGeom prst="rect">
+                <a:avLst/>
+              </a:prstGeom>
+              <a:noFill/>
+            </p:spPr>
+            <p:txBody>
+              <a:bodyPr wrap="none" rtlCol="0">
+                <a:spAutoFit/>
+              </a:bodyPr>
+              <a:lstStyle/>
+              <a:p>
+                <a:r>
+                  <a:rPr lang="en-US" sz="1800" dirty="0"/>
+                  <a:t>212</a:t>
+                </a:r>
+              </a:p>
+            </p:txBody>
+          </p:sp>
+          <p:sp>
+            <p:nvSpPr>
+              <p:cNvPr id="30" name="TextBox 29">
+                <a:extLst>
+                  <a:ext uri="{FF2B5EF4-FFF2-40B4-BE49-F238E27FC236}">
+                    <a16:creationId xmlns:a16="http://schemas.microsoft.com/office/drawing/2014/main" id="{D71C7B3F-2738-4421-AAD1-B7BA92B38C7F}"/>
+                  </a:ext>
+                </a:extLst>
+              </p:cNvPr>
+              <p:cNvSpPr txBox="1"/>
+              <p:nvPr/>
+            </p:nvSpPr>
+            <p:spPr>
+              <a:xfrm>
+                <a:off x="3427027" y="3461231"/>
+                <a:ext cx="2286000" cy="369332"/>
+              </a:xfrm>
+              <a:prstGeom prst="rect">
+                <a:avLst/>
+              </a:prstGeom>
+              <a:solidFill>
+                <a:schemeClr val="bg1"/>
+              </a:solidFill>
+              <a:ln>
+                <a:solidFill>
+                  <a:schemeClr val="tx1"/>
+                </a:solidFill>
+              </a:ln>
+            </p:spPr>
+            <p:txBody>
+              <a:bodyPr wrap="none" rtlCol="0">
+                <a:noAutofit/>
+              </a:bodyPr>
+              <a:lstStyle/>
+              <a:p>
+                <a:pPr marL="91440" algn="l"/>
+                <a:r>
+                  <a:rPr lang="en-US" sz="1800" dirty="0"/>
+                  <a:t>208 (address of x)</a:t>
+                </a:r>
+              </a:p>
+            </p:txBody>
+          </p:sp>
+          <p:sp>
+            <p:nvSpPr>
+              <p:cNvPr id="31" name="TextBox 30">
+                <a:extLst>
+                  <a:ext uri="{FF2B5EF4-FFF2-40B4-BE49-F238E27FC236}">
+                    <a16:creationId xmlns:a16="http://schemas.microsoft.com/office/drawing/2014/main" id="{E6A72BF6-7B5B-4673-95A5-AD06EE024B99}"/>
+                  </a:ext>
+                </a:extLst>
+              </p:cNvPr>
+              <p:cNvSpPr txBox="1"/>
+              <p:nvPr/>
+            </p:nvSpPr>
+            <p:spPr>
+              <a:xfrm>
+                <a:off x="2819400" y="3447879"/>
+                <a:ext cx="569388" cy="369332"/>
+              </a:xfrm>
+              <a:prstGeom prst="rect">
+                <a:avLst/>
+              </a:prstGeom>
+              <a:noFill/>
+            </p:spPr>
+            <p:txBody>
+              <a:bodyPr wrap="none" rtlCol="0">
+                <a:spAutoFit/>
+              </a:bodyPr>
+              <a:lstStyle/>
+              <a:p>
+                <a:r>
+                  <a:rPr lang="en-US" sz="1800" dirty="0"/>
+                  <a:t>216</a:t>
+                </a:r>
+              </a:p>
+            </p:txBody>
+          </p:sp>
+          <p:sp>
+            <p:nvSpPr>
+              <p:cNvPr id="23" name="TextBox 22">
+                <a:extLst>
+                  <a:ext uri="{FF2B5EF4-FFF2-40B4-BE49-F238E27FC236}">
+                    <a16:creationId xmlns:a16="http://schemas.microsoft.com/office/drawing/2014/main" id="{DB27667B-2D24-4EAD-845F-63661F64AA22}"/>
+                  </a:ext>
+                </a:extLst>
+              </p:cNvPr>
+              <p:cNvSpPr txBox="1"/>
+              <p:nvPr/>
+            </p:nvSpPr>
+            <p:spPr>
+              <a:xfrm>
+                <a:off x="3427027" y="3808791"/>
+                <a:ext cx="2286000" cy="369332"/>
+              </a:xfrm>
+              <a:prstGeom prst="rect">
+                <a:avLst/>
+              </a:prstGeom>
+              <a:solidFill>
+                <a:schemeClr val="bg1"/>
+              </a:solidFill>
+              <a:ln>
+                <a:solidFill>
+                  <a:schemeClr val="tx1"/>
+                </a:solidFill>
+              </a:ln>
+            </p:spPr>
+            <p:txBody>
+              <a:bodyPr wrap="none" rtlCol="0">
+                <a:noAutofit/>
+              </a:bodyPr>
+              <a:lstStyle/>
+              <a:p>
+                <a:pPr marL="91440" algn="l"/>
+                <a:r>
+                  <a:rPr lang="en-US" sz="1800" dirty="0"/>
+                  <a:t>7 (sum)</a:t>
+                </a:r>
+              </a:p>
+            </p:txBody>
+          </p:sp>
+          <p:sp>
+            <p:nvSpPr>
+              <p:cNvPr id="24" name="TextBox 23">
+                <a:extLst>
+                  <a:ext uri="{FF2B5EF4-FFF2-40B4-BE49-F238E27FC236}">
+                    <a16:creationId xmlns:a16="http://schemas.microsoft.com/office/drawing/2014/main" id="{3E606A56-2D95-413E-ADB3-6428DF8D5654}"/>
+                  </a:ext>
+                </a:extLst>
+              </p:cNvPr>
+              <p:cNvSpPr txBox="1"/>
+              <p:nvPr/>
+            </p:nvSpPr>
+            <p:spPr>
+              <a:xfrm>
+                <a:off x="2819400" y="3812657"/>
+                <a:ext cx="569388" cy="369332"/>
+              </a:xfrm>
+              <a:prstGeom prst="rect">
+                <a:avLst/>
+              </a:prstGeom>
+              <a:noFill/>
+            </p:spPr>
+            <p:txBody>
+              <a:bodyPr wrap="none" rtlCol="0">
+                <a:spAutoFit/>
+              </a:bodyPr>
+              <a:lstStyle/>
+              <a:p>
+                <a:r>
+                  <a:rPr lang="en-US" sz="1800" dirty="0"/>
+                  <a:t>220</a:t>
+                </a:r>
+              </a:p>
+            </p:txBody>
+          </p:sp>
+        </p:grpSp>
+        <p:sp>
+          <p:nvSpPr>
+            <p:cNvPr id="26" name="Right Brace 25">
+              <a:extLst>
+                <a:ext uri="{FF2B5EF4-FFF2-40B4-BE49-F238E27FC236}">
+                  <a16:creationId xmlns:a16="http://schemas.microsoft.com/office/drawing/2014/main" id="{EEBCA012-2C64-4690-9D33-F270A314AD29}"/>
+                </a:ext>
+              </a:extLst>
+            </p:cNvPr>
+            <p:cNvSpPr/>
             <p:nvPr/>
           </p:nvSpPr>
           <p:spPr bwMode="auto">
             <a:xfrm>
-              <a:off x="3429000" y="1981200"/>
-              <a:ext cx="2286000" cy="4023360"/>
+              <a:off x="5867400" y="3472231"/>
+              <a:ext cx="152400" cy="731520"/>
             </a:xfrm>
-            <a:prstGeom prst="rect">
+            <a:prstGeom prst="rightBrace">
               <a:avLst/>
             </a:prstGeom>
-            <a:pattFill prst="pct5">
-              <a:fgClr>
-                <a:schemeClr val="tx1"/>
-              </a:fgClr>
-              <a:bgClr>
-                <a:schemeClr val="bg1"/>
-              </a:bgClr>
-            </a:pattFill>
-            <a:ln w="9525">
+            <a:noFill/>
+            <a:ln w="9525" cap="flat" cmpd="sng" algn="ctr">
               <a:solidFill>
                 <a:schemeClr val="tx1"/>
               </a:solidFill>
-              <a:miter lim="800000"/>
-              <a:headEnd/>
-              <a:tailEnd/>
+              <a:prstDash val="solid"/>
+              <a:round/>
+              <a:headEnd type="none" w="med" len="med"/>
+              <a:tailEnd type="none" w="med" len="med"/>
             </a:ln>
+            <a:effectLst/>
           </p:spPr>
           <p:txBody>
-            <a:bodyPr wrap="none" lIns="92075" tIns="46038" rIns="92075" bIns="46038" anchor="ctr"/>
+            <a:bodyPr vert="horz" wrap="none" lIns="92075" tIns="46038" rIns="92075" bIns="46038" numCol="1" rtlCol="0" anchor="ctr" anchorCtr="0" compatLnSpc="1">
+              <a:prstTxWarp prst="textNoShape">
+                <a:avLst/>
+              </a:prstTxWarp>
+            </a:bodyPr>
             <a:lstStyle/>
             <a:p>
-              <a:endParaRPr lang="en-US" dirty="0"/>
+              <a:pPr marL="0" marR="0" indent="0" algn="ctr" defTabSz="914400" rtl="0" eaLnBrk="0" fontAlgn="base" latinLnBrk="0" hangingPunct="0">
+                <a:lnSpc>
+                  <a:spcPct val="100000"/>
+                </a:lnSpc>
+                <a:spcBef>
+                  <a:spcPct val="0"/>
+                </a:spcBef>
+                <a:spcAft>
+                  <a:spcPct val="0"/>
+                </a:spcAft>
+                <a:buClrTx/>
+                <a:buSzTx/>
+                <a:buFontTx/>
+                <a:buNone/>
+                <a:tabLst/>
+              </a:pPr>
+              <a:endParaRPr kumimoji="0" lang="en-US" sz="2400" b="0" i="0" u="none" strike="noStrike" cap="none" normalizeH="0" baseline="0">
+                <a:ln>
+                  <a:noFill/>
+                </a:ln>
+                <a:solidFill>
+                  <a:schemeClr val="tx1"/>
+                </a:solidFill>
+                <a:effectLst/>
+                <a:latin typeface="Arial" charset="0"/>
+              </a:endParaRPr>
             </a:p>
           </p:txBody>
         </p:sp>
         <p:sp>
           <p:nvSpPr>
-            <p:cNvPr id="68" name="TextBox 67">
+            <p:cNvPr id="32" name="TextBox 31">
               <a:extLst>
                 <a:ext uri="{FF2B5EF4-FFF2-40B4-BE49-F238E27FC236}">
-                  <a16:creationId xmlns:a16="http://schemas.microsoft.com/office/drawing/2014/main" id="{28BA86A7-17E6-414B-8B9D-E2CC84A29DC9}"/>
+                  <a16:creationId xmlns:a16="http://schemas.microsoft.com/office/drawing/2014/main" id="{B30D06A9-A026-4436-BB98-E9B74E7D4707}"/>
                 </a:ext>
               </a:extLst>
             </p:cNvPr>
@@ -17452,134 +18784,8 @@
           </p:nvSpPr>
           <p:spPr>
             <a:xfrm>
-              <a:off x="3427027" y="1981200"/>
-              <a:ext cx="2286000" cy="369332"/>
-            </a:xfrm>
-            <a:prstGeom prst="rect">
-              <a:avLst/>
-            </a:prstGeom>
-            <a:solidFill>
-              <a:schemeClr val="bg1"/>
-            </a:solidFill>
-            <a:ln>
-              <a:solidFill>
-                <a:schemeClr val="tx1"/>
-              </a:solidFill>
-            </a:ln>
-          </p:spPr>
-          <p:txBody>
-            <a:bodyPr wrap="none" rtlCol="0">
-              <a:noAutofit/>
-            </a:bodyPr>
-            <a:lstStyle/>
-            <a:p>
-              <a:pPr marL="91440" algn="l"/>
-              <a:r>
-                <a:rPr lang="en-US" sz="1800" dirty="0"/>
-                <a:t>dynamic link</a:t>
-              </a:r>
-            </a:p>
-          </p:txBody>
-        </p:sp>
-        <p:sp>
-          <p:nvSpPr>
-            <p:cNvPr id="69" name="TextBox 68">
-              <a:extLst>
-                <a:ext uri="{FF2B5EF4-FFF2-40B4-BE49-F238E27FC236}">
-                  <a16:creationId xmlns:a16="http://schemas.microsoft.com/office/drawing/2014/main" id="{E2D64B75-6D6C-4DA6-A677-6C13279C8E15}"/>
-                </a:ext>
-              </a:extLst>
-            </p:cNvPr>
-            <p:cNvSpPr txBox="1"/>
-            <p:nvPr/>
-          </p:nvSpPr>
-          <p:spPr>
-            <a:xfrm>
-              <a:off x="3427027" y="2351884"/>
-              <a:ext cx="2286000" cy="369332"/>
-            </a:xfrm>
-            <a:prstGeom prst="rect">
-              <a:avLst/>
-            </a:prstGeom>
-            <a:solidFill>
-              <a:schemeClr val="bg1"/>
-            </a:solidFill>
-            <a:ln>
-              <a:solidFill>
-                <a:schemeClr val="tx1"/>
-              </a:solidFill>
-            </a:ln>
-          </p:spPr>
-          <p:txBody>
-            <a:bodyPr wrap="none" rtlCol="0">
-              <a:noAutofit/>
-            </a:bodyPr>
-            <a:lstStyle/>
-            <a:p>
-              <a:pPr marL="91440" algn="l"/>
-              <a:r>
-                <a:rPr lang="en-US" sz="1800" dirty="0"/>
-                <a:t>return address</a:t>
-              </a:r>
-            </a:p>
-          </p:txBody>
-        </p:sp>
-        <p:sp>
-          <p:nvSpPr>
-            <p:cNvPr id="70" name="TextBox 69">
-              <a:extLst>
-                <a:ext uri="{FF2B5EF4-FFF2-40B4-BE49-F238E27FC236}">
-                  <a16:creationId xmlns:a16="http://schemas.microsoft.com/office/drawing/2014/main" id="{F2F7C5DF-6D2D-4543-B6E0-B18D4217F52E}"/>
-                </a:ext>
-              </a:extLst>
-            </p:cNvPr>
-            <p:cNvSpPr txBox="1"/>
-            <p:nvPr/>
-          </p:nvSpPr>
-          <p:spPr>
-            <a:xfrm>
-              <a:off x="3427027" y="2722567"/>
-              <a:ext cx="2286000" cy="369332"/>
-            </a:xfrm>
-            <a:prstGeom prst="rect">
-              <a:avLst/>
-            </a:prstGeom>
-            <a:solidFill>
-              <a:schemeClr val="bg1"/>
-            </a:solidFill>
-            <a:ln>
-              <a:solidFill>
-                <a:schemeClr val="tx1"/>
-              </a:solidFill>
-            </a:ln>
-          </p:spPr>
-          <p:txBody>
-            <a:bodyPr wrap="none" rtlCol="0">
-              <a:noAutofit/>
-            </a:bodyPr>
-            <a:lstStyle/>
-            <a:p>
-              <a:pPr marL="91440" algn="l"/>
-              <a:endParaRPr lang="en-US" sz="1800" dirty="0"/>
-            </a:p>
-          </p:txBody>
-        </p:sp>
-        <p:sp>
-          <p:nvSpPr>
-            <p:cNvPr id="72" name="TextBox 71">
-              <a:extLst>
-                <a:ext uri="{FF2B5EF4-FFF2-40B4-BE49-F238E27FC236}">
-                  <a16:creationId xmlns:a16="http://schemas.microsoft.com/office/drawing/2014/main" id="{9599E4DD-7C5B-475F-806B-F0058F4ECE0F}"/>
-                </a:ext>
-              </a:extLst>
-            </p:cNvPr>
-            <p:cNvSpPr txBox="1"/>
-            <p:nvPr/>
-          </p:nvSpPr>
-          <p:spPr>
-            <a:xfrm>
-              <a:off x="2819400" y="1988771"/>
-              <a:ext cx="569388" cy="369332"/>
+              <a:off x="6011123" y="3653325"/>
+              <a:ext cx="1685077" cy="369332"/>
             </a:xfrm>
             <a:prstGeom prst="rect">
               <a:avLst/>
@@ -17594,525 +18800,7 @@
             <a:p>
               <a:r>
                 <a:rPr lang="en-US" sz="1800" dirty="0"/>
-                <a:t>200</a:t>
-              </a:r>
-            </a:p>
-          </p:txBody>
-        </p:sp>
-        <p:sp>
-          <p:nvSpPr>
-            <p:cNvPr id="73" name="TextBox 72">
-              <a:extLst>
-                <a:ext uri="{FF2B5EF4-FFF2-40B4-BE49-F238E27FC236}">
-                  <a16:creationId xmlns:a16="http://schemas.microsoft.com/office/drawing/2014/main" id="{7D5F371E-A21E-4C6E-A0B0-A42812DA92BB}"/>
-                </a:ext>
-              </a:extLst>
-            </p:cNvPr>
-            <p:cNvSpPr txBox="1"/>
-            <p:nvPr/>
-          </p:nvSpPr>
-          <p:spPr>
-            <a:xfrm>
-              <a:off x="2819401" y="2353548"/>
-              <a:ext cx="569387" cy="369332"/>
-            </a:xfrm>
-            <a:prstGeom prst="rect">
-              <a:avLst/>
-            </a:prstGeom>
-            <a:noFill/>
-          </p:spPr>
-          <p:txBody>
-            <a:bodyPr wrap="none" rtlCol="0">
-              <a:spAutoFit/>
-            </a:bodyPr>
-            <a:lstStyle/>
-            <a:p>
-              <a:r>
-                <a:rPr lang="en-US" sz="1800" dirty="0"/>
-                <a:t>204</a:t>
-              </a:r>
-            </a:p>
-          </p:txBody>
-        </p:sp>
-        <p:sp>
-          <p:nvSpPr>
-            <p:cNvPr id="74" name="TextBox 73">
-              <a:extLst>
-                <a:ext uri="{FF2B5EF4-FFF2-40B4-BE49-F238E27FC236}">
-                  <a16:creationId xmlns:a16="http://schemas.microsoft.com/office/drawing/2014/main" id="{314D2A39-5609-4923-AA08-AB9FB75E8DD8}"/>
-                </a:ext>
-              </a:extLst>
-            </p:cNvPr>
-            <p:cNvSpPr txBox="1"/>
-            <p:nvPr/>
-          </p:nvSpPr>
-          <p:spPr>
-            <a:xfrm>
-              <a:off x="2819400" y="2718325"/>
-              <a:ext cx="569388" cy="369332"/>
-            </a:xfrm>
-            <a:prstGeom prst="rect">
-              <a:avLst/>
-            </a:prstGeom>
-            <a:noFill/>
-          </p:spPr>
-          <p:txBody>
-            <a:bodyPr wrap="none" rtlCol="0">
-              <a:spAutoFit/>
-            </a:bodyPr>
-            <a:lstStyle/>
-            <a:p>
-              <a:r>
-                <a:rPr lang="en-US" sz="1800" dirty="0"/>
-                <a:t>208</a:t>
-              </a:r>
-            </a:p>
-          </p:txBody>
-        </p:sp>
-        <p:sp>
-          <p:nvSpPr>
-            <p:cNvPr id="76" name="TextBox 75">
-              <a:extLst>
-                <a:ext uri="{FF2B5EF4-FFF2-40B4-BE49-F238E27FC236}">
-                  <a16:creationId xmlns:a16="http://schemas.microsoft.com/office/drawing/2014/main" id="{03FC58D0-0DFB-41BF-B004-B8A24DF19F40}"/>
-                </a:ext>
-              </a:extLst>
-            </p:cNvPr>
-            <p:cNvSpPr txBox="1"/>
-            <p:nvPr/>
-          </p:nvSpPr>
-          <p:spPr>
-            <a:xfrm>
-              <a:off x="5791200" y="2710509"/>
-              <a:ext cx="300083" cy="369332"/>
-            </a:xfrm>
-            <a:prstGeom prst="rect">
-              <a:avLst/>
-            </a:prstGeom>
-            <a:noFill/>
-          </p:spPr>
-          <p:txBody>
-            <a:bodyPr wrap="none" rtlCol="0">
-              <a:spAutoFit/>
-            </a:bodyPr>
-            <a:lstStyle/>
-            <a:p>
-              <a:r>
-                <a:rPr lang="en-US" sz="1800" dirty="0"/>
-                <a:t>x</a:t>
-              </a:r>
-            </a:p>
-          </p:txBody>
-        </p:sp>
-        <p:sp>
-          <p:nvSpPr>
-            <p:cNvPr id="77" name="TextBox 76">
-              <a:extLst>
-                <a:ext uri="{FF2B5EF4-FFF2-40B4-BE49-F238E27FC236}">
-                  <a16:creationId xmlns:a16="http://schemas.microsoft.com/office/drawing/2014/main" id="{62061F1D-676D-43D4-B9CA-DB52FB119596}"/>
-                </a:ext>
-              </a:extLst>
-            </p:cNvPr>
-            <p:cNvSpPr txBox="1"/>
-            <p:nvPr/>
-          </p:nvSpPr>
-          <p:spPr>
-            <a:xfrm>
-              <a:off x="5795918" y="3081440"/>
-              <a:ext cx="300082" cy="369332"/>
-            </a:xfrm>
-            <a:prstGeom prst="rect">
-              <a:avLst/>
-            </a:prstGeom>
-            <a:noFill/>
-          </p:spPr>
-          <p:txBody>
-            <a:bodyPr wrap="none" rtlCol="0">
-              <a:spAutoFit/>
-            </a:bodyPr>
-            <a:lstStyle/>
-            <a:p>
-              <a:r>
-                <a:rPr lang="en-US" sz="1800" dirty="0"/>
-                <a:t>y</a:t>
-              </a:r>
-            </a:p>
-          </p:txBody>
-        </p:sp>
-        <p:sp>
-          <p:nvSpPr>
-            <p:cNvPr id="21" name="TextBox 20">
-              <a:extLst>
-                <a:ext uri="{FF2B5EF4-FFF2-40B4-BE49-F238E27FC236}">
-                  <a16:creationId xmlns:a16="http://schemas.microsoft.com/office/drawing/2014/main" id="{AB841B8B-8949-425B-86CF-937F49018DBE}"/>
-                </a:ext>
-              </a:extLst>
-            </p:cNvPr>
-            <p:cNvSpPr txBox="1"/>
-            <p:nvPr/>
-          </p:nvSpPr>
-          <p:spPr>
-            <a:xfrm>
-              <a:off x="1676400" y="1988771"/>
-              <a:ext cx="492443" cy="369332"/>
-            </a:xfrm>
-            <a:prstGeom prst="rect">
-              <a:avLst/>
-            </a:prstGeom>
-            <a:noFill/>
-          </p:spPr>
-          <p:txBody>
-            <a:bodyPr wrap="none" rtlCol="0">
-              <a:spAutoFit/>
-            </a:bodyPr>
-            <a:lstStyle/>
-            <a:p>
-              <a:r>
-                <a:rPr lang="en-US" sz="1800" dirty="0"/>
-                <a:t>BP</a:t>
-              </a:r>
-            </a:p>
-          </p:txBody>
-        </p:sp>
-        <p:sp>
-          <p:nvSpPr>
-            <p:cNvPr id="22" name="TextBox 21">
-              <a:extLst>
-                <a:ext uri="{FF2B5EF4-FFF2-40B4-BE49-F238E27FC236}">
-                  <a16:creationId xmlns:a16="http://schemas.microsoft.com/office/drawing/2014/main" id="{5C971F6B-A50E-44FF-8236-6A6813B34770}"/>
-                </a:ext>
-              </a:extLst>
-            </p:cNvPr>
-            <p:cNvSpPr txBox="1"/>
-            <p:nvPr/>
-          </p:nvSpPr>
-          <p:spPr>
-            <a:xfrm>
-              <a:off x="1676400" y="3812657"/>
-              <a:ext cx="492443" cy="369332"/>
-            </a:xfrm>
-            <a:prstGeom prst="rect">
-              <a:avLst/>
-            </a:prstGeom>
-            <a:noFill/>
-          </p:spPr>
-          <p:txBody>
-            <a:bodyPr wrap="none" rtlCol="0">
-              <a:spAutoFit/>
-            </a:bodyPr>
-            <a:lstStyle/>
-            <a:p>
-              <a:r>
-                <a:rPr lang="en-US" sz="1800" dirty="0"/>
-                <a:t>SP</a:t>
-              </a:r>
-            </a:p>
-          </p:txBody>
-        </p:sp>
-        <p:cxnSp>
-          <p:nvCxnSpPr>
-            <p:cNvPr id="6" name="Straight Arrow Connector 5">
-              <a:extLst>
-                <a:ext uri="{FF2B5EF4-FFF2-40B4-BE49-F238E27FC236}">
-                  <a16:creationId xmlns:a16="http://schemas.microsoft.com/office/drawing/2014/main" id="{0A106FBB-345C-44C4-9643-9EAD3CCD65A3}"/>
-                </a:ext>
-              </a:extLst>
-            </p:cNvPr>
-            <p:cNvCxnSpPr>
-              <a:cxnSpLocks/>
-              <a:stCxn id="21" idx="3"/>
-              <a:endCxn id="72" idx="1"/>
-            </p:cNvCxnSpPr>
-            <p:nvPr/>
-          </p:nvCxnSpPr>
-          <p:spPr bwMode="auto">
-            <a:xfrm>
-              <a:off x="2168843" y="2173437"/>
-              <a:ext cx="650557" cy="0"/>
-            </a:xfrm>
-            <a:prstGeom prst="straightConnector1">
-              <a:avLst/>
-            </a:prstGeom>
-            <a:noFill/>
-            <a:ln w="9525" cap="flat" cmpd="sng" algn="ctr">
-              <a:solidFill>
-                <a:schemeClr val="tx1"/>
-              </a:solidFill>
-              <a:prstDash val="solid"/>
-              <a:round/>
-              <a:headEnd type="none" w="med" len="med"/>
-              <a:tailEnd type="triangle"/>
-            </a:ln>
-            <a:effectLst/>
-          </p:spPr>
-        </p:cxnSp>
-        <p:cxnSp>
-          <p:nvCxnSpPr>
-            <p:cNvPr id="8" name="Straight Arrow Connector 7">
-              <a:extLst>
-                <a:ext uri="{FF2B5EF4-FFF2-40B4-BE49-F238E27FC236}">
-                  <a16:creationId xmlns:a16="http://schemas.microsoft.com/office/drawing/2014/main" id="{A9C85EE5-732F-429A-900E-1B7B21758369}"/>
-                </a:ext>
-              </a:extLst>
-            </p:cNvPr>
-            <p:cNvCxnSpPr>
-              <a:cxnSpLocks/>
-              <a:stCxn id="22" idx="3"/>
-              <a:endCxn id="24" idx="1"/>
-            </p:cNvCxnSpPr>
-            <p:nvPr/>
-          </p:nvCxnSpPr>
-          <p:spPr bwMode="auto">
-            <a:xfrm>
-              <a:off x="2168843" y="3997323"/>
-              <a:ext cx="650557" cy="0"/>
-            </a:xfrm>
-            <a:prstGeom prst="straightConnector1">
-              <a:avLst/>
-            </a:prstGeom>
-            <a:noFill/>
-            <a:ln w="9525" cap="flat" cmpd="sng" algn="ctr">
-              <a:solidFill>
-                <a:schemeClr val="tx1"/>
-              </a:solidFill>
-              <a:prstDash val="solid"/>
-              <a:round/>
-              <a:headEnd type="none" w="med" len="med"/>
-              <a:tailEnd type="triangle"/>
-            </a:ln>
-            <a:effectLst/>
-          </p:spPr>
-        </p:cxnSp>
-        <p:sp>
-          <p:nvSpPr>
-            <p:cNvPr id="28" name="TextBox 27">
-              <a:extLst>
-                <a:ext uri="{FF2B5EF4-FFF2-40B4-BE49-F238E27FC236}">
-                  <a16:creationId xmlns:a16="http://schemas.microsoft.com/office/drawing/2014/main" id="{19D5125A-908B-4812-91D8-0C630BA2F87E}"/>
-                </a:ext>
-              </a:extLst>
-            </p:cNvPr>
-            <p:cNvSpPr txBox="1"/>
-            <p:nvPr/>
-          </p:nvSpPr>
-          <p:spPr>
-            <a:xfrm>
-              <a:off x="3427027" y="3091899"/>
-              <a:ext cx="2286000" cy="369332"/>
-            </a:xfrm>
-            <a:prstGeom prst="rect">
-              <a:avLst/>
-            </a:prstGeom>
-            <a:solidFill>
-              <a:schemeClr val="bg1"/>
-            </a:solidFill>
-            <a:ln>
-              <a:solidFill>
-                <a:schemeClr val="tx1"/>
-              </a:solidFill>
-            </a:ln>
-          </p:spPr>
-          <p:txBody>
-            <a:bodyPr wrap="none" rtlCol="0">
-              <a:noAutofit/>
-            </a:bodyPr>
-            <a:lstStyle/>
-            <a:p>
-              <a:pPr marL="91440" algn="l"/>
-              <a:r>
-                <a:rPr lang="en-US" sz="1800" dirty="0"/>
-                <a:t>6</a:t>
-              </a:r>
-            </a:p>
-          </p:txBody>
-        </p:sp>
-        <p:sp>
-          <p:nvSpPr>
-            <p:cNvPr id="29" name="TextBox 28">
-              <a:extLst>
-                <a:ext uri="{FF2B5EF4-FFF2-40B4-BE49-F238E27FC236}">
-                  <a16:creationId xmlns:a16="http://schemas.microsoft.com/office/drawing/2014/main" id="{5EEA69FA-6414-4647-BC93-6FD115E6F199}"/>
-                </a:ext>
-              </a:extLst>
-            </p:cNvPr>
-            <p:cNvSpPr txBox="1"/>
-            <p:nvPr/>
-          </p:nvSpPr>
-          <p:spPr>
-            <a:xfrm>
-              <a:off x="2819400" y="3083102"/>
-              <a:ext cx="569388" cy="369332"/>
-            </a:xfrm>
-            <a:prstGeom prst="rect">
-              <a:avLst/>
-            </a:prstGeom>
-            <a:noFill/>
-          </p:spPr>
-          <p:txBody>
-            <a:bodyPr wrap="none" rtlCol="0">
-              <a:spAutoFit/>
-            </a:bodyPr>
-            <a:lstStyle/>
-            <a:p>
-              <a:r>
-                <a:rPr lang="en-US" sz="1800" dirty="0"/>
-                <a:t>212</a:t>
-              </a:r>
-            </a:p>
-          </p:txBody>
-        </p:sp>
-        <p:sp>
-          <p:nvSpPr>
-            <p:cNvPr id="30" name="TextBox 29">
-              <a:extLst>
-                <a:ext uri="{FF2B5EF4-FFF2-40B4-BE49-F238E27FC236}">
-                  <a16:creationId xmlns:a16="http://schemas.microsoft.com/office/drawing/2014/main" id="{D71C7B3F-2738-4421-AAD1-B7BA92B38C7F}"/>
-                </a:ext>
-              </a:extLst>
-            </p:cNvPr>
-            <p:cNvSpPr txBox="1"/>
-            <p:nvPr/>
-          </p:nvSpPr>
-          <p:spPr>
-            <a:xfrm>
-              <a:off x="3427027" y="3461231"/>
-              <a:ext cx="2286000" cy="369332"/>
-            </a:xfrm>
-            <a:prstGeom prst="rect">
-              <a:avLst/>
-            </a:prstGeom>
-            <a:solidFill>
-              <a:schemeClr val="bg1"/>
-            </a:solidFill>
-            <a:ln>
-              <a:solidFill>
-                <a:schemeClr val="tx1"/>
-              </a:solidFill>
-            </a:ln>
-          </p:spPr>
-          <p:txBody>
-            <a:bodyPr wrap="none" rtlCol="0">
-              <a:noAutofit/>
-            </a:bodyPr>
-            <a:lstStyle/>
-            <a:p>
-              <a:pPr marL="91440" algn="l"/>
-              <a:r>
-                <a:rPr lang="en-US" sz="1800" dirty="0"/>
-                <a:t>208 (address of x)</a:t>
-              </a:r>
-            </a:p>
-          </p:txBody>
-        </p:sp>
-        <p:sp>
-          <p:nvSpPr>
-            <p:cNvPr id="31" name="TextBox 30">
-              <a:extLst>
-                <a:ext uri="{FF2B5EF4-FFF2-40B4-BE49-F238E27FC236}">
-                  <a16:creationId xmlns:a16="http://schemas.microsoft.com/office/drawing/2014/main" id="{E6A72BF6-7B5B-4673-95A5-AD06EE024B99}"/>
-                </a:ext>
-              </a:extLst>
-            </p:cNvPr>
-            <p:cNvSpPr txBox="1"/>
-            <p:nvPr/>
-          </p:nvSpPr>
-          <p:spPr>
-            <a:xfrm>
-              <a:off x="2819400" y="3447879"/>
-              <a:ext cx="569388" cy="369332"/>
-            </a:xfrm>
-            <a:prstGeom prst="rect">
-              <a:avLst/>
-            </a:prstGeom>
-            <a:noFill/>
-          </p:spPr>
-          <p:txBody>
-            <a:bodyPr wrap="none" rtlCol="0">
-              <a:spAutoFit/>
-            </a:bodyPr>
-            <a:lstStyle/>
-            <a:p>
-              <a:r>
-                <a:rPr lang="en-US" sz="1800" dirty="0"/>
-                <a:t>216</a:t>
-              </a:r>
-            </a:p>
-          </p:txBody>
-        </p:sp>
-        <p:sp>
-          <p:nvSpPr>
-            <p:cNvPr id="23" name="TextBox 22">
-              <a:extLst>
-                <a:ext uri="{FF2B5EF4-FFF2-40B4-BE49-F238E27FC236}">
-                  <a16:creationId xmlns:a16="http://schemas.microsoft.com/office/drawing/2014/main" id="{DB27667B-2D24-4EAD-845F-63661F64AA22}"/>
-                </a:ext>
-              </a:extLst>
-            </p:cNvPr>
-            <p:cNvSpPr txBox="1"/>
-            <p:nvPr/>
-          </p:nvSpPr>
-          <p:spPr>
-            <a:xfrm>
-              <a:off x="3427027" y="3808791"/>
-              <a:ext cx="2286000" cy="369332"/>
-            </a:xfrm>
-            <a:prstGeom prst="rect">
-              <a:avLst/>
-            </a:prstGeom>
-            <a:solidFill>
-              <a:schemeClr val="bg1"/>
-            </a:solidFill>
-            <a:ln>
-              <a:solidFill>
-                <a:schemeClr val="tx1"/>
-              </a:solidFill>
-            </a:ln>
-          </p:spPr>
-          <p:txBody>
-            <a:bodyPr wrap="none" rtlCol="0">
-              <a:noAutofit/>
-            </a:bodyPr>
-            <a:lstStyle/>
-            <a:p>
-              <a:pPr marL="91440" algn="l"/>
-              <a:r>
-                <a:rPr lang="en-US" sz="1800" dirty="0"/>
-                <a:t>7 (sum)</a:t>
-              </a:r>
-            </a:p>
-          </p:txBody>
-        </p:sp>
-        <p:sp>
-          <p:nvSpPr>
-            <p:cNvPr id="24" name="TextBox 23">
-              <a:extLst>
-                <a:ext uri="{FF2B5EF4-FFF2-40B4-BE49-F238E27FC236}">
-                  <a16:creationId xmlns:a16="http://schemas.microsoft.com/office/drawing/2014/main" id="{3E606A56-2D95-413E-ADB3-6428DF8D5654}"/>
-                </a:ext>
-              </a:extLst>
-            </p:cNvPr>
-            <p:cNvSpPr txBox="1"/>
-            <p:nvPr/>
-          </p:nvSpPr>
-          <p:spPr>
-            <a:xfrm>
-              <a:off x="2819400" y="3812657"/>
-              <a:ext cx="569388" cy="369332"/>
-            </a:xfrm>
-            <a:prstGeom prst="rect">
-              <a:avLst/>
-            </a:prstGeom>
-            <a:noFill/>
-          </p:spPr>
-          <p:txBody>
-            <a:bodyPr wrap="none" rtlCol="0">
-              <a:spAutoFit/>
-            </a:bodyPr>
-            <a:lstStyle/>
-            <a:p>
-              <a:r>
-                <a:rPr lang="en-US" sz="1800" dirty="0"/>
-                <a:t>220</a:t>
+                <a:t>temporary part</a:t>
               </a:r>
             </a:p>
           </p:txBody>
@@ -18121,7 +18809,7 @@
     </p:spTree>
     <p:extLst>
       <p:ext uri="{BB962C8B-B14F-4D97-AF65-F5344CB8AC3E}">
-        <p14:creationId xmlns:p14="http://schemas.microsoft.com/office/powerpoint/2010/main" val="2667728158"/>
+        <p14:creationId xmlns:p14="http://schemas.microsoft.com/office/powerpoint/2010/main" val="393782633"/>
       </p:ext>
     </p:extLst>
   </p:cSld>
@@ -18258,12 +18946,53 @@
           </a:p>
         </p:txBody>
       </p:sp>
+      <p:sp>
+        <p:nvSpPr>
+          <p:cNvPr id="27" name="TextBox 26">
+            <a:extLst>
+              <a:ext uri="{FF2B5EF4-FFF2-40B4-BE49-F238E27FC236}">
+                <a16:creationId xmlns:a16="http://schemas.microsoft.com/office/drawing/2014/main" id="{9CF3ED0A-3723-4A15-AD95-6864688DE62A}"/>
+              </a:ext>
+            </a:extLst>
+          </p:cNvPr>
+          <p:cNvSpPr txBox="1"/>
+          <p:nvPr/>
+        </p:nvSpPr>
+        <p:spPr>
+          <a:xfrm>
+            <a:off x="822960" y="1345896"/>
+            <a:ext cx="3684022" cy="461665"/>
+          </a:xfrm>
+          <a:prstGeom prst="rect">
+            <a:avLst/>
+          </a:prstGeom>
+          <a:noFill/>
+        </p:spPr>
+        <p:txBody>
+          <a:bodyPr wrap="none" rtlCol="0">
+            <a:spAutoFit/>
+          </a:bodyPr>
+          <a:lstStyle/>
+          <a:p>
+            <a:r>
+              <a:rPr lang="en-US" dirty="0"/>
+              <a:t>After execution of </a:t>
+            </a:r>
+            <a:r>
+              <a:rPr lang="en-US" dirty="0">
+                <a:latin typeface="Consolas" panose="020B0609020204030204" pitchFamily="49" charset="0"/>
+              </a:rPr>
+              <a:t>STOREW</a:t>
+            </a:r>
+          </a:p>
+        </p:txBody>
+      </p:sp>
       <p:grpSp>
         <p:nvGrpSpPr>
-          <p:cNvPr id="9" name="Group 8">
+          <p:cNvPr id="3" name="Group 2">
             <a:extLst>
               <a:ext uri="{FF2B5EF4-FFF2-40B4-BE49-F238E27FC236}">
-                <a16:creationId xmlns:a16="http://schemas.microsoft.com/office/drawing/2014/main" id="{BF26B5B6-44A7-4B39-8E80-4ADA9E3AFAA3}"/>
+                <a16:creationId xmlns:a16="http://schemas.microsoft.com/office/drawing/2014/main" id="{BF11AF20-B056-4B6E-B5EC-908814E17B73}"/>
               </a:ext>
             </a:extLst>
           </p:cNvPr>
@@ -18273,9 +19002,9 @@
         <p:grpSpPr>
           <a:xfrm>
             <a:off x="1676400" y="1981200"/>
-            <a:ext cx="4419600" cy="4023360"/>
+            <a:ext cx="6113780" cy="4023360"/>
             <a:chOff x="1676400" y="1981200"/>
-            <a:chExt cx="4419600" cy="4023360"/>
+            <a:chExt cx="6113780" cy="4023360"/>
           </a:xfrm>
         </p:grpSpPr>
         <p:sp>
@@ -18608,7 +19337,7 @@
           </p:nvSpPr>
           <p:spPr>
             <a:xfrm>
-              <a:off x="5795918" y="3081440"/>
+              <a:off x="5791200" y="3081440"/>
               <a:ext cx="300082" cy="369332"/>
             </a:xfrm>
             <a:prstGeom prst="rect">
@@ -18851,152 +19580,97 @@
             </a:p>
           </p:txBody>
         </p:sp>
+        <p:sp>
+          <p:nvSpPr>
+            <p:cNvPr id="33" name="TextBox 32">
+              <a:extLst>
+                <a:ext uri="{FF2B5EF4-FFF2-40B4-BE49-F238E27FC236}">
+                  <a16:creationId xmlns:a16="http://schemas.microsoft.com/office/drawing/2014/main" id="{ED99B209-FB75-4C41-B89D-39246426418C}"/>
+                </a:ext>
+              </a:extLst>
+            </p:cNvPr>
+            <p:cNvSpPr txBox="1"/>
+            <p:nvPr/>
+          </p:nvSpPr>
+          <p:spPr>
+            <a:xfrm>
+              <a:off x="6477000" y="2587650"/>
+              <a:ext cx="1313180" cy="646331"/>
+            </a:xfrm>
+            <a:prstGeom prst="rect">
+              <a:avLst/>
+            </a:prstGeom>
+            <a:noFill/>
+          </p:spPr>
+          <p:txBody>
+            <a:bodyPr wrap="none" rtlCol="0">
+              <a:spAutoFit/>
+            </a:bodyPr>
+            <a:lstStyle/>
+            <a:p>
+              <a:pPr algn="l"/>
+              <a:r>
+                <a:rPr lang="en-US" sz="1800" dirty="0"/>
+                <a:t>x  now has</a:t>
+              </a:r>
+            </a:p>
+            <a:p>
+              <a:pPr algn="l"/>
+              <a:r>
+                <a:rPr lang="en-US" sz="1800" dirty="0"/>
+                <a:t>the value 7</a:t>
+              </a:r>
+            </a:p>
+          </p:txBody>
+        </p:sp>
+        <p:sp>
+          <p:nvSpPr>
+            <p:cNvPr id="24" name="TextBox 23">
+              <a:extLst>
+                <a:ext uri="{FF2B5EF4-FFF2-40B4-BE49-F238E27FC236}">
+                  <a16:creationId xmlns:a16="http://schemas.microsoft.com/office/drawing/2014/main" id="{6F96ED24-C652-477B-9A47-9E445831C4D9}"/>
+                </a:ext>
+              </a:extLst>
+            </p:cNvPr>
+            <p:cNvSpPr txBox="1"/>
+            <p:nvPr/>
+          </p:nvSpPr>
+          <p:spPr>
+            <a:xfrm>
+              <a:off x="5791200" y="3470564"/>
+              <a:ext cx="1685077" cy="646331"/>
+            </a:xfrm>
+            <a:prstGeom prst="rect">
+              <a:avLst/>
+            </a:prstGeom>
+            <a:noFill/>
+          </p:spPr>
+          <p:txBody>
+            <a:bodyPr wrap="none" rtlCol="0">
+              <a:spAutoFit/>
+            </a:bodyPr>
+            <a:lstStyle/>
+            <a:p>
+              <a:pPr algn="l"/>
+              <a:r>
+                <a:rPr lang="en-US" sz="1800" dirty="0"/>
+                <a:t>temporary part</a:t>
+              </a:r>
+            </a:p>
+            <a:p>
+              <a:pPr algn="l"/>
+              <a:r>
+                <a:rPr lang="en-US" sz="1800" dirty="0"/>
+                <a:t>is empty again</a:t>
+              </a:r>
+            </a:p>
+          </p:txBody>
+        </p:sp>
       </p:grpSp>
-      <p:sp>
-        <p:nvSpPr>
-          <p:cNvPr id="27" name="TextBox 26">
-            <a:extLst>
-              <a:ext uri="{FF2B5EF4-FFF2-40B4-BE49-F238E27FC236}">
-                <a16:creationId xmlns:a16="http://schemas.microsoft.com/office/drawing/2014/main" id="{9CF3ED0A-3723-4A15-AD95-6864688DE62A}"/>
-              </a:ext>
-            </a:extLst>
-          </p:cNvPr>
-          <p:cNvSpPr txBox="1"/>
-          <p:nvPr/>
-        </p:nvSpPr>
-        <p:spPr>
-          <a:xfrm>
-            <a:off x="822960" y="1345896"/>
-            <a:ext cx="3684022" cy="461665"/>
-          </a:xfrm>
-          <a:prstGeom prst="rect">
-            <a:avLst/>
-          </a:prstGeom>
-          <a:noFill/>
-        </p:spPr>
-        <p:txBody>
-          <a:bodyPr wrap="none" rtlCol="0">
-            <a:spAutoFit/>
-          </a:bodyPr>
-          <a:lstStyle/>
-          <a:p>
-            <a:r>
-              <a:rPr lang="en-US" dirty="0"/>
-              <a:t>After execution of </a:t>
-            </a:r>
-            <a:r>
-              <a:rPr lang="en-US" dirty="0">
-                <a:latin typeface="Consolas" panose="020B0609020204030204" pitchFamily="49" charset="0"/>
-              </a:rPr>
-              <a:t>STOREW</a:t>
-            </a:r>
-          </a:p>
-        </p:txBody>
-      </p:sp>
-      <p:sp>
-        <p:nvSpPr>
-          <p:cNvPr id="32" name="TextBox 31">
-            <a:extLst>
-              <a:ext uri="{FF2B5EF4-FFF2-40B4-BE49-F238E27FC236}">
-                <a16:creationId xmlns:a16="http://schemas.microsoft.com/office/drawing/2014/main" id="{CA794F88-7E41-4BF2-A554-CEF5DF62887A}"/>
-              </a:ext>
-            </a:extLst>
-          </p:cNvPr>
-          <p:cNvSpPr txBox="1"/>
-          <p:nvPr/>
-        </p:nvSpPr>
-        <p:spPr>
-          <a:xfrm>
-            <a:off x="1981200" y="3905071"/>
-            <a:ext cx="1223412" cy="1200329"/>
-          </a:xfrm>
-          <a:prstGeom prst="rect">
-            <a:avLst/>
-          </a:prstGeom>
-          <a:noFill/>
-        </p:spPr>
-        <p:txBody>
-          <a:bodyPr wrap="none" rtlCol="0">
-            <a:spAutoFit/>
-          </a:bodyPr>
-          <a:lstStyle/>
-          <a:p>
-            <a:pPr algn="l"/>
-            <a:r>
-              <a:rPr lang="en-US" sz="1800" dirty="0"/>
-              <a:t>temporary</a:t>
-            </a:r>
-          </a:p>
-          <a:p>
-            <a:pPr algn="l"/>
-            <a:r>
-              <a:rPr lang="en-US" sz="1800" dirty="0"/>
-              <a:t>part is</a:t>
-            </a:r>
-          </a:p>
-          <a:p>
-            <a:pPr algn="l"/>
-            <a:r>
-              <a:rPr lang="en-US" sz="1800" dirty="0"/>
-              <a:t>empty</a:t>
-            </a:r>
-          </a:p>
-          <a:p>
-            <a:pPr algn="l"/>
-            <a:r>
-              <a:rPr lang="en-US" sz="1800" dirty="0"/>
-              <a:t>again</a:t>
-            </a:r>
-          </a:p>
-        </p:txBody>
-      </p:sp>
-      <p:sp>
-        <p:nvSpPr>
-          <p:cNvPr id="33" name="TextBox 32">
-            <a:extLst>
-              <a:ext uri="{FF2B5EF4-FFF2-40B4-BE49-F238E27FC236}">
-                <a16:creationId xmlns:a16="http://schemas.microsoft.com/office/drawing/2014/main" id="{ED99B209-FB75-4C41-B89D-39246426418C}"/>
-              </a:ext>
-            </a:extLst>
-          </p:cNvPr>
-          <p:cNvSpPr txBox="1"/>
-          <p:nvPr/>
-        </p:nvSpPr>
-        <p:spPr>
-          <a:xfrm>
-            <a:off x="6567714" y="2587650"/>
-            <a:ext cx="1313180" cy="646331"/>
-          </a:xfrm>
-          <a:prstGeom prst="rect">
-            <a:avLst/>
-          </a:prstGeom>
-          <a:noFill/>
-        </p:spPr>
-        <p:txBody>
-          <a:bodyPr wrap="none" rtlCol="0">
-            <a:spAutoFit/>
-          </a:bodyPr>
-          <a:lstStyle/>
-          <a:p>
-            <a:pPr algn="l"/>
-            <a:r>
-              <a:rPr lang="en-US" sz="1800" dirty="0"/>
-              <a:t>x  now has</a:t>
-            </a:r>
-          </a:p>
-          <a:p>
-            <a:pPr algn="l"/>
-            <a:r>
-              <a:rPr lang="en-US" sz="1800" dirty="0"/>
-              <a:t>the value 7</a:t>
-            </a:r>
-          </a:p>
-        </p:txBody>
-      </p:sp>
     </p:spTree>
     <p:extLst>
       <p:ext uri="{BB962C8B-B14F-4D97-AF65-F5344CB8AC3E}">
-        <p14:creationId xmlns:p14="http://schemas.microsoft.com/office/powerpoint/2010/main" val="2325343506"/>
+        <p14:creationId xmlns:p14="http://schemas.microsoft.com/office/powerpoint/2010/main" val="2320354100"/>
       </p:ext>
     </p:extLst>
   </p:cSld>

--- a/PowerPoint Slides/13 - Subprograms.pptx
+++ b/PowerPoint Slides/13 - Subprograms.pptx
@@ -35498,12 +35498,16 @@
               <a:t>writeln</a:t>
             </a:r>
             <a:r>
-              <a:rPr lang="en-US" sz="1800" dirty="0">
+              <a:rPr lang="en-US" sz="1800">
                 <a:latin typeface="Consolas" pitchFamily="49" charset="0"/>
                 <a:cs typeface="Consolas" pitchFamily="49" charset="0"/>
               </a:rPr>
-              <a:t>(x);</a:t>
-            </a:r>
+              <a:t> x;</a:t>
+            </a:r>
+            <a:endParaRPr lang="en-US" sz="1800" dirty="0">
+              <a:latin typeface="Consolas" pitchFamily="49" charset="0"/>
+              <a:cs typeface="Consolas" pitchFamily="49" charset="0"/>
+            </a:endParaRPr>
           </a:p>
           <a:p>
             <a:pPr marL="274320" indent="0">
